--- a/임시 로우레벨디자인.pptx
+++ b/임시 로우레벨디자인.pptx
@@ -12,6 +12,7 @@
     <p:sldId id="257" r:id="rId7"/>
     <p:sldId id="258" r:id="rId8"/>
     <p:sldId id="259" r:id="rId9"/>
+    <p:sldId id="260" r:id="rId10"/>
   </p:sldIdLst>
   <p:sldSz cy="5143500" cx="9144000"/>
   <p:notesSz cx="6858000" cy="9144000"/>
@@ -892,7 +893,7 @@
   <p:cSld>
     <p:spTree>
       <p:nvGrpSpPr>
-        <p:cNvPr id="80" name="Shape 80"/>
+        <p:cNvPr id="82" name="Shape 82"/>
         <p:cNvGrpSpPr/>
         <p:nvPr/>
       </p:nvGrpSpPr>
@@ -906,7 +907,7 @@
       </p:grpSpPr>
       <p:sp>
         <p:nvSpPr>
-          <p:cNvPr id="81" name="Google Shape;81;g25e82330e14_0_13:notes"/>
+          <p:cNvPr id="83" name="Google Shape;83;g25e82330e14_0_13:notes"/>
           <p:cNvSpPr/>
           <p:nvPr>
             <p:ph idx="2" type="sldImg"/>
@@ -941,7 +942,7 @@
       </p:sp>
       <p:sp>
         <p:nvSpPr>
-          <p:cNvPr id="82" name="Google Shape;82;g25e82330e14_0_13:notes"/>
+          <p:cNvPr id="84" name="Google Shape;84;g25e82330e14_0_13:notes"/>
           <p:cNvSpPr txBox="1"/>
           <p:nvPr>
             <p:ph idx="1" type="body"/>
@@ -991,7 +992,7 @@
   <p:cSld>
     <p:spTree>
       <p:nvGrpSpPr>
-        <p:cNvPr id="88" name="Shape 88"/>
+        <p:cNvPr id="90" name="Shape 90"/>
         <p:cNvGrpSpPr/>
         <p:nvPr/>
       </p:nvGrpSpPr>
@@ -1005,7 +1006,7 @@
       </p:grpSpPr>
       <p:sp>
         <p:nvSpPr>
-          <p:cNvPr id="89" name="Google Shape;89;g25e82330e14_0_23:notes"/>
+          <p:cNvPr id="91" name="Google Shape;91;g25e82330e14_0_23:notes"/>
           <p:cNvSpPr/>
           <p:nvPr>
             <p:ph idx="2" type="sldImg"/>
@@ -1040,7 +1041,106 @@
       </p:sp>
       <p:sp>
         <p:nvSpPr>
-          <p:cNvPr id="90" name="Google Shape;90;g25e82330e14_0_23:notes"/>
+          <p:cNvPr id="92" name="Google Shape;92;g25e82330e14_0_23:notes"/>
+          <p:cNvSpPr txBox="1"/>
+          <p:nvPr>
+            <p:ph idx="1" type="body"/>
+          </p:nvPr>
+        </p:nvSpPr>
+        <p:spPr>
+          <a:xfrm>
+            <a:off x="685800" y="4343400"/>
+            <a:ext cx="5486400" cy="4114800"/>
+          </a:xfrm>
+          <a:prstGeom prst="rect">
+            <a:avLst/>
+          </a:prstGeom>
+        </p:spPr>
+        <p:txBody>
+          <a:bodyPr anchorCtr="0" anchor="t" bIns="91425" lIns="91425" spcFirstLastPara="1" rIns="91425" wrap="square" tIns="91425">
+            <a:noAutofit/>
+          </a:bodyPr>
+          <a:lstStyle/>
+          <a:p>
+            <a:pPr indent="0" lvl="0" marL="0" rtl="0" algn="l">
+              <a:spcBef>
+                <a:spcPts val="0"/>
+              </a:spcBef>
+              <a:spcAft>
+                <a:spcPts val="0"/>
+              </a:spcAft>
+              <a:buNone/>
+            </a:pPr>
+            <a:r>
+              <a:t/>
+            </a:r>
+            <a:endParaRPr/>
+          </a:p>
+        </p:txBody>
+      </p:sp>
+    </p:spTree>
+  </p:cSld>
+  <p:clrMapOvr>
+    <a:masterClrMapping/>
+  </p:clrMapOvr>
+</p:notes>
+</file>
+
+<file path=ppt/notesSlides/notesSlide5.xml><?xml version="1.0" encoding="utf-8"?>
+<p:notes xmlns:a="http://schemas.openxmlformats.org/drawingml/2006/main" xmlns:r="http://schemas.openxmlformats.org/officeDocument/2006/relationships" xmlns:mc="http://schemas.openxmlformats.org/markup-compatibility/2006" xmlns:mv="urn:schemas-microsoft-com:mac:vml" xmlns:p="http://schemas.openxmlformats.org/presentationml/2006/main" xmlns:c="http://schemas.openxmlformats.org/drawingml/2006/chart" xmlns:dgm="http://schemas.openxmlformats.org/drawingml/2006/diagram" xmlns:o="urn:schemas-microsoft-com:office:office" xmlns:v="urn:schemas-microsoft-com:vml" xmlns:pvml="urn:schemas-microsoft-com:office:powerpoint" xmlns:com="http://schemas.openxmlformats.org/drawingml/2006/compatibility" xmlns:p14="http://schemas.microsoft.com/office/powerpoint/2010/main" xmlns:p15="http://schemas.microsoft.com/office/powerpoint/2012/main" xmlns:ahyp="http://schemas.microsoft.com/office/drawing/2018/hyperlinkcolor" showMasterPhAnim="0" showMasterSp="0">
+  <p:cSld>
+    <p:spTree>
+      <p:nvGrpSpPr>
+        <p:cNvPr id="97" name="Shape 97"/>
+        <p:cNvGrpSpPr/>
+        <p:nvPr/>
+      </p:nvGrpSpPr>
+      <p:grpSpPr>
+        <a:xfrm>
+          <a:off x="0" y="0"/>
+          <a:ext cx="0" cy="0"/>
+          <a:chOff x="0" y="0"/>
+          <a:chExt cx="0" cy="0"/>
+        </a:xfrm>
+      </p:grpSpPr>
+      <p:sp>
+        <p:nvSpPr>
+          <p:cNvPr id="98" name="Google Shape;98;g296abc544dd_0_2:notes"/>
+          <p:cNvSpPr/>
+          <p:nvPr>
+            <p:ph idx="2" type="sldImg"/>
+          </p:nvPr>
+        </p:nvSpPr>
+        <p:spPr>
+          <a:xfrm>
+            <a:off x="381300" y="685800"/>
+            <a:ext cx="6096000" cy="3429000"/>
+          </a:xfrm>
+          <a:custGeom>
+            <a:rect b="b" l="l" r="r" t="t"/>
+            <a:pathLst>
+              <a:path extrusionOk="0" h="120000" w="120000">
+                <a:moveTo>
+                  <a:pt x="0" y="0"/>
+                </a:moveTo>
+                <a:lnTo>
+                  <a:pt x="120000" y="0"/>
+                </a:lnTo>
+                <a:lnTo>
+                  <a:pt x="120000" y="120000"/>
+                </a:lnTo>
+                <a:lnTo>
+                  <a:pt x="0" y="120000"/>
+                </a:lnTo>
+                <a:close/>
+              </a:path>
+            </a:pathLst>
+          </a:custGeom>
+        </p:spPr>
+      </p:sp>
+      <p:sp>
+        <p:nvSpPr>
+          <p:cNvPr id="99" name="Google Shape;99;g296abc544dd_0_2:notes"/>
           <p:cNvSpPr txBox="1"/>
           <p:nvPr>
             <p:ph idx="1" type="body"/>
@@ -7961,7 +8061,7 @@
         </p:nvSpPr>
         <p:spPr>
           <a:xfrm>
-            <a:off x="389175" y="2220750"/>
+            <a:off x="389175" y="3006600"/>
             <a:ext cx="2633100" cy="351000"/>
           </a:xfrm>
           <a:prstGeom prst="roundRect">
@@ -8029,7 +8129,7 @@
         </p:nvSpPr>
         <p:spPr>
           <a:xfrm>
-            <a:off x="3022275" y="2068050"/>
+            <a:off x="3022275" y="2853900"/>
             <a:ext cx="2556600" cy="656400"/>
           </a:xfrm>
           <a:prstGeom prst="rect">
@@ -8063,6 +8163,100 @@
           </a:p>
         </p:txBody>
       </p:sp>
+      <p:sp>
+        <p:nvSpPr>
+          <p:cNvPr id="80" name="Google Shape;80;p14"/>
+          <p:cNvSpPr/>
+          <p:nvPr/>
+        </p:nvSpPr>
+        <p:spPr>
+          <a:xfrm>
+            <a:off x="389175" y="2075850"/>
+            <a:ext cx="2633100" cy="351000"/>
+          </a:xfrm>
+          <a:prstGeom prst="roundRect">
+            <a:avLst>
+              <a:gd fmla="val 16667" name="adj"/>
+            </a:avLst>
+          </a:prstGeom>
+          <a:solidFill>
+            <a:schemeClr val="lt2"/>
+          </a:solidFill>
+          <a:ln cap="flat" cmpd="sng" w="9525">
+            <a:solidFill>
+              <a:schemeClr val="dk2"/>
+            </a:solidFill>
+            <a:prstDash val="solid"/>
+            <a:round/>
+            <a:headEnd len="sm" w="sm" type="none"/>
+            <a:tailEnd len="sm" w="sm" type="none"/>
+          </a:ln>
+        </p:spPr>
+        <p:txBody>
+          <a:bodyPr anchorCtr="0" anchor="ctr" bIns="91425" lIns="91425" spcFirstLastPara="1" rIns="91425" wrap="square" tIns="91425">
+            <a:noAutofit/>
+          </a:bodyPr>
+          <a:lstStyle/>
+          <a:p>
+            <a:pPr indent="0" lvl="0" marL="0" rtl="0" algn="l">
+              <a:spcBef>
+                <a:spcPts val="0"/>
+              </a:spcBef>
+              <a:spcAft>
+                <a:spcPts val="0"/>
+              </a:spcAft>
+              <a:buNone/>
+            </a:pPr>
+            <a:r>
+              <a:rPr lang="ko" sz="900"/>
+              <a:t>arry&lt;2, SOCKET&gt; client_socket;</a:t>
+            </a:r>
+            <a:endParaRPr sz="900"/>
+          </a:p>
+        </p:txBody>
+      </p:sp>
+      <p:sp>
+        <p:nvSpPr>
+          <p:cNvPr id="81" name="Google Shape;81;p14"/>
+          <p:cNvSpPr txBox="1"/>
+          <p:nvPr/>
+        </p:nvSpPr>
+        <p:spPr>
+          <a:xfrm>
+            <a:off x="3121200" y="2037550"/>
+            <a:ext cx="2671200" cy="351000"/>
+          </a:xfrm>
+          <a:prstGeom prst="rect">
+            <a:avLst/>
+          </a:prstGeom>
+          <a:noFill/>
+          <a:ln>
+            <a:noFill/>
+          </a:ln>
+        </p:spPr>
+        <p:txBody>
+          <a:bodyPr anchorCtr="0" anchor="t" bIns="91425" lIns="91425" spcFirstLastPara="1" rIns="91425" wrap="square" tIns="91425">
+            <a:noAutofit/>
+          </a:bodyPr>
+          <a:lstStyle/>
+          <a:p>
+            <a:pPr indent="0" lvl="0" marL="0" rtl="0" algn="l">
+              <a:spcBef>
+                <a:spcPts val="0"/>
+              </a:spcBef>
+              <a:spcAft>
+                <a:spcPts val="0"/>
+              </a:spcAft>
+              <a:buNone/>
+            </a:pPr>
+            <a:r>
+              <a:rPr lang="ko" sz="900"/>
+              <a:t>접속한 클라이언트의 소켓을 저장하고 관리하는 배열 전역 변수로 선언된다.</a:t>
+            </a:r>
+            <a:endParaRPr sz="900"/>
+          </a:p>
+        </p:txBody>
+      </p:sp>
     </p:spTree>
   </p:cSld>
   <p:clrMapOvr>
@@ -8076,7 +8270,7 @@
   <p:cSld>
     <p:spTree>
       <p:nvGrpSpPr>
-        <p:cNvPr id="83" name="Shape 83"/>
+        <p:cNvPr id="85" name="Shape 85"/>
         <p:cNvGrpSpPr/>
         <p:nvPr/>
       </p:nvGrpSpPr>
@@ -8090,14 +8284,14 @@
       </p:grpSpPr>
       <p:sp>
         <p:nvSpPr>
-          <p:cNvPr id="84" name="Google Shape;84;p15"/>
+          <p:cNvPr id="86" name="Google Shape;86;p15"/>
           <p:cNvSpPr/>
           <p:nvPr/>
         </p:nvSpPr>
         <p:spPr>
           <a:xfrm>
-            <a:off x="511300" y="251850"/>
-            <a:ext cx="3266100" cy="3594300"/>
+            <a:off x="511300" y="259475"/>
+            <a:ext cx="3663000" cy="3594300"/>
           </a:xfrm>
           <a:prstGeom prst="snip1Rect">
             <a:avLst>
@@ -8346,7 +8540,23 @@
                   <a:schemeClr val="dk1"/>
                 </a:solidFill>
               </a:rPr>
-              <a:t>       step1. Transform Matrix Update</a:t>
+              <a:t>       st</a:t>
+            </a:r>
+            <a:r>
+              <a:rPr lang="ko" sz="900">
+                <a:solidFill>
+                  <a:schemeClr val="dk1"/>
+                </a:solidFill>
+              </a:rPr>
+              <a:t>ep1. Transform Matrix</a:t>
+            </a:r>
+            <a:r>
+              <a:rPr lang="ko" sz="900">
+                <a:solidFill>
+                  <a:schemeClr val="dk1"/>
+                </a:solidFill>
+              </a:rPr>
+              <a:t> Update</a:t>
             </a:r>
             <a:endParaRPr sz="900">
               <a:solidFill>
@@ -8558,7 +8768,7 @@
                   <a:schemeClr val="dk1"/>
                 </a:solidFill>
               </a:rPr>
-              <a:t>       send(c1_socket, (char*)packet_num,sizeof(int), 0);</a:t>
+              <a:t>       send(client_socket[0], (char*)packet_num,sizeof(int), 0);</a:t>
             </a:r>
             <a:endParaRPr sz="900">
               <a:solidFill>
@@ -8595,7 +8805,7 @@
                   <a:schemeClr val="dk1"/>
                 </a:solidFill>
               </a:rPr>
-              <a:t>send(c2_socket, (char*)packet_num,sizeof(int), 0);</a:t>
+              <a:t>send(client_socket[1], (char*)packet_num,sizeof(int), 0);</a:t>
             </a:r>
             <a:endParaRPr sz="900">
               <a:solidFill>
@@ -8677,7 +8887,7 @@
                   <a:schemeClr val="dk1"/>
                 </a:solidFill>
               </a:rPr>
-              <a:t>send(c1_socket,(char*)BUF,sizeof(),0);</a:t>
+              <a:t>send(client_socket[0],(char*)BUF,sizeof(),0);</a:t>
             </a:r>
             <a:endParaRPr sz="900">
               <a:solidFill>
@@ -8706,7 +8916,7 @@
                   <a:schemeClr val="dk1"/>
                 </a:solidFill>
               </a:rPr>
-              <a:t>send(c2_socket,(char*)BUF,sizeof(),0);</a:t>
+              <a:t>send(client_socket[1],(char*)BUF,sizeof(),0);</a:t>
             </a:r>
             <a:r>
               <a:rPr lang="ko" sz="900">
@@ -8784,7 +8994,7 @@
       </p:sp>
       <p:sp>
         <p:nvSpPr>
-          <p:cNvPr id="85" name="Google Shape;85;p15"/>
+          <p:cNvPr id="87" name="Google Shape;87;p15"/>
           <p:cNvSpPr/>
           <p:nvPr/>
         </p:nvSpPr>
@@ -8834,13 +9044,13 @@
       </p:sp>
       <p:sp>
         <p:nvSpPr>
-          <p:cNvPr id="86" name="Google Shape;86;p15"/>
+          <p:cNvPr id="88" name="Google Shape;88;p15"/>
           <p:cNvSpPr txBox="1"/>
           <p:nvPr/>
         </p:nvSpPr>
         <p:spPr>
           <a:xfrm>
-            <a:off x="4243000" y="2426750"/>
+            <a:off x="4258250" y="2426750"/>
             <a:ext cx="3357900" cy="2495400"/>
           </a:xfrm>
           <a:prstGeom prst="rect">
@@ -8868,7 +9078,7 @@
             </a:pPr>
             <a:r>
               <a:rPr lang="ko"/>
-              <a:t>현재 필요한 것 : </a:t>
+              <a:t>클라이언트 소켓은  array로 관리</a:t>
             </a:r>
             <a:endParaRPr/>
           </a:p>
@@ -8883,71 +9093,23 @@
               <a:buNone/>
             </a:pPr>
             <a:r>
+              <a:t/>
+            </a:r>
+            <a:endParaRPr/>
+          </a:p>
+          <a:p>
+            <a:pPr indent="0" lvl="0" marL="0" rtl="0" algn="l">
+              <a:spcBef>
+                <a:spcPts val="0"/>
+              </a:spcBef>
+              <a:spcAft>
+                <a:spcPts val="0"/>
+              </a:spcAft>
+              <a:buNone/>
+            </a:pPr>
+            <a:r>
               <a:rPr lang="ko"/>
-              <a:t> 클라이언트 소켓을 저장할 글로벌 변수</a:t>
-            </a:r>
-            <a:endParaRPr/>
-          </a:p>
-          <a:p>
-            <a:pPr indent="0" lvl="0" marL="0" rtl="0" algn="l">
-              <a:spcBef>
-                <a:spcPts val="0"/>
-              </a:spcBef>
-              <a:spcAft>
-                <a:spcPts val="0"/>
-              </a:spcAft>
-              <a:buNone/>
-            </a:pPr>
-            <a:r>
-              <a:rPr lang="ko"/>
-              <a:t> (현재 c1_socket, c2_socket으로 임시)</a:t>
-            </a:r>
-            <a:endParaRPr/>
-          </a:p>
-          <a:p>
-            <a:pPr indent="0" lvl="0" marL="0" rtl="0" algn="l">
-              <a:spcBef>
-                <a:spcPts val="0"/>
-              </a:spcBef>
-              <a:spcAft>
-                <a:spcPts val="0"/>
-              </a:spcAft>
-              <a:buNone/>
-            </a:pPr>
-            <a:r>
-              <a:t/>
-            </a:r>
-            <a:endParaRPr/>
-          </a:p>
-          <a:p>
-            <a:pPr indent="0" lvl="0" marL="0" rtl="0" algn="l">
-              <a:spcBef>
-                <a:spcPts val="0"/>
-              </a:spcBef>
-              <a:spcAft>
-                <a:spcPts val="0"/>
-              </a:spcAft>
-              <a:buNone/>
-            </a:pPr>
-            <a:r>
-              <a:rPr lang="ko"/>
-              <a:t> WorkerThread에서 연산을 하는동안 보낼 패킷을 저장할 자료구조</a:t>
-            </a:r>
-            <a:endParaRPr/>
-          </a:p>
-          <a:p>
-            <a:pPr indent="0" lvl="0" marL="0" rtl="0" algn="l">
-              <a:spcBef>
-                <a:spcPts val="0"/>
-              </a:spcBef>
-              <a:spcAft>
-                <a:spcPts val="0"/>
-              </a:spcAft>
-              <a:buNone/>
-            </a:pPr>
-            <a:r>
-              <a:rPr lang="ko"/>
-              <a:t>(현재 BUF로 임시)</a:t>
+              <a:t>worker thread에서 전송될 패킷들은 list를 통해서 관리한다. 각기 다른 패킷을 한 list에 담기 위해서 상속을 통해 구현한다.</a:t>
             </a:r>
             <a:endParaRPr/>
           </a:p>
@@ -8970,7 +9132,7 @@
       </p:sp>
       <p:sp>
         <p:nvSpPr>
-          <p:cNvPr id="87" name="Google Shape;87;p15"/>
+          <p:cNvPr id="89" name="Google Shape;89;p15"/>
           <p:cNvSpPr txBox="1"/>
           <p:nvPr/>
         </p:nvSpPr>
@@ -9054,7 +9216,7 @@
   <p:cSld>
     <p:spTree>
       <p:nvGrpSpPr>
-        <p:cNvPr id="91" name="Shape 91"/>
+        <p:cNvPr id="93" name="Shape 93"/>
         <p:cNvGrpSpPr/>
         <p:nvPr/>
       </p:nvGrpSpPr>
@@ -9068,7 +9230,7 @@
       </p:grpSpPr>
       <p:sp>
         <p:nvSpPr>
-          <p:cNvPr id="92" name="Google Shape;92;p16"/>
+          <p:cNvPr id="94" name="Google Shape;94;p16"/>
           <p:cNvSpPr/>
           <p:nvPr/>
         </p:nvSpPr>
@@ -9592,13 +9754,13 @@
       </p:sp>
       <p:sp>
         <p:nvSpPr>
-          <p:cNvPr id="93" name="Google Shape;93;p16"/>
+          <p:cNvPr id="95" name="Google Shape;95;p16"/>
           <p:cNvSpPr/>
           <p:nvPr/>
         </p:nvSpPr>
         <p:spPr>
           <a:xfrm>
-            <a:off x="511300" y="122075"/>
+            <a:off x="358675" y="122075"/>
             <a:ext cx="1007400" cy="137400"/>
           </a:xfrm>
           <a:prstGeom prst="rect">
@@ -9634,7 +9796,11 @@
             </a:pPr>
             <a:r>
               <a:rPr lang="ko" sz="900"/>
-              <a:t>Worker Thread</a:t>
+              <a:t>Recv </a:t>
+            </a:r>
+            <a:r>
+              <a:rPr lang="ko" sz="900"/>
+              <a:t>Thread</a:t>
             </a:r>
             <a:endParaRPr sz="900"/>
           </a:p>
@@ -9642,7 +9808,7 @@
       </p:sp>
       <p:sp>
         <p:nvSpPr>
-          <p:cNvPr id="94" name="Google Shape;94;p16"/>
+          <p:cNvPr id="96" name="Google Shape;96;p16"/>
           <p:cNvSpPr txBox="1"/>
           <p:nvPr/>
         </p:nvSpPr>
@@ -9722,7 +9888,188 @@
             </a:pPr>
             <a:r>
               <a:rPr lang="ko"/>
-              <a:t>추가해야할 점 : InPutEventQueue 동기화를 할 방식을 추가하면 해당 부분도 표현해야 한다.</a:t>
+              <a:t>InPutEventQueue 동기화를 위해서 임계영역을 사용 (Recv Thread, HandleInputEvent에 사용해야 한다.)</a:t>
+            </a:r>
+            <a:endParaRPr/>
+          </a:p>
+          <a:p>
+            <a:pPr indent="0" lvl="0" marL="0" rtl="0" algn="l">
+              <a:spcBef>
+                <a:spcPts val="0"/>
+              </a:spcBef>
+              <a:spcAft>
+                <a:spcPts val="0"/>
+              </a:spcAft>
+              <a:buNone/>
+            </a:pPr>
+            <a:r>
+              <a:rPr lang="ko"/>
+              <a:t>임계영역을 사용하는 이유 : 순서가 상관이 없기 때문에</a:t>
+            </a:r>
+            <a:endParaRPr/>
+          </a:p>
+        </p:txBody>
+      </p:sp>
+    </p:spTree>
+  </p:cSld>
+  <p:clrMapOvr>
+    <a:masterClrMapping/>
+  </p:clrMapOvr>
+</p:sld>
+</file>
+
+<file path=ppt/slides/slide5.xml><?xml version="1.0" encoding="utf-8"?>
+<p:sld xmlns:a="http://schemas.openxmlformats.org/drawingml/2006/main" xmlns:r="http://schemas.openxmlformats.org/officeDocument/2006/relationships" xmlns:mc="http://schemas.openxmlformats.org/markup-compatibility/2006" xmlns:mv="urn:schemas-microsoft-com:mac:vml" xmlns:p="http://schemas.openxmlformats.org/presentationml/2006/main" xmlns:c="http://schemas.openxmlformats.org/drawingml/2006/chart" xmlns:dgm="http://schemas.openxmlformats.org/drawingml/2006/diagram" xmlns:o="urn:schemas-microsoft-com:office:office" xmlns:v="urn:schemas-microsoft-com:vml" xmlns:pvml="urn:schemas-microsoft-com:office:powerpoint" xmlns:com="http://schemas.openxmlformats.org/drawingml/2006/compatibility" xmlns:p14="http://schemas.microsoft.com/office/powerpoint/2010/main" xmlns:p15="http://schemas.microsoft.com/office/powerpoint/2012/main" xmlns:ahyp="http://schemas.microsoft.com/office/drawing/2018/hyperlinkcolor">
+  <p:cSld>
+    <p:spTree>
+      <p:nvGrpSpPr>
+        <p:cNvPr id="100" name="Shape 100"/>
+        <p:cNvGrpSpPr/>
+        <p:nvPr/>
+      </p:nvGrpSpPr>
+      <p:grpSpPr>
+        <a:xfrm>
+          <a:off x="0" y="0"/>
+          <a:ext cx="0" cy="0"/>
+          <a:chOff x="0" y="0"/>
+          <a:chExt cx="0" cy="0"/>
+        </a:xfrm>
+      </p:grpSpPr>
+      <p:sp>
+        <p:nvSpPr>
+          <p:cNvPr id="101" name="Google Shape;101;p17"/>
+          <p:cNvSpPr txBox="1"/>
+          <p:nvPr>
+            <p:ph type="title"/>
+          </p:nvPr>
+        </p:nvSpPr>
+        <p:spPr>
+          <a:xfrm>
+            <a:off x="311700" y="445025"/>
+            <a:ext cx="8520600" cy="572700"/>
+          </a:xfrm>
+          <a:prstGeom prst="rect">
+            <a:avLst/>
+          </a:prstGeom>
+        </p:spPr>
+        <p:txBody>
+          <a:bodyPr anchorCtr="0" anchor="t" bIns="91425" lIns="91425" spcFirstLastPara="1" rIns="91425" wrap="square" tIns="91425">
+            <a:normAutofit fontScale="90000"/>
+          </a:bodyPr>
+          <a:lstStyle/>
+          <a:p>
+            <a:pPr indent="0" lvl="0" marL="0" rtl="0" algn="l">
+              <a:spcBef>
+                <a:spcPts val="0"/>
+              </a:spcBef>
+              <a:spcAft>
+                <a:spcPts val="0"/>
+              </a:spcAft>
+              <a:buNone/>
+            </a:pPr>
+            <a:r>
+              <a:t/>
+            </a:r>
+            <a:endParaRPr/>
+          </a:p>
+        </p:txBody>
+      </p:sp>
+      <p:sp>
+        <p:nvSpPr>
+          <p:cNvPr id="102" name="Google Shape;102;p17"/>
+          <p:cNvSpPr txBox="1"/>
+          <p:nvPr>
+            <p:ph idx="1" type="body"/>
+          </p:nvPr>
+        </p:nvSpPr>
+        <p:spPr>
+          <a:xfrm>
+            <a:off x="311700" y="1152475"/>
+            <a:ext cx="8520600" cy="3416400"/>
+          </a:xfrm>
+          <a:prstGeom prst="rect">
+            <a:avLst/>
+          </a:prstGeom>
+        </p:spPr>
+        <p:txBody>
+          <a:bodyPr anchorCtr="0" anchor="t" bIns="91425" lIns="91425" spcFirstLastPara="1" rIns="91425" wrap="square" tIns="91425">
+            <a:normAutofit/>
+          </a:bodyPr>
+          <a:lstStyle/>
+          <a:p>
+            <a:pPr indent="0" lvl="0" marL="0" rtl="0" algn="l">
+              <a:spcBef>
+                <a:spcPts val="0"/>
+              </a:spcBef>
+              <a:spcAft>
+                <a:spcPts val="0"/>
+              </a:spcAft>
+              <a:buNone/>
+            </a:pPr>
+            <a:r>
+              <a:rPr lang="ko"/>
+              <a:t>workerthread BUF 대신 list로 변경 - workerthread와 1페이지에 패킷 구조체 수정 필요 (패킷 구조체 상속형식으로 변경, workerthread에 list 생성 및 전송 부분 수정)</a:t>
+            </a:r>
+            <a:endParaRPr/>
+          </a:p>
+          <a:p>
+            <a:pPr indent="0" lvl="0" marL="0" rtl="0" algn="l">
+              <a:spcBef>
+                <a:spcPts val="1200"/>
+              </a:spcBef>
+              <a:spcAft>
+                <a:spcPts val="0"/>
+              </a:spcAft>
+              <a:buNone/>
+            </a:pPr>
+            <a:r>
+              <a:t/>
+            </a:r>
+            <a:endParaRPr/>
+          </a:p>
+          <a:p>
+            <a:pPr indent="0" lvl="0" marL="0" rtl="0" algn="l">
+              <a:spcBef>
+                <a:spcPts val="1200"/>
+              </a:spcBef>
+              <a:spcAft>
+                <a:spcPts val="0"/>
+              </a:spcAft>
+              <a:buNone/>
+            </a:pPr>
+            <a:r>
+              <a:rPr lang="ko"/>
+              <a:t>InputEventQueue와 관련해서 동기화 하는 부분 수정 : RecvThread와 HandleInputEvent 함수 내부 수정 필요. 만일 임계영역을 사용하기 위해서 전역변수가 필요하다면 그것도 2페이지에 추가</a:t>
+            </a:r>
+            <a:endParaRPr/>
+          </a:p>
+          <a:p>
+            <a:pPr indent="0" lvl="0" marL="0" rtl="0" algn="l">
+              <a:spcBef>
+                <a:spcPts val="1200"/>
+              </a:spcBef>
+              <a:spcAft>
+                <a:spcPts val="0"/>
+              </a:spcAft>
+              <a:buNone/>
+            </a:pPr>
+            <a:r>
+              <a:t/>
+            </a:r>
+            <a:endParaRPr/>
+          </a:p>
+          <a:p>
+            <a:pPr indent="0" lvl="0" marL="0" rtl="0" algn="l">
+              <a:spcBef>
+                <a:spcPts val="1200"/>
+              </a:spcBef>
+              <a:spcAft>
+                <a:spcPts val="1200"/>
+              </a:spcAft>
+              <a:buNone/>
+            </a:pPr>
+            <a:r>
+              <a:t/>
             </a:r>
             <a:endParaRPr/>
           </a:p>

--- a/임시 로우레벨디자인.pptx
+++ b/임시 로우레벨디자인.pptx
@@ -13,6 +13,7 @@
     <p:sldId id="258" r:id="rId8"/>
     <p:sldId id="259" r:id="rId9"/>
     <p:sldId id="260" r:id="rId10"/>
+    <p:sldId id="261" r:id="rId11"/>
   </p:sldIdLst>
   <p:sldSz cy="5143500" cx="9144000"/>
   <p:notesSz cx="6858000" cy="9144000"/>
@@ -794,7 +795,7 @@
   <p:cSld>
     <p:spTree>
       <p:nvGrpSpPr>
-        <p:cNvPr id="69" name="Shape 69"/>
+        <p:cNvPr id="63" name="Shape 63"/>
         <p:cNvGrpSpPr/>
         <p:nvPr/>
       </p:nvGrpSpPr>
@@ -808,7 +809,7 @@
       </p:grpSpPr>
       <p:sp>
         <p:nvSpPr>
-          <p:cNvPr id="70" name="Google Shape;70;g25e82330e14_0_0:notes"/>
+          <p:cNvPr id="64" name="Google Shape;64;g296abc544dd_1_1:notes"/>
           <p:cNvSpPr/>
           <p:nvPr>
             <p:ph idx="2" type="sldImg"/>
@@ -843,7 +844,7 @@
       </p:sp>
       <p:sp>
         <p:nvSpPr>
-          <p:cNvPr id="71" name="Google Shape;71;g25e82330e14_0_0:notes"/>
+          <p:cNvPr id="65" name="Google Shape;65;g296abc544dd_1_1:notes"/>
           <p:cNvSpPr txBox="1"/>
           <p:nvPr>
             <p:ph idx="1" type="body"/>
@@ -893,7 +894,7 @@
   <p:cSld>
     <p:spTree>
       <p:nvGrpSpPr>
-        <p:cNvPr id="82" name="Shape 82"/>
+        <p:cNvPr id="73" name="Shape 73"/>
         <p:cNvGrpSpPr/>
         <p:nvPr/>
       </p:nvGrpSpPr>
@@ -907,7 +908,7 @@
       </p:grpSpPr>
       <p:sp>
         <p:nvSpPr>
-          <p:cNvPr id="83" name="Google Shape;83;g25e82330e14_0_13:notes"/>
+          <p:cNvPr id="74" name="Google Shape;74;g25e82330e14_0_0:notes"/>
           <p:cNvSpPr/>
           <p:nvPr>
             <p:ph idx="2" type="sldImg"/>
@@ -942,7 +943,7 @@
       </p:sp>
       <p:sp>
         <p:nvSpPr>
-          <p:cNvPr id="84" name="Google Shape;84;g25e82330e14_0_13:notes"/>
+          <p:cNvPr id="75" name="Google Shape;75;g25e82330e14_0_0:notes"/>
           <p:cNvSpPr txBox="1"/>
           <p:nvPr>
             <p:ph idx="1" type="body"/>
@@ -992,7 +993,7 @@
   <p:cSld>
     <p:spTree>
       <p:nvGrpSpPr>
-        <p:cNvPr id="90" name="Shape 90"/>
+        <p:cNvPr id="86" name="Shape 86"/>
         <p:cNvGrpSpPr/>
         <p:nvPr/>
       </p:nvGrpSpPr>
@@ -1006,7 +1007,7 @@
       </p:grpSpPr>
       <p:sp>
         <p:nvSpPr>
-          <p:cNvPr id="91" name="Google Shape;91;g25e82330e14_0_23:notes"/>
+          <p:cNvPr id="87" name="Google Shape;87;g25e82330e14_0_13:notes"/>
           <p:cNvSpPr/>
           <p:nvPr>
             <p:ph idx="2" type="sldImg"/>
@@ -1041,7 +1042,7 @@
       </p:sp>
       <p:sp>
         <p:nvSpPr>
-          <p:cNvPr id="92" name="Google Shape;92;g25e82330e14_0_23:notes"/>
+          <p:cNvPr id="88" name="Google Shape;88;g25e82330e14_0_13:notes"/>
           <p:cNvSpPr txBox="1"/>
           <p:nvPr>
             <p:ph idx="1" type="body"/>
@@ -1091,7 +1092,7 @@
   <p:cSld>
     <p:spTree>
       <p:nvGrpSpPr>
-        <p:cNvPr id="97" name="Shape 97"/>
+        <p:cNvPr id="94" name="Shape 94"/>
         <p:cNvGrpSpPr/>
         <p:nvPr/>
       </p:nvGrpSpPr>
@@ -1105,7 +1106,7 @@
       </p:grpSpPr>
       <p:sp>
         <p:nvSpPr>
-          <p:cNvPr id="98" name="Google Shape;98;g296abc544dd_0_2:notes"/>
+          <p:cNvPr id="95" name="Google Shape;95;g25e82330e14_0_23:notes"/>
           <p:cNvSpPr/>
           <p:nvPr>
             <p:ph idx="2" type="sldImg"/>
@@ -1140,7 +1141,106 @@
       </p:sp>
       <p:sp>
         <p:nvSpPr>
-          <p:cNvPr id="99" name="Google Shape;99;g296abc544dd_0_2:notes"/>
+          <p:cNvPr id="96" name="Google Shape;96;g25e82330e14_0_23:notes"/>
+          <p:cNvSpPr txBox="1"/>
+          <p:nvPr>
+            <p:ph idx="1" type="body"/>
+          </p:nvPr>
+        </p:nvSpPr>
+        <p:spPr>
+          <a:xfrm>
+            <a:off x="685800" y="4343400"/>
+            <a:ext cx="5486400" cy="4114800"/>
+          </a:xfrm>
+          <a:prstGeom prst="rect">
+            <a:avLst/>
+          </a:prstGeom>
+        </p:spPr>
+        <p:txBody>
+          <a:bodyPr anchorCtr="0" anchor="t" bIns="91425" lIns="91425" spcFirstLastPara="1" rIns="91425" wrap="square" tIns="91425">
+            <a:noAutofit/>
+          </a:bodyPr>
+          <a:lstStyle/>
+          <a:p>
+            <a:pPr indent="0" lvl="0" marL="0" rtl="0" algn="l">
+              <a:spcBef>
+                <a:spcPts val="0"/>
+              </a:spcBef>
+              <a:spcAft>
+                <a:spcPts val="0"/>
+              </a:spcAft>
+              <a:buNone/>
+            </a:pPr>
+            <a:r>
+              <a:t/>
+            </a:r>
+            <a:endParaRPr/>
+          </a:p>
+        </p:txBody>
+      </p:sp>
+    </p:spTree>
+  </p:cSld>
+  <p:clrMapOvr>
+    <a:masterClrMapping/>
+  </p:clrMapOvr>
+</p:notes>
+</file>
+
+<file path=ppt/notesSlides/notesSlide6.xml><?xml version="1.0" encoding="utf-8"?>
+<p:notes xmlns:a="http://schemas.openxmlformats.org/drawingml/2006/main" xmlns:r="http://schemas.openxmlformats.org/officeDocument/2006/relationships" xmlns:mc="http://schemas.openxmlformats.org/markup-compatibility/2006" xmlns:mv="urn:schemas-microsoft-com:mac:vml" xmlns:p="http://schemas.openxmlformats.org/presentationml/2006/main" xmlns:c="http://schemas.openxmlformats.org/drawingml/2006/chart" xmlns:dgm="http://schemas.openxmlformats.org/drawingml/2006/diagram" xmlns:o="urn:schemas-microsoft-com:office:office" xmlns:v="urn:schemas-microsoft-com:vml" xmlns:pvml="urn:schemas-microsoft-com:office:powerpoint" xmlns:com="http://schemas.openxmlformats.org/drawingml/2006/compatibility" xmlns:p14="http://schemas.microsoft.com/office/powerpoint/2010/main" xmlns:p15="http://schemas.microsoft.com/office/powerpoint/2012/main" xmlns:ahyp="http://schemas.microsoft.com/office/drawing/2018/hyperlinkcolor" showMasterPhAnim="0" showMasterSp="0">
+  <p:cSld>
+    <p:spTree>
+      <p:nvGrpSpPr>
+        <p:cNvPr id="101" name="Shape 101"/>
+        <p:cNvGrpSpPr/>
+        <p:nvPr/>
+      </p:nvGrpSpPr>
+      <p:grpSpPr>
+        <a:xfrm>
+          <a:off x="0" y="0"/>
+          <a:ext cx="0" cy="0"/>
+          <a:chOff x="0" y="0"/>
+          <a:chExt cx="0" cy="0"/>
+        </a:xfrm>
+      </p:grpSpPr>
+      <p:sp>
+        <p:nvSpPr>
+          <p:cNvPr id="102" name="Google Shape;102;g296abc544dd_0_2:notes"/>
+          <p:cNvSpPr/>
+          <p:nvPr>
+            <p:ph idx="2" type="sldImg"/>
+          </p:nvPr>
+        </p:nvSpPr>
+        <p:spPr>
+          <a:xfrm>
+            <a:off x="381300" y="685800"/>
+            <a:ext cx="6096000" cy="3429000"/>
+          </a:xfrm>
+          <a:custGeom>
+            <a:rect b="b" l="l" r="r" t="t"/>
+            <a:pathLst>
+              <a:path extrusionOk="0" h="120000" w="120000">
+                <a:moveTo>
+                  <a:pt x="0" y="0"/>
+                </a:moveTo>
+                <a:lnTo>
+                  <a:pt x="120000" y="0"/>
+                </a:lnTo>
+                <a:lnTo>
+                  <a:pt x="120000" y="120000"/>
+                </a:lnTo>
+                <a:lnTo>
+                  <a:pt x="0" y="120000"/>
+                </a:lnTo>
+                <a:close/>
+              </a:path>
+            </a:pathLst>
+          </a:custGeom>
+        </p:spPr>
+      </p:sp>
+      <p:sp>
+        <p:nvSpPr>
+          <p:cNvPr id="103" name="Google Shape;103;g296abc544dd_0_2:notes"/>
           <p:cNvSpPr txBox="1"/>
           <p:nvPr>
             <p:ph idx="1" type="body"/>
@@ -6457,6 +6557,268 @@
         </p:nvSpPr>
         <p:spPr>
           <a:xfrm>
+            <a:off x="541825" y="2311250"/>
+            <a:ext cx="1762800" cy="938700"/>
+          </a:xfrm>
+          <a:prstGeom prst="snip1Rect">
+            <a:avLst>
+              <a:gd fmla="val 16667" name="adj"/>
+            </a:avLst>
+          </a:prstGeom>
+          <a:solidFill>
+            <a:schemeClr val="lt2"/>
+          </a:solidFill>
+          <a:ln cap="flat" cmpd="sng" w="9525">
+            <a:solidFill>
+              <a:schemeClr val="dk2"/>
+            </a:solidFill>
+            <a:prstDash val="solid"/>
+            <a:round/>
+            <a:headEnd len="sm" w="sm" type="none"/>
+            <a:tailEnd len="sm" w="sm" type="none"/>
+          </a:ln>
+        </p:spPr>
+        <p:txBody>
+          <a:bodyPr anchorCtr="0" anchor="t" bIns="91425" lIns="91425" spcFirstLastPara="1" rIns="91425" wrap="square" tIns="91425">
+            <a:noAutofit/>
+          </a:bodyPr>
+          <a:lstStyle/>
+          <a:p>
+            <a:pPr indent="0" lvl="0" marL="0" rtl="0" algn="l">
+              <a:spcBef>
+                <a:spcPts val="0"/>
+              </a:spcBef>
+              <a:spcAft>
+                <a:spcPts val="0"/>
+              </a:spcAft>
+              <a:buNone/>
+            </a:pPr>
+            <a:r>
+              <a:rPr lang="ko" sz="900"/>
+              <a:t>constexpr int KEY_UP = 0</a:t>
+            </a:r>
+            <a:endParaRPr sz="900"/>
+          </a:p>
+          <a:p>
+            <a:pPr indent="0" lvl="0" marL="0" rtl="0" algn="l">
+              <a:spcBef>
+                <a:spcPts val="0"/>
+              </a:spcBef>
+              <a:spcAft>
+                <a:spcPts val="0"/>
+              </a:spcAft>
+              <a:buNone/>
+            </a:pPr>
+            <a:r>
+              <a:rPr lang="ko" sz="900"/>
+              <a:t>constexpr int KEY_DOWN =1</a:t>
+            </a:r>
+            <a:endParaRPr sz="900"/>
+          </a:p>
+          <a:p>
+            <a:pPr indent="0" lvl="0" marL="0" rtl="0" algn="l">
+              <a:spcBef>
+                <a:spcPts val="0"/>
+              </a:spcBef>
+              <a:spcAft>
+                <a:spcPts val="0"/>
+              </a:spcAft>
+              <a:buNone/>
+            </a:pPr>
+            <a:r>
+              <a:rPr lang="ko" sz="900">
+                <a:solidFill>
+                  <a:schemeClr val="dk1"/>
+                </a:solidFill>
+              </a:rPr>
+              <a:t>constexpr int KEY_LEFT =2</a:t>
+            </a:r>
+            <a:endParaRPr sz="900">
+              <a:solidFill>
+                <a:schemeClr val="dk1"/>
+              </a:solidFill>
+            </a:endParaRPr>
+          </a:p>
+          <a:p>
+            <a:pPr indent="0" lvl="0" marL="0" rtl="0" algn="l">
+              <a:spcBef>
+                <a:spcPts val="0"/>
+              </a:spcBef>
+              <a:spcAft>
+                <a:spcPts val="0"/>
+              </a:spcAft>
+              <a:buNone/>
+            </a:pPr>
+            <a:r>
+              <a:rPr lang="ko" sz="900">
+                <a:solidFill>
+                  <a:schemeClr val="dk1"/>
+                </a:solidFill>
+              </a:rPr>
+              <a:t>constexpr int KEY_RIGHT =3</a:t>
+            </a:r>
+            <a:endParaRPr sz="900">
+              <a:solidFill>
+                <a:schemeClr val="dk1"/>
+              </a:solidFill>
+            </a:endParaRPr>
+          </a:p>
+          <a:p>
+            <a:pPr indent="0" lvl="0" marL="0" rtl="0" algn="l">
+              <a:spcBef>
+                <a:spcPts val="0"/>
+              </a:spcBef>
+              <a:spcAft>
+                <a:spcPts val="0"/>
+              </a:spcAft>
+              <a:buClr>
+                <a:schemeClr val="dk1"/>
+              </a:buClr>
+              <a:buSzPts val="1100"/>
+              <a:buFont typeface="Arial"/>
+              <a:buNone/>
+            </a:pPr>
+            <a:r>
+              <a:rPr lang="ko" sz="900">
+                <a:solidFill>
+                  <a:schemeClr val="dk1"/>
+                </a:solidFill>
+              </a:rPr>
+              <a:t>constexpr int KEY_SHOT = 4</a:t>
+            </a:r>
+            <a:endParaRPr sz="900">
+              <a:solidFill>
+                <a:schemeClr val="dk1"/>
+              </a:solidFill>
+            </a:endParaRPr>
+          </a:p>
+        </p:txBody>
+      </p:sp>
+      <p:sp>
+        <p:nvSpPr>
+          <p:cNvPr id="61" name="Google Shape;61;p13"/>
+          <p:cNvSpPr/>
+          <p:nvPr/>
+        </p:nvSpPr>
+        <p:spPr>
+          <a:xfrm>
+            <a:off x="541825" y="2173900"/>
+            <a:ext cx="641100" cy="137400"/>
+          </a:xfrm>
+          <a:prstGeom prst="rect">
+            <a:avLst/>
+          </a:prstGeom>
+          <a:solidFill>
+            <a:schemeClr val="lt2"/>
+          </a:solidFill>
+          <a:ln cap="flat" cmpd="sng" w="9525">
+            <a:solidFill>
+              <a:schemeClr val="dk2"/>
+            </a:solidFill>
+            <a:prstDash val="solid"/>
+            <a:round/>
+            <a:headEnd len="sm" w="sm" type="none"/>
+            <a:tailEnd len="sm" w="sm" type="none"/>
+          </a:ln>
+        </p:spPr>
+        <p:txBody>
+          <a:bodyPr anchorCtr="0" anchor="ctr" bIns="91425" lIns="91425" spcFirstLastPara="1" rIns="91425" wrap="square" tIns="91425">
+            <a:noAutofit/>
+          </a:bodyPr>
+          <a:lstStyle/>
+          <a:p>
+            <a:pPr indent="0" lvl="0" marL="0" rtl="0" algn="ctr">
+              <a:spcBef>
+                <a:spcPts val="0"/>
+              </a:spcBef>
+              <a:spcAft>
+                <a:spcPts val="0"/>
+              </a:spcAft>
+              <a:buNone/>
+            </a:pPr>
+            <a:r>
+              <a:rPr lang="ko" sz="900"/>
+              <a:t>Key ID</a:t>
+            </a:r>
+            <a:endParaRPr sz="900"/>
+          </a:p>
+        </p:txBody>
+      </p:sp>
+      <p:sp>
+        <p:nvSpPr>
+          <p:cNvPr id="62" name="Google Shape;62;p13"/>
+          <p:cNvSpPr txBox="1"/>
+          <p:nvPr/>
+        </p:nvSpPr>
+        <p:spPr>
+          <a:xfrm>
+            <a:off x="6471350" y="3815650"/>
+            <a:ext cx="2495400" cy="1129500"/>
+          </a:xfrm>
+          <a:prstGeom prst="rect">
+            <a:avLst/>
+          </a:prstGeom>
+          <a:noFill/>
+          <a:ln>
+            <a:noFill/>
+          </a:ln>
+        </p:spPr>
+        <p:txBody>
+          <a:bodyPr anchorCtr="0" anchor="t" bIns="91425" lIns="91425" spcFirstLastPara="1" rIns="91425" wrap="square" tIns="91425">
+            <a:noAutofit/>
+          </a:bodyPr>
+          <a:lstStyle/>
+          <a:p>
+            <a:pPr indent="0" lvl="0" marL="0" rtl="0" algn="l">
+              <a:spcBef>
+                <a:spcPts val="0"/>
+              </a:spcBef>
+              <a:spcAft>
+                <a:spcPts val="0"/>
+              </a:spcAft>
+              <a:buNone/>
+            </a:pPr>
+            <a:r>
+              <a:rPr lang="ko"/>
+              <a:t>이 페이지의 내용들은 protocol 에 속하는 내용들로, 서버와 클라이언트가 공유하는 h에 존재한다.</a:t>
+            </a:r>
+            <a:endParaRPr/>
+          </a:p>
+        </p:txBody>
+      </p:sp>
+    </p:spTree>
+  </p:cSld>
+  <p:clrMapOvr>
+    <a:masterClrMapping/>
+  </p:clrMapOvr>
+</p:sld>
+</file>
+
+<file path=ppt/slides/slide2.xml><?xml version="1.0" encoding="utf-8"?>
+<p:sld xmlns:a="http://schemas.openxmlformats.org/drawingml/2006/main" xmlns:r="http://schemas.openxmlformats.org/officeDocument/2006/relationships" xmlns:mc="http://schemas.openxmlformats.org/markup-compatibility/2006" xmlns:mv="urn:schemas-microsoft-com:mac:vml" xmlns:p="http://schemas.openxmlformats.org/presentationml/2006/main" xmlns:c="http://schemas.openxmlformats.org/drawingml/2006/chart" xmlns:dgm="http://schemas.openxmlformats.org/drawingml/2006/diagram" xmlns:o="urn:schemas-microsoft-com:office:office" xmlns:v="urn:schemas-microsoft-com:vml" xmlns:pvml="urn:schemas-microsoft-com:office:powerpoint" xmlns:com="http://schemas.openxmlformats.org/drawingml/2006/compatibility" xmlns:p14="http://schemas.microsoft.com/office/powerpoint/2010/main" xmlns:p15="http://schemas.microsoft.com/office/powerpoint/2012/main" xmlns:ahyp="http://schemas.microsoft.com/office/drawing/2018/hyperlinkcolor">
+  <p:cSld>
+    <p:spTree>
+      <p:nvGrpSpPr>
+        <p:cNvPr id="66" name="Shape 66"/>
+        <p:cNvGrpSpPr/>
+        <p:nvPr/>
+      </p:nvGrpSpPr>
+      <p:grpSpPr>
+        <a:xfrm>
+          <a:off x="0" y="0"/>
+          <a:ext cx="0" cy="0"/>
+          <a:chOff x="0" y="0"/>
+          <a:chExt cx="0" cy="0"/>
+        </a:xfrm>
+      </p:grpSpPr>
+      <p:sp>
+        <p:nvSpPr>
+          <p:cNvPr id="67" name="Google Shape;67;p14"/>
+          <p:cNvSpPr/>
+          <p:nvPr/>
+        </p:nvSpPr>
+        <p:spPr>
+          <a:xfrm>
             <a:off x="3884325" y="320525"/>
             <a:ext cx="2136900" cy="938700"/>
           </a:xfrm>
@@ -6567,7 +6929,7 @@
       </p:sp>
       <p:sp>
         <p:nvSpPr>
-          <p:cNvPr id="61" name="Google Shape;61;p13"/>
+          <p:cNvPr id="68" name="Google Shape;68;p14"/>
           <p:cNvSpPr/>
           <p:nvPr/>
         </p:nvSpPr>
@@ -6683,7 +7045,7 @@
       </p:sp>
       <p:sp>
         <p:nvSpPr>
-          <p:cNvPr id="62" name="Google Shape;62;p13"/>
+          <p:cNvPr id="69" name="Google Shape;69;p14"/>
           <p:cNvSpPr/>
           <p:nvPr/>
         </p:nvSpPr>
@@ -6783,7 +7145,7 @@
       </p:sp>
       <p:sp>
         <p:nvSpPr>
-          <p:cNvPr id="63" name="Google Shape;63;p13"/>
+          <p:cNvPr id="70" name="Google Shape;70;p14"/>
           <p:cNvSpPr/>
           <p:nvPr/>
         </p:nvSpPr>
@@ -6899,7 +7261,7 @@
       </p:sp>
       <p:sp>
         <p:nvSpPr>
-          <p:cNvPr id="64" name="Google Shape;64;p13"/>
+          <p:cNvPr id="71" name="Google Shape;71;p14"/>
           <p:cNvSpPr/>
           <p:nvPr/>
         </p:nvSpPr>
@@ -6999,7 +7361,7 @@
       </p:sp>
       <p:sp>
         <p:nvSpPr>
-          <p:cNvPr id="65" name="Google Shape;65;p13"/>
+          <p:cNvPr id="72" name="Google Shape;72;p14"/>
           <p:cNvSpPr/>
           <p:nvPr/>
         </p:nvSpPr>
@@ -7097,243 +7459,6 @@
           </a:p>
         </p:txBody>
       </p:sp>
-      <p:sp>
-        <p:nvSpPr>
-          <p:cNvPr id="66" name="Google Shape;66;p13"/>
-          <p:cNvSpPr/>
-          <p:nvPr/>
-        </p:nvSpPr>
-        <p:spPr>
-          <a:xfrm>
-            <a:off x="541825" y="2311250"/>
-            <a:ext cx="1762800" cy="938700"/>
-          </a:xfrm>
-          <a:prstGeom prst="snip1Rect">
-            <a:avLst>
-              <a:gd fmla="val 16667" name="adj"/>
-            </a:avLst>
-          </a:prstGeom>
-          <a:solidFill>
-            <a:schemeClr val="lt2"/>
-          </a:solidFill>
-          <a:ln cap="flat" cmpd="sng" w="9525">
-            <a:solidFill>
-              <a:schemeClr val="dk2"/>
-            </a:solidFill>
-            <a:prstDash val="solid"/>
-            <a:round/>
-            <a:headEnd len="sm" w="sm" type="none"/>
-            <a:tailEnd len="sm" w="sm" type="none"/>
-          </a:ln>
-        </p:spPr>
-        <p:txBody>
-          <a:bodyPr anchorCtr="0" anchor="t" bIns="91425" lIns="91425" spcFirstLastPara="1" rIns="91425" wrap="square" tIns="91425">
-            <a:noAutofit/>
-          </a:bodyPr>
-          <a:lstStyle/>
-          <a:p>
-            <a:pPr indent="0" lvl="0" marL="0" rtl="0" algn="l">
-              <a:spcBef>
-                <a:spcPts val="0"/>
-              </a:spcBef>
-              <a:spcAft>
-                <a:spcPts val="0"/>
-              </a:spcAft>
-              <a:buNone/>
-            </a:pPr>
-            <a:r>
-              <a:rPr lang="ko" sz="900"/>
-              <a:t>constexpr int KEY_UP = 0</a:t>
-            </a:r>
-            <a:endParaRPr sz="900"/>
-          </a:p>
-          <a:p>
-            <a:pPr indent="0" lvl="0" marL="0" rtl="0" algn="l">
-              <a:spcBef>
-                <a:spcPts val="0"/>
-              </a:spcBef>
-              <a:spcAft>
-                <a:spcPts val="0"/>
-              </a:spcAft>
-              <a:buNone/>
-            </a:pPr>
-            <a:r>
-              <a:rPr lang="ko" sz="900"/>
-              <a:t>constexpr int KEY_DOWN =1</a:t>
-            </a:r>
-            <a:endParaRPr sz="900"/>
-          </a:p>
-          <a:p>
-            <a:pPr indent="0" lvl="0" marL="0" rtl="0" algn="l">
-              <a:spcBef>
-                <a:spcPts val="0"/>
-              </a:spcBef>
-              <a:spcAft>
-                <a:spcPts val="0"/>
-              </a:spcAft>
-              <a:buNone/>
-            </a:pPr>
-            <a:r>
-              <a:rPr lang="ko" sz="900">
-                <a:solidFill>
-                  <a:schemeClr val="dk1"/>
-                </a:solidFill>
-              </a:rPr>
-              <a:t>constexpr int KEY_LEFT =2</a:t>
-            </a:r>
-            <a:endParaRPr sz="900">
-              <a:solidFill>
-                <a:schemeClr val="dk1"/>
-              </a:solidFill>
-            </a:endParaRPr>
-          </a:p>
-          <a:p>
-            <a:pPr indent="0" lvl="0" marL="0" rtl="0" algn="l">
-              <a:spcBef>
-                <a:spcPts val="0"/>
-              </a:spcBef>
-              <a:spcAft>
-                <a:spcPts val="0"/>
-              </a:spcAft>
-              <a:buNone/>
-            </a:pPr>
-            <a:r>
-              <a:rPr lang="ko" sz="900">
-                <a:solidFill>
-                  <a:schemeClr val="dk1"/>
-                </a:solidFill>
-              </a:rPr>
-              <a:t>constexpr int KEY_RIGHT =3</a:t>
-            </a:r>
-            <a:endParaRPr sz="900">
-              <a:solidFill>
-                <a:schemeClr val="dk1"/>
-              </a:solidFill>
-            </a:endParaRPr>
-          </a:p>
-          <a:p>
-            <a:pPr indent="0" lvl="0" marL="0" rtl="0" algn="l">
-              <a:spcBef>
-                <a:spcPts val="0"/>
-              </a:spcBef>
-              <a:spcAft>
-                <a:spcPts val="0"/>
-              </a:spcAft>
-              <a:buClr>
-                <a:schemeClr val="dk1"/>
-              </a:buClr>
-              <a:buSzPts val="1100"/>
-              <a:buFont typeface="Arial"/>
-              <a:buNone/>
-            </a:pPr>
-            <a:r>
-              <a:rPr lang="ko" sz="900">
-                <a:solidFill>
-                  <a:schemeClr val="dk1"/>
-                </a:solidFill>
-              </a:rPr>
-              <a:t>constexpr int KEY_SHOT = 4</a:t>
-            </a:r>
-            <a:endParaRPr sz="900">
-              <a:solidFill>
-                <a:schemeClr val="dk1"/>
-              </a:solidFill>
-            </a:endParaRPr>
-          </a:p>
-        </p:txBody>
-      </p:sp>
-      <p:sp>
-        <p:nvSpPr>
-          <p:cNvPr id="67" name="Google Shape;67;p13"/>
-          <p:cNvSpPr/>
-          <p:nvPr/>
-        </p:nvSpPr>
-        <p:spPr>
-          <a:xfrm>
-            <a:off x="541825" y="2173900"/>
-            <a:ext cx="641100" cy="137400"/>
-          </a:xfrm>
-          <a:prstGeom prst="rect">
-            <a:avLst/>
-          </a:prstGeom>
-          <a:solidFill>
-            <a:schemeClr val="lt2"/>
-          </a:solidFill>
-          <a:ln cap="flat" cmpd="sng" w="9525">
-            <a:solidFill>
-              <a:schemeClr val="dk2"/>
-            </a:solidFill>
-            <a:prstDash val="solid"/>
-            <a:round/>
-            <a:headEnd len="sm" w="sm" type="none"/>
-            <a:tailEnd len="sm" w="sm" type="none"/>
-          </a:ln>
-        </p:spPr>
-        <p:txBody>
-          <a:bodyPr anchorCtr="0" anchor="ctr" bIns="91425" lIns="91425" spcFirstLastPara="1" rIns="91425" wrap="square" tIns="91425">
-            <a:noAutofit/>
-          </a:bodyPr>
-          <a:lstStyle/>
-          <a:p>
-            <a:pPr indent="0" lvl="0" marL="0" rtl="0" algn="ctr">
-              <a:spcBef>
-                <a:spcPts val="0"/>
-              </a:spcBef>
-              <a:spcAft>
-                <a:spcPts val="0"/>
-              </a:spcAft>
-              <a:buNone/>
-            </a:pPr>
-            <a:r>
-              <a:rPr lang="ko" sz="900"/>
-              <a:t>Key ID</a:t>
-            </a:r>
-            <a:endParaRPr sz="900"/>
-          </a:p>
-        </p:txBody>
-      </p:sp>
-      <p:sp>
-        <p:nvSpPr>
-          <p:cNvPr id="68" name="Google Shape;68;p13"/>
-          <p:cNvSpPr txBox="1"/>
-          <p:nvPr/>
-        </p:nvSpPr>
-        <p:spPr>
-          <a:xfrm>
-            <a:off x="6471350" y="3815650"/>
-            <a:ext cx="2495400" cy="1129500"/>
-          </a:xfrm>
-          <a:prstGeom prst="rect">
-            <a:avLst/>
-          </a:prstGeom>
-          <a:noFill/>
-          <a:ln>
-            <a:noFill/>
-          </a:ln>
-        </p:spPr>
-        <p:txBody>
-          <a:bodyPr anchorCtr="0" anchor="t" bIns="91425" lIns="91425" spcFirstLastPara="1" rIns="91425" wrap="square" tIns="91425">
-            <a:noAutofit/>
-          </a:bodyPr>
-          <a:lstStyle/>
-          <a:p>
-            <a:pPr indent="0" lvl="0" marL="0" rtl="0" algn="l">
-              <a:spcBef>
-                <a:spcPts val="0"/>
-              </a:spcBef>
-              <a:spcAft>
-                <a:spcPts val="0"/>
-              </a:spcAft>
-              <a:buNone/>
-            </a:pPr>
-            <a:r>
-              <a:rPr lang="ko"/>
-              <a:t>이 페이지의 내용들은 protocol 에 속하는 내용들로, 서버와 클라이언트가 공유하는 h에 존재한다.</a:t>
-            </a:r>
-            <a:endParaRPr/>
-          </a:p>
-        </p:txBody>
-      </p:sp>
     </p:spTree>
   </p:cSld>
   <p:clrMapOvr>
@@ -7342,12 +7467,12 @@
 </p:sld>
 </file>
 
-<file path=ppt/slides/slide2.xml><?xml version="1.0" encoding="utf-8"?>
+<file path=ppt/slides/slide3.xml><?xml version="1.0" encoding="utf-8"?>
 <p:sld xmlns:a="http://schemas.openxmlformats.org/drawingml/2006/main" xmlns:r="http://schemas.openxmlformats.org/officeDocument/2006/relationships" xmlns:mc="http://schemas.openxmlformats.org/markup-compatibility/2006" xmlns:mv="urn:schemas-microsoft-com:mac:vml" xmlns:p="http://schemas.openxmlformats.org/presentationml/2006/main" xmlns:c="http://schemas.openxmlformats.org/drawingml/2006/chart" xmlns:dgm="http://schemas.openxmlformats.org/drawingml/2006/diagram" xmlns:o="urn:schemas-microsoft-com:office:office" xmlns:v="urn:schemas-microsoft-com:vml" xmlns:pvml="urn:schemas-microsoft-com:office:powerpoint" xmlns:com="http://schemas.openxmlformats.org/drawingml/2006/compatibility" xmlns:p14="http://schemas.microsoft.com/office/powerpoint/2010/main" xmlns:p15="http://schemas.microsoft.com/office/powerpoint/2012/main" xmlns:ahyp="http://schemas.microsoft.com/office/drawing/2018/hyperlinkcolor">
   <p:cSld>
     <p:spTree>
       <p:nvGrpSpPr>
-        <p:cNvPr id="72" name="Shape 72"/>
+        <p:cNvPr id="76" name="Shape 76"/>
         <p:cNvGrpSpPr/>
         <p:nvPr/>
       </p:nvGrpSpPr>
@@ -7361,7 +7486,7 @@
       </p:grpSpPr>
       <p:sp>
         <p:nvSpPr>
-          <p:cNvPr id="73" name="Google Shape;73;p14"/>
+          <p:cNvPr id="77" name="Google Shape;77;p15"/>
           <p:cNvSpPr/>
           <p:nvPr/>
         </p:nvSpPr>
@@ -7803,7 +7928,7 @@
       </p:sp>
       <p:sp>
         <p:nvSpPr>
-          <p:cNvPr id="74" name="Google Shape;74;p14"/>
+          <p:cNvPr id="78" name="Google Shape;78;p15"/>
           <p:cNvSpPr/>
           <p:nvPr/>
         </p:nvSpPr>
@@ -7855,7 +7980,7 @@
       </p:sp>
       <p:sp>
         <p:nvSpPr>
-          <p:cNvPr id="75" name="Google Shape;75;p14"/>
+          <p:cNvPr id="79" name="Google Shape;79;p15"/>
           <p:cNvSpPr txBox="1"/>
           <p:nvPr/>
         </p:nvSpPr>
@@ -7913,7 +8038,7 @@
       </p:sp>
       <p:sp>
         <p:nvSpPr>
-          <p:cNvPr id="76" name="Google Shape;76;p14"/>
+          <p:cNvPr id="80" name="Google Shape;80;p15"/>
           <p:cNvSpPr/>
           <p:nvPr/>
         </p:nvSpPr>
@@ -8013,13 +8138,13 @@
       </p:sp>
       <p:sp>
         <p:nvSpPr>
-          <p:cNvPr id="77" name="Google Shape;77;p14"/>
+          <p:cNvPr id="81" name="Google Shape;81;p15"/>
           <p:cNvSpPr txBox="1"/>
           <p:nvPr/>
         </p:nvSpPr>
         <p:spPr>
           <a:xfrm>
-            <a:off x="3243300" y="267100"/>
+            <a:off x="3121200" y="267125"/>
             <a:ext cx="2556600" cy="824100"/>
           </a:xfrm>
           <a:prstGeom prst="rect">
@@ -8055,7 +8180,7 @@
       </p:sp>
       <p:sp>
         <p:nvSpPr>
-          <p:cNvPr id="78" name="Google Shape;78;p14"/>
+          <p:cNvPr id="82" name="Google Shape;82;p15"/>
           <p:cNvSpPr/>
           <p:nvPr/>
         </p:nvSpPr>
@@ -8123,7 +8248,7 @@
       </p:sp>
       <p:sp>
         <p:nvSpPr>
-          <p:cNvPr id="79" name="Google Shape;79;p14"/>
+          <p:cNvPr id="83" name="Google Shape;83;p15"/>
           <p:cNvSpPr txBox="1"/>
           <p:nvPr/>
         </p:nvSpPr>
@@ -8165,7 +8290,7 @@
       </p:sp>
       <p:sp>
         <p:nvSpPr>
-          <p:cNvPr id="80" name="Google Shape;80;p14"/>
+          <p:cNvPr id="84" name="Google Shape;84;p15"/>
           <p:cNvSpPr/>
           <p:nvPr/>
         </p:nvSpPr>
@@ -8217,7 +8342,7 @@
       </p:sp>
       <p:sp>
         <p:nvSpPr>
-          <p:cNvPr id="81" name="Google Shape;81;p14"/>
+          <p:cNvPr id="85" name="Google Shape;85;p15"/>
           <p:cNvSpPr txBox="1"/>
           <p:nvPr/>
         </p:nvSpPr>
@@ -8265,12 +8390,12 @@
 </p:sld>
 </file>
 
-<file path=ppt/slides/slide3.xml><?xml version="1.0" encoding="utf-8"?>
+<file path=ppt/slides/slide4.xml><?xml version="1.0" encoding="utf-8"?>
 <p:sld xmlns:a="http://schemas.openxmlformats.org/drawingml/2006/main" xmlns:r="http://schemas.openxmlformats.org/officeDocument/2006/relationships" xmlns:mc="http://schemas.openxmlformats.org/markup-compatibility/2006" xmlns:mv="urn:schemas-microsoft-com:mac:vml" xmlns:p="http://schemas.openxmlformats.org/presentationml/2006/main" xmlns:c="http://schemas.openxmlformats.org/drawingml/2006/chart" xmlns:dgm="http://schemas.openxmlformats.org/drawingml/2006/diagram" xmlns:o="urn:schemas-microsoft-com:office:office" xmlns:v="urn:schemas-microsoft-com:vml" xmlns:pvml="urn:schemas-microsoft-com:office:powerpoint" xmlns:com="http://schemas.openxmlformats.org/drawingml/2006/compatibility" xmlns:p14="http://schemas.microsoft.com/office/powerpoint/2010/main" xmlns:p15="http://schemas.microsoft.com/office/powerpoint/2012/main" xmlns:ahyp="http://schemas.microsoft.com/office/drawing/2018/hyperlinkcolor">
   <p:cSld>
     <p:spTree>
       <p:nvGrpSpPr>
-        <p:cNvPr id="85" name="Shape 85"/>
+        <p:cNvPr id="89" name="Shape 89"/>
         <p:cNvGrpSpPr/>
         <p:nvPr/>
       </p:nvGrpSpPr>
@@ -8284,7 +8409,7 @@
       </p:grpSpPr>
       <p:sp>
         <p:nvSpPr>
-          <p:cNvPr id="86" name="Google Shape;86;p15"/>
+          <p:cNvPr id="90" name="Google Shape;90;p16"/>
           <p:cNvSpPr/>
           <p:nvPr/>
         </p:nvSpPr>
@@ -8994,7 +9119,7 @@
       </p:sp>
       <p:sp>
         <p:nvSpPr>
-          <p:cNvPr id="87" name="Google Shape;87;p15"/>
+          <p:cNvPr id="91" name="Google Shape;91;p16"/>
           <p:cNvSpPr/>
           <p:nvPr/>
         </p:nvSpPr>
@@ -9044,7 +9169,7 @@
       </p:sp>
       <p:sp>
         <p:nvSpPr>
-          <p:cNvPr id="88" name="Google Shape;88;p15"/>
+          <p:cNvPr id="92" name="Google Shape;92;p16"/>
           <p:cNvSpPr txBox="1"/>
           <p:nvPr/>
         </p:nvSpPr>
@@ -9132,7 +9257,7 @@
       </p:sp>
       <p:sp>
         <p:nvSpPr>
-          <p:cNvPr id="89" name="Google Shape;89;p15"/>
+          <p:cNvPr id="93" name="Google Shape;93;p16"/>
           <p:cNvSpPr txBox="1"/>
           <p:nvPr/>
         </p:nvSpPr>
@@ -9211,12 +9336,12 @@
 </p:sld>
 </file>
 
-<file path=ppt/slides/slide4.xml><?xml version="1.0" encoding="utf-8"?>
+<file path=ppt/slides/slide5.xml><?xml version="1.0" encoding="utf-8"?>
 <p:sld xmlns:a="http://schemas.openxmlformats.org/drawingml/2006/main" xmlns:r="http://schemas.openxmlformats.org/officeDocument/2006/relationships" xmlns:mc="http://schemas.openxmlformats.org/markup-compatibility/2006" xmlns:mv="urn:schemas-microsoft-com:mac:vml" xmlns:p="http://schemas.openxmlformats.org/presentationml/2006/main" xmlns:c="http://schemas.openxmlformats.org/drawingml/2006/chart" xmlns:dgm="http://schemas.openxmlformats.org/drawingml/2006/diagram" xmlns:o="urn:schemas-microsoft-com:office:office" xmlns:v="urn:schemas-microsoft-com:vml" xmlns:pvml="urn:schemas-microsoft-com:office:powerpoint" xmlns:com="http://schemas.openxmlformats.org/drawingml/2006/compatibility" xmlns:p14="http://schemas.microsoft.com/office/powerpoint/2010/main" xmlns:p15="http://schemas.microsoft.com/office/powerpoint/2012/main" xmlns:ahyp="http://schemas.microsoft.com/office/drawing/2018/hyperlinkcolor">
   <p:cSld>
     <p:spTree>
       <p:nvGrpSpPr>
-        <p:cNvPr id="93" name="Shape 93"/>
+        <p:cNvPr id="97" name="Shape 97"/>
         <p:cNvGrpSpPr/>
         <p:nvPr/>
       </p:nvGrpSpPr>
@@ -9230,7 +9355,7 @@
       </p:grpSpPr>
       <p:sp>
         <p:nvSpPr>
-          <p:cNvPr id="94" name="Google Shape;94;p16"/>
+          <p:cNvPr id="98" name="Google Shape;98;p17"/>
           <p:cNvSpPr/>
           <p:nvPr/>
         </p:nvSpPr>
@@ -9754,7 +9879,7 @@
       </p:sp>
       <p:sp>
         <p:nvSpPr>
-          <p:cNvPr id="95" name="Google Shape;95;p16"/>
+          <p:cNvPr id="99" name="Google Shape;99;p17"/>
           <p:cNvSpPr/>
           <p:nvPr/>
         </p:nvSpPr>
@@ -9808,7 +9933,7 @@
       </p:sp>
       <p:sp>
         <p:nvSpPr>
-          <p:cNvPr id="96" name="Google Shape;96;p16"/>
+          <p:cNvPr id="100" name="Google Shape;100;p17"/>
           <p:cNvSpPr txBox="1"/>
           <p:nvPr/>
         </p:nvSpPr>
@@ -9918,12 +10043,12 @@
 </p:sld>
 </file>
 
-<file path=ppt/slides/slide5.xml><?xml version="1.0" encoding="utf-8"?>
+<file path=ppt/slides/slide6.xml><?xml version="1.0" encoding="utf-8"?>
 <p:sld xmlns:a="http://schemas.openxmlformats.org/drawingml/2006/main" xmlns:r="http://schemas.openxmlformats.org/officeDocument/2006/relationships" xmlns:mc="http://schemas.openxmlformats.org/markup-compatibility/2006" xmlns:mv="urn:schemas-microsoft-com:mac:vml" xmlns:p="http://schemas.openxmlformats.org/presentationml/2006/main" xmlns:c="http://schemas.openxmlformats.org/drawingml/2006/chart" xmlns:dgm="http://schemas.openxmlformats.org/drawingml/2006/diagram" xmlns:o="urn:schemas-microsoft-com:office:office" xmlns:v="urn:schemas-microsoft-com:vml" xmlns:pvml="urn:schemas-microsoft-com:office:powerpoint" xmlns:com="http://schemas.openxmlformats.org/drawingml/2006/compatibility" xmlns:p14="http://schemas.microsoft.com/office/powerpoint/2010/main" xmlns:p15="http://schemas.microsoft.com/office/powerpoint/2012/main" xmlns:ahyp="http://schemas.microsoft.com/office/drawing/2018/hyperlinkcolor">
   <p:cSld>
     <p:spTree>
       <p:nvGrpSpPr>
-        <p:cNvPr id="100" name="Shape 100"/>
+        <p:cNvPr id="104" name="Shape 104"/>
         <p:cNvGrpSpPr/>
         <p:nvPr/>
       </p:nvGrpSpPr>
@@ -9937,7 +10062,7 @@
       </p:grpSpPr>
       <p:sp>
         <p:nvSpPr>
-          <p:cNvPr id="101" name="Google Shape;101;p17"/>
+          <p:cNvPr id="105" name="Google Shape;105;p18"/>
           <p:cNvSpPr txBox="1"/>
           <p:nvPr>
             <p:ph type="title"/>
@@ -9976,7 +10101,7 @@
       </p:sp>
       <p:sp>
         <p:nvSpPr>
-          <p:cNvPr id="102" name="Google Shape;102;p17"/>
+          <p:cNvPr id="106" name="Google Shape;106;p18"/>
           <p:cNvSpPr txBox="1"/>
           <p:nvPr>
             <p:ph idx="1" type="body"/>

--- a/임시 로우레벨디자인.pptx
+++ b/임시 로우레벨디자인.pptx
@@ -1,24 +1,25 @@
 
 <file path=ppt/presentation.xml><?xml version="1.0" encoding="utf-8"?>
-<p:presentation xmlns:a="http://schemas.openxmlformats.org/drawingml/2006/main" xmlns:r="http://schemas.openxmlformats.org/officeDocument/2006/relationships" xmlns:mc="http://schemas.openxmlformats.org/markup-compatibility/2006" xmlns:mv="urn:schemas-microsoft-com:mac:vml" xmlns:p="http://schemas.openxmlformats.org/presentationml/2006/main" xmlns:c="http://schemas.openxmlformats.org/drawingml/2006/chart" xmlns:dgm="http://schemas.openxmlformats.org/drawingml/2006/diagram" xmlns:o="urn:schemas-microsoft-com:office:office" xmlns:v="urn:schemas-microsoft-com:vml" xmlns:pvml="urn:schemas-microsoft-com:office:powerpoint" xmlns:com="http://schemas.openxmlformats.org/drawingml/2006/compatibility" xmlns:p14="http://schemas.microsoft.com/office/powerpoint/2010/main" xmlns:p15="http://schemas.microsoft.com/office/powerpoint/2012/main" xmlns:ahyp="http://schemas.microsoft.com/office/drawing/2018/hyperlinkcolor" autoCompressPictures="0" strictFirstAndLastChars="0" saveSubsetFonts="1">
+<p:presentation xmlns:a="http://schemas.openxmlformats.org/drawingml/2006/main" xmlns:r="http://schemas.openxmlformats.org/officeDocument/2006/relationships" xmlns:p="http://schemas.openxmlformats.org/presentationml/2006/main" strictFirstAndLastChars="0" saveSubsetFonts="1" autoCompressPictures="0">
   <p:sldMasterIdLst>
-    <p:sldMasterId id="2147483659" r:id="rId4"/>
+    <p:sldMasterId id="2147483659" r:id="rId1"/>
   </p:sldMasterIdLst>
   <p:notesMasterIdLst>
-    <p:notesMasterId r:id="rId5"/>
+    <p:notesMasterId r:id="rId9"/>
   </p:notesMasterIdLst>
   <p:sldIdLst>
-    <p:sldId id="256" r:id="rId6"/>
-    <p:sldId id="257" r:id="rId7"/>
-    <p:sldId id="258" r:id="rId8"/>
-    <p:sldId id="259" r:id="rId9"/>
-    <p:sldId id="260" r:id="rId10"/>
-    <p:sldId id="261" r:id="rId11"/>
+    <p:sldId id="256" r:id="rId2"/>
+    <p:sldId id="257" r:id="rId3"/>
+    <p:sldId id="258" r:id="rId4"/>
+    <p:sldId id="259" r:id="rId5"/>
+    <p:sldId id="260" r:id="rId6"/>
+    <p:sldId id="261" r:id="rId7"/>
+    <p:sldId id="262" r:id="rId8"/>
   </p:sldIdLst>
-  <p:sldSz cy="5143500" cx="9144000"/>
+  <p:sldSz cx="9144000" cy="5143500" type="screen16x9"/>
   <p:notesSz cx="6858000" cy="9144000"/>
   <p:defaultTextStyle>
-    <a:defPPr lvl="0" marR="0" rtl="0" algn="l">
+    <a:defPPr marR="0" lvl="0" algn="l" rtl="0">
       <a:lnSpc>
         <a:spcPct val="100000"/>
       </a:lnSpc>
@@ -29,7 +30,7 @@
         <a:spcPts val="0"/>
       </a:spcAft>
     </a:defPPr>
-    <a:lvl1pPr lvl="0" marR="0" rtl="0" algn="l">
+    <a:lvl1pPr marR="0" lvl="0" algn="l" rtl="0">
       <a:lnSpc>
         <a:spcPct val="100000"/>
       </a:lnSpc>
@@ -43,7 +44,7 @@
         <a:srgbClr val="000000"/>
       </a:buClr>
       <a:buFont typeface="Arial"/>
-      <a:defRPr b="0" i="0" sz="1400" u="none" cap="none" strike="noStrike">
+      <a:defRPr sz="1400" b="0" i="0" u="none" strike="noStrike" cap="none">
         <a:solidFill>
           <a:srgbClr val="000000"/>
         </a:solidFill>
@@ -53,7 +54,7 @@
         <a:sym typeface="Arial"/>
       </a:defRPr>
     </a:lvl1pPr>
-    <a:lvl2pPr lvl="1" marR="0" rtl="0" algn="l">
+    <a:lvl2pPr marR="0" lvl="1" algn="l" rtl="0">
       <a:lnSpc>
         <a:spcPct val="100000"/>
       </a:lnSpc>
@@ -67,7 +68,7 @@
         <a:srgbClr val="000000"/>
       </a:buClr>
       <a:buFont typeface="Arial"/>
-      <a:defRPr b="0" i="0" sz="1400" u="none" cap="none" strike="noStrike">
+      <a:defRPr sz="1400" b="0" i="0" u="none" strike="noStrike" cap="none">
         <a:solidFill>
           <a:srgbClr val="000000"/>
         </a:solidFill>
@@ -77,7 +78,7 @@
         <a:sym typeface="Arial"/>
       </a:defRPr>
     </a:lvl2pPr>
-    <a:lvl3pPr lvl="2" marR="0" rtl="0" algn="l">
+    <a:lvl3pPr marR="0" lvl="2" algn="l" rtl="0">
       <a:lnSpc>
         <a:spcPct val="100000"/>
       </a:lnSpc>
@@ -91,7 +92,7 @@
         <a:srgbClr val="000000"/>
       </a:buClr>
       <a:buFont typeface="Arial"/>
-      <a:defRPr b="0" i="0" sz="1400" u="none" cap="none" strike="noStrike">
+      <a:defRPr sz="1400" b="0" i="0" u="none" strike="noStrike" cap="none">
         <a:solidFill>
           <a:srgbClr val="000000"/>
         </a:solidFill>
@@ -101,7 +102,7 @@
         <a:sym typeface="Arial"/>
       </a:defRPr>
     </a:lvl3pPr>
-    <a:lvl4pPr lvl="3" marR="0" rtl="0" algn="l">
+    <a:lvl4pPr marR="0" lvl="3" algn="l" rtl="0">
       <a:lnSpc>
         <a:spcPct val="100000"/>
       </a:lnSpc>
@@ -115,7 +116,7 @@
         <a:srgbClr val="000000"/>
       </a:buClr>
       <a:buFont typeface="Arial"/>
-      <a:defRPr b="0" i="0" sz="1400" u="none" cap="none" strike="noStrike">
+      <a:defRPr sz="1400" b="0" i="0" u="none" strike="noStrike" cap="none">
         <a:solidFill>
           <a:srgbClr val="000000"/>
         </a:solidFill>
@@ -125,7 +126,7 @@
         <a:sym typeface="Arial"/>
       </a:defRPr>
     </a:lvl4pPr>
-    <a:lvl5pPr lvl="4" marR="0" rtl="0" algn="l">
+    <a:lvl5pPr marR="0" lvl="4" algn="l" rtl="0">
       <a:lnSpc>
         <a:spcPct val="100000"/>
       </a:lnSpc>
@@ -139,7 +140,7 @@
         <a:srgbClr val="000000"/>
       </a:buClr>
       <a:buFont typeface="Arial"/>
-      <a:defRPr b="0" i="0" sz="1400" u="none" cap="none" strike="noStrike">
+      <a:defRPr sz="1400" b="0" i="0" u="none" strike="noStrike" cap="none">
         <a:solidFill>
           <a:srgbClr val="000000"/>
         </a:solidFill>
@@ -149,7 +150,7 @@
         <a:sym typeface="Arial"/>
       </a:defRPr>
     </a:lvl5pPr>
-    <a:lvl6pPr lvl="5" marR="0" rtl="0" algn="l">
+    <a:lvl6pPr marR="0" lvl="5" algn="l" rtl="0">
       <a:lnSpc>
         <a:spcPct val="100000"/>
       </a:lnSpc>
@@ -163,7 +164,7 @@
         <a:srgbClr val="000000"/>
       </a:buClr>
       <a:buFont typeface="Arial"/>
-      <a:defRPr b="0" i="0" sz="1400" u="none" cap="none" strike="noStrike">
+      <a:defRPr sz="1400" b="0" i="0" u="none" strike="noStrike" cap="none">
         <a:solidFill>
           <a:srgbClr val="000000"/>
         </a:solidFill>
@@ -173,7 +174,7 @@
         <a:sym typeface="Arial"/>
       </a:defRPr>
     </a:lvl6pPr>
-    <a:lvl7pPr lvl="6" marR="0" rtl="0" algn="l">
+    <a:lvl7pPr marR="0" lvl="6" algn="l" rtl="0">
       <a:lnSpc>
         <a:spcPct val="100000"/>
       </a:lnSpc>
@@ -187,7 +188,7 @@
         <a:srgbClr val="000000"/>
       </a:buClr>
       <a:buFont typeface="Arial"/>
-      <a:defRPr b="0" i="0" sz="1400" u="none" cap="none" strike="noStrike">
+      <a:defRPr sz="1400" b="0" i="0" u="none" strike="noStrike" cap="none">
         <a:solidFill>
           <a:srgbClr val="000000"/>
         </a:solidFill>
@@ -197,7 +198,7 @@
         <a:sym typeface="Arial"/>
       </a:defRPr>
     </a:lvl7pPr>
-    <a:lvl8pPr lvl="7" marR="0" rtl="0" algn="l">
+    <a:lvl8pPr marR="0" lvl="7" algn="l" rtl="0">
       <a:lnSpc>
         <a:spcPct val="100000"/>
       </a:lnSpc>
@@ -211,7 +212,7 @@
         <a:srgbClr val="000000"/>
       </a:buClr>
       <a:buFont typeface="Arial"/>
-      <a:defRPr b="0" i="0" sz="1400" u="none" cap="none" strike="noStrike">
+      <a:defRPr sz="1400" b="0" i="0" u="none" strike="noStrike" cap="none">
         <a:solidFill>
           <a:srgbClr val="000000"/>
         </a:solidFill>
@@ -221,7 +222,7 @@
         <a:sym typeface="Arial"/>
       </a:defRPr>
     </a:lvl8pPr>
-    <a:lvl9pPr lvl="8" marR="0" rtl="0" algn="l">
+    <a:lvl9pPr marR="0" lvl="8" algn="l" rtl="0">
       <a:lnSpc>
         <a:spcPct val="100000"/>
       </a:lnSpc>
@@ -235,7 +236,7 @@
         <a:srgbClr val="000000"/>
       </a:buClr>
       <a:buFont typeface="Arial"/>
-      <a:defRPr b="0" i="0" sz="1400" u="none" cap="none" strike="noStrike">
+      <a:defRPr sz="1400" b="0" i="0" u="none" strike="noStrike" cap="none">
         <a:solidFill>
           <a:srgbClr val="000000"/>
         </a:solidFill>
@@ -248,7 +249,7 @@
   </p:defaultTextStyle>
   <p:extLst>
     <p:ext uri="{EFAFB233-063F-42B5-8137-9DF3F51BA10A}">
-      <p15:sldGuideLst>
+      <p15:sldGuideLst xmlns:p15="http://schemas.microsoft.com/office/powerpoint/2012/main">
         <p15:guide id="1" orient="horz" pos="1620">
           <p15:clr>
             <a:srgbClr val="747775"/>
@@ -266,11 +267,16 @@
 </file>
 
 <file path=ppt/notesMasters/notesMaster1.xml><?xml version="1.0" encoding="utf-8"?>
-<p:notesMaster xmlns:a="http://schemas.openxmlformats.org/drawingml/2006/main" xmlns:r="http://schemas.openxmlformats.org/officeDocument/2006/relationships" xmlns:mc="http://schemas.openxmlformats.org/markup-compatibility/2006" xmlns:mv="urn:schemas-microsoft-com:mac:vml" xmlns:p="http://schemas.openxmlformats.org/presentationml/2006/main" xmlns:c="http://schemas.openxmlformats.org/drawingml/2006/chart" xmlns:dgm="http://schemas.openxmlformats.org/drawingml/2006/diagram" xmlns:o="urn:schemas-microsoft-com:office:office" xmlns:v="urn:schemas-microsoft-com:vml" xmlns:pvml="urn:schemas-microsoft-com:office:powerpoint" xmlns:com="http://schemas.openxmlformats.org/drawingml/2006/compatibility" xmlns:p14="http://schemas.microsoft.com/office/powerpoint/2010/main" xmlns:p15="http://schemas.microsoft.com/office/powerpoint/2012/main" xmlns:ahyp="http://schemas.microsoft.com/office/drawing/2018/hyperlinkcolor">
+<p:notesMaster xmlns:a="http://schemas.openxmlformats.org/drawingml/2006/main" xmlns:r="http://schemas.openxmlformats.org/officeDocument/2006/relationships" xmlns:p="http://schemas.openxmlformats.org/presentationml/2006/main">
   <p:cSld>
+    <p:bg>
+      <p:bgRef idx="1001">
+        <a:schemeClr val="bg1"/>
+      </p:bgRef>
+    </p:bg>
     <p:spTree>
       <p:nvGrpSpPr>
-        <p:cNvPr id="2" name="Shape 2"/>
+        <p:cNvPr id="1" name="Shape 2"/>
         <p:cNvGrpSpPr/>
         <p:nvPr/>
       </p:nvGrpSpPr>
@@ -285,9 +291,11 @@
       <p:sp>
         <p:nvSpPr>
           <p:cNvPr id="3" name="Google Shape;3;n"/>
-          <p:cNvSpPr/>
+          <p:cNvSpPr>
+            <a:spLocks noGrp="1" noRot="1" noChangeAspect="1"/>
+          </p:cNvSpPr>
           <p:nvPr>
-            <p:ph idx="2" type="sldImg"/>
+            <p:ph type="sldImg" idx="2"/>
           </p:nvPr>
         </p:nvSpPr>
         <p:spPr>
@@ -296,9 +304,13 @@
             <a:ext cx="6096075" cy="3429000"/>
           </a:xfrm>
           <a:custGeom>
-            <a:rect b="b" l="l" r="r" t="t"/>
+            <a:avLst/>
+            <a:gdLst/>
+            <a:ahLst/>
+            <a:cxnLst/>
+            <a:rect l="l" t="t" r="r" b="b"/>
             <a:pathLst>
-              <a:path extrusionOk="0" h="120000" w="120000">
+              <a:path w="120000" h="120000" extrusionOk="0">
                 <a:moveTo>
                   <a:pt x="0" y="0"/>
                 </a:moveTo>
@@ -316,23 +328,25 @@
             </a:pathLst>
           </a:custGeom>
           <a:noFill/>
-          <a:ln cap="flat" cmpd="sng" w="9525">
+          <a:ln w="9525" cap="flat" cmpd="sng">
             <a:solidFill>
               <a:srgbClr val="000000"/>
             </a:solidFill>
             <a:prstDash val="solid"/>
             <a:round/>
-            <a:headEnd len="sm" w="sm" type="none"/>
-            <a:tailEnd len="sm" w="sm" type="none"/>
+            <a:headEnd type="none" w="sm" len="sm"/>
+            <a:tailEnd type="none" w="sm" len="sm"/>
           </a:ln>
         </p:spPr>
       </p:sp>
       <p:sp>
         <p:nvSpPr>
           <p:cNvPr id="4" name="Google Shape;4;n"/>
-          <p:cNvSpPr txBox="1"/>
+          <p:cNvSpPr txBox="1">
+            <a:spLocks noGrp="1"/>
+          </p:cNvSpPr>
           <p:nvPr>
-            <p:ph idx="1" type="body"/>
+            <p:ph type="body" idx="1"/>
           </p:nvPr>
         </p:nvSpPr>
         <p:spPr>
@@ -349,11 +363,11 @@
           </a:ln>
         </p:spPr>
         <p:txBody>
-          <a:bodyPr anchorCtr="0" anchor="t" bIns="91425" lIns="91425" spcFirstLastPara="1" rIns="91425" wrap="square" tIns="91425">
+          <a:bodyPr spcFirstLastPara="1" wrap="square" lIns="91425" tIns="91425" rIns="91425" bIns="91425" anchor="t" anchorCtr="0">
             <a:noAutofit/>
           </a:bodyPr>
           <a:lstStyle>
-            <a:lvl1pPr indent="-298450" lvl="0" marL="457200">
+            <a:lvl1pPr marL="457200" lvl="0" indent="-298450">
               <a:spcBef>
                 <a:spcPts val="0"/>
               </a:spcBef>
@@ -364,7 +378,7 @@
               <a:buChar char="●"/>
               <a:defRPr sz="1100"/>
             </a:lvl1pPr>
-            <a:lvl2pPr indent="-298450" lvl="1" marL="914400">
+            <a:lvl2pPr marL="914400" lvl="1" indent="-298450">
               <a:spcBef>
                 <a:spcPts val="0"/>
               </a:spcBef>
@@ -375,7 +389,7 @@
               <a:buChar char="○"/>
               <a:defRPr sz="1100"/>
             </a:lvl2pPr>
-            <a:lvl3pPr indent="-298450" lvl="2" marL="1371600">
+            <a:lvl3pPr marL="1371600" lvl="2" indent="-298450">
               <a:spcBef>
                 <a:spcPts val="0"/>
               </a:spcBef>
@@ -386,7 +400,7 @@
               <a:buChar char="■"/>
               <a:defRPr sz="1100"/>
             </a:lvl3pPr>
-            <a:lvl4pPr indent="-298450" lvl="3" marL="1828800">
+            <a:lvl4pPr marL="1828800" lvl="3" indent="-298450">
               <a:spcBef>
                 <a:spcPts val="0"/>
               </a:spcBef>
@@ -397,7 +411,7 @@
               <a:buChar char="●"/>
               <a:defRPr sz="1100"/>
             </a:lvl4pPr>
-            <a:lvl5pPr indent="-298450" lvl="4" marL="2286000">
+            <a:lvl5pPr marL="2286000" lvl="4" indent="-298450">
               <a:spcBef>
                 <a:spcPts val="0"/>
               </a:spcBef>
@@ -408,7 +422,7 @@
               <a:buChar char="○"/>
               <a:defRPr sz="1100"/>
             </a:lvl5pPr>
-            <a:lvl6pPr indent="-298450" lvl="5" marL="2743200">
+            <a:lvl6pPr marL="2743200" lvl="5" indent="-298450">
               <a:spcBef>
                 <a:spcPts val="0"/>
               </a:spcBef>
@@ -419,7 +433,7 @@
               <a:buChar char="■"/>
               <a:defRPr sz="1100"/>
             </a:lvl6pPr>
-            <a:lvl7pPr indent="-298450" lvl="6" marL="3200400">
+            <a:lvl7pPr marL="3200400" lvl="6" indent="-298450">
               <a:spcBef>
                 <a:spcPts val="0"/>
               </a:spcBef>
@@ -430,7 +444,7 @@
               <a:buChar char="●"/>
               <a:defRPr sz="1100"/>
             </a:lvl7pPr>
-            <a:lvl8pPr indent="-298450" lvl="7" marL="3657600">
+            <a:lvl8pPr marL="3657600" lvl="7" indent="-298450">
               <a:spcBef>
                 <a:spcPts val="0"/>
               </a:spcBef>
@@ -441,7 +455,7 @@
               <a:buChar char="○"/>
               <a:defRPr sz="1100"/>
             </a:lvl8pPr>
-            <a:lvl9pPr indent="-298450" lvl="8" marL="4114800">
+            <a:lvl9pPr marL="4114800" lvl="8" indent="-298450">
               <a:spcBef>
                 <a:spcPts val="0"/>
               </a:spcBef>
@@ -453,14 +467,16 @@
               <a:defRPr sz="1100"/>
             </a:lvl9pPr>
           </a:lstStyle>
-          <a:p/>
+          <a:p>
+            <a:endParaRPr/>
+          </a:p>
         </p:txBody>
       </p:sp>
     </p:spTree>
   </p:cSld>
-  <p:clrMap accent1="accent1" accent2="accent2" accent3="accent3" accent4="accent4" accent5="accent5" accent6="accent6" bg1="lt1" bg2="dk2" tx1="dk1" tx2="lt2" folHlink="folHlink" hlink="hlink"/>
+  <p:clrMap bg1="lt1" tx1="dk1" bg2="dk2" tx2="lt2" accent1="accent1" accent2="accent2" accent3="accent3" accent4="accent4" accent5="accent5" accent6="accent6" hlink="hlink" folHlink="folHlink"/>
   <p:notesStyle>
-    <a:defPPr lvl="0" marR="0" rtl="0" algn="l">
+    <a:defPPr marR="0" lvl="0" algn="l" rtl="0">
       <a:lnSpc>
         <a:spcPct val="100000"/>
       </a:lnSpc>
@@ -471,7 +487,7 @@
         <a:spcPts val="0"/>
       </a:spcAft>
     </a:defPPr>
-    <a:lvl1pPr lvl="0" marR="0" rtl="0" algn="l">
+    <a:lvl1pPr marR="0" lvl="0" algn="l" rtl="0">
       <a:lnSpc>
         <a:spcPct val="100000"/>
       </a:lnSpc>
@@ -485,7 +501,7 @@
         <a:srgbClr val="000000"/>
       </a:buClr>
       <a:buFont typeface="Arial"/>
-      <a:defRPr b="0" i="0" sz="1400" u="none" cap="none" strike="noStrike">
+      <a:defRPr sz="1400" b="0" i="0" u="none" strike="noStrike" cap="none">
         <a:solidFill>
           <a:srgbClr val="000000"/>
         </a:solidFill>
@@ -495,7 +511,7 @@
         <a:sym typeface="Arial"/>
       </a:defRPr>
     </a:lvl1pPr>
-    <a:lvl2pPr lvl="1" marR="0" rtl="0" algn="l">
+    <a:lvl2pPr marR="0" lvl="1" algn="l" rtl="0">
       <a:lnSpc>
         <a:spcPct val="100000"/>
       </a:lnSpc>
@@ -509,7 +525,7 @@
         <a:srgbClr val="000000"/>
       </a:buClr>
       <a:buFont typeface="Arial"/>
-      <a:defRPr b="0" i="0" sz="1400" u="none" cap="none" strike="noStrike">
+      <a:defRPr sz="1400" b="0" i="0" u="none" strike="noStrike" cap="none">
         <a:solidFill>
           <a:srgbClr val="000000"/>
         </a:solidFill>
@@ -519,7 +535,7 @@
         <a:sym typeface="Arial"/>
       </a:defRPr>
     </a:lvl2pPr>
-    <a:lvl3pPr lvl="2" marR="0" rtl="0" algn="l">
+    <a:lvl3pPr marR="0" lvl="2" algn="l" rtl="0">
       <a:lnSpc>
         <a:spcPct val="100000"/>
       </a:lnSpc>
@@ -533,7 +549,7 @@
         <a:srgbClr val="000000"/>
       </a:buClr>
       <a:buFont typeface="Arial"/>
-      <a:defRPr b="0" i="0" sz="1400" u="none" cap="none" strike="noStrike">
+      <a:defRPr sz="1400" b="0" i="0" u="none" strike="noStrike" cap="none">
         <a:solidFill>
           <a:srgbClr val="000000"/>
         </a:solidFill>
@@ -543,7 +559,7 @@
         <a:sym typeface="Arial"/>
       </a:defRPr>
     </a:lvl3pPr>
-    <a:lvl4pPr lvl="3" marR="0" rtl="0" algn="l">
+    <a:lvl4pPr marR="0" lvl="3" algn="l" rtl="0">
       <a:lnSpc>
         <a:spcPct val="100000"/>
       </a:lnSpc>
@@ -557,7 +573,7 @@
         <a:srgbClr val="000000"/>
       </a:buClr>
       <a:buFont typeface="Arial"/>
-      <a:defRPr b="0" i="0" sz="1400" u="none" cap="none" strike="noStrike">
+      <a:defRPr sz="1400" b="0" i="0" u="none" strike="noStrike" cap="none">
         <a:solidFill>
           <a:srgbClr val="000000"/>
         </a:solidFill>
@@ -567,7 +583,7 @@
         <a:sym typeface="Arial"/>
       </a:defRPr>
     </a:lvl4pPr>
-    <a:lvl5pPr lvl="4" marR="0" rtl="0" algn="l">
+    <a:lvl5pPr marR="0" lvl="4" algn="l" rtl="0">
       <a:lnSpc>
         <a:spcPct val="100000"/>
       </a:lnSpc>
@@ -581,7 +597,7 @@
         <a:srgbClr val="000000"/>
       </a:buClr>
       <a:buFont typeface="Arial"/>
-      <a:defRPr b="0" i="0" sz="1400" u="none" cap="none" strike="noStrike">
+      <a:defRPr sz="1400" b="0" i="0" u="none" strike="noStrike" cap="none">
         <a:solidFill>
           <a:srgbClr val="000000"/>
         </a:solidFill>
@@ -591,7 +607,7 @@
         <a:sym typeface="Arial"/>
       </a:defRPr>
     </a:lvl5pPr>
-    <a:lvl6pPr lvl="5" marR="0" rtl="0" algn="l">
+    <a:lvl6pPr marR="0" lvl="5" algn="l" rtl="0">
       <a:lnSpc>
         <a:spcPct val="100000"/>
       </a:lnSpc>
@@ -605,7 +621,7 @@
         <a:srgbClr val="000000"/>
       </a:buClr>
       <a:buFont typeface="Arial"/>
-      <a:defRPr b="0" i="0" sz="1400" u="none" cap="none" strike="noStrike">
+      <a:defRPr sz="1400" b="0" i="0" u="none" strike="noStrike" cap="none">
         <a:solidFill>
           <a:srgbClr val="000000"/>
         </a:solidFill>
@@ -615,7 +631,7 @@
         <a:sym typeface="Arial"/>
       </a:defRPr>
     </a:lvl6pPr>
-    <a:lvl7pPr lvl="6" marR="0" rtl="0" algn="l">
+    <a:lvl7pPr marR="0" lvl="6" algn="l" rtl="0">
       <a:lnSpc>
         <a:spcPct val="100000"/>
       </a:lnSpc>
@@ -629,7 +645,7 @@
         <a:srgbClr val="000000"/>
       </a:buClr>
       <a:buFont typeface="Arial"/>
-      <a:defRPr b="0" i="0" sz="1400" u="none" cap="none" strike="noStrike">
+      <a:defRPr sz="1400" b="0" i="0" u="none" strike="noStrike" cap="none">
         <a:solidFill>
           <a:srgbClr val="000000"/>
         </a:solidFill>
@@ -639,7 +655,7 @@
         <a:sym typeface="Arial"/>
       </a:defRPr>
     </a:lvl7pPr>
-    <a:lvl8pPr lvl="7" marR="0" rtl="0" algn="l">
+    <a:lvl8pPr marR="0" lvl="7" algn="l" rtl="0">
       <a:lnSpc>
         <a:spcPct val="100000"/>
       </a:lnSpc>
@@ -653,7 +669,7 @@
         <a:srgbClr val="000000"/>
       </a:buClr>
       <a:buFont typeface="Arial"/>
-      <a:defRPr b="0" i="0" sz="1400" u="none" cap="none" strike="noStrike">
+      <a:defRPr sz="1400" b="0" i="0" u="none" strike="noStrike" cap="none">
         <a:solidFill>
           <a:srgbClr val="000000"/>
         </a:solidFill>
@@ -663,7 +679,7 @@
         <a:sym typeface="Arial"/>
       </a:defRPr>
     </a:lvl8pPr>
-    <a:lvl9pPr lvl="8" marR="0" rtl="0" algn="l">
+    <a:lvl9pPr marR="0" lvl="8" algn="l" rtl="0">
       <a:lnSpc>
         <a:spcPct val="100000"/>
       </a:lnSpc>
@@ -677,7 +693,7 @@
         <a:srgbClr val="000000"/>
       </a:buClr>
       <a:buFont typeface="Arial"/>
-      <a:defRPr b="0" i="0" sz="1400" u="none" cap="none" strike="noStrike">
+      <a:defRPr sz="1400" b="0" i="0" u="none" strike="noStrike" cap="none">
         <a:solidFill>
           <a:srgbClr val="000000"/>
         </a:solidFill>
@@ -692,11 +708,11 @@
 </file>
 
 <file path=ppt/notesSlides/notesSlide1.xml><?xml version="1.0" encoding="utf-8"?>
-<p:notes xmlns:a="http://schemas.openxmlformats.org/drawingml/2006/main" xmlns:r="http://schemas.openxmlformats.org/officeDocument/2006/relationships" xmlns:mc="http://schemas.openxmlformats.org/markup-compatibility/2006" xmlns:mv="urn:schemas-microsoft-com:mac:vml" xmlns:p="http://schemas.openxmlformats.org/presentationml/2006/main" xmlns:c="http://schemas.openxmlformats.org/drawingml/2006/chart" xmlns:dgm="http://schemas.openxmlformats.org/drawingml/2006/diagram" xmlns:o="urn:schemas-microsoft-com:office:office" xmlns:v="urn:schemas-microsoft-com:vml" xmlns:pvml="urn:schemas-microsoft-com:office:powerpoint" xmlns:com="http://schemas.openxmlformats.org/drawingml/2006/compatibility" xmlns:p14="http://schemas.microsoft.com/office/powerpoint/2010/main" xmlns:p15="http://schemas.microsoft.com/office/powerpoint/2012/main" xmlns:ahyp="http://schemas.microsoft.com/office/drawing/2018/hyperlinkcolor" showMasterPhAnim="0" showMasterSp="0">
+<p:notes xmlns:a="http://schemas.openxmlformats.org/drawingml/2006/main" xmlns:r="http://schemas.openxmlformats.org/officeDocument/2006/relationships" xmlns:p="http://schemas.openxmlformats.org/presentationml/2006/main" showMasterSp="0" showMasterPhAnim="0">
   <p:cSld>
     <p:spTree>
       <p:nvGrpSpPr>
-        <p:cNvPr id="50" name="Shape 50"/>
+        <p:cNvPr id="1" name="Shape 50"/>
         <p:cNvGrpSpPr/>
         <p:nvPr/>
       </p:nvGrpSpPr>
@@ -711,9 +727,11 @@
       <p:sp>
         <p:nvSpPr>
           <p:cNvPr id="51" name="Google Shape;51;g25d17295f0b_0_81:notes"/>
-          <p:cNvSpPr/>
+          <p:cNvSpPr>
+            <a:spLocks noGrp="1" noRot="1" noChangeAspect="1"/>
+          </p:cNvSpPr>
           <p:nvPr>
-            <p:ph idx="2" type="sldImg"/>
+            <p:ph type="sldImg" idx="2"/>
           </p:nvPr>
         </p:nvSpPr>
         <p:spPr>
@@ -722,9 +740,13 @@
             <a:ext cx="6096000" cy="3429000"/>
           </a:xfrm>
           <a:custGeom>
-            <a:rect b="b" l="l" r="r" t="t"/>
+            <a:avLst/>
+            <a:gdLst/>
+            <a:ahLst/>
+            <a:cxnLst/>
+            <a:rect l="l" t="t" r="r" b="b"/>
             <a:pathLst>
-              <a:path extrusionOk="0" h="120000" w="120000">
+              <a:path w="120000" h="120000" extrusionOk="0">
                 <a:moveTo>
                   <a:pt x="0" y="0"/>
                 </a:moveTo>
@@ -746,9 +768,11 @@
       <p:sp>
         <p:nvSpPr>
           <p:cNvPr id="52" name="Google Shape;52;g25d17295f0b_0_81:notes"/>
-          <p:cNvSpPr txBox="1"/>
+          <p:cNvSpPr txBox="1">
+            <a:spLocks noGrp="1"/>
+          </p:cNvSpPr>
           <p:nvPr>
-            <p:ph idx="1" type="body"/>
+            <p:ph type="body" idx="1"/>
           </p:nvPr>
         </p:nvSpPr>
         <p:spPr>
@@ -761,23 +785,20 @@
           </a:prstGeom>
         </p:spPr>
         <p:txBody>
-          <a:bodyPr anchorCtr="0" anchor="t" bIns="91425" lIns="91425" spcFirstLastPara="1" rIns="91425" wrap="square" tIns="91425">
+          <a:bodyPr spcFirstLastPara="1" wrap="square" lIns="91425" tIns="91425" rIns="91425" bIns="91425" anchor="t" anchorCtr="0">
             <a:noAutofit/>
           </a:bodyPr>
           <a:lstStyle/>
           <a:p>
-            <a:pPr indent="0" lvl="0" marL="0" rtl="0" algn="l">
-              <a:spcBef>
-                <a:spcPts val="0"/>
-              </a:spcBef>
-              <a:spcAft>
-                <a:spcPts val="0"/>
-              </a:spcAft>
-              <a:buNone/>
-            </a:pPr>
-            <a:r>
-              <a:t/>
-            </a:r>
+            <a:pPr marL="0" lvl="0" indent="0" algn="l" rtl="0">
+              <a:spcBef>
+                <a:spcPts val="0"/>
+              </a:spcBef>
+              <a:spcAft>
+                <a:spcPts val="0"/>
+              </a:spcAft>
+              <a:buNone/>
+            </a:pPr>
             <a:endParaRPr/>
           </a:p>
         </p:txBody>
@@ -791,11 +812,11 @@
 </file>
 
 <file path=ppt/notesSlides/notesSlide2.xml><?xml version="1.0" encoding="utf-8"?>
-<p:notes xmlns:a="http://schemas.openxmlformats.org/drawingml/2006/main" xmlns:r="http://schemas.openxmlformats.org/officeDocument/2006/relationships" xmlns:mc="http://schemas.openxmlformats.org/markup-compatibility/2006" xmlns:mv="urn:schemas-microsoft-com:mac:vml" xmlns:p="http://schemas.openxmlformats.org/presentationml/2006/main" xmlns:c="http://schemas.openxmlformats.org/drawingml/2006/chart" xmlns:dgm="http://schemas.openxmlformats.org/drawingml/2006/diagram" xmlns:o="urn:schemas-microsoft-com:office:office" xmlns:v="urn:schemas-microsoft-com:vml" xmlns:pvml="urn:schemas-microsoft-com:office:powerpoint" xmlns:com="http://schemas.openxmlformats.org/drawingml/2006/compatibility" xmlns:p14="http://schemas.microsoft.com/office/powerpoint/2010/main" xmlns:p15="http://schemas.microsoft.com/office/powerpoint/2012/main" xmlns:ahyp="http://schemas.microsoft.com/office/drawing/2018/hyperlinkcolor" showMasterPhAnim="0" showMasterSp="0">
+<p:notes xmlns:a="http://schemas.openxmlformats.org/drawingml/2006/main" xmlns:r="http://schemas.openxmlformats.org/officeDocument/2006/relationships" xmlns:p="http://schemas.openxmlformats.org/presentationml/2006/main" showMasterSp="0" showMasterPhAnim="0">
   <p:cSld>
     <p:spTree>
       <p:nvGrpSpPr>
-        <p:cNvPr id="63" name="Shape 63"/>
+        <p:cNvPr id="1" name="Shape 63"/>
         <p:cNvGrpSpPr/>
         <p:nvPr/>
       </p:nvGrpSpPr>
@@ -810,20 +831,26 @@
       <p:sp>
         <p:nvSpPr>
           <p:cNvPr id="64" name="Google Shape;64;g296abc544dd_1_1:notes"/>
-          <p:cNvSpPr/>
+          <p:cNvSpPr>
+            <a:spLocks noGrp="1" noRot="1" noChangeAspect="1"/>
+          </p:cNvSpPr>
           <p:nvPr>
-            <p:ph idx="2" type="sldImg"/>
+            <p:ph type="sldImg" idx="2"/>
           </p:nvPr>
         </p:nvSpPr>
         <p:spPr>
           <a:xfrm>
-            <a:off x="381300" y="685800"/>
+            <a:off x="381000" y="685800"/>
             <a:ext cx="6096000" cy="3429000"/>
           </a:xfrm>
           <a:custGeom>
-            <a:rect b="b" l="l" r="r" t="t"/>
+            <a:avLst/>
+            <a:gdLst/>
+            <a:ahLst/>
+            <a:cxnLst/>
+            <a:rect l="l" t="t" r="r" b="b"/>
             <a:pathLst>
-              <a:path extrusionOk="0" h="120000" w="120000">
+              <a:path w="120000" h="120000" extrusionOk="0">
                 <a:moveTo>
                   <a:pt x="0" y="0"/>
                 </a:moveTo>
@@ -845,9 +872,11 @@
       <p:sp>
         <p:nvSpPr>
           <p:cNvPr id="65" name="Google Shape;65;g296abc544dd_1_1:notes"/>
-          <p:cNvSpPr txBox="1"/>
+          <p:cNvSpPr txBox="1">
+            <a:spLocks noGrp="1"/>
+          </p:cNvSpPr>
           <p:nvPr>
-            <p:ph idx="1" type="body"/>
+            <p:ph type="body" idx="1"/>
           </p:nvPr>
         </p:nvSpPr>
         <p:spPr>
@@ -860,23 +889,20 @@
           </a:prstGeom>
         </p:spPr>
         <p:txBody>
-          <a:bodyPr anchorCtr="0" anchor="t" bIns="91425" lIns="91425" spcFirstLastPara="1" rIns="91425" wrap="square" tIns="91425">
+          <a:bodyPr spcFirstLastPara="1" wrap="square" lIns="91425" tIns="91425" rIns="91425" bIns="91425" anchor="t" anchorCtr="0">
             <a:noAutofit/>
           </a:bodyPr>
           <a:lstStyle/>
           <a:p>
-            <a:pPr indent="0" lvl="0" marL="0" rtl="0" algn="l">
-              <a:spcBef>
-                <a:spcPts val="0"/>
-              </a:spcBef>
-              <a:spcAft>
-                <a:spcPts val="0"/>
-              </a:spcAft>
-              <a:buNone/>
-            </a:pPr>
-            <a:r>
-              <a:t/>
-            </a:r>
+            <a:pPr marL="0" lvl="0" indent="0" algn="l" rtl="0">
+              <a:spcBef>
+                <a:spcPts val="0"/>
+              </a:spcBef>
+              <a:spcAft>
+                <a:spcPts val="0"/>
+              </a:spcAft>
+              <a:buNone/>
+            </a:pPr>
             <a:endParaRPr/>
           </a:p>
         </p:txBody>
@@ -890,11 +916,11 @@
 </file>
 
 <file path=ppt/notesSlides/notesSlide3.xml><?xml version="1.0" encoding="utf-8"?>
-<p:notes xmlns:a="http://schemas.openxmlformats.org/drawingml/2006/main" xmlns:r="http://schemas.openxmlformats.org/officeDocument/2006/relationships" xmlns:mc="http://schemas.openxmlformats.org/markup-compatibility/2006" xmlns:mv="urn:schemas-microsoft-com:mac:vml" xmlns:p="http://schemas.openxmlformats.org/presentationml/2006/main" xmlns:c="http://schemas.openxmlformats.org/drawingml/2006/chart" xmlns:dgm="http://schemas.openxmlformats.org/drawingml/2006/diagram" xmlns:o="urn:schemas-microsoft-com:office:office" xmlns:v="urn:schemas-microsoft-com:vml" xmlns:pvml="urn:schemas-microsoft-com:office:powerpoint" xmlns:com="http://schemas.openxmlformats.org/drawingml/2006/compatibility" xmlns:p14="http://schemas.microsoft.com/office/powerpoint/2010/main" xmlns:p15="http://schemas.microsoft.com/office/powerpoint/2012/main" xmlns:ahyp="http://schemas.microsoft.com/office/drawing/2018/hyperlinkcolor" showMasterPhAnim="0" showMasterSp="0">
+<p:notes xmlns:a="http://schemas.openxmlformats.org/drawingml/2006/main" xmlns:r="http://schemas.openxmlformats.org/officeDocument/2006/relationships" xmlns:p="http://schemas.openxmlformats.org/presentationml/2006/main" showMasterSp="0" showMasterPhAnim="0">
   <p:cSld>
     <p:spTree>
       <p:nvGrpSpPr>
-        <p:cNvPr id="73" name="Shape 73"/>
+        <p:cNvPr id="1" name="Shape 73"/>
         <p:cNvGrpSpPr/>
         <p:nvPr/>
       </p:nvGrpSpPr>
@@ -909,9 +935,11 @@
       <p:sp>
         <p:nvSpPr>
           <p:cNvPr id="74" name="Google Shape;74;g25e82330e14_0_0:notes"/>
-          <p:cNvSpPr/>
+          <p:cNvSpPr>
+            <a:spLocks noGrp="1" noRot="1" noChangeAspect="1"/>
+          </p:cNvSpPr>
           <p:nvPr>
-            <p:ph idx="2" type="sldImg"/>
+            <p:ph type="sldImg" idx="2"/>
           </p:nvPr>
         </p:nvSpPr>
         <p:spPr>
@@ -920,9 +948,13 @@
             <a:ext cx="6096000" cy="3429000"/>
           </a:xfrm>
           <a:custGeom>
-            <a:rect b="b" l="l" r="r" t="t"/>
+            <a:avLst/>
+            <a:gdLst/>
+            <a:ahLst/>
+            <a:cxnLst/>
+            <a:rect l="l" t="t" r="r" b="b"/>
             <a:pathLst>
-              <a:path extrusionOk="0" h="120000" w="120000">
+              <a:path w="120000" h="120000" extrusionOk="0">
                 <a:moveTo>
                   <a:pt x="0" y="0"/>
                 </a:moveTo>
@@ -944,9 +976,11 @@
       <p:sp>
         <p:nvSpPr>
           <p:cNvPr id="75" name="Google Shape;75;g25e82330e14_0_0:notes"/>
-          <p:cNvSpPr txBox="1"/>
+          <p:cNvSpPr txBox="1">
+            <a:spLocks noGrp="1"/>
+          </p:cNvSpPr>
           <p:nvPr>
-            <p:ph idx="1" type="body"/>
+            <p:ph type="body" idx="1"/>
           </p:nvPr>
         </p:nvSpPr>
         <p:spPr>
@@ -959,23 +993,20 @@
           </a:prstGeom>
         </p:spPr>
         <p:txBody>
-          <a:bodyPr anchorCtr="0" anchor="t" bIns="91425" lIns="91425" spcFirstLastPara="1" rIns="91425" wrap="square" tIns="91425">
+          <a:bodyPr spcFirstLastPara="1" wrap="square" lIns="91425" tIns="91425" rIns="91425" bIns="91425" anchor="t" anchorCtr="0">
             <a:noAutofit/>
           </a:bodyPr>
           <a:lstStyle/>
           <a:p>
-            <a:pPr indent="0" lvl="0" marL="0" rtl="0" algn="l">
-              <a:spcBef>
-                <a:spcPts val="0"/>
-              </a:spcBef>
-              <a:spcAft>
-                <a:spcPts val="0"/>
-              </a:spcAft>
-              <a:buNone/>
-            </a:pPr>
-            <a:r>
-              <a:t/>
-            </a:r>
+            <a:pPr marL="0" lvl="0" indent="0" algn="l" rtl="0">
+              <a:spcBef>
+                <a:spcPts val="0"/>
+              </a:spcBef>
+              <a:spcAft>
+                <a:spcPts val="0"/>
+              </a:spcAft>
+              <a:buNone/>
+            </a:pPr>
             <a:endParaRPr/>
           </a:p>
         </p:txBody>
@@ -989,11 +1020,11 @@
 </file>
 
 <file path=ppt/notesSlides/notesSlide4.xml><?xml version="1.0" encoding="utf-8"?>
-<p:notes xmlns:a="http://schemas.openxmlformats.org/drawingml/2006/main" xmlns:r="http://schemas.openxmlformats.org/officeDocument/2006/relationships" xmlns:mc="http://schemas.openxmlformats.org/markup-compatibility/2006" xmlns:mv="urn:schemas-microsoft-com:mac:vml" xmlns:p="http://schemas.openxmlformats.org/presentationml/2006/main" xmlns:c="http://schemas.openxmlformats.org/drawingml/2006/chart" xmlns:dgm="http://schemas.openxmlformats.org/drawingml/2006/diagram" xmlns:o="urn:schemas-microsoft-com:office:office" xmlns:v="urn:schemas-microsoft-com:vml" xmlns:pvml="urn:schemas-microsoft-com:office:powerpoint" xmlns:com="http://schemas.openxmlformats.org/drawingml/2006/compatibility" xmlns:p14="http://schemas.microsoft.com/office/powerpoint/2010/main" xmlns:p15="http://schemas.microsoft.com/office/powerpoint/2012/main" xmlns:ahyp="http://schemas.microsoft.com/office/drawing/2018/hyperlinkcolor" showMasterPhAnim="0" showMasterSp="0">
+<p:notes xmlns:a="http://schemas.openxmlformats.org/drawingml/2006/main" xmlns:r="http://schemas.openxmlformats.org/officeDocument/2006/relationships" xmlns:p="http://schemas.openxmlformats.org/presentationml/2006/main" showMasterSp="0" showMasterPhAnim="0">
   <p:cSld>
     <p:spTree>
       <p:nvGrpSpPr>
-        <p:cNvPr id="86" name="Shape 86"/>
+        <p:cNvPr id="1" name="Shape 86"/>
         <p:cNvGrpSpPr/>
         <p:nvPr/>
       </p:nvGrpSpPr>
@@ -1008,20 +1039,26 @@
       <p:sp>
         <p:nvSpPr>
           <p:cNvPr id="87" name="Google Shape;87;g25e82330e14_0_13:notes"/>
-          <p:cNvSpPr/>
+          <p:cNvSpPr>
+            <a:spLocks noGrp="1" noRot="1" noChangeAspect="1"/>
+          </p:cNvSpPr>
           <p:nvPr>
-            <p:ph idx="2" type="sldImg"/>
+            <p:ph type="sldImg" idx="2"/>
           </p:nvPr>
         </p:nvSpPr>
         <p:spPr>
           <a:xfrm>
-            <a:off x="381300" y="685800"/>
+            <a:off x="381000" y="685800"/>
             <a:ext cx="6096000" cy="3429000"/>
           </a:xfrm>
           <a:custGeom>
-            <a:rect b="b" l="l" r="r" t="t"/>
+            <a:avLst/>
+            <a:gdLst/>
+            <a:ahLst/>
+            <a:cxnLst/>
+            <a:rect l="l" t="t" r="r" b="b"/>
             <a:pathLst>
-              <a:path extrusionOk="0" h="120000" w="120000">
+              <a:path w="120000" h="120000" extrusionOk="0">
                 <a:moveTo>
                   <a:pt x="0" y="0"/>
                 </a:moveTo>
@@ -1043,9 +1080,11 @@
       <p:sp>
         <p:nvSpPr>
           <p:cNvPr id="88" name="Google Shape;88;g25e82330e14_0_13:notes"/>
-          <p:cNvSpPr txBox="1"/>
+          <p:cNvSpPr txBox="1">
+            <a:spLocks noGrp="1"/>
+          </p:cNvSpPr>
           <p:nvPr>
-            <p:ph idx="1" type="body"/>
+            <p:ph type="body" idx="1"/>
           </p:nvPr>
         </p:nvSpPr>
         <p:spPr>
@@ -1058,23 +1097,20 @@
           </a:prstGeom>
         </p:spPr>
         <p:txBody>
-          <a:bodyPr anchorCtr="0" anchor="t" bIns="91425" lIns="91425" spcFirstLastPara="1" rIns="91425" wrap="square" tIns="91425">
+          <a:bodyPr spcFirstLastPara="1" wrap="square" lIns="91425" tIns="91425" rIns="91425" bIns="91425" anchor="t" anchorCtr="0">
             <a:noAutofit/>
           </a:bodyPr>
           <a:lstStyle/>
           <a:p>
-            <a:pPr indent="0" lvl="0" marL="0" rtl="0" algn="l">
-              <a:spcBef>
-                <a:spcPts val="0"/>
-              </a:spcBef>
-              <a:spcAft>
-                <a:spcPts val="0"/>
-              </a:spcAft>
-              <a:buNone/>
-            </a:pPr>
-            <a:r>
-              <a:t/>
-            </a:r>
+            <a:pPr marL="0" lvl="0" indent="0" algn="l" rtl="0">
+              <a:spcBef>
+                <a:spcPts val="0"/>
+              </a:spcBef>
+              <a:spcAft>
+                <a:spcPts val="0"/>
+              </a:spcAft>
+              <a:buNone/>
+            </a:pPr>
             <a:endParaRPr/>
           </a:p>
         </p:txBody>
@@ -1088,11 +1124,11 @@
 </file>
 
 <file path=ppt/notesSlides/notesSlide5.xml><?xml version="1.0" encoding="utf-8"?>
-<p:notes xmlns:a="http://schemas.openxmlformats.org/drawingml/2006/main" xmlns:r="http://schemas.openxmlformats.org/officeDocument/2006/relationships" xmlns:mc="http://schemas.openxmlformats.org/markup-compatibility/2006" xmlns:mv="urn:schemas-microsoft-com:mac:vml" xmlns:p="http://schemas.openxmlformats.org/presentationml/2006/main" xmlns:c="http://schemas.openxmlformats.org/drawingml/2006/chart" xmlns:dgm="http://schemas.openxmlformats.org/drawingml/2006/diagram" xmlns:o="urn:schemas-microsoft-com:office:office" xmlns:v="urn:schemas-microsoft-com:vml" xmlns:pvml="urn:schemas-microsoft-com:office:powerpoint" xmlns:com="http://schemas.openxmlformats.org/drawingml/2006/compatibility" xmlns:p14="http://schemas.microsoft.com/office/powerpoint/2010/main" xmlns:p15="http://schemas.microsoft.com/office/powerpoint/2012/main" xmlns:ahyp="http://schemas.microsoft.com/office/drawing/2018/hyperlinkcolor" showMasterPhAnim="0" showMasterSp="0">
+<p:notes xmlns:a="http://schemas.openxmlformats.org/drawingml/2006/main" xmlns:r="http://schemas.openxmlformats.org/officeDocument/2006/relationships" xmlns:p="http://schemas.openxmlformats.org/presentationml/2006/main" showMasterSp="0" showMasterPhAnim="0">
   <p:cSld>
     <p:spTree>
       <p:nvGrpSpPr>
-        <p:cNvPr id="94" name="Shape 94"/>
+        <p:cNvPr id="1" name="Shape 94"/>
         <p:cNvGrpSpPr/>
         <p:nvPr/>
       </p:nvGrpSpPr>
@@ -1107,20 +1143,26 @@
       <p:sp>
         <p:nvSpPr>
           <p:cNvPr id="95" name="Google Shape;95;g25e82330e14_0_23:notes"/>
-          <p:cNvSpPr/>
+          <p:cNvSpPr>
+            <a:spLocks noGrp="1" noRot="1" noChangeAspect="1"/>
+          </p:cNvSpPr>
           <p:nvPr>
-            <p:ph idx="2" type="sldImg"/>
+            <p:ph type="sldImg" idx="2"/>
           </p:nvPr>
         </p:nvSpPr>
         <p:spPr>
           <a:xfrm>
-            <a:off x="381300" y="685800"/>
+            <a:off x="381000" y="685800"/>
             <a:ext cx="6096000" cy="3429000"/>
           </a:xfrm>
           <a:custGeom>
-            <a:rect b="b" l="l" r="r" t="t"/>
+            <a:avLst/>
+            <a:gdLst/>
+            <a:ahLst/>
+            <a:cxnLst/>
+            <a:rect l="l" t="t" r="r" b="b"/>
             <a:pathLst>
-              <a:path extrusionOk="0" h="120000" w="120000">
+              <a:path w="120000" h="120000" extrusionOk="0">
                 <a:moveTo>
                   <a:pt x="0" y="0"/>
                 </a:moveTo>
@@ -1142,9 +1184,11 @@
       <p:sp>
         <p:nvSpPr>
           <p:cNvPr id="96" name="Google Shape;96;g25e82330e14_0_23:notes"/>
-          <p:cNvSpPr txBox="1"/>
+          <p:cNvSpPr txBox="1">
+            <a:spLocks noGrp="1"/>
+          </p:cNvSpPr>
           <p:nvPr>
-            <p:ph idx="1" type="body"/>
+            <p:ph type="body" idx="1"/>
           </p:nvPr>
         </p:nvSpPr>
         <p:spPr>
@@ -1157,23 +1201,20 @@
           </a:prstGeom>
         </p:spPr>
         <p:txBody>
-          <a:bodyPr anchorCtr="0" anchor="t" bIns="91425" lIns="91425" spcFirstLastPara="1" rIns="91425" wrap="square" tIns="91425">
+          <a:bodyPr spcFirstLastPara="1" wrap="square" lIns="91425" tIns="91425" rIns="91425" bIns="91425" anchor="t" anchorCtr="0">
             <a:noAutofit/>
           </a:bodyPr>
           <a:lstStyle/>
           <a:p>
-            <a:pPr indent="0" lvl="0" marL="0" rtl="0" algn="l">
-              <a:spcBef>
-                <a:spcPts val="0"/>
-              </a:spcBef>
-              <a:spcAft>
-                <a:spcPts val="0"/>
-              </a:spcAft>
-              <a:buNone/>
-            </a:pPr>
-            <a:r>
-              <a:t/>
-            </a:r>
+            <a:pPr marL="0" lvl="0" indent="0" algn="l" rtl="0">
+              <a:spcBef>
+                <a:spcPts val="0"/>
+              </a:spcBef>
+              <a:spcAft>
+                <a:spcPts val="0"/>
+              </a:spcAft>
+              <a:buNone/>
+            </a:pPr>
             <a:endParaRPr/>
           </a:p>
         </p:txBody>
@@ -1187,11 +1228,11 @@
 </file>
 
 <file path=ppt/notesSlides/notesSlide6.xml><?xml version="1.0" encoding="utf-8"?>
-<p:notes xmlns:a="http://schemas.openxmlformats.org/drawingml/2006/main" xmlns:r="http://schemas.openxmlformats.org/officeDocument/2006/relationships" xmlns:mc="http://schemas.openxmlformats.org/markup-compatibility/2006" xmlns:mv="urn:schemas-microsoft-com:mac:vml" xmlns:p="http://schemas.openxmlformats.org/presentationml/2006/main" xmlns:c="http://schemas.openxmlformats.org/drawingml/2006/chart" xmlns:dgm="http://schemas.openxmlformats.org/drawingml/2006/diagram" xmlns:o="urn:schemas-microsoft-com:office:office" xmlns:v="urn:schemas-microsoft-com:vml" xmlns:pvml="urn:schemas-microsoft-com:office:powerpoint" xmlns:com="http://schemas.openxmlformats.org/drawingml/2006/compatibility" xmlns:p14="http://schemas.microsoft.com/office/powerpoint/2010/main" xmlns:p15="http://schemas.microsoft.com/office/powerpoint/2012/main" xmlns:ahyp="http://schemas.microsoft.com/office/drawing/2018/hyperlinkcolor" showMasterPhAnim="0" showMasterSp="0">
+<p:notes xmlns:a="http://schemas.openxmlformats.org/drawingml/2006/main" xmlns:r="http://schemas.openxmlformats.org/officeDocument/2006/relationships" xmlns:p="http://schemas.openxmlformats.org/presentationml/2006/main" showMasterSp="0" showMasterPhAnim="0">
   <p:cSld>
     <p:spTree>
       <p:nvGrpSpPr>
-        <p:cNvPr id="101" name="Shape 101"/>
+        <p:cNvPr id="1" name="Shape 101"/>
         <p:cNvGrpSpPr/>
         <p:nvPr/>
       </p:nvGrpSpPr>
@@ -1206,20 +1247,26 @@
       <p:sp>
         <p:nvSpPr>
           <p:cNvPr id="102" name="Google Shape;102;g296abc544dd_0_2:notes"/>
-          <p:cNvSpPr/>
+          <p:cNvSpPr>
+            <a:spLocks noGrp="1" noRot="1" noChangeAspect="1"/>
+          </p:cNvSpPr>
           <p:nvPr>
-            <p:ph idx="2" type="sldImg"/>
+            <p:ph type="sldImg" idx="2"/>
           </p:nvPr>
         </p:nvSpPr>
         <p:spPr>
           <a:xfrm>
-            <a:off x="381300" y="685800"/>
+            <a:off x="381000" y="685800"/>
             <a:ext cx="6096000" cy="3429000"/>
           </a:xfrm>
           <a:custGeom>
-            <a:rect b="b" l="l" r="r" t="t"/>
+            <a:avLst/>
+            <a:gdLst/>
+            <a:ahLst/>
+            <a:cxnLst/>
+            <a:rect l="l" t="t" r="r" b="b"/>
             <a:pathLst>
-              <a:path extrusionOk="0" h="120000" w="120000">
+              <a:path w="120000" h="120000" extrusionOk="0">
                 <a:moveTo>
                   <a:pt x="0" y="0"/>
                 </a:moveTo>
@@ -1241,9 +1288,11 @@
       <p:sp>
         <p:nvSpPr>
           <p:cNvPr id="103" name="Google Shape;103;g296abc544dd_0_2:notes"/>
-          <p:cNvSpPr txBox="1"/>
+          <p:cNvSpPr txBox="1">
+            <a:spLocks noGrp="1"/>
+          </p:cNvSpPr>
           <p:nvPr>
-            <p:ph idx="1" type="body"/>
+            <p:ph type="body" idx="1"/>
           </p:nvPr>
         </p:nvSpPr>
         <p:spPr>
@@ -1256,23 +1305,20 @@
           </a:prstGeom>
         </p:spPr>
         <p:txBody>
-          <a:bodyPr anchorCtr="0" anchor="t" bIns="91425" lIns="91425" spcFirstLastPara="1" rIns="91425" wrap="square" tIns="91425">
+          <a:bodyPr spcFirstLastPara="1" wrap="square" lIns="91425" tIns="91425" rIns="91425" bIns="91425" anchor="t" anchorCtr="0">
             <a:noAutofit/>
           </a:bodyPr>
           <a:lstStyle/>
           <a:p>
-            <a:pPr indent="0" lvl="0" marL="0" rtl="0" algn="l">
-              <a:spcBef>
-                <a:spcPts val="0"/>
-              </a:spcBef>
-              <a:spcAft>
-                <a:spcPts val="0"/>
-              </a:spcAft>
-              <a:buNone/>
-            </a:pPr>
-            <a:r>
-              <a:t/>
-            </a:r>
+            <a:pPr marL="0" lvl="0" indent="0" algn="l" rtl="0">
+              <a:spcBef>
+                <a:spcPts val="0"/>
+              </a:spcBef>
+              <a:spcAft>
+                <a:spcPts val="0"/>
+              </a:spcAft>
+              <a:buNone/>
+            </a:pPr>
             <a:endParaRPr/>
           </a:p>
         </p:txBody>
@@ -1285,12 +1331,121 @@
 </p:notes>
 </file>
 
+<file path=ppt/notesSlides/notesSlide7.xml><?xml version="1.0" encoding="utf-8"?>
+<p:notes xmlns:a="http://schemas.openxmlformats.org/drawingml/2006/main" xmlns:r="http://schemas.openxmlformats.org/officeDocument/2006/relationships" xmlns:p="http://schemas.openxmlformats.org/presentationml/2006/main" showMasterSp="0" showMasterPhAnim="0">
+  <p:cSld>
+    <p:spTree>
+      <p:nvGrpSpPr>
+        <p:cNvPr id="1" name="Shape 101"/>
+        <p:cNvGrpSpPr/>
+        <p:nvPr/>
+      </p:nvGrpSpPr>
+      <p:grpSpPr>
+        <a:xfrm>
+          <a:off x="0" y="0"/>
+          <a:ext cx="0" cy="0"/>
+          <a:chOff x="0" y="0"/>
+          <a:chExt cx="0" cy="0"/>
+        </a:xfrm>
+      </p:grpSpPr>
+      <p:sp>
+        <p:nvSpPr>
+          <p:cNvPr id="102" name="Google Shape;102;g296abc544dd_0_2:notes"/>
+          <p:cNvSpPr>
+            <a:spLocks noGrp="1" noRot="1" noChangeAspect="1"/>
+          </p:cNvSpPr>
+          <p:nvPr>
+            <p:ph type="sldImg" idx="2"/>
+          </p:nvPr>
+        </p:nvSpPr>
+        <p:spPr>
+          <a:xfrm>
+            <a:off x="381000" y="685800"/>
+            <a:ext cx="6096000" cy="3429000"/>
+          </a:xfrm>
+          <a:custGeom>
+            <a:avLst/>
+            <a:gdLst/>
+            <a:ahLst/>
+            <a:cxnLst/>
+            <a:rect l="l" t="t" r="r" b="b"/>
+            <a:pathLst>
+              <a:path w="120000" h="120000" extrusionOk="0">
+                <a:moveTo>
+                  <a:pt x="0" y="0"/>
+                </a:moveTo>
+                <a:lnTo>
+                  <a:pt x="120000" y="0"/>
+                </a:lnTo>
+                <a:lnTo>
+                  <a:pt x="120000" y="120000"/>
+                </a:lnTo>
+                <a:lnTo>
+                  <a:pt x="0" y="120000"/>
+                </a:lnTo>
+                <a:close/>
+              </a:path>
+            </a:pathLst>
+          </a:custGeom>
+        </p:spPr>
+      </p:sp>
+      <p:sp>
+        <p:nvSpPr>
+          <p:cNvPr id="103" name="Google Shape;103;g296abc544dd_0_2:notes"/>
+          <p:cNvSpPr txBox="1">
+            <a:spLocks noGrp="1"/>
+          </p:cNvSpPr>
+          <p:nvPr>
+            <p:ph type="body" idx="1"/>
+          </p:nvPr>
+        </p:nvSpPr>
+        <p:spPr>
+          <a:xfrm>
+            <a:off x="685800" y="4343400"/>
+            <a:ext cx="5486400" cy="4114800"/>
+          </a:xfrm>
+          <a:prstGeom prst="rect">
+            <a:avLst/>
+          </a:prstGeom>
+        </p:spPr>
+        <p:txBody>
+          <a:bodyPr spcFirstLastPara="1" wrap="square" lIns="91425" tIns="91425" rIns="91425" bIns="91425" anchor="t" anchorCtr="0">
+            <a:noAutofit/>
+          </a:bodyPr>
+          <a:lstStyle/>
+          <a:p>
+            <a:pPr marL="0" lvl="0" indent="0" algn="l" rtl="0">
+              <a:spcBef>
+                <a:spcPts val="0"/>
+              </a:spcBef>
+              <a:spcAft>
+                <a:spcPts val="0"/>
+              </a:spcAft>
+              <a:buNone/>
+            </a:pPr>
+            <a:endParaRPr/>
+          </a:p>
+        </p:txBody>
+      </p:sp>
+    </p:spTree>
+    <p:extLst>
+      <p:ext uri="{BB962C8B-B14F-4D97-AF65-F5344CB8AC3E}">
+        <p14:creationId xmlns:p14="http://schemas.microsoft.com/office/powerpoint/2010/main" val="3322428560"/>
+      </p:ext>
+    </p:extLst>
+  </p:cSld>
+  <p:clrMapOvr>
+    <a:masterClrMapping/>
+  </p:clrMapOvr>
+</p:notes>
+</file>
+
 <file path=ppt/slideLayouts/slideLayout1.xml><?xml version="1.0" encoding="utf-8"?>
-<p:sldLayout xmlns:a="http://schemas.openxmlformats.org/drawingml/2006/main" xmlns:r="http://schemas.openxmlformats.org/officeDocument/2006/relationships" xmlns:mc="http://schemas.openxmlformats.org/markup-compatibility/2006" xmlns:mv="urn:schemas-microsoft-com:mac:vml" xmlns:p="http://schemas.openxmlformats.org/presentationml/2006/main" xmlns:c="http://schemas.openxmlformats.org/drawingml/2006/chart" xmlns:dgm="http://schemas.openxmlformats.org/drawingml/2006/diagram" xmlns:o="urn:schemas-microsoft-com:office:office" xmlns:v="urn:schemas-microsoft-com:vml" xmlns:pvml="urn:schemas-microsoft-com:office:powerpoint" xmlns:com="http://schemas.openxmlformats.org/drawingml/2006/compatibility" xmlns:p14="http://schemas.microsoft.com/office/powerpoint/2010/main" xmlns:p15="http://schemas.microsoft.com/office/powerpoint/2012/main" xmlns:ahyp="http://schemas.microsoft.com/office/drawing/2018/hyperlinkcolor" matchingName="Title slide" type="title">
+<p:sldLayout xmlns:a="http://schemas.openxmlformats.org/drawingml/2006/main" xmlns:r="http://schemas.openxmlformats.org/officeDocument/2006/relationships" xmlns:p="http://schemas.openxmlformats.org/presentationml/2006/main" matchingName="Title slide" type="title">
   <p:cSld name="TITLE">
     <p:spTree>
       <p:nvGrpSpPr>
-        <p:cNvPr id="9" name="Shape 9"/>
+        <p:cNvPr id="1" name="Shape 9"/>
         <p:cNvGrpSpPr/>
         <p:nvPr/>
       </p:nvGrpSpPr>
@@ -1305,7 +1460,9 @@
       <p:sp>
         <p:nvSpPr>
           <p:cNvPr id="10" name="Google Shape;10;p2"/>
-          <p:cNvSpPr txBox="1"/>
+          <p:cNvSpPr txBox="1">
+            <a:spLocks noGrp="1"/>
+          </p:cNvSpPr>
           <p:nvPr>
             <p:ph type="ctrTitle"/>
           </p:nvPr>
@@ -1320,7 +1477,7 @@
           </a:prstGeom>
         </p:spPr>
         <p:txBody>
-          <a:bodyPr anchorCtr="0" anchor="b" bIns="91425" lIns="91425" spcFirstLastPara="1" rIns="91425" wrap="square" tIns="91425">
+          <a:bodyPr spcFirstLastPara="1" wrap="square" lIns="91425" tIns="91425" rIns="91425" bIns="91425" anchor="b" anchorCtr="0">
             <a:normAutofit/>
           </a:bodyPr>
           <a:lstStyle>
@@ -1424,15 +1581,19 @@
               <a:defRPr sz="5200"/>
             </a:lvl9pPr>
           </a:lstStyle>
-          <a:p/>
+          <a:p>
+            <a:endParaRPr/>
+          </a:p>
         </p:txBody>
       </p:sp>
       <p:sp>
         <p:nvSpPr>
           <p:cNvPr id="11" name="Google Shape;11;p2"/>
-          <p:cNvSpPr txBox="1"/>
+          <p:cNvSpPr txBox="1">
+            <a:spLocks noGrp="1"/>
+          </p:cNvSpPr>
           <p:nvPr>
-            <p:ph idx="1" type="subTitle"/>
+            <p:ph type="subTitle" idx="1"/>
           </p:nvPr>
         </p:nvSpPr>
         <p:spPr>
@@ -1445,7 +1606,7 @@
           </a:prstGeom>
         </p:spPr>
         <p:txBody>
-          <a:bodyPr anchorCtr="0" anchor="t" bIns="91425" lIns="91425" spcFirstLastPara="1" rIns="91425" wrap="square" tIns="91425">
+          <a:bodyPr spcFirstLastPara="1" wrap="square" lIns="91425" tIns="91425" rIns="91425" bIns="91425" anchor="t" anchorCtr="0">
             <a:normAutofit/>
           </a:bodyPr>
           <a:lstStyle>
@@ -1576,15 +1737,19 @@
               <a:defRPr sz="2800"/>
             </a:lvl9pPr>
           </a:lstStyle>
-          <a:p/>
+          <a:p>
+            <a:endParaRPr/>
+          </a:p>
         </p:txBody>
       </p:sp>
       <p:sp>
         <p:nvSpPr>
           <p:cNvPr id="12" name="Google Shape;12;p2"/>
-          <p:cNvSpPr txBox="1"/>
+          <p:cNvSpPr txBox="1">
+            <a:spLocks noGrp="1"/>
+          </p:cNvSpPr>
           <p:nvPr>
-            <p:ph idx="12" type="sldNum"/>
+            <p:ph type="sldNum" idx="12"/>
           </p:nvPr>
         </p:nvSpPr>
         <p:spPr>
@@ -1597,7 +1762,7 @@
           </a:prstGeom>
         </p:spPr>
         <p:txBody>
-          <a:bodyPr anchorCtr="0" anchor="ctr" bIns="91425" lIns="91425" spcFirstLastPara="1" rIns="91425" wrap="square" tIns="91425">
+          <a:bodyPr spcFirstLastPara="1" wrap="square" lIns="91425" tIns="91425" rIns="91425" bIns="91425" anchor="ctr" anchorCtr="0">
             <a:normAutofit/>
           </a:bodyPr>
           <a:lstStyle>
@@ -1639,7 +1804,7 @@
             </a:lvl9pPr>
           </a:lstStyle>
           <a:p>
-            <a:pPr indent="0" lvl="0" marL="0" rtl="0" algn="r">
+            <a:pPr marL="0" lvl="0" indent="0" algn="r" rtl="0">
               <a:spcBef>
                 <a:spcPts val="0"/>
               </a:spcBef>
@@ -1665,11 +1830,11 @@
 </file>
 
 <file path=ppt/slideLayouts/slideLayout10.xml><?xml version="1.0" encoding="utf-8"?>
-<p:sldLayout xmlns:a="http://schemas.openxmlformats.org/drawingml/2006/main" xmlns:r="http://schemas.openxmlformats.org/officeDocument/2006/relationships" xmlns:mc="http://schemas.openxmlformats.org/markup-compatibility/2006" xmlns:mv="urn:schemas-microsoft-com:mac:vml" xmlns:p="http://schemas.openxmlformats.org/presentationml/2006/main" xmlns:c="http://schemas.openxmlformats.org/drawingml/2006/chart" xmlns:dgm="http://schemas.openxmlformats.org/drawingml/2006/diagram" xmlns:o="urn:schemas-microsoft-com:office:office" xmlns:v="urn:schemas-microsoft-com:vml" xmlns:pvml="urn:schemas-microsoft-com:office:powerpoint" xmlns:com="http://schemas.openxmlformats.org/drawingml/2006/compatibility" xmlns:p14="http://schemas.microsoft.com/office/powerpoint/2010/main" xmlns:p15="http://schemas.microsoft.com/office/powerpoint/2012/main" xmlns:ahyp="http://schemas.microsoft.com/office/drawing/2018/hyperlinkcolor" matchingName="Big number">
+<p:sldLayout xmlns:a="http://schemas.openxmlformats.org/drawingml/2006/main" xmlns:r="http://schemas.openxmlformats.org/officeDocument/2006/relationships" xmlns:p="http://schemas.openxmlformats.org/presentationml/2006/main" matchingName="Big number">
   <p:cSld name="BIG_NUMBER">
     <p:spTree>
       <p:nvGrpSpPr>
-        <p:cNvPr id="44" name="Shape 44"/>
+        <p:cNvPr id="1" name="Shape 44"/>
         <p:cNvGrpSpPr/>
         <p:nvPr/>
       </p:nvGrpSpPr>
@@ -1684,9 +1849,11 @@
       <p:sp>
         <p:nvSpPr>
           <p:cNvPr id="45" name="Google Shape;45;p11"/>
-          <p:cNvSpPr txBox="1"/>
+          <p:cNvSpPr txBox="1">
+            <a:spLocks noGrp="1"/>
+          </p:cNvSpPr>
           <p:nvPr>
-            <p:ph hasCustomPrompt="1" type="title"/>
+            <p:ph type="title" hasCustomPrompt="1"/>
           </p:nvPr>
         </p:nvSpPr>
         <p:spPr>
@@ -1699,7 +1866,7 @@
           </a:prstGeom>
         </p:spPr>
         <p:txBody>
-          <a:bodyPr anchorCtr="0" anchor="b" bIns="91425" lIns="91425" spcFirstLastPara="1" rIns="91425" wrap="square" tIns="91425">
+          <a:bodyPr spcFirstLastPara="1" wrap="square" lIns="91425" tIns="91425" rIns="91425" bIns="91425" anchor="b" anchorCtr="0">
             <a:normAutofit/>
           </a:bodyPr>
           <a:lstStyle>
@@ -1813,9 +1980,11 @@
       <p:sp>
         <p:nvSpPr>
           <p:cNvPr id="46" name="Google Shape;46;p11"/>
-          <p:cNvSpPr txBox="1"/>
+          <p:cNvSpPr txBox="1">
+            <a:spLocks noGrp="1"/>
+          </p:cNvSpPr>
           <p:nvPr>
-            <p:ph idx="1" type="body"/>
+            <p:ph type="body" idx="1"/>
           </p:nvPr>
         </p:nvSpPr>
         <p:spPr>
@@ -1828,11 +1997,11 @@
           </a:prstGeom>
         </p:spPr>
         <p:txBody>
-          <a:bodyPr anchorCtr="0" anchor="t" bIns="91425" lIns="91425" spcFirstLastPara="1" rIns="91425" wrap="square" tIns="91425">
+          <a:bodyPr spcFirstLastPara="1" wrap="square" lIns="91425" tIns="91425" rIns="91425" bIns="91425" anchor="t" anchorCtr="0">
             <a:normAutofit/>
           </a:bodyPr>
           <a:lstStyle>
-            <a:lvl1pPr indent="-342900" lvl="0" marL="457200" algn="ctr">
+            <a:lvl1pPr marL="457200" lvl="0" indent="-342900" algn="ctr">
               <a:spcBef>
                 <a:spcPts val="0"/>
               </a:spcBef>
@@ -1843,7 +2012,7 @@
               <a:buChar char="●"/>
               <a:defRPr/>
             </a:lvl1pPr>
-            <a:lvl2pPr indent="-317500" lvl="1" marL="914400" algn="ctr">
+            <a:lvl2pPr marL="914400" lvl="1" indent="-317500" algn="ctr">
               <a:spcBef>
                 <a:spcPts val="0"/>
               </a:spcBef>
@@ -1854,7 +2023,7 @@
               <a:buChar char="○"/>
               <a:defRPr/>
             </a:lvl2pPr>
-            <a:lvl3pPr indent="-317500" lvl="2" marL="1371600" algn="ctr">
+            <a:lvl3pPr marL="1371600" lvl="2" indent="-317500" algn="ctr">
               <a:spcBef>
                 <a:spcPts val="0"/>
               </a:spcBef>
@@ -1865,7 +2034,7 @@
               <a:buChar char="■"/>
               <a:defRPr/>
             </a:lvl3pPr>
-            <a:lvl4pPr indent="-317500" lvl="3" marL="1828800" algn="ctr">
+            <a:lvl4pPr marL="1828800" lvl="3" indent="-317500" algn="ctr">
               <a:spcBef>
                 <a:spcPts val="0"/>
               </a:spcBef>
@@ -1876,7 +2045,7 @@
               <a:buChar char="●"/>
               <a:defRPr/>
             </a:lvl4pPr>
-            <a:lvl5pPr indent="-317500" lvl="4" marL="2286000" algn="ctr">
+            <a:lvl5pPr marL="2286000" lvl="4" indent="-317500" algn="ctr">
               <a:spcBef>
                 <a:spcPts val="0"/>
               </a:spcBef>
@@ -1887,7 +2056,7 @@
               <a:buChar char="○"/>
               <a:defRPr/>
             </a:lvl5pPr>
-            <a:lvl6pPr indent="-317500" lvl="5" marL="2743200" algn="ctr">
+            <a:lvl6pPr marL="2743200" lvl="5" indent="-317500" algn="ctr">
               <a:spcBef>
                 <a:spcPts val="0"/>
               </a:spcBef>
@@ -1898,7 +2067,7 @@
               <a:buChar char="■"/>
               <a:defRPr/>
             </a:lvl6pPr>
-            <a:lvl7pPr indent="-317500" lvl="6" marL="3200400" algn="ctr">
+            <a:lvl7pPr marL="3200400" lvl="6" indent="-317500" algn="ctr">
               <a:spcBef>
                 <a:spcPts val="0"/>
               </a:spcBef>
@@ -1909,7 +2078,7 @@
               <a:buChar char="●"/>
               <a:defRPr/>
             </a:lvl7pPr>
-            <a:lvl8pPr indent="-317500" lvl="7" marL="3657600" algn="ctr">
+            <a:lvl8pPr marL="3657600" lvl="7" indent="-317500" algn="ctr">
               <a:spcBef>
                 <a:spcPts val="0"/>
               </a:spcBef>
@@ -1920,7 +2089,7 @@
               <a:buChar char="○"/>
               <a:defRPr/>
             </a:lvl8pPr>
-            <a:lvl9pPr indent="-317500" lvl="8" marL="4114800" algn="ctr">
+            <a:lvl9pPr marL="4114800" lvl="8" indent="-317500" algn="ctr">
               <a:spcBef>
                 <a:spcPts val="0"/>
               </a:spcBef>
@@ -1932,15 +2101,19 @@
               <a:defRPr/>
             </a:lvl9pPr>
           </a:lstStyle>
-          <a:p/>
+          <a:p>
+            <a:endParaRPr/>
+          </a:p>
         </p:txBody>
       </p:sp>
       <p:sp>
         <p:nvSpPr>
           <p:cNvPr id="47" name="Google Shape;47;p11"/>
-          <p:cNvSpPr txBox="1"/>
+          <p:cNvSpPr txBox="1">
+            <a:spLocks noGrp="1"/>
+          </p:cNvSpPr>
           <p:nvPr>
-            <p:ph idx="12" type="sldNum"/>
+            <p:ph type="sldNum" idx="12"/>
           </p:nvPr>
         </p:nvSpPr>
         <p:spPr>
@@ -1953,7 +2126,7 @@
           </a:prstGeom>
         </p:spPr>
         <p:txBody>
-          <a:bodyPr anchorCtr="0" anchor="ctr" bIns="91425" lIns="91425" spcFirstLastPara="1" rIns="91425" wrap="square" tIns="91425">
+          <a:bodyPr spcFirstLastPara="1" wrap="square" lIns="91425" tIns="91425" rIns="91425" bIns="91425" anchor="ctr" anchorCtr="0">
             <a:normAutofit/>
           </a:bodyPr>
           <a:lstStyle>
@@ -1995,7 +2168,7 @@
             </a:lvl9pPr>
           </a:lstStyle>
           <a:p>
-            <a:pPr indent="0" lvl="0" marL="0" rtl="0" algn="r">
+            <a:pPr marL="0" lvl="0" indent="0" algn="r" rtl="0">
               <a:spcBef>
                 <a:spcPts val="0"/>
               </a:spcBef>
@@ -2021,11 +2194,11 @@
 </file>
 
 <file path=ppt/slideLayouts/slideLayout11.xml><?xml version="1.0" encoding="utf-8"?>
-<p:sldLayout xmlns:a="http://schemas.openxmlformats.org/drawingml/2006/main" xmlns:r="http://schemas.openxmlformats.org/officeDocument/2006/relationships" xmlns:mc="http://schemas.openxmlformats.org/markup-compatibility/2006" xmlns:mv="urn:schemas-microsoft-com:mac:vml" xmlns:p="http://schemas.openxmlformats.org/presentationml/2006/main" xmlns:c="http://schemas.openxmlformats.org/drawingml/2006/chart" xmlns:dgm="http://schemas.openxmlformats.org/drawingml/2006/diagram" xmlns:o="urn:schemas-microsoft-com:office:office" xmlns:v="urn:schemas-microsoft-com:vml" xmlns:pvml="urn:schemas-microsoft-com:office:powerpoint" xmlns:com="http://schemas.openxmlformats.org/drawingml/2006/compatibility" xmlns:p14="http://schemas.microsoft.com/office/powerpoint/2010/main" xmlns:p15="http://schemas.microsoft.com/office/powerpoint/2012/main" xmlns:ahyp="http://schemas.microsoft.com/office/drawing/2018/hyperlinkcolor" matchingName="Blank" type="blank">
+<p:sldLayout xmlns:a="http://schemas.openxmlformats.org/drawingml/2006/main" xmlns:r="http://schemas.openxmlformats.org/officeDocument/2006/relationships" xmlns:p="http://schemas.openxmlformats.org/presentationml/2006/main" matchingName="Blank" type="blank">
   <p:cSld name="BLANK">
     <p:spTree>
       <p:nvGrpSpPr>
-        <p:cNvPr id="48" name="Shape 48"/>
+        <p:cNvPr id="1" name="Shape 48"/>
         <p:cNvGrpSpPr/>
         <p:nvPr/>
       </p:nvGrpSpPr>
@@ -2040,9 +2213,11 @@
       <p:sp>
         <p:nvSpPr>
           <p:cNvPr id="49" name="Google Shape;49;p12"/>
-          <p:cNvSpPr txBox="1"/>
+          <p:cNvSpPr txBox="1">
+            <a:spLocks noGrp="1"/>
+          </p:cNvSpPr>
           <p:nvPr>
-            <p:ph idx="12" type="sldNum"/>
+            <p:ph type="sldNum" idx="12"/>
           </p:nvPr>
         </p:nvSpPr>
         <p:spPr>
@@ -2055,7 +2230,7 @@
           </a:prstGeom>
         </p:spPr>
         <p:txBody>
-          <a:bodyPr anchorCtr="0" anchor="ctr" bIns="91425" lIns="91425" spcFirstLastPara="1" rIns="91425" wrap="square" tIns="91425">
+          <a:bodyPr spcFirstLastPara="1" wrap="square" lIns="91425" tIns="91425" rIns="91425" bIns="91425" anchor="ctr" anchorCtr="0">
             <a:normAutofit/>
           </a:bodyPr>
           <a:lstStyle>
@@ -2097,7 +2272,7 @@
             </a:lvl9pPr>
           </a:lstStyle>
           <a:p>
-            <a:pPr indent="0" lvl="0" marL="0" rtl="0" algn="r">
+            <a:pPr marL="0" lvl="0" indent="0" algn="r" rtl="0">
               <a:spcBef>
                 <a:spcPts val="0"/>
               </a:spcBef>
@@ -2123,11 +2298,11 @@
 </file>
 
 <file path=ppt/slideLayouts/slideLayout2.xml><?xml version="1.0" encoding="utf-8"?>
-<p:sldLayout xmlns:a="http://schemas.openxmlformats.org/drawingml/2006/main" xmlns:r="http://schemas.openxmlformats.org/officeDocument/2006/relationships" xmlns:mc="http://schemas.openxmlformats.org/markup-compatibility/2006" xmlns:mv="urn:schemas-microsoft-com:mac:vml" xmlns:p="http://schemas.openxmlformats.org/presentationml/2006/main" xmlns:c="http://schemas.openxmlformats.org/drawingml/2006/chart" xmlns:dgm="http://schemas.openxmlformats.org/drawingml/2006/diagram" xmlns:o="urn:schemas-microsoft-com:office:office" xmlns:v="urn:schemas-microsoft-com:vml" xmlns:pvml="urn:schemas-microsoft-com:office:powerpoint" xmlns:com="http://schemas.openxmlformats.org/drawingml/2006/compatibility" xmlns:p14="http://schemas.microsoft.com/office/powerpoint/2010/main" xmlns:p15="http://schemas.microsoft.com/office/powerpoint/2012/main" xmlns:ahyp="http://schemas.microsoft.com/office/drawing/2018/hyperlinkcolor" matchingName="Section header" type="secHead">
+<p:sldLayout xmlns:a="http://schemas.openxmlformats.org/drawingml/2006/main" xmlns:r="http://schemas.openxmlformats.org/officeDocument/2006/relationships" xmlns:p="http://schemas.openxmlformats.org/presentationml/2006/main" matchingName="Section header" type="secHead">
   <p:cSld name="SECTION_HEADER">
     <p:spTree>
       <p:nvGrpSpPr>
-        <p:cNvPr id="13" name="Shape 13"/>
+        <p:cNvPr id="1" name="Shape 13"/>
         <p:cNvGrpSpPr/>
         <p:nvPr/>
       </p:nvGrpSpPr>
@@ -2142,7 +2317,9 @@
       <p:sp>
         <p:nvSpPr>
           <p:cNvPr id="14" name="Google Shape;14;p3"/>
-          <p:cNvSpPr txBox="1"/>
+          <p:cNvSpPr txBox="1">
+            <a:spLocks noGrp="1"/>
+          </p:cNvSpPr>
           <p:nvPr>
             <p:ph type="title"/>
           </p:nvPr>
@@ -2157,7 +2334,7 @@
           </a:prstGeom>
         </p:spPr>
         <p:txBody>
-          <a:bodyPr anchorCtr="0" anchor="ctr" bIns="91425" lIns="91425" spcFirstLastPara="1" rIns="91425" wrap="square" tIns="91425">
+          <a:bodyPr spcFirstLastPara="1" wrap="square" lIns="91425" tIns="91425" rIns="91425" bIns="91425" anchor="ctr" anchorCtr="0">
             <a:normAutofit/>
           </a:bodyPr>
           <a:lstStyle>
@@ -2261,15 +2438,19 @@
               <a:defRPr sz="3600"/>
             </a:lvl9pPr>
           </a:lstStyle>
-          <a:p/>
+          <a:p>
+            <a:endParaRPr/>
+          </a:p>
         </p:txBody>
       </p:sp>
       <p:sp>
         <p:nvSpPr>
           <p:cNvPr id="15" name="Google Shape;15;p3"/>
-          <p:cNvSpPr txBox="1"/>
+          <p:cNvSpPr txBox="1">
+            <a:spLocks noGrp="1"/>
+          </p:cNvSpPr>
           <p:nvPr>
-            <p:ph idx="12" type="sldNum"/>
+            <p:ph type="sldNum" idx="12"/>
           </p:nvPr>
         </p:nvSpPr>
         <p:spPr>
@@ -2282,7 +2463,7 @@
           </a:prstGeom>
         </p:spPr>
         <p:txBody>
-          <a:bodyPr anchorCtr="0" anchor="ctr" bIns="91425" lIns="91425" spcFirstLastPara="1" rIns="91425" wrap="square" tIns="91425">
+          <a:bodyPr spcFirstLastPara="1" wrap="square" lIns="91425" tIns="91425" rIns="91425" bIns="91425" anchor="ctr" anchorCtr="0">
             <a:normAutofit/>
           </a:bodyPr>
           <a:lstStyle>
@@ -2324,7 +2505,7 @@
             </a:lvl9pPr>
           </a:lstStyle>
           <a:p>
-            <a:pPr indent="0" lvl="0" marL="0" rtl="0" algn="r">
+            <a:pPr marL="0" lvl="0" indent="0" algn="r" rtl="0">
               <a:spcBef>
                 <a:spcPts val="0"/>
               </a:spcBef>
@@ -2350,11 +2531,11 @@
 </file>
 
 <file path=ppt/slideLayouts/slideLayout3.xml><?xml version="1.0" encoding="utf-8"?>
-<p:sldLayout xmlns:a="http://schemas.openxmlformats.org/drawingml/2006/main" xmlns:r="http://schemas.openxmlformats.org/officeDocument/2006/relationships" xmlns:mc="http://schemas.openxmlformats.org/markup-compatibility/2006" xmlns:mv="urn:schemas-microsoft-com:mac:vml" xmlns:p="http://schemas.openxmlformats.org/presentationml/2006/main" xmlns:c="http://schemas.openxmlformats.org/drawingml/2006/chart" xmlns:dgm="http://schemas.openxmlformats.org/drawingml/2006/diagram" xmlns:o="urn:schemas-microsoft-com:office:office" xmlns:v="urn:schemas-microsoft-com:vml" xmlns:pvml="urn:schemas-microsoft-com:office:powerpoint" xmlns:com="http://schemas.openxmlformats.org/drawingml/2006/compatibility" xmlns:p14="http://schemas.microsoft.com/office/powerpoint/2010/main" xmlns:p15="http://schemas.microsoft.com/office/powerpoint/2012/main" xmlns:ahyp="http://schemas.microsoft.com/office/drawing/2018/hyperlinkcolor" matchingName="Title and body" type="tx">
+<p:sldLayout xmlns:a="http://schemas.openxmlformats.org/drawingml/2006/main" xmlns:r="http://schemas.openxmlformats.org/officeDocument/2006/relationships" xmlns:p="http://schemas.openxmlformats.org/presentationml/2006/main" matchingName="Title and body" type="tx">
   <p:cSld name="TITLE_AND_BODY">
     <p:spTree>
       <p:nvGrpSpPr>
-        <p:cNvPr id="16" name="Shape 16"/>
+        <p:cNvPr id="1" name="Shape 16"/>
         <p:cNvGrpSpPr/>
         <p:nvPr/>
       </p:nvGrpSpPr>
@@ -2369,7 +2550,9 @@
       <p:sp>
         <p:nvSpPr>
           <p:cNvPr id="17" name="Google Shape;17;p4"/>
-          <p:cNvSpPr txBox="1"/>
+          <p:cNvSpPr txBox="1">
+            <a:spLocks noGrp="1"/>
+          </p:cNvSpPr>
           <p:nvPr>
             <p:ph type="title"/>
           </p:nvPr>
@@ -2384,7 +2567,7 @@
           </a:prstGeom>
         </p:spPr>
         <p:txBody>
-          <a:bodyPr anchorCtr="0" anchor="t" bIns="91425" lIns="91425" spcFirstLastPara="1" rIns="91425" wrap="square" tIns="91425">
+          <a:bodyPr spcFirstLastPara="1" wrap="square" lIns="91425" tIns="91425" rIns="91425" bIns="91425" anchor="t" anchorCtr="0">
             <a:normAutofit/>
           </a:bodyPr>
           <a:lstStyle>
@@ -2488,15 +2671,19 @@
               <a:defRPr/>
             </a:lvl9pPr>
           </a:lstStyle>
-          <a:p/>
+          <a:p>
+            <a:endParaRPr/>
+          </a:p>
         </p:txBody>
       </p:sp>
       <p:sp>
         <p:nvSpPr>
           <p:cNvPr id="18" name="Google Shape;18;p4"/>
-          <p:cNvSpPr txBox="1"/>
+          <p:cNvSpPr txBox="1">
+            <a:spLocks noGrp="1"/>
+          </p:cNvSpPr>
           <p:nvPr>
-            <p:ph idx="1" type="body"/>
+            <p:ph type="body" idx="1"/>
           </p:nvPr>
         </p:nvSpPr>
         <p:spPr>
@@ -2509,11 +2696,11 @@
           </a:prstGeom>
         </p:spPr>
         <p:txBody>
-          <a:bodyPr anchorCtr="0" anchor="t" bIns="91425" lIns="91425" spcFirstLastPara="1" rIns="91425" wrap="square" tIns="91425">
+          <a:bodyPr spcFirstLastPara="1" wrap="square" lIns="91425" tIns="91425" rIns="91425" bIns="91425" anchor="t" anchorCtr="0">
             <a:normAutofit/>
           </a:bodyPr>
           <a:lstStyle>
-            <a:lvl1pPr indent="-342900" lvl="0" marL="457200">
+            <a:lvl1pPr marL="457200" lvl="0" indent="-342900">
               <a:spcBef>
                 <a:spcPts val="0"/>
               </a:spcBef>
@@ -2524,7 +2711,7 @@
               <a:buChar char="●"/>
               <a:defRPr/>
             </a:lvl1pPr>
-            <a:lvl2pPr indent="-317500" lvl="1" marL="914400">
+            <a:lvl2pPr marL="914400" lvl="1" indent="-317500">
               <a:spcBef>
                 <a:spcPts val="0"/>
               </a:spcBef>
@@ -2535,7 +2722,7 @@
               <a:buChar char="○"/>
               <a:defRPr/>
             </a:lvl2pPr>
-            <a:lvl3pPr indent="-317500" lvl="2" marL="1371600">
+            <a:lvl3pPr marL="1371600" lvl="2" indent="-317500">
               <a:spcBef>
                 <a:spcPts val="0"/>
               </a:spcBef>
@@ -2546,7 +2733,7 @@
               <a:buChar char="■"/>
               <a:defRPr/>
             </a:lvl3pPr>
-            <a:lvl4pPr indent="-317500" lvl="3" marL="1828800">
+            <a:lvl4pPr marL="1828800" lvl="3" indent="-317500">
               <a:spcBef>
                 <a:spcPts val="0"/>
               </a:spcBef>
@@ -2557,7 +2744,7 @@
               <a:buChar char="●"/>
               <a:defRPr/>
             </a:lvl4pPr>
-            <a:lvl5pPr indent="-317500" lvl="4" marL="2286000">
+            <a:lvl5pPr marL="2286000" lvl="4" indent="-317500">
               <a:spcBef>
                 <a:spcPts val="0"/>
               </a:spcBef>
@@ -2568,7 +2755,7 @@
               <a:buChar char="○"/>
               <a:defRPr/>
             </a:lvl5pPr>
-            <a:lvl6pPr indent="-317500" lvl="5" marL="2743200">
+            <a:lvl6pPr marL="2743200" lvl="5" indent="-317500">
               <a:spcBef>
                 <a:spcPts val="0"/>
               </a:spcBef>
@@ -2579,7 +2766,7 @@
               <a:buChar char="■"/>
               <a:defRPr/>
             </a:lvl6pPr>
-            <a:lvl7pPr indent="-317500" lvl="6" marL="3200400">
+            <a:lvl7pPr marL="3200400" lvl="6" indent="-317500">
               <a:spcBef>
                 <a:spcPts val="0"/>
               </a:spcBef>
@@ -2590,7 +2777,7 @@
               <a:buChar char="●"/>
               <a:defRPr/>
             </a:lvl7pPr>
-            <a:lvl8pPr indent="-317500" lvl="7" marL="3657600">
+            <a:lvl8pPr marL="3657600" lvl="7" indent="-317500">
               <a:spcBef>
                 <a:spcPts val="0"/>
               </a:spcBef>
@@ -2601,7 +2788,7 @@
               <a:buChar char="○"/>
               <a:defRPr/>
             </a:lvl8pPr>
-            <a:lvl9pPr indent="-317500" lvl="8" marL="4114800">
+            <a:lvl9pPr marL="4114800" lvl="8" indent="-317500">
               <a:spcBef>
                 <a:spcPts val="0"/>
               </a:spcBef>
@@ -2613,15 +2800,19 @@
               <a:defRPr/>
             </a:lvl9pPr>
           </a:lstStyle>
-          <a:p/>
+          <a:p>
+            <a:endParaRPr/>
+          </a:p>
         </p:txBody>
       </p:sp>
       <p:sp>
         <p:nvSpPr>
           <p:cNvPr id="19" name="Google Shape;19;p4"/>
-          <p:cNvSpPr txBox="1"/>
+          <p:cNvSpPr txBox="1">
+            <a:spLocks noGrp="1"/>
+          </p:cNvSpPr>
           <p:nvPr>
-            <p:ph idx="12" type="sldNum"/>
+            <p:ph type="sldNum" idx="12"/>
           </p:nvPr>
         </p:nvSpPr>
         <p:spPr>
@@ -2634,7 +2825,7 @@
           </a:prstGeom>
         </p:spPr>
         <p:txBody>
-          <a:bodyPr anchorCtr="0" anchor="ctr" bIns="91425" lIns="91425" spcFirstLastPara="1" rIns="91425" wrap="square" tIns="91425">
+          <a:bodyPr spcFirstLastPara="1" wrap="square" lIns="91425" tIns="91425" rIns="91425" bIns="91425" anchor="ctr" anchorCtr="0">
             <a:normAutofit/>
           </a:bodyPr>
           <a:lstStyle>
@@ -2676,7 +2867,7 @@
             </a:lvl9pPr>
           </a:lstStyle>
           <a:p>
-            <a:pPr indent="0" lvl="0" marL="0" rtl="0" algn="r">
+            <a:pPr marL="0" lvl="0" indent="0" algn="r" rtl="0">
               <a:spcBef>
                 <a:spcPts val="0"/>
               </a:spcBef>
@@ -2702,11 +2893,11 @@
 </file>
 
 <file path=ppt/slideLayouts/slideLayout4.xml><?xml version="1.0" encoding="utf-8"?>
-<p:sldLayout xmlns:a="http://schemas.openxmlformats.org/drawingml/2006/main" xmlns:r="http://schemas.openxmlformats.org/officeDocument/2006/relationships" xmlns:mc="http://schemas.openxmlformats.org/markup-compatibility/2006" xmlns:mv="urn:schemas-microsoft-com:mac:vml" xmlns:p="http://schemas.openxmlformats.org/presentationml/2006/main" xmlns:c="http://schemas.openxmlformats.org/drawingml/2006/chart" xmlns:dgm="http://schemas.openxmlformats.org/drawingml/2006/diagram" xmlns:o="urn:schemas-microsoft-com:office:office" xmlns:v="urn:schemas-microsoft-com:vml" xmlns:pvml="urn:schemas-microsoft-com:office:powerpoint" xmlns:com="http://schemas.openxmlformats.org/drawingml/2006/compatibility" xmlns:p14="http://schemas.microsoft.com/office/powerpoint/2010/main" xmlns:p15="http://schemas.microsoft.com/office/powerpoint/2012/main" xmlns:ahyp="http://schemas.microsoft.com/office/drawing/2018/hyperlinkcolor" matchingName="Title and two columns" type="twoColTx">
+<p:sldLayout xmlns:a="http://schemas.openxmlformats.org/drawingml/2006/main" xmlns:r="http://schemas.openxmlformats.org/officeDocument/2006/relationships" xmlns:p="http://schemas.openxmlformats.org/presentationml/2006/main" matchingName="Title and two columns" type="twoColTx">
   <p:cSld name="TITLE_AND_TWO_COLUMNS">
     <p:spTree>
       <p:nvGrpSpPr>
-        <p:cNvPr id="20" name="Shape 20"/>
+        <p:cNvPr id="1" name="Shape 20"/>
         <p:cNvGrpSpPr/>
         <p:nvPr/>
       </p:nvGrpSpPr>
@@ -2721,7 +2912,9 @@
       <p:sp>
         <p:nvSpPr>
           <p:cNvPr id="21" name="Google Shape;21;p5"/>
-          <p:cNvSpPr txBox="1"/>
+          <p:cNvSpPr txBox="1">
+            <a:spLocks noGrp="1"/>
+          </p:cNvSpPr>
           <p:nvPr>
             <p:ph type="title"/>
           </p:nvPr>
@@ -2736,7 +2929,7 @@
           </a:prstGeom>
         </p:spPr>
         <p:txBody>
-          <a:bodyPr anchorCtr="0" anchor="t" bIns="91425" lIns="91425" spcFirstLastPara="1" rIns="91425" wrap="square" tIns="91425">
+          <a:bodyPr spcFirstLastPara="1" wrap="square" lIns="91425" tIns="91425" rIns="91425" bIns="91425" anchor="t" anchorCtr="0">
             <a:normAutofit/>
           </a:bodyPr>
           <a:lstStyle>
@@ -2840,15 +3033,19 @@
               <a:defRPr/>
             </a:lvl9pPr>
           </a:lstStyle>
-          <a:p/>
+          <a:p>
+            <a:endParaRPr/>
+          </a:p>
         </p:txBody>
       </p:sp>
       <p:sp>
         <p:nvSpPr>
           <p:cNvPr id="22" name="Google Shape;22;p5"/>
-          <p:cNvSpPr txBox="1"/>
+          <p:cNvSpPr txBox="1">
+            <a:spLocks noGrp="1"/>
+          </p:cNvSpPr>
           <p:nvPr>
-            <p:ph idx="1" type="body"/>
+            <p:ph type="body" idx="1"/>
           </p:nvPr>
         </p:nvSpPr>
         <p:spPr>
@@ -2861,11 +3058,11 @@
           </a:prstGeom>
         </p:spPr>
         <p:txBody>
-          <a:bodyPr anchorCtr="0" anchor="t" bIns="91425" lIns="91425" spcFirstLastPara="1" rIns="91425" wrap="square" tIns="91425">
+          <a:bodyPr spcFirstLastPara="1" wrap="square" lIns="91425" tIns="91425" rIns="91425" bIns="91425" anchor="t" anchorCtr="0">
             <a:normAutofit/>
           </a:bodyPr>
           <a:lstStyle>
-            <a:lvl1pPr indent="-317500" lvl="0" marL="457200">
+            <a:lvl1pPr marL="457200" lvl="0" indent="-317500">
               <a:spcBef>
                 <a:spcPts val="0"/>
               </a:spcBef>
@@ -2876,7 +3073,7 @@
               <a:buChar char="●"/>
               <a:defRPr sz="1400"/>
             </a:lvl1pPr>
-            <a:lvl2pPr indent="-304800" lvl="1" marL="914400">
+            <a:lvl2pPr marL="914400" lvl="1" indent="-304800">
               <a:spcBef>
                 <a:spcPts val="0"/>
               </a:spcBef>
@@ -2887,7 +3084,7 @@
               <a:buChar char="○"/>
               <a:defRPr sz="1200"/>
             </a:lvl2pPr>
-            <a:lvl3pPr indent="-304800" lvl="2" marL="1371600">
+            <a:lvl3pPr marL="1371600" lvl="2" indent="-304800">
               <a:spcBef>
                 <a:spcPts val="0"/>
               </a:spcBef>
@@ -2898,7 +3095,7 @@
               <a:buChar char="■"/>
               <a:defRPr sz="1200"/>
             </a:lvl3pPr>
-            <a:lvl4pPr indent="-304800" lvl="3" marL="1828800">
+            <a:lvl4pPr marL="1828800" lvl="3" indent="-304800">
               <a:spcBef>
                 <a:spcPts val="0"/>
               </a:spcBef>
@@ -2909,7 +3106,7 @@
               <a:buChar char="●"/>
               <a:defRPr sz="1200"/>
             </a:lvl4pPr>
-            <a:lvl5pPr indent="-304800" lvl="4" marL="2286000">
+            <a:lvl5pPr marL="2286000" lvl="4" indent="-304800">
               <a:spcBef>
                 <a:spcPts val="0"/>
               </a:spcBef>
@@ -2920,7 +3117,7 @@
               <a:buChar char="○"/>
               <a:defRPr sz="1200"/>
             </a:lvl5pPr>
-            <a:lvl6pPr indent="-304800" lvl="5" marL="2743200">
+            <a:lvl6pPr marL="2743200" lvl="5" indent="-304800">
               <a:spcBef>
                 <a:spcPts val="0"/>
               </a:spcBef>
@@ -2931,7 +3128,7 @@
               <a:buChar char="■"/>
               <a:defRPr sz="1200"/>
             </a:lvl6pPr>
-            <a:lvl7pPr indent="-304800" lvl="6" marL="3200400">
+            <a:lvl7pPr marL="3200400" lvl="6" indent="-304800">
               <a:spcBef>
                 <a:spcPts val="0"/>
               </a:spcBef>
@@ -2942,7 +3139,7 @@
               <a:buChar char="●"/>
               <a:defRPr sz="1200"/>
             </a:lvl7pPr>
-            <a:lvl8pPr indent="-304800" lvl="7" marL="3657600">
+            <a:lvl8pPr marL="3657600" lvl="7" indent="-304800">
               <a:spcBef>
                 <a:spcPts val="0"/>
               </a:spcBef>
@@ -2953,7 +3150,7 @@
               <a:buChar char="○"/>
               <a:defRPr sz="1200"/>
             </a:lvl8pPr>
-            <a:lvl9pPr indent="-304800" lvl="8" marL="4114800">
+            <a:lvl9pPr marL="4114800" lvl="8" indent="-304800">
               <a:spcBef>
                 <a:spcPts val="0"/>
               </a:spcBef>
@@ -2965,15 +3162,19 @@
               <a:defRPr sz="1200"/>
             </a:lvl9pPr>
           </a:lstStyle>
-          <a:p/>
+          <a:p>
+            <a:endParaRPr/>
+          </a:p>
         </p:txBody>
       </p:sp>
       <p:sp>
         <p:nvSpPr>
           <p:cNvPr id="23" name="Google Shape;23;p5"/>
-          <p:cNvSpPr txBox="1"/>
+          <p:cNvSpPr txBox="1">
+            <a:spLocks noGrp="1"/>
+          </p:cNvSpPr>
           <p:nvPr>
-            <p:ph idx="2" type="body"/>
+            <p:ph type="body" idx="2"/>
           </p:nvPr>
         </p:nvSpPr>
         <p:spPr>
@@ -2986,11 +3187,11 @@
           </a:prstGeom>
         </p:spPr>
         <p:txBody>
-          <a:bodyPr anchorCtr="0" anchor="t" bIns="91425" lIns="91425" spcFirstLastPara="1" rIns="91425" wrap="square" tIns="91425">
+          <a:bodyPr spcFirstLastPara="1" wrap="square" lIns="91425" tIns="91425" rIns="91425" bIns="91425" anchor="t" anchorCtr="0">
             <a:normAutofit/>
           </a:bodyPr>
           <a:lstStyle>
-            <a:lvl1pPr indent="-317500" lvl="0" marL="457200">
+            <a:lvl1pPr marL="457200" lvl="0" indent="-317500">
               <a:spcBef>
                 <a:spcPts val="0"/>
               </a:spcBef>
@@ -3001,7 +3202,7 @@
               <a:buChar char="●"/>
               <a:defRPr sz="1400"/>
             </a:lvl1pPr>
-            <a:lvl2pPr indent="-304800" lvl="1" marL="914400">
+            <a:lvl2pPr marL="914400" lvl="1" indent="-304800">
               <a:spcBef>
                 <a:spcPts val="0"/>
               </a:spcBef>
@@ -3012,7 +3213,7 @@
               <a:buChar char="○"/>
               <a:defRPr sz="1200"/>
             </a:lvl2pPr>
-            <a:lvl3pPr indent="-304800" lvl="2" marL="1371600">
+            <a:lvl3pPr marL="1371600" lvl="2" indent="-304800">
               <a:spcBef>
                 <a:spcPts val="0"/>
               </a:spcBef>
@@ -3023,7 +3224,7 @@
               <a:buChar char="■"/>
               <a:defRPr sz="1200"/>
             </a:lvl3pPr>
-            <a:lvl4pPr indent="-304800" lvl="3" marL="1828800">
+            <a:lvl4pPr marL="1828800" lvl="3" indent="-304800">
               <a:spcBef>
                 <a:spcPts val="0"/>
               </a:spcBef>
@@ -3034,7 +3235,7 @@
               <a:buChar char="●"/>
               <a:defRPr sz="1200"/>
             </a:lvl4pPr>
-            <a:lvl5pPr indent="-304800" lvl="4" marL="2286000">
+            <a:lvl5pPr marL="2286000" lvl="4" indent="-304800">
               <a:spcBef>
                 <a:spcPts val="0"/>
               </a:spcBef>
@@ -3045,7 +3246,7 @@
               <a:buChar char="○"/>
               <a:defRPr sz="1200"/>
             </a:lvl5pPr>
-            <a:lvl6pPr indent="-304800" lvl="5" marL="2743200">
+            <a:lvl6pPr marL="2743200" lvl="5" indent="-304800">
               <a:spcBef>
                 <a:spcPts val="0"/>
               </a:spcBef>
@@ -3056,7 +3257,7 @@
               <a:buChar char="■"/>
               <a:defRPr sz="1200"/>
             </a:lvl6pPr>
-            <a:lvl7pPr indent="-304800" lvl="6" marL="3200400">
+            <a:lvl7pPr marL="3200400" lvl="6" indent="-304800">
               <a:spcBef>
                 <a:spcPts val="0"/>
               </a:spcBef>
@@ -3067,7 +3268,7 @@
               <a:buChar char="●"/>
               <a:defRPr sz="1200"/>
             </a:lvl7pPr>
-            <a:lvl8pPr indent="-304800" lvl="7" marL="3657600">
+            <a:lvl8pPr marL="3657600" lvl="7" indent="-304800">
               <a:spcBef>
                 <a:spcPts val="0"/>
               </a:spcBef>
@@ -3078,7 +3279,7 @@
               <a:buChar char="○"/>
               <a:defRPr sz="1200"/>
             </a:lvl8pPr>
-            <a:lvl9pPr indent="-304800" lvl="8" marL="4114800">
+            <a:lvl9pPr marL="4114800" lvl="8" indent="-304800">
               <a:spcBef>
                 <a:spcPts val="0"/>
               </a:spcBef>
@@ -3090,15 +3291,19 @@
               <a:defRPr sz="1200"/>
             </a:lvl9pPr>
           </a:lstStyle>
-          <a:p/>
+          <a:p>
+            <a:endParaRPr/>
+          </a:p>
         </p:txBody>
       </p:sp>
       <p:sp>
         <p:nvSpPr>
           <p:cNvPr id="24" name="Google Shape;24;p5"/>
-          <p:cNvSpPr txBox="1"/>
+          <p:cNvSpPr txBox="1">
+            <a:spLocks noGrp="1"/>
+          </p:cNvSpPr>
           <p:nvPr>
-            <p:ph idx="12" type="sldNum"/>
+            <p:ph type="sldNum" idx="12"/>
           </p:nvPr>
         </p:nvSpPr>
         <p:spPr>
@@ -3111,7 +3316,7 @@
           </a:prstGeom>
         </p:spPr>
         <p:txBody>
-          <a:bodyPr anchorCtr="0" anchor="ctr" bIns="91425" lIns="91425" spcFirstLastPara="1" rIns="91425" wrap="square" tIns="91425">
+          <a:bodyPr spcFirstLastPara="1" wrap="square" lIns="91425" tIns="91425" rIns="91425" bIns="91425" anchor="ctr" anchorCtr="0">
             <a:normAutofit/>
           </a:bodyPr>
           <a:lstStyle>
@@ -3153,7 +3358,7 @@
             </a:lvl9pPr>
           </a:lstStyle>
           <a:p>
-            <a:pPr indent="0" lvl="0" marL="0" rtl="0" algn="r">
+            <a:pPr marL="0" lvl="0" indent="0" algn="r" rtl="0">
               <a:spcBef>
                 <a:spcPts val="0"/>
               </a:spcBef>
@@ -3179,11 +3384,11 @@
 </file>
 
 <file path=ppt/slideLayouts/slideLayout5.xml><?xml version="1.0" encoding="utf-8"?>
-<p:sldLayout xmlns:a="http://schemas.openxmlformats.org/drawingml/2006/main" xmlns:r="http://schemas.openxmlformats.org/officeDocument/2006/relationships" xmlns:mc="http://schemas.openxmlformats.org/markup-compatibility/2006" xmlns:mv="urn:schemas-microsoft-com:mac:vml" xmlns:p="http://schemas.openxmlformats.org/presentationml/2006/main" xmlns:c="http://schemas.openxmlformats.org/drawingml/2006/chart" xmlns:dgm="http://schemas.openxmlformats.org/drawingml/2006/diagram" xmlns:o="urn:schemas-microsoft-com:office:office" xmlns:v="urn:schemas-microsoft-com:vml" xmlns:pvml="urn:schemas-microsoft-com:office:powerpoint" xmlns:com="http://schemas.openxmlformats.org/drawingml/2006/compatibility" xmlns:p14="http://schemas.microsoft.com/office/powerpoint/2010/main" xmlns:p15="http://schemas.microsoft.com/office/powerpoint/2012/main" xmlns:ahyp="http://schemas.microsoft.com/office/drawing/2018/hyperlinkcolor" matchingName="Title only" type="titleOnly">
+<p:sldLayout xmlns:a="http://schemas.openxmlformats.org/drawingml/2006/main" xmlns:r="http://schemas.openxmlformats.org/officeDocument/2006/relationships" xmlns:p="http://schemas.openxmlformats.org/presentationml/2006/main" matchingName="Title only" type="titleOnly">
   <p:cSld name="TITLE_ONLY">
     <p:spTree>
       <p:nvGrpSpPr>
-        <p:cNvPr id="25" name="Shape 25"/>
+        <p:cNvPr id="1" name="Shape 25"/>
         <p:cNvGrpSpPr/>
         <p:nvPr/>
       </p:nvGrpSpPr>
@@ -3198,7 +3403,9 @@
       <p:sp>
         <p:nvSpPr>
           <p:cNvPr id="26" name="Google Shape;26;p6"/>
-          <p:cNvSpPr txBox="1"/>
+          <p:cNvSpPr txBox="1">
+            <a:spLocks noGrp="1"/>
+          </p:cNvSpPr>
           <p:nvPr>
             <p:ph type="title"/>
           </p:nvPr>
@@ -3213,7 +3420,7 @@
           </a:prstGeom>
         </p:spPr>
         <p:txBody>
-          <a:bodyPr anchorCtr="0" anchor="t" bIns="91425" lIns="91425" spcFirstLastPara="1" rIns="91425" wrap="square" tIns="91425">
+          <a:bodyPr spcFirstLastPara="1" wrap="square" lIns="91425" tIns="91425" rIns="91425" bIns="91425" anchor="t" anchorCtr="0">
             <a:normAutofit/>
           </a:bodyPr>
           <a:lstStyle>
@@ -3317,15 +3524,19 @@
               <a:defRPr/>
             </a:lvl9pPr>
           </a:lstStyle>
-          <a:p/>
+          <a:p>
+            <a:endParaRPr/>
+          </a:p>
         </p:txBody>
       </p:sp>
       <p:sp>
         <p:nvSpPr>
           <p:cNvPr id="27" name="Google Shape;27;p6"/>
-          <p:cNvSpPr txBox="1"/>
+          <p:cNvSpPr txBox="1">
+            <a:spLocks noGrp="1"/>
+          </p:cNvSpPr>
           <p:nvPr>
-            <p:ph idx="12" type="sldNum"/>
+            <p:ph type="sldNum" idx="12"/>
           </p:nvPr>
         </p:nvSpPr>
         <p:spPr>
@@ -3338,7 +3549,7 @@
           </a:prstGeom>
         </p:spPr>
         <p:txBody>
-          <a:bodyPr anchorCtr="0" anchor="ctr" bIns="91425" lIns="91425" spcFirstLastPara="1" rIns="91425" wrap="square" tIns="91425">
+          <a:bodyPr spcFirstLastPara="1" wrap="square" lIns="91425" tIns="91425" rIns="91425" bIns="91425" anchor="ctr" anchorCtr="0">
             <a:normAutofit/>
           </a:bodyPr>
           <a:lstStyle>
@@ -3380,7 +3591,7 @@
             </a:lvl9pPr>
           </a:lstStyle>
           <a:p>
-            <a:pPr indent="0" lvl="0" marL="0" rtl="0" algn="r">
+            <a:pPr marL="0" lvl="0" indent="0" algn="r" rtl="0">
               <a:spcBef>
                 <a:spcPts val="0"/>
               </a:spcBef>
@@ -3406,11 +3617,11 @@
 </file>
 
 <file path=ppt/slideLayouts/slideLayout6.xml><?xml version="1.0" encoding="utf-8"?>
-<p:sldLayout xmlns:a="http://schemas.openxmlformats.org/drawingml/2006/main" xmlns:r="http://schemas.openxmlformats.org/officeDocument/2006/relationships" xmlns:mc="http://schemas.openxmlformats.org/markup-compatibility/2006" xmlns:mv="urn:schemas-microsoft-com:mac:vml" xmlns:p="http://schemas.openxmlformats.org/presentationml/2006/main" xmlns:c="http://schemas.openxmlformats.org/drawingml/2006/chart" xmlns:dgm="http://schemas.openxmlformats.org/drawingml/2006/diagram" xmlns:o="urn:schemas-microsoft-com:office:office" xmlns:v="urn:schemas-microsoft-com:vml" xmlns:pvml="urn:schemas-microsoft-com:office:powerpoint" xmlns:com="http://schemas.openxmlformats.org/drawingml/2006/compatibility" xmlns:p14="http://schemas.microsoft.com/office/powerpoint/2010/main" xmlns:p15="http://schemas.microsoft.com/office/powerpoint/2012/main" xmlns:ahyp="http://schemas.microsoft.com/office/drawing/2018/hyperlinkcolor" matchingName="One column text">
+<p:sldLayout xmlns:a="http://schemas.openxmlformats.org/drawingml/2006/main" xmlns:r="http://schemas.openxmlformats.org/officeDocument/2006/relationships" xmlns:p="http://schemas.openxmlformats.org/presentationml/2006/main" matchingName="One column text">
   <p:cSld name="ONE_COLUMN_TEXT">
     <p:spTree>
       <p:nvGrpSpPr>
-        <p:cNvPr id="28" name="Shape 28"/>
+        <p:cNvPr id="1" name="Shape 28"/>
         <p:cNvGrpSpPr/>
         <p:nvPr/>
       </p:nvGrpSpPr>
@@ -3425,7 +3636,9 @@
       <p:sp>
         <p:nvSpPr>
           <p:cNvPr id="29" name="Google Shape;29;p7"/>
-          <p:cNvSpPr txBox="1"/>
+          <p:cNvSpPr txBox="1">
+            <a:spLocks noGrp="1"/>
+          </p:cNvSpPr>
           <p:nvPr>
             <p:ph type="title"/>
           </p:nvPr>
@@ -3440,7 +3653,7 @@
           </a:prstGeom>
         </p:spPr>
         <p:txBody>
-          <a:bodyPr anchorCtr="0" anchor="b" bIns="91425" lIns="91425" spcFirstLastPara="1" rIns="91425" wrap="square" tIns="91425">
+          <a:bodyPr spcFirstLastPara="1" wrap="square" lIns="91425" tIns="91425" rIns="91425" bIns="91425" anchor="b" anchorCtr="0">
             <a:normAutofit/>
           </a:bodyPr>
           <a:lstStyle>
@@ -3544,15 +3757,19 @@
               <a:defRPr sz="2400"/>
             </a:lvl9pPr>
           </a:lstStyle>
-          <a:p/>
+          <a:p>
+            <a:endParaRPr/>
+          </a:p>
         </p:txBody>
       </p:sp>
       <p:sp>
         <p:nvSpPr>
           <p:cNvPr id="30" name="Google Shape;30;p7"/>
-          <p:cNvSpPr txBox="1"/>
+          <p:cNvSpPr txBox="1">
+            <a:spLocks noGrp="1"/>
+          </p:cNvSpPr>
           <p:nvPr>
-            <p:ph idx="1" type="body"/>
+            <p:ph type="body" idx="1"/>
           </p:nvPr>
         </p:nvSpPr>
         <p:spPr>
@@ -3565,11 +3782,11 @@
           </a:prstGeom>
         </p:spPr>
         <p:txBody>
-          <a:bodyPr anchorCtr="0" anchor="t" bIns="91425" lIns="91425" spcFirstLastPara="1" rIns="91425" wrap="square" tIns="91425">
+          <a:bodyPr spcFirstLastPara="1" wrap="square" lIns="91425" tIns="91425" rIns="91425" bIns="91425" anchor="t" anchorCtr="0">
             <a:normAutofit/>
           </a:bodyPr>
           <a:lstStyle>
-            <a:lvl1pPr indent="-304800" lvl="0" marL="457200">
+            <a:lvl1pPr marL="457200" lvl="0" indent="-304800">
               <a:spcBef>
                 <a:spcPts val="0"/>
               </a:spcBef>
@@ -3580,7 +3797,7 @@
               <a:buChar char="●"/>
               <a:defRPr sz="1200"/>
             </a:lvl1pPr>
-            <a:lvl2pPr indent="-304800" lvl="1" marL="914400">
+            <a:lvl2pPr marL="914400" lvl="1" indent="-304800">
               <a:spcBef>
                 <a:spcPts val="0"/>
               </a:spcBef>
@@ -3591,7 +3808,7 @@
               <a:buChar char="○"/>
               <a:defRPr sz="1200"/>
             </a:lvl2pPr>
-            <a:lvl3pPr indent="-304800" lvl="2" marL="1371600">
+            <a:lvl3pPr marL="1371600" lvl="2" indent="-304800">
               <a:spcBef>
                 <a:spcPts val="0"/>
               </a:spcBef>
@@ -3602,7 +3819,7 @@
               <a:buChar char="■"/>
               <a:defRPr sz="1200"/>
             </a:lvl3pPr>
-            <a:lvl4pPr indent="-304800" lvl="3" marL="1828800">
+            <a:lvl4pPr marL="1828800" lvl="3" indent="-304800">
               <a:spcBef>
                 <a:spcPts val="0"/>
               </a:spcBef>
@@ -3613,7 +3830,7 @@
               <a:buChar char="●"/>
               <a:defRPr sz="1200"/>
             </a:lvl4pPr>
-            <a:lvl5pPr indent="-304800" lvl="4" marL="2286000">
+            <a:lvl5pPr marL="2286000" lvl="4" indent="-304800">
               <a:spcBef>
                 <a:spcPts val="0"/>
               </a:spcBef>
@@ -3624,7 +3841,7 @@
               <a:buChar char="○"/>
               <a:defRPr sz="1200"/>
             </a:lvl5pPr>
-            <a:lvl6pPr indent="-304800" lvl="5" marL="2743200">
+            <a:lvl6pPr marL="2743200" lvl="5" indent="-304800">
               <a:spcBef>
                 <a:spcPts val="0"/>
               </a:spcBef>
@@ -3635,7 +3852,7 @@
               <a:buChar char="■"/>
               <a:defRPr sz="1200"/>
             </a:lvl6pPr>
-            <a:lvl7pPr indent="-304800" lvl="6" marL="3200400">
+            <a:lvl7pPr marL="3200400" lvl="6" indent="-304800">
               <a:spcBef>
                 <a:spcPts val="0"/>
               </a:spcBef>
@@ -3646,7 +3863,7 @@
               <a:buChar char="●"/>
               <a:defRPr sz="1200"/>
             </a:lvl7pPr>
-            <a:lvl8pPr indent="-304800" lvl="7" marL="3657600">
+            <a:lvl8pPr marL="3657600" lvl="7" indent="-304800">
               <a:spcBef>
                 <a:spcPts val="0"/>
               </a:spcBef>
@@ -3657,7 +3874,7 @@
               <a:buChar char="○"/>
               <a:defRPr sz="1200"/>
             </a:lvl8pPr>
-            <a:lvl9pPr indent="-304800" lvl="8" marL="4114800">
+            <a:lvl9pPr marL="4114800" lvl="8" indent="-304800">
               <a:spcBef>
                 <a:spcPts val="0"/>
               </a:spcBef>
@@ -3669,15 +3886,19 @@
               <a:defRPr sz="1200"/>
             </a:lvl9pPr>
           </a:lstStyle>
-          <a:p/>
+          <a:p>
+            <a:endParaRPr/>
+          </a:p>
         </p:txBody>
       </p:sp>
       <p:sp>
         <p:nvSpPr>
           <p:cNvPr id="31" name="Google Shape;31;p7"/>
-          <p:cNvSpPr txBox="1"/>
+          <p:cNvSpPr txBox="1">
+            <a:spLocks noGrp="1"/>
+          </p:cNvSpPr>
           <p:nvPr>
-            <p:ph idx="12" type="sldNum"/>
+            <p:ph type="sldNum" idx="12"/>
           </p:nvPr>
         </p:nvSpPr>
         <p:spPr>
@@ -3690,7 +3911,7 @@
           </a:prstGeom>
         </p:spPr>
         <p:txBody>
-          <a:bodyPr anchorCtr="0" anchor="ctr" bIns="91425" lIns="91425" spcFirstLastPara="1" rIns="91425" wrap="square" tIns="91425">
+          <a:bodyPr spcFirstLastPara="1" wrap="square" lIns="91425" tIns="91425" rIns="91425" bIns="91425" anchor="ctr" anchorCtr="0">
             <a:normAutofit/>
           </a:bodyPr>
           <a:lstStyle>
@@ -3732,7 +3953,7 @@
             </a:lvl9pPr>
           </a:lstStyle>
           <a:p>
-            <a:pPr indent="0" lvl="0" marL="0" rtl="0" algn="r">
+            <a:pPr marL="0" lvl="0" indent="0" algn="r" rtl="0">
               <a:spcBef>
                 <a:spcPts val="0"/>
               </a:spcBef>
@@ -3758,11 +3979,11 @@
 </file>
 
 <file path=ppt/slideLayouts/slideLayout7.xml><?xml version="1.0" encoding="utf-8"?>
-<p:sldLayout xmlns:a="http://schemas.openxmlformats.org/drawingml/2006/main" xmlns:r="http://schemas.openxmlformats.org/officeDocument/2006/relationships" xmlns:mc="http://schemas.openxmlformats.org/markup-compatibility/2006" xmlns:mv="urn:schemas-microsoft-com:mac:vml" xmlns:p="http://schemas.openxmlformats.org/presentationml/2006/main" xmlns:c="http://schemas.openxmlformats.org/drawingml/2006/chart" xmlns:dgm="http://schemas.openxmlformats.org/drawingml/2006/diagram" xmlns:o="urn:schemas-microsoft-com:office:office" xmlns:v="urn:schemas-microsoft-com:vml" xmlns:pvml="urn:schemas-microsoft-com:office:powerpoint" xmlns:com="http://schemas.openxmlformats.org/drawingml/2006/compatibility" xmlns:p14="http://schemas.microsoft.com/office/powerpoint/2010/main" xmlns:p15="http://schemas.microsoft.com/office/powerpoint/2012/main" xmlns:ahyp="http://schemas.microsoft.com/office/drawing/2018/hyperlinkcolor" matchingName="Main point">
+<p:sldLayout xmlns:a="http://schemas.openxmlformats.org/drawingml/2006/main" xmlns:r="http://schemas.openxmlformats.org/officeDocument/2006/relationships" xmlns:p="http://schemas.openxmlformats.org/presentationml/2006/main" matchingName="Main point">
   <p:cSld name="MAIN_POINT">
     <p:spTree>
       <p:nvGrpSpPr>
-        <p:cNvPr id="32" name="Shape 32"/>
+        <p:cNvPr id="1" name="Shape 32"/>
         <p:cNvGrpSpPr/>
         <p:nvPr/>
       </p:nvGrpSpPr>
@@ -3777,7 +3998,9 @@
       <p:sp>
         <p:nvSpPr>
           <p:cNvPr id="33" name="Google Shape;33;p8"/>
-          <p:cNvSpPr txBox="1"/>
+          <p:cNvSpPr txBox="1">
+            <a:spLocks noGrp="1"/>
+          </p:cNvSpPr>
           <p:nvPr>
             <p:ph type="title"/>
           </p:nvPr>
@@ -3792,7 +4015,7 @@
           </a:prstGeom>
         </p:spPr>
         <p:txBody>
-          <a:bodyPr anchorCtr="0" anchor="ctr" bIns="91425" lIns="91425" spcFirstLastPara="1" rIns="91425" wrap="square" tIns="91425">
+          <a:bodyPr spcFirstLastPara="1" wrap="square" lIns="91425" tIns="91425" rIns="91425" bIns="91425" anchor="ctr" anchorCtr="0">
             <a:normAutofit/>
           </a:bodyPr>
           <a:lstStyle>
@@ -3896,15 +4119,19 @@
               <a:defRPr sz="4800"/>
             </a:lvl9pPr>
           </a:lstStyle>
-          <a:p/>
+          <a:p>
+            <a:endParaRPr/>
+          </a:p>
         </p:txBody>
       </p:sp>
       <p:sp>
         <p:nvSpPr>
           <p:cNvPr id="34" name="Google Shape;34;p8"/>
-          <p:cNvSpPr txBox="1"/>
+          <p:cNvSpPr txBox="1">
+            <a:spLocks noGrp="1"/>
+          </p:cNvSpPr>
           <p:nvPr>
-            <p:ph idx="12" type="sldNum"/>
+            <p:ph type="sldNum" idx="12"/>
           </p:nvPr>
         </p:nvSpPr>
         <p:spPr>
@@ -3917,7 +4144,7 @@
           </a:prstGeom>
         </p:spPr>
         <p:txBody>
-          <a:bodyPr anchorCtr="0" anchor="ctr" bIns="91425" lIns="91425" spcFirstLastPara="1" rIns="91425" wrap="square" tIns="91425">
+          <a:bodyPr spcFirstLastPara="1" wrap="square" lIns="91425" tIns="91425" rIns="91425" bIns="91425" anchor="ctr" anchorCtr="0">
             <a:normAutofit/>
           </a:bodyPr>
           <a:lstStyle>
@@ -3959,7 +4186,7 @@
             </a:lvl9pPr>
           </a:lstStyle>
           <a:p>
-            <a:pPr indent="0" lvl="0" marL="0" rtl="0" algn="r">
+            <a:pPr marL="0" lvl="0" indent="0" algn="r" rtl="0">
               <a:spcBef>
                 <a:spcPts val="0"/>
               </a:spcBef>
@@ -3985,11 +4212,11 @@
 </file>
 
 <file path=ppt/slideLayouts/slideLayout8.xml><?xml version="1.0" encoding="utf-8"?>
-<p:sldLayout xmlns:a="http://schemas.openxmlformats.org/drawingml/2006/main" xmlns:r="http://schemas.openxmlformats.org/officeDocument/2006/relationships" xmlns:mc="http://schemas.openxmlformats.org/markup-compatibility/2006" xmlns:mv="urn:schemas-microsoft-com:mac:vml" xmlns:p="http://schemas.openxmlformats.org/presentationml/2006/main" xmlns:c="http://schemas.openxmlformats.org/drawingml/2006/chart" xmlns:dgm="http://schemas.openxmlformats.org/drawingml/2006/diagram" xmlns:o="urn:schemas-microsoft-com:office:office" xmlns:v="urn:schemas-microsoft-com:vml" xmlns:pvml="urn:schemas-microsoft-com:office:powerpoint" xmlns:com="http://schemas.openxmlformats.org/drawingml/2006/compatibility" xmlns:p14="http://schemas.microsoft.com/office/powerpoint/2010/main" xmlns:p15="http://schemas.microsoft.com/office/powerpoint/2012/main" xmlns:ahyp="http://schemas.microsoft.com/office/drawing/2018/hyperlinkcolor" matchingName="Section title and description">
+<p:sldLayout xmlns:a="http://schemas.openxmlformats.org/drawingml/2006/main" xmlns:r="http://schemas.openxmlformats.org/officeDocument/2006/relationships" xmlns:p="http://schemas.openxmlformats.org/presentationml/2006/main" matchingName="Section title and description">
   <p:cSld name="SECTION_TITLE_AND_DESCRIPTION">
     <p:spTree>
       <p:nvGrpSpPr>
-        <p:cNvPr id="35" name="Shape 35"/>
+        <p:cNvPr id="1" name="Shape 35"/>
         <p:cNvGrpSpPr/>
         <p:nvPr/>
       </p:nvGrpSpPr>
@@ -4023,23 +4250,20 @@
           </a:ln>
         </p:spPr>
         <p:txBody>
-          <a:bodyPr anchorCtr="0" anchor="ctr" bIns="91425" lIns="91425" spcFirstLastPara="1" rIns="91425" wrap="square" tIns="91425">
+          <a:bodyPr spcFirstLastPara="1" wrap="square" lIns="91425" tIns="91425" rIns="91425" bIns="91425" anchor="ctr" anchorCtr="0">
             <a:noAutofit/>
           </a:bodyPr>
           <a:lstStyle/>
           <a:p>
-            <a:pPr indent="0" lvl="0" marL="0" rtl="0" algn="l">
-              <a:spcBef>
-                <a:spcPts val="0"/>
-              </a:spcBef>
-              <a:spcAft>
-                <a:spcPts val="0"/>
-              </a:spcAft>
-              <a:buNone/>
-            </a:pPr>
-            <a:r>
-              <a:t/>
-            </a:r>
+            <a:pPr marL="0" lvl="0" indent="0" algn="l" rtl="0">
+              <a:spcBef>
+                <a:spcPts val="0"/>
+              </a:spcBef>
+              <a:spcAft>
+                <a:spcPts val="0"/>
+              </a:spcAft>
+              <a:buNone/>
+            </a:pPr>
             <a:endParaRPr/>
           </a:p>
         </p:txBody>
@@ -4047,7 +4271,9 @@
       <p:sp>
         <p:nvSpPr>
           <p:cNvPr id="37" name="Google Shape;37;p9"/>
-          <p:cNvSpPr txBox="1"/>
+          <p:cNvSpPr txBox="1">
+            <a:spLocks noGrp="1"/>
+          </p:cNvSpPr>
           <p:nvPr>
             <p:ph type="title"/>
           </p:nvPr>
@@ -4062,7 +4288,7 @@
           </a:prstGeom>
         </p:spPr>
         <p:txBody>
-          <a:bodyPr anchorCtr="0" anchor="b" bIns="91425" lIns="91425" spcFirstLastPara="1" rIns="91425" wrap="square" tIns="91425">
+          <a:bodyPr spcFirstLastPara="1" wrap="square" lIns="91425" tIns="91425" rIns="91425" bIns="91425" anchor="b" anchorCtr="0">
             <a:normAutofit/>
           </a:bodyPr>
           <a:lstStyle>
@@ -4166,15 +4392,19 @@
               <a:defRPr sz="4200"/>
             </a:lvl9pPr>
           </a:lstStyle>
-          <a:p/>
+          <a:p>
+            <a:endParaRPr/>
+          </a:p>
         </p:txBody>
       </p:sp>
       <p:sp>
         <p:nvSpPr>
           <p:cNvPr id="38" name="Google Shape;38;p9"/>
-          <p:cNvSpPr txBox="1"/>
+          <p:cNvSpPr txBox="1">
+            <a:spLocks noGrp="1"/>
+          </p:cNvSpPr>
           <p:nvPr>
-            <p:ph idx="1" type="subTitle"/>
+            <p:ph type="subTitle" idx="1"/>
           </p:nvPr>
         </p:nvSpPr>
         <p:spPr>
@@ -4187,7 +4417,7 @@
           </a:prstGeom>
         </p:spPr>
         <p:txBody>
-          <a:bodyPr anchorCtr="0" anchor="t" bIns="91425" lIns="91425" spcFirstLastPara="1" rIns="91425" wrap="square" tIns="91425">
+          <a:bodyPr spcFirstLastPara="1" wrap="square" lIns="91425" tIns="91425" rIns="91425" bIns="91425" anchor="t" anchorCtr="0">
             <a:normAutofit/>
           </a:bodyPr>
           <a:lstStyle>
@@ -4318,15 +4548,19 @@
               <a:defRPr sz="2100"/>
             </a:lvl9pPr>
           </a:lstStyle>
-          <a:p/>
+          <a:p>
+            <a:endParaRPr/>
+          </a:p>
         </p:txBody>
       </p:sp>
       <p:sp>
         <p:nvSpPr>
           <p:cNvPr id="39" name="Google Shape;39;p9"/>
-          <p:cNvSpPr txBox="1"/>
+          <p:cNvSpPr txBox="1">
+            <a:spLocks noGrp="1"/>
+          </p:cNvSpPr>
           <p:nvPr>
-            <p:ph idx="2" type="body"/>
+            <p:ph type="body" idx="2"/>
           </p:nvPr>
         </p:nvSpPr>
         <p:spPr>
@@ -4339,11 +4573,11 @@
           </a:prstGeom>
         </p:spPr>
         <p:txBody>
-          <a:bodyPr anchorCtr="0" anchor="ctr" bIns="91425" lIns="91425" spcFirstLastPara="1" rIns="91425" wrap="square" tIns="91425">
+          <a:bodyPr spcFirstLastPara="1" wrap="square" lIns="91425" tIns="91425" rIns="91425" bIns="91425" anchor="ctr" anchorCtr="0">
             <a:normAutofit/>
           </a:bodyPr>
           <a:lstStyle>
-            <a:lvl1pPr indent="-342900" lvl="0" marL="457200">
+            <a:lvl1pPr marL="457200" lvl="0" indent="-342900">
               <a:spcBef>
                 <a:spcPts val="0"/>
               </a:spcBef>
@@ -4354,7 +4588,7 @@
               <a:buChar char="●"/>
               <a:defRPr/>
             </a:lvl1pPr>
-            <a:lvl2pPr indent="-317500" lvl="1" marL="914400">
+            <a:lvl2pPr marL="914400" lvl="1" indent="-317500">
               <a:spcBef>
                 <a:spcPts val="0"/>
               </a:spcBef>
@@ -4365,7 +4599,7 @@
               <a:buChar char="○"/>
               <a:defRPr/>
             </a:lvl2pPr>
-            <a:lvl3pPr indent="-317500" lvl="2" marL="1371600">
+            <a:lvl3pPr marL="1371600" lvl="2" indent="-317500">
               <a:spcBef>
                 <a:spcPts val="0"/>
               </a:spcBef>
@@ -4376,7 +4610,7 @@
               <a:buChar char="■"/>
               <a:defRPr/>
             </a:lvl3pPr>
-            <a:lvl4pPr indent="-317500" lvl="3" marL="1828800">
+            <a:lvl4pPr marL="1828800" lvl="3" indent="-317500">
               <a:spcBef>
                 <a:spcPts val="0"/>
               </a:spcBef>
@@ -4387,7 +4621,7 @@
               <a:buChar char="●"/>
               <a:defRPr/>
             </a:lvl4pPr>
-            <a:lvl5pPr indent="-317500" lvl="4" marL="2286000">
+            <a:lvl5pPr marL="2286000" lvl="4" indent="-317500">
               <a:spcBef>
                 <a:spcPts val="0"/>
               </a:spcBef>
@@ -4398,7 +4632,7 @@
               <a:buChar char="○"/>
               <a:defRPr/>
             </a:lvl5pPr>
-            <a:lvl6pPr indent="-317500" lvl="5" marL="2743200">
+            <a:lvl6pPr marL="2743200" lvl="5" indent="-317500">
               <a:spcBef>
                 <a:spcPts val="0"/>
               </a:spcBef>
@@ -4409,7 +4643,7 @@
               <a:buChar char="■"/>
               <a:defRPr/>
             </a:lvl6pPr>
-            <a:lvl7pPr indent="-317500" lvl="6" marL="3200400">
+            <a:lvl7pPr marL="3200400" lvl="6" indent="-317500">
               <a:spcBef>
                 <a:spcPts val="0"/>
               </a:spcBef>
@@ -4420,7 +4654,7 @@
               <a:buChar char="●"/>
               <a:defRPr/>
             </a:lvl7pPr>
-            <a:lvl8pPr indent="-317500" lvl="7" marL="3657600">
+            <a:lvl8pPr marL="3657600" lvl="7" indent="-317500">
               <a:spcBef>
                 <a:spcPts val="0"/>
               </a:spcBef>
@@ -4431,7 +4665,7 @@
               <a:buChar char="○"/>
               <a:defRPr/>
             </a:lvl8pPr>
-            <a:lvl9pPr indent="-317500" lvl="8" marL="4114800">
+            <a:lvl9pPr marL="4114800" lvl="8" indent="-317500">
               <a:spcBef>
                 <a:spcPts val="0"/>
               </a:spcBef>
@@ -4443,15 +4677,19 @@
               <a:defRPr/>
             </a:lvl9pPr>
           </a:lstStyle>
-          <a:p/>
+          <a:p>
+            <a:endParaRPr/>
+          </a:p>
         </p:txBody>
       </p:sp>
       <p:sp>
         <p:nvSpPr>
           <p:cNvPr id="40" name="Google Shape;40;p9"/>
-          <p:cNvSpPr txBox="1"/>
+          <p:cNvSpPr txBox="1">
+            <a:spLocks noGrp="1"/>
+          </p:cNvSpPr>
           <p:nvPr>
-            <p:ph idx="12" type="sldNum"/>
+            <p:ph type="sldNum" idx="12"/>
           </p:nvPr>
         </p:nvSpPr>
         <p:spPr>
@@ -4464,7 +4702,7 @@
           </a:prstGeom>
         </p:spPr>
         <p:txBody>
-          <a:bodyPr anchorCtr="0" anchor="ctr" bIns="91425" lIns="91425" spcFirstLastPara="1" rIns="91425" wrap="square" tIns="91425">
+          <a:bodyPr spcFirstLastPara="1" wrap="square" lIns="91425" tIns="91425" rIns="91425" bIns="91425" anchor="ctr" anchorCtr="0">
             <a:normAutofit/>
           </a:bodyPr>
           <a:lstStyle>
@@ -4506,7 +4744,7 @@
             </a:lvl9pPr>
           </a:lstStyle>
           <a:p>
-            <a:pPr indent="0" lvl="0" marL="0" rtl="0" algn="r">
+            <a:pPr marL="0" lvl="0" indent="0" algn="r" rtl="0">
               <a:spcBef>
                 <a:spcPts val="0"/>
               </a:spcBef>
@@ -4532,11 +4770,11 @@
 </file>
 
 <file path=ppt/slideLayouts/slideLayout9.xml><?xml version="1.0" encoding="utf-8"?>
-<p:sldLayout xmlns:a="http://schemas.openxmlformats.org/drawingml/2006/main" xmlns:r="http://schemas.openxmlformats.org/officeDocument/2006/relationships" xmlns:mc="http://schemas.openxmlformats.org/markup-compatibility/2006" xmlns:mv="urn:schemas-microsoft-com:mac:vml" xmlns:p="http://schemas.openxmlformats.org/presentationml/2006/main" xmlns:c="http://schemas.openxmlformats.org/drawingml/2006/chart" xmlns:dgm="http://schemas.openxmlformats.org/drawingml/2006/diagram" xmlns:o="urn:schemas-microsoft-com:office:office" xmlns:v="urn:schemas-microsoft-com:vml" xmlns:pvml="urn:schemas-microsoft-com:office:powerpoint" xmlns:com="http://schemas.openxmlformats.org/drawingml/2006/compatibility" xmlns:p14="http://schemas.microsoft.com/office/powerpoint/2010/main" xmlns:p15="http://schemas.microsoft.com/office/powerpoint/2012/main" xmlns:ahyp="http://schemas.microsoft.com/office/drawing/2018/hyperlinkcolor" matchingName="Caption">
+<p:sldLayout xmlns:a="http://schemas.openxmlformats.org/drawingml/2006/main" xmlns:r="http://schemas.openxmlformats.org/officeDocument/2006/relationships" xmlns:p="http://schemas.openxmlformats.org/presentationml/2006/main" matchingName="Caption">
   <p:cSld name="CAPTION_ONLY">
     <p:spTree>
       <p:nvGrpSpPr>
-        <p:cNvPr id="41" name="Shape 41"/>
+        <p:cNvPr id="1" name="Shape 41"/>
         <p:cNvGrpSpPr/>
         <p:nvPr/>
       </p:nvGrpSpPr>
@@ -4551,9 +4789,11 @@
       <p:sp>
         <p:nvSpPr>
           <p:cNvPr id="42" name="Google Shape;42;p10"/>
-          <p:cNvSpPr txBox="1"/>
+          <p:cNvSpPr txBox="1">
+            <a:spLocks noGrp="1"/>
+          </p:cNvSpPr>
           <p:nvPr>
-            <p:ph idx="1" type="body"/>
+            <p:ph type="body" idx="1"/>
           </p:nvPr>
         </p:nvSpPr>
         <p:spPr>
@@ -4566,11 +4806,11 @@
           </a:prstGeom>
         </p:spPr>
         <p:txBody>
-          <a:bodyPr anchorCtr="0" anchor="ctr" bIns="91425" lIns="91425" spcFirstLastPara="1" rIns="91425" wrap="square" tIns="91425">
+          <a:bodyPr spcFirstLastPara="1" wrap="square" lIns="91425" tIns="91425" rIns="91425" bIns="91425" anchor="ctr" anchorCtr="0">
             <a:normAutofit/>
           </a:bodyPr>
           <a:lstStyle>
-            <a:lvl1pPr indent="-228600" lvl="0" marL="457200">
+            <a:lvl1pPr marL="457200" lvl="0" indent="-228600">
               <a:lnSpc>
                 <a:spcPct val="100000"/>
               </a:lnSpc>
@@ -4585,15 +4825,19 @@
               <a:defRPr/>
             </a:lvl1pPr>
           </a:lstStyle>
-          <a:p/>
+          <a:p>
+            <a:endParaRPr/>
+          </a:p>
         </p:txBody>
       </p:sp>
       <p:sp>
         <p:nvSpPr>
           <p:cNvPr id="43" name="Google Shape;43;p10"/>
-          <p:cNvSpPr txBox="1"/>
+          <p:cNvSpPr txBox="1">
+            <a:spLocks noGrp="1"/>
+          </p:cNvSpPr>
           <p:nvPr>
-            <p:ph idx="12" type="sldNum"/>
+            <p:ph type="sldNum" idx="12"/>
           </p:nvPr>
         </p:nvSpPr>
         <p:spPr>
@@ -4606,7 +4850,7 @@
           </a:prstGeom>
         </p:spPr>
         <p:txBody>
-          <a:bodyPr anchorCtr="0" anchor="ctr" bIns="91425" lIns="91425" spcFirstLastPara="1" rIns="91425" wrap="square" tIns="91425">
+          <a:bodyPr spcFirstLastPara="1" wrap="square" lIns="91425" tIns="91425" rIns="91425" bIns="91425" anchor="ctr" anchorCtr="0">
             <a:normAutofit/>
           </a:bodyPr>
           <a:lstStyle>
@@ -4648,7 +4892,7 @@
             </a:lvl9pPr>
           </a:lstStyle>
           <a:p>
-            <a:pPr indent="0" lvl="0" marL="0" rtl="0" algn="r">
+            <a:pPr marL="0" lvl="0" indent="0" algn="r" rtl="0">
               <a:spcBef>
                 <a:spcPts val="0"/>
               </a:spcBef>
@@ -4674,18 +4918,19 @@
 </file>
 
 <file path=ppt/slideMasters/slideMaster1.xml><?xml version="1.0" encoding="utf-8"?>
-<p:sldMaster xmlns:a="http://schemas.openxmlformats.org/drawingml/2006/main" xmlns:r="http://schemas.openxmlformats.org/officeDocument/2006/relationships" xmlns:mc="http://schemas.openxmlformats.org/markup-compatibility/2006" xmlns:mv="urn:schemas-microsoft-com:mac:vml" xmlns:p="http://schemas.openxmlformats.org/presentationml/2006/main" xmlns:c="http://schemas.openxmlformats.org/drawingml/2006/chart" xmlns:dgm="http://schemas.openxmlformats.org/drawingml/2006/diagram" xmlns:o="urn:schemas-microsoft-com:office:office" xmlns:v="urn:schemas-microsoft-com:vml" xmlns:pvml="urn:schemas-microsoft-com:office:powerpoint" xmlns:com="http://schemas.openxmlformats.org/drawingml/2006/compatibility" xmlns:p14="http://schemas.microsoft.com/office/powerpoint/2010/main" xmlns:p15="http://schemas.microsoft.com/office/powerpoint/2012/main" xmlns:ahyp="http://schemas.microsoft.com/office/drawing/2018/hyperlinkcolor">
+<p:sldMaster xmlns:a="http://schemas.openxmlformats.org/drawingml/2006/main" xmlns:r="http://schemas.openxmlformats.org/officeDocument/2006/relationships" xmlns:p="http://schemas.openxmlformats.org/presentationml/2006/main">
   <p:cSld name="simple-light-2">
     <p:bg>
       <p:bgPr>
         <a:solidFill>
           <a:schemeClr val="lt1"/>
         </a:solidFill>
+        <a:effectLst/>
       </p:bgPr>
     </p:bg>
     <p:spTree>
       <p:nvGrpSpPr>
-        <p:cNvPr id="5" name="Shape 5"/>
+        <p:cNvPr id="1" name="Shape 5"/>
         <p:cNvGrpSpPr/>
         <p:nvPr/>
       </p:nvGrpSpPr>
@@ -4700,7 +4945,9 @@
       <p:sp>
         <p:nvSpPr>
           <p:cNvPr id="6" name="Google Shape;6;p1"/>
-          <p:cNvSpPr txBox="1"/>
+          <p:cNvSpPr txBox="1">
+            <a:spLocks noGrp="1"/>
+          </p:cNvSpPr>
           <p:nvPr>
             <p:ph type="title"/>
           </p:nvPr>
@@ -4719,7 +4966,7 @@
           </a:ln>
         </p:spPr>
         <p:txBody>
-          <a:bodyPr anchorCtr="0" anchor="t" bIns="91425" lIns="91425" spcFirstLastPara="1" rIns="91425" wrap="square" tIns="91425">
+          <a:bodyPr spcFirstLastPara="1" wrap="square" lIns="91425" tIns="91425" rIns="91425" bIns="91425" anchor="t" anchorCtr="0">
             <a:normAutofit/>
           </a:bodyPr>
           <a:lstStyle>
@@ -4886,15 +5133,19 @@
               </a:defRPr>
             </a:lvl9pPr>
           </a:lstStyle>
-          <a:p/>
+          <a:p>
+            <a:endParaRPr/>
+          </a:p>
         </p:txBody>
       </p:sp>
       <p:sp>
         <p:nvSpPr>
           <p:cNvPr id="7" name="Google Shape;7;p1"/>
-          <p:cNvSpPr txBox="1"/>
+          <p:cNvSpPr txBox="1">
+            <a:spLocks noGrp="1"/>
+          </p:cNvSpPr>
           <p:nvPr>
-            <p:ph idx="1" type="body"/>
+            <p:ph type="body" idx="1"/>
           </p:nvPr>
         </p:nvSpPr>
         <p:spPr>
@@ -4911,11 +5162,11 @@
           </a:ln>
         </p:spPr>
         <p:txBody>
-          <a:bodyPr anchorCtr="0" anchor="t" bIns="91425" lIns="91425" spcFirstLastPara="1" rIns="91425" wrap="square" tIns="91425">
+          <a:bodyPr spcFirstLastPara="1" wrap="square" lIns="91425" tIns="91425" rIns="91425" bIns="91425" anchor="t" anchorCtr="0">
             <a:normAutofit/>
           </a:bodyPr>
           <a:lstStyle>
-            <a:lvl1pPr indent="-342900" lvl="0" marL="457200">
+            <a:lvl1pPr marL="457200" lvl="0" indent="-342900">
               <a:lnSpc>
                 <a:spcPct val="115000"/>
               </a:lnSpc>
@@ -4936,7 +5187,7 @@
                 </a:solidFill>
               </a:defRPr>
             </a:lvl1pPr>
-            <a:lvl2pPr indent="-317500" lvl="1" marL="914400">
+            <a:lvl2pPr marL="914400" lvl="1" indent="-317500">
               <a:lnSpc>
                 <a:spcPct val="115000"/>
               </a:lnSpc>
@@ -4957,7 +5208,7 @@
                 </a:solidFill>
               </a:defRPr>
             </a:lvl2pPr>
-            <a:lvl3pPr indent="-317500" lvl="2" marL="1371600">
+            <a:lvl3pPr marL="1371600" lvl="2" indent="-317500">
               <a:lnSpc>
                 <a:spcPct val="115000"/>
               </a:lnSpc>
@@ -4978,7 +5229,7 @@
                 </a:solidFill>
               </a:defRPr>
             </a:lvl3pPr>
-            <a:lvl4pPr indent="-317500" lvl="3" marL="1828800">
+            <a:lvl4pPr marL="1828800" lvl="3" indent="-317500">
               <a:lnSpc>
                 <a:spcPct val="115000"/>
               </a:lnSpc>
@@ -4999,7 +5250,7 @@
                 </a:solidFill>
               </a:defRPr>
             </a:lvl4pPr>
-            <a:lvl5pPr indent="-317500" lvl="4" marL="2286000">
+            <a:lvl5pPr marL="2286000" lvl="4" indent="-317500">
               <a:lnSpc>
                 <a:spcPct val="115000"/>
               </a:lnSpc>
@@ -5020,7 +5271,7 @@
                 </a:solidFill>
               </a:defRPr>
             </a:lvl5pPr>
-            <a:lvl6pPr indent="-317500" lvl="5" marL="2743200">
+            <a:lvl6pPr marL="2743200" lvl="5" indent="-317500">
               <a:lnSpc>
                 <a:spcPct val="115000"/>
               </a:lnSpc>
@@ -5041,7 +5292,7 @@
                 </a:solidFill>
               </a:defRPr>
             </a:lvl6pPr>
-            <a:lvl7pPr indent="-317500" lvl="6" marL="3200400">
+            <a:lvl7pPr marL="3200400" lvl="6" indent="-317500">
               <a:lnSpc>
                 <a:spcPct val="115000"/>
               </a:lnSpc>
@@ -5062,7 +5313,7 @@
                 </a:solidFill>
               </a:defRPr>
             </a:lvl7pPr>
-            <a:lvl8pPr indent="-317500" lvl="7" marL="3657600">
+            <a:lvl8pPr marL="3657600" lvl="7" indent="-317500">
               <a:lnSpc>
                 <a:spcPct val="115000"/>
               </a:lnSpc>
@@ -5083,7 +5334,7 @@
                 </a:solidFill>
               </a:defRPr>
             </a:lvl8pPr>
-            <a:lvl9pPr indent="-317500" lvl="8" marL="4114800">
+            <a:lvl9pPr marL="4114800" lvl="8" indent="-317500">
               <a:lnSpc>
                 <a:spcPct val="115000"/>
               </a:lnSpc>
@@ -5105,15 +5356,19 @@
               </a:defRPr>
             </a:lvl9pPr>
           </a:lstStyle>
-          <a:p/>
+          <a:p>
+            <a:endParaRPr/>
+          </a:p>
         </p:txBody>
       </p:sp>
       <p:sp>
         <p:nvSpPr>
           <p:cNvPr id="8" name="Google Shape;8;p1"/>
-          <p:cNvSpPr txBox="1"/>
+          <p:cNvSpPr txBox="1">
+            <a:spLocks noGrp="1"/>
+          </p:cNvSpPr>
           <p:nvPr>
-            <p:ph idx="12" type="sldNum"/>
+            <p:ph type="sldNum" idx="12"/>
           </p:nvPr>
         </p:nvSpPr>
         <p:spPr>
@@ -5130,7 +5385,7 @@
           </a:ln>
         </p:spPr>
         <p:txBody>
-          <a:bodyPr anchorCtr="0" anchor="ctr" bIns="91425" lIns="91425" spcFirstLastPara="1" rIns="91425" wrap="square" tIns="91425">
+          <a:bodyPr spcFirstLastPara="1" wrap="square" lIns="91425" tIns="91425" rIns="91425" bIns="91425" anchor="ctr" anchorCtr="0">
             <a:normAutofit/>
           </a:bodyPr>
           <a:lstStyle>
@@ -5208,7 +5463,7 @@
             </a:lvl9pPr>
           </a:lstStyle>
           <a:p>
-            <a:pPr indent="0" lvl="0" marL="0" rtl="0" algn="r">
+            <a:pPr marL="0" lvl="0" indent="0" algn="r" rtl="0">
               <a:spcBef>
                 <a:spcPts val="0"/>
               </a:spcBef>
@@ -5227,7 +5482,7 @@
       </p:sp>
     </p:spTree>
   </p:cSld>
-  <p:clrMap accent1="accent1" accent2="accent2" accent3="accent3" accent4="accent4" accent5="accent5" accent6="accent6" bg1="lt1" bg2="dk2" tx1="dk1" tx2="lt2" folHlink="folHlink" hlink="hlink"/>
+  <p:clrMap bg1="lt1" tx1="dk1" bg2="dk2" tx2="lt2" accent1="accent1" accent2="accent2" accent3="accent3" accent4="accent4" accent5="accent5" accent6="accent6" hlink="hlink" folHlink="folHlink"/>
   <p:sldLayoutIdLst>
     <p:sldLayoutId id="2147483648" r:id="rId1"/>
     <p:sldLayoutId id="2147483649" r:id="rId2"/>
@@ -5241,10 +5496,10 @@
     <p:sldLayoutId id="2147483657" r:id="rId10"/>
     <p:sldLayoutId id="2147483658" r:id="rId11"/>
   </p:sldLayoutIdLst>
-  <p:hf dt="0" ftr="0" hdr="0" sldNum="0"/>
+  <p:hf sldNum="0" hdr="0" ftr="0" dt="0"/>
   <p:txStyles>
     <p:titleStyle>
-      <a:defPPr lvl="0" marR="0" rtl="0" algn="l">
+      <a:defPPr marR="0" lvl="0" algn="l" rtl="0">
         <a:lnSpc>
           <a:spcPct val="100000"/>
         </a:lnSpc>
@@ -5255,7 +5510,7 @@
           <a:spcPts val="0"/>
         </a:spcAft>
       </a:defPPr>
-      <a:lvl1pPr lvl="0" marR="0" rtl="0" algn="l">
+      <a:lvl1pPr marR="0" lvl="0" algn="l" rtl="0">
         <a:lnSpc>
           <a:spcPct val="100000"/>
         </a:lnSpc>
@@ -5269,7 +5524,7 @@
           <a:srgbClr val="000000"/>
         </a:buClr>
         <a:buFont typeface="Arial"/>
-        <a:defRPr b="0" i="0" sz="1400" u="none" cap="none" strike="noStrike">
+        <a:defRPr sz="1400" b="0" i="0" u="none" strike="noStrike" cap="none">
           <a:solidFill>
             <a:srgbClr val="000000"/>
           </a:solidFill>
@@ -5279,7 +5534,7 @@
           <a:sym typeface="Arial"/>
         </a:defRPr>
       </a:lvl1pPr>
-      <a:lvl2pPr lvl="1" marR="0" rtl="0" algn="l">
+      <a:lvl2pPr marR="0" lvl="1" algn="l" rtl="0">
         <a:lnSpc>
           <a:spcPct val="100000"/>
         </a:lnSpc>
@@ -5293,7 +5548,7 @@
           <a:srgbClr val="000000"/>
         </a:buClr>
         <a:buFont typeface="Arial"/>
-        <a:defRPr b="0" i="0" sz="1400" u="none" cap="none" strike="noStrike">
+        <a:defRPr sz="1400" b="0" i="0" u="none" strike="noStrike" cap="none">
           <a:solidFill>
             <a:srgbClr val="000000"/>
           </a:solidFill>
@@ -5303,7 +5558,7 @@
           <a:sym typeface="Arial"/>
         </a:defRPr>
       </a:lvl2pPr>
-      <a:lvl3pPr lvl="2" marR="0" rtl="0" algn="l">
+      <a:lvl3pPr marR="0" lvl="2" algn="l" rtl="0">
         <a:lnSpc>
           <a:spcPct val="100000"/>
         </a:lnSpc>
@@ -5317,7 +5572,7 @@
           <a:srgbClr val="000000"/>
         </a:buClr>
         <a:buFont typeface="Arial"/>
-        <a:defRPr b="0" i="0" sz="1400" u="none" cap="none" strike="noStrike">
+        <a:defRPr sz="1400" b="0" i="0" u="none" strike="noStrike" cap="none">
           <a:solidFill>
             <a:srgbClr val="000000"/>
           </a:solidFill>
@@ -5327,7 +5582,7 @@
           <a:sym typeface="Arial"/>
         </a:defRPr>
       </a:lvl3pPr>
-      <a:lvl4pPr lvl="3" marR="0" rtl="0" algn="l">
+      <a:lvl4pPr marR="0" lvl="3" algn="l" rtl="0">
         <a:lnSpc>
           <a:spcPct val="100000"/>
         </a:lnSpc>
@@ -5341,7 +5596,7 @@
           <a:srgbClr val="000000"/>
         </a:buClr>
         <a:buFont typeface="Arial"/>
-        <a:defRPr b="0" i="0" sz="1400" u="none" cap="none" strike="noStrike">
+        <a:defRPr sz="1400" b="0" i="0" u="none" strike="noStrike" cap="none">
           <a:solidFill>
             <a:srgbClr val="000000"/>
           </a:solidFill>
@@ -5351,7 +5606,7 @@
           <a:sym typeface="Arial"/>
         </a:defRPr>
       </a:lvl4pPr>
-      <a:lvl5pPr lvl="4" marR="0" rtl="0" algn="l">
+      <a:lvl5pPr marR="0" lvl="4" algn="l" rtl="0">
         <a:lnSpc>
           <a:spcPct val="100000"/>
         </a:lnSpc>
@@ -5365,7 +5620,7 @@
           <a:srgbClr val="000000"/>
         </a:buClr>
         <a:buFont typeface="Arial"/>
-        <a:defRPr b="0" i="0" sz="1400" u="none" cap="none" strike="noStrike">
+        <a:defRPr sz="1400" b="0" i="0" u="none" strike="noStrike" cap="none">
           <a:solidFill>
             <a:srgbClr val="000000"/>
           </a:solidFill>
@@ -5375,7 +5630,7 @@
           <a:sym typeface="Arial"/>
         </a:defRPr>
       </a:lvl5pPr>
-      <a:lvl6pPr lvl="5" marR="0" rtl="0" algn="l">
+      <a:lvl6pPr marR="0" lvl="5" algn="l" rtl="0">
         <a:lnSpc>
           <a:spcPct val="100000"/>
         </a:lnSpc>
@@ -5389,7 +5644,7 @@
           <a:srgbClr val="000000"/>
         </a:buClr>
         <a:buFont typeface="Arial"/>
-        <a:defRPr b="0" i="0" sz="1400" u="none" cap="none" strike="noStrike">
+        <a:defRPr sz="1400" b="0" i="0" u="none" strike="noStrike" cap="none">
           <a:solidFill>
             <a:srgbClr val="000000"/>
           </a:solidFill>
@@ -5399,7 +5654,7 @@
           <a:sym typeface="Arial"/>
         </a:defRPr>
       </a:lvl6pPr>
-      <a:lvl7pPr lvl="6" marR="0" rtl="0" algn="l">
+      <a:lvl7pPr marR="0" lvl="6" algn="l" rtl="0">
         <a:lnSpc>
           <a:spcPct val="100000"/>
         </a:lnSpc>
@@ -5413,7 +5668,7 @@
           <a:srgbClr val="000000"/>
         </a:buClr>
         <a:buFont typeface="Arial"/>
-        <a:defRPr b="0" i="0" sz="1400" u="none" cap="none" strike="noStrike">
+        <a:defRPr sz="1400" b="0" i="0" u="none" strike="noStrike" cap="none">
           <a:solidFill>
             <a:srgbClr val="000000"/>
           </a:solidFill>
@@ -5423,7 +5678,7 @@
           <a:sym typeface="Arial"/>
         </a:defRPr>
       </a:lvl7pPr>
-      <a:lvl8pPr lvl="7" marR="0" rtl="0" algn="l">
+      <a:lvl8pPr marR="0" lvl="7" algn="l" rtl="0">
         <a:lnSpc>
           <a:spcPct val="100000"/>
         </a:lnSpc>
@@ -5437,7 +5692,7 @@
           <a:srgbClr val="000000"/>
         </a:buClr>
         <a:buFont typeface="Arial"/>
-        <a:defRPr b="0" i="0" sz="1400" u="none" cap="none" strike="noStrike">
+        <a:defRPr sz="1400" b="0" i="0" u="none" strike="noStrike" cap="none">
           <a:solidFill>
             <a:srgbClr val="000000"/>
           </a:solidFill>
@@ -5447,7 +5702,7 @@
           <a:sym typeface="Arial"/>
         </a:defRPr>
       </a:lvl8pPr>
-      <a:lvl9pPr lvl="8" marR="0" rtl="0" algn="l">
+      <a:lvl9pPr marR="0" lvl="8" algn="l" rtl="0">
         <a:lnSpc>
           <a:spcPct val="100000"/>
         </a:lnSpc>
@@ -5461,7 +5716,7 @@
           <a:srgbClr val="000000"/>
         </a:buClr>
         <a:buFont typeface="Arial"/>
-        <a:defRPr b="0" i="0" sz="1400" u="none" cap="none" strike="noStrike">
+        <a:defRPr sz="1400" b="0" i="0" u="none" strike="noStrike" cap="none">
           <a:solidFill>
             <a:srgbClr val="000000"/>
           </a:solidFill>
@@ -5473,7 +5728,7 @@
       </a:lvl9pPr>
     </p:titleStyle>
     <p:bodyStyle>
-      <a:defPPr lvl="0" marR="0" rtl="0" algn="l">
+      <a:defPPr marR="0" lvl="0" algn="l" rtl="0">
         <a:lnSpc>
           <a:spcPct val="100000"/>
         </a:lnSpc>
@@ -5484,7 +5739,7 @@
           <a:spcPts val="0"/>
         </a:spcAft>
       </a:defPPr>
-      <a:lvl1pPr lvl="0" marR="0" rtl="0" algn="l">
+      <a:lvl1pPr marR="0" lvl="0" algn="l" rtl="0">
         <a:lnSpc>
           <a:spcPct val="100000"/>
         </a:lnSpc>
@@ -5498,7 +5753,7 @@
           <a:srgbClr val="000000"/>
         </a:buClr>
         <a:buFont typeface="Arial"/>
-        <a:defRPr b="0" i="0" sz="1400" u="none" cap="none" strike="noStrike">
+        <a:defRPr sz="1400" b="0" i="0" u="none" strike="noStrike" cap="none">
           <a:solidFill>
             <a:srgbClr val="000000"/>
           </a:solidFill>
@@ -5508,7 +5763,7 @@
           <a:sym typeface="Arial"/>
         </a:defRPr>
       </a:lvl1pPr>
-      <a:lvl2pPr lvl="1" marR="0" rtl="0" algn="l">
+      <a:lvl2pPr marR="0" lvl="1" algn="l" rtl="0">
         <a:lnSpc>
           <a:spcPct val="100000"/>
         </a:lnSpc>
@@ -5522,7 +5777,7 @@
           <a:srgbClr val="000000"/>
         </a:buClr>
         <a:buFont typeface="Arial"/>
-        <a:defRPr b="0" i="0" sz="1400" u="none" cap="none" strike="noStrike">
+        <a:defRPr sz="1400" b="0" i="0" u="none" strike="noStrike" cap="none">
           <a:solidFill>
             <a:srgbClr val="000000"/>
           </a:solidFill>
@@ -5532,7 +5787,7 @@
           <a:sym typeface="Arial"/>
         </a:defRPr>
       </a:lvl2pPr>
-      <a:lvl3pPr lvl="2" marR="0" rtl="0" algn="l">
+      <a:lvl3pPr marR="0" lvl="2" algn="l" rtl="0">
         <a:lnSpc>
           <a:spcPct val="100000"/>
         </a:lnSpc>
@@ -5546,7 +5801,7 @@
           <a:srgbClr val="000000"/>
         </a:buClr>
         <a:buFont typeface="Arial"/>
-        <a:defRPr b="0" i="0" sz="1400" u="none" cap="none" strike="noStrike">
+        <a:defRPr sz="1400" b="0" i="0" u="none" strike="noStrike" cap="none">
           <a:solidFill>
             <a:srgbClr val="000000"/>
           </a:solidFill>
@@ -5556,7 +5811,7 @@
           <a:sym typeface="Arial"/>
         </a:defRPr>
       </a:lvl3pPr>
-      <a:lvl4pPr lvl="3" marR="0" rtl="0" algn="l">
+      <a:lvl4pPr marR="0" lvl="3" algn="l" rtl="0">
         <a:lnSpc>
           <a:spcPct val="100000"/>
         </a:lnSpc>
@@ -5570,7 +5825,7 @@
           <a:srgbClr val="000000"/>
         </a:buClr>
         <a:buFont typeface="Arial"/>
-        <a:defRPr b="0" i="0" sz="1400" u="none" cap="none" strike="noStrike">
+        <a:defRPr sz="1400" b="0" i="0" u="none" strike="noStrike" cap="none">
           <a:solidFill>
             <a:srgbClr val="000000"/>
           </a:solidFill>
@@ -5580,7 +5835,7 @@
           <a:sym typeface="Arial"/>
         </a:defRPr>
       </a:lvl4pPr>
-      <a:lvl5pPr lvl="4" marR="0" rtl="0" algn="l">
+      <a:lvl5pPr marR="0" lvl="4" algn="l" rtl="0">
         <a:lnSpc>
           <a:spcPct val="100000"/>
         </a:lnSpc>
@@ -5594,7 +5849,7 @@
           <a:srgbClr val="000000"/>
         </a:buClr>
         <a:buFont typeface="Arial"/>
-        <a:defRPr b="0" i="0" sz="1400" u="none" cap="none" strike="noStrike">
+        <a:defRPr sz="1400" b="0" i="0" u="none" strike="noStrike" cap="none">
           <a:solidFill>
             <a:srgbClr val="000000"/>
           </a:solidFill>
@@ -5604,7 +5859,7 @@
           <a:sym typeface="Arial"/>
         </a:defRPr>
       </a:lvl5pPr>
-      <a:lvl6pPr lvl="5" marR="0" rtl="0" algn="l">
+      <a:lvl6pPr marR="0" lvl="5" algn="l" rtl="0">
         <a:lnSpc>
           <a:spcPct val="100000"/>
         </a:lnSpc>
@@ -5618,7 +5873,7 @@
           <a:srgbClr val="000000"/>
         </a:buClr>
         <a:buFont typeface="Arial"/>
-        <a:defRPr b="0" i="0" sz="1400" u="none" cap="none" strike="noStrike">
+        <a:defRPr sz="1400" b="0" i="0" u="none" strike="noStrike" cap="none">
           <a:solidFill>
             <a:srgbClr val="000000"/>
           </a:solidFill>
@@ -5628,7 +5883,7 @@
           <a:sym typeface="Arial"/>
         </a:defRPr>
       </a:lvl6pPr>
-      <a:lvl7pPr lvl="6" marR="0" rtl="0" algn="l">
+      <a:lvl7pPr marR="0" lvl="6" algn="l" rtl="0">
         <a:lnSpc>
           <a:spcPct val="100000"/>
         </a:lnSpc>
@@ -5642,7 +5897,7 @@
           <a:srgbClr val="000000"/>
         </a:buClr>
         <a:buFont typeface="Arial"/>
-        <a:defRPr b="0" i="0" sz="1400" u="none" cap="none" strike="noStrike">
+        <a:defRPr sz="1400" b="0" i="0" u="none" strike="noStrike" cap="none">
           <a:solidFill>
             <a:srgbClr val="000000"/>
           </a:solidFill>
@@ -5652,7 +5907,7 @@
           <a:sym typeface="Arial"/>
         </a:defRPr>
       </a:lvl7pPr>
-      <a:lvl8pPr lvl="7" marR="0" rtl="0" algn="l">
+      <a:lvl8pPr marR="0" lvl="7" algn="l" rtl="0">
         <a:lnSpc>
           <a:spcPct val="100000"/>
         </a:lnSpc>
@@ -5666,7 +5921,7 @@
           <a:srgbClr val="000000"/>
         </a:buClr>
         <a:buFont typeface="Arial"/>
-        <a:defRPr b="0" i="0" sz="1400" u="none" cap="none" strike="noStrike">
+        <a:defRPr sz="1400" b="0" i="0" u="none" strike="noStrike" cap="none">
           <a:solidFill>
             <a:srgbClr val="000000"/>
           </a:solidFill>
@@ -5676,7 +5931,7 @@
           <a:sym typeface="Arial"/>
         </a:defRPr>
       </a:lvl8pPr>
-      <a:lvl9pPr lvl="8" marR="0" rtl="0" algn="l">
+      <a:lvl9pPr marR="0" lvl="8" algn="l" rtl="0">
         <a:lnSpc>
           <a:spcPct val="100000"/>
         </a:lnSpc>
@@ -5690,7 +5945,7 @@
           <a:srgbClr val="000000"/>
         </a:buClr>
         <a:buFont typeface="Arial"/>
-        <a:defRPr b="0" i="0" sz="1400" u="none" cap="none" strike="noStrike">
+        <a:defRPr sz="1400" b="0" i="0" u="none" strike="noStrike" cap="none">
           <a:solidFill>
             <a:srgbClr val="000000"/>
           </a:solidFill>
@@ -5702,7 +5957,7 @@
       </a:lvl9pPr>
     </p:bodyStyle>
     <p:otherStyle>
-      <a:defPPr lvl="0" marR="0" rtl="0" algn="l">
+      <a:defPPr marR="0" lvl="0" algn="l" rtl="0">
         <a:lnSpc>
           <a:spcPct val="100000"/>
         </a:lnSpc>
@@ -5713,7 +5968,7 @@
           <a:spcPts val="0"/>
         </a:spcAft>
       </a:defPPr>
-      <a:lvl1pPr lvl="0" marR="0" rtl="0" algn="l">
+      <a:lvl1pPr marR="0" lvl="0" algn="l" rtl="0">
         <a:lnSpc>
           <a:spcPct val="100000"/>
         </a:lnSpc>
@@ -5727,7 +5982,7 @@
           <a:srgbClr val="000000"/>
         </a:buClr>
         <a:buFont typeface="Arial"/>
-        <a:defRPr b="0" i="0" sz="1400" u="none" cap="none" strike="noStrike">
+        <a:defRPr sz="1400" b="0" i="0" u="none" strike="noStrike" cap="none">
           <a:solidFill>
             <a:srgbClr val="000000"/>
           </a:solidFill>
@@ -5737,7 +5992,7 @@
           <a:sym typeface="Arial"/>
         </a:defRPr>
       </a:lvl1pPr>
-      <a:lvl2pPr lvl="1" marR="0" rtl="0" algn="l">
+      <a:lvl2pPr marR="0" lvl="1" algn="l" rtl="0">
         <a:lnSpc>
           <a:spcPct val="100000"/>
         </a:lnSpc>
@@ -5751,7 +6006,7 @@
           <a:srgbClr val="000000"/>
         </a:buClr>
         <a:buFont typeface="Arial"/>
-        <a:defRPr b="0" i="0" sz="1400" u="none" cap="none" strike="noStrike">
+        <a:defRPr sz="1400" b="0" i="0" u="none" strike="noStrike" cap="none">
           <a:solidFill>
             <a:srgbClr val="000000"/>
           </a:solidFill>
@@ -5761,7 +6016,7 @@
           <a:sym typeface="Arial"/>
         </a:defRPr>
       </a:lvl2pPr>
-      <a:lvl3pPr lvl="2" marR="0" rtl="0" algn="l">
+      <a:lvl3pPr marR="0" lvl="2" algn="l" rtl="0">
         <a:lnSpc>
           <a:spcPct val="100000"/>
         </a:lnSpc>
@@ -5775,7 +6030,7 @@
           <a:srgbClr val="000000"/>
         </a:buClr>
         <a:buFont typeface="Arial"/>
-        <a:defRPr b="0" i="0" sz="1400" u="none" cap="none" strike="noStrike">
+        <a:defRPr sz="1400" b="0" i="0" u="none" strike="noStrike" cap="none">
           <a:solidFill>
             <a:srgbClr val="000000"/>
           </a:solidFill>
@@ -5785,7 +6040,7 @@
           <a:sym typeface="Arial"/>
         </a:defRPr>
       </a:lvl3pPr>
-      <a:lvl4pPr lvl="3" marR="0" rtl="0" algn="l">
+      <a:lvl4pPr marR="0" lvl="3" algn="l" rtl="0">
         <a:lnSpc>
           <a:spcPct val="100000"/>
         </a:lnSpc>
@@ -5799,7 +6054,7 @@
           <a:srgbClr val="000000"/>
         </a:buClr>
         <a:buFont typeface="Arial"/>
-        <a:defRPr b="0" i="0" sz="1400" u="none" cap="none" strike="noStrike">
+        <a:defRPr sz="1400" b="0" i="0" u="none" strike="noStrike" cap="none">
           <a:solidFill>
             <a:srgbClr val="000000"/>
           </a:solidFill>
@@ -5809,7 +6064,7 @@
           <a:sym typeface="Arial"/>
         </a:defRPr>
       </a:lvl4pPr>
-      <a:lvl5pPr lvl="4" marR="0" rtl="0" algn="l">
+      <a:lvl5pPr marR="0" lvl="4" algn="l" rtl="0">
         <a:lnSpc>
           <a:spcPct val="100000"/>
         </a:lnSpc>
@@ -5823,7 +6078,7 @@
           <a:srgbClr val="000000"/>
         </a:buClr>
         <a:buFont typeface="Arial"/>
-        <a:defRPr b="0" i="0" sz="1400" u="none" cap="none" strike="noStrike">
+        <a:defRPr sz="1400" b="0" i="0" u="none" strike="noStrike" cap="none">
           <a:solidFill>
             <a:srgbClr val="000000"/>
           </a:solidFill>
@@ -5833,7 +6088,7 @@
           <a:sym typeface="Arial"/>
         </a:defRPr>
       </a:lvl5pPr>
-      <a:lvl6pPr lvl="5" marR="0" rtl="0" algn="l">
+      <a:lvl6pPr marR="0" lvl="5" algn="l" rtl="0">
         <a:lnSpc>
           <a:spcPct val="100000"/>
         </a:lnSpc>
@@ -5847,7 +6102,7 @@
           <a:srgbClr val="000000"/>
         </a:buClr>
         <a:buFont typeface="Arial"/>
-        <a:defRPr b="0" i="0" sz="1400" u="none" cap="none" strike="noStrike">
+        <a:defRPr sz="1400" b="0" i="0" u="none" strike="noStrike" cap="none">
           <a:solidFill>
             <a:srgbClr val="000000"/>
           </a:solidFill>
@@ -5857,7 +6112,7 @@
           <a:sym typeface="Arial"/>
         </a:defRPr>
       </a:lvl6pPr>
-      <a:lvl7pPr lvl="6" marR="0" rtl="0" algn="l">
+      <a:lvl7pPr marR="0" lvl="6" algn="l" rtl="0">
         <a:lnSpc>
           <a:spcPct val="100000"/>
         </a:lnSpc>
@@ -5871,7 +6126,7 @@
           <a:srgbClr val="000000"/>
         </a:buClr>
         <a:buFont typeface="Arial"/>
-        <a:defRPr b="0" i="0" sz="1400" u="none" cap="none" strike="noStrike">
+        <a:defRPr sz="1400" b="0" i="0" u="none" strike="noStrike" cap="none">
           <a:solidFill>
             <a:srgbClr val="000000"/>
           </a:solidFill>
@@ -5881,7 +6136,7 @@
           <a:sym typeface="Arial"/>
         </a:defRPr>
       </a:lvl7pPr>
-      <a:lvl8pPr lvl="7" marR="0" rtl="0" algn="l">
+      <a:lvl8pPr marR="0" lvl="7" algn="l" rtl="0">
         <a:lnSpc>
           <a:spcPct val="100000"/>
         </a:lnSpc>
@@ -5895,7 +6150,7 @@
           <a:srgbClr val="000000"/>
         </a:buClr>
         <a:buFont typeface="Arial"/>
-        <a:defRPr b="0" i="0" sz="1400" u="none" cap="none" strike="noStrike">
+        <a:defRPr sz="1400" b="0" i="0" u="none" strike="noStrike" cap="none">
           <a:solidFill>
             <a:srgbClr val="000000"/>
           </a:solidFill>
@@ -5905,7 +6160,7 @@
           <a:sym typeface="Arial"/>
         </a:defRPr>
       </a:lvl8pPr>
-      <a:lvl9pPr lvl="8" marR="0" rtl="0" algn="l">
+      <a:lvl9pPr marR="0" lvl="8" algn="l" rtl="0">
         <a:lnSpc>
           <a:spcPct val="100000"/>
         </a:lnSpc>
@@ -5919,7 +6174,7 @@
           <a:srgbClr val="000000"/>
         </a:buClr>
         <a:buFont typeface="Arial"/>
-        <a:defRPr b="0" i="0" sz="1400" u="none" cap="none" strike="noStrike">
+        <a:defRPr sz="1400" b="0" i="0" u="none" strike="noStrike" cap="none">
           <a:solidFill>
             <a:srgbClr val="000000"/>
           </a:solidFill>
@@ -5935,11 +6190,11 @@
 </file>
 
 <file path=ppt/slides/slide1.xml><?xml version="1.0" encoding="utf-8"?>
-<p:sld xmlns:a="http://schemas.openxmlformats.org/drawingml/2006/main" xmlns:r="http://schemas.openxmlformats.org/officeDocument/2006/relationships" xmlns:mc="http://schemas.openxmlformats.org/markup-compatibility/2006" xmlns:mv="urn:schemas-microsoft-com:mac:vml" xmlns:p="http://schemas.openxmlformats.org/presentationml/2006/main" xmlns:c="http://schemas.openxmlformats.org/drawingml/2006/chart" xmlns:dgm="http://schemas.openxmlformats.org/drawingml/2006/diagram" xmlns:o="urn:schemas-microsoft-com:office:office" xmlns:v="urn:schemas-microsoft-com:vml" xmlns:pvml="urn:schemas-microsoft-com:office:powerpoint" xmlns:com="http://schemas.openxmlformats.org/drawingml/2006/compatibility" xmlns:p14="http://schemas.microsoft.com/office/powerpoint/2010/main" xmlns:p15="http://schemas.microsoft.com/office/powerpoint/2012/main" xmlns:ahyp="http://schemas.microsoft.com/office/drawing/2018/hyperlinkcolor">
+<p:sld xmlns:a="http://schemas.openxmlformats.org/drawingml/2006/main" xmlns:r="http://schemas.openxmlformats.org/officeDocument/2006/relationships" xmlns:p="http://schemas.openxmlformats.org/presentationml/2006/main">
   <p:cSld>
     <p:spTree>
       <p:nvGrpSpPr>
-        <p:cNvPr id="53" name="Shape 53"/>
+        <p:cNvPr id="1" name="Shape 53"/>
         <p:cNvGrpSpPr/>
         <p:nvPr/>
       </p:nvGrpSpPr>
@@ -5964,29 +6219,29 @@
           </a:xfrm>
           <a:prstGeom prst="snip1Rect">
             <a:avLst>
-              <a:gd fmla="val 16667" name="adj"/>
+              <a:gd name="adj" fmla="val 16667"/>
             </a:avLst>
           </a:prstGeom>
           <a:solidFill>
             <a:schemeClr val="lt2"/>
           </a:solidFill>
-          <a:ln cap="flat" cmpd="sng" w="9525">
+          <a:ln w="9525" cap="flat" cmpd="sng">
             <a:solidFill>
               <a:schemeClr val="dk2"/>
             </a:solidFill>
             <a:prstDash val="solid"/>
             <a:round/>
-            <a:headEnd len="sm" w="sm" type="none"/>
-            <a:tailEnd len="sm" w="sm" type="none"/>
+            <a:headEnd type="none" w="sm" len="sm"/>
+            <a:tailEnd type="none" w="sm" len="sm"/>
           </a:ln>
         </p:spPr>
         <p:txBody>
-          <a:bodyPr anchorCtr="0" anchor="t" bIns="91425" lIns="91425" spcFirstLastPara="1" rIns="91425" wrap="square" tIns="91425">
+          <a:bodyPr spcFirstLastPara="1" wrap="square" lIns="91425" tIns="91425" rIns="91425" bIns="91425" anchor="t" anchorCtr="0">
             <a:noAutofit/>
           </a:bodyPr>
           <a:lstStyle/>
           <a:p>
-            <a:pPr indent="0" lvl="0" marL="0" rtl="0" algn="l">
+            <a:pPr marL="0" lvl="0" indent="0" algn="l" rtl="0">
               <a:spcBef>
                 <a:spcPts val="0"/>
               </a:spcBef>
@@ -6002,7 +6257,7 @@
             <a:endParaRPr sz="900"/>
           </a:p>
           <a:p>
-            <a:pPr indent="0" lvl="0" marL="0" rtl="0" algn="l">
+            <a:pPr marL="0" lvl="0" indent="0" algn="l" rtl="0">
               <a:spcBef>
                 <a:spcPts val="0"/>
               </a:spcBef>
@@ -6018,7 +6273,7 @@
             <a:endParaRPr sz="900"/>
           </a:p>
           <a:p>
-            <a:pPr indent="0" lvl="0" marL="0" rtl="0" algn="l">
+            <a:pPr marL="0" lvl="0" indent="0" algn="l" rtl="0">
               <a:spcBef>
                 <a:spcPts val="0"/>
               </a:spcBef>
@@ -6042,7 +6297,7 @@
             </a:endParaRPr>
           </a:p>
           <a:p>
-            <a:pPr indent="0" lvl="0" marL="0" rtl="0" algn="l">
+            <a:pPr marL="0" lvl="0" indent="0" algn="l" rtl="0">
               <a:spcBef>
                 <a:spcPts val="0"/>
               </a:spcBef>
@@ -6066,7 +6321,7 @@
             </a:endParaRPr>
           </a:p>
           <a:p>
-            <a:pPr indent="0" lvl="0" marL="0" rtl="0" algn="l">
+            <a:pPr marL="0" lvl="0" indent="0" algn="l" rtl="0">
               <a:spcBef>
                 <a:spcPts val="0"/>
               </a:spcBef>
@@ -6113,23 +6368,23 @@
           <a:solidFill>
             <a:schemeClr val="lt2"/>
           </a:solidFill>
-          <a:ln cap="flat" cmpd="sng" w="9525">
+          <a:ln w="9525" cap="flat" cmpd="sng">
             <a:solidFill>
               <a:schemeClr val="dk2"/>
             </a:solidFill>
             <a:prstDash val="solid"/>
             <a:round/>
-            <a:headEnd len="sm" w="sm" type="none"/>
-            <a:tailEnd len="sm" w="sm" type="none"/>
+            <a:headEnd type="none" w="sm" len="sm"/>
+            <a:tailEnd type="none" w="sm" len="sm"/>
           </a:ln>
         </p:spPr>
         <p:txBody>
-          <a:bodyPr anchorCtr="0" anchor="ctr" bIns="91425" lIns="91425" spcFirstLastPara="1" rIns="91425" wrap="square" tIns="91425">
+          <a:bodyPr spcFirstLastPara="1" wrap="square" lIns="91425" tIns="91425" rIns="91425" bIns="91425" anchor="ctr" anchorCtr="0">
             <a:noAutofit/>
           </a:bodyPr>
           <a:lstStyle/>
           <a:p>
-            <a:pPr indent="0" lvl="0" marL="0" rtl="0" algn="ctr">
+            <a:pPr marL="0" lvl="0" indent="0" algn="ctr" rtl="0">
               <a:spcBef>
                 <a:spcPts val="0"/>
               </a:spcBef>
@@ -6159,29 +6414,29 @@
           </a:xfrm>
           <a:prstGeom prst="snip1Rect">
             <a:avLst>
-              <a:gd fmla="val 16667" name="adj"/>
+              <a:gd name="adj" fmla="val 16667"/>
             </a:avLst>
           </a:prstGeom>
           <a:solidFill>
             <a:schemeClr val="lt2"/>
           </a:solidFill>
-          <a:ln cap="flat" cmpd="sng" w="9525">
+          <a:ln w="9525" cap="flat" cmpd="sng">
             <a:solidFill>
               <a:schemeClr val="dk2"/>
             </a:solidFill>
             <a:prstDash val="solid"/>
             <a:round/>
-            <a:headEnd len="sm" w="sm" type="none"/>
-            <a:tailEnd len="sm" w="sm" type="none"/>
+            <a:headEnd type="none" w="sm" len="sm"/>
+            <a:tailEnd type="none" w="sm" len="sm"/>
           </a:ln>
         </p:spPr>
         <p:txBody>
-          <a:bodyPr anchorCtr="0" anchor="t" bIns="91425" lIns="91425" spcFirstLastPara="1" rIns="91425" wrap="square" tIns="91425">
+          <a:bodyPr spcFirstLastPara="1" wrap="square" lIns="91425" tIns="91425" rIns="91425" bIns="91425" anchor="t" anchorCtr="0">
             <a:noAutofit/>
           </a:bodyPr>
           <a:lstStyle/>
           <a:p>
-            <a:pPr indent="0" lvl="0" marL="0" rtl="0" algn="l">
+            <a:pPr marL="0" lvl="0" indent="0" algn="l" rtl="0">
               <a:spcBef>
                 <a:spcPts val="0"/>
               </a:spcBef>
@@ -6197,7 +6452,7 @@
             <a:endParaRPr sz="900"/>
           </a:p>
           <a:p>
-            <a:pPr indent="0" lvl="0" marL="0" rtl="0" algn="l">
+            <a:pPr marL="0" lvl="0" indent="0" algn="l" rtl="0">
               <a:spcBef>
                 <a:spcPts val="0"/>
               </a:spcBef>
@@ -6235,23 +6490,23 @@
           <a:solidFill>
             <a:schemeClr val="lt2"/>
           </a:solidFill>
-          <a:ln cap="flat" cmpd="sng" w="9525">
+          <a:ln w="9525" cap="flat" cmpd="sng">
             <a:solidFill>
               <a:schemeClr val="dk2"/>
             </a:solidFill>
             <a:prstDash val="solid"/>
             <a:round/>
-            <a:headEnd len="sm" w="sm" type="none"/>
-            <a:tailEnd len="sm" w="sm" type="none"/>
+            <a:headEnd type="none" w="sm" len="sm"/>
+            <a:tailEnd type="none" w="sm" len="sm"/>
           </a:ln>
         </p:spPr>
         <p:txBody>
-          <a:bodyPr anchorCtr="0" anchor="ctr" bIns="91425" lIns="91425" spcFirstLastPara="1" rIns="91425" wrap="square" tIns="91425">
+          <a:bodyPr spcFirstLastPara="1" wrap="square" lIns="91425" tIns="91425" rIns="91425" bIns="91425" anchor="ctr" anchorCtr="0">
             <a:noAutofit/>
           </a:bodyPr>
           <a:lstStyle/>
           <a:p>
-            <a:pPr indent="0" lvl="0" marL="0" rtl="0" algn="ctr">
+            <a:pPr marL="0" lvl="0" indent="0" algn="ctr" rtl="0">
               <a:spcBef>
                 <a:spcPts val="0"/>
               </a:spcBef>
@@ -6281,29 +6536,29 @@
           </a:xfrm>
           <a:prstGeom prst="snip1Rect">
             <a:avLst>
-              <a:gd fmla="val 16667" name="adj"/>
+              <a:gd name="adj" fmla="val 16667"/>
             </a:avLst>
           </a:prstGeom>
           <a:solidFill>
             <a:schemeClr val="lt2"/>
           </a:solidFill>
-          <a:ln cap="flat" cmpd="sng" w="9525">
+          <a:ln w="9525" cap="flat" cmpd="sng">
             <a:solidFill>
               <a:schemeClr val="dk2"/>
             </a:solidFill>
             <a:prstDash val="solid"/>
             <a:round/>
-            <a:headEnd len="sm" w="sm" type="none"/>
-            <a:tailEnd len="sm" w="sm" type="none"/>
+            <a:headEnd type="none" w="sm" len="sm"/>
+            <a:tailEnd type="none" w="sm" len="sm"/>
           </a:ln>
         </p:spPr>
         <p:txBody>
-          <a:bodyPr anchorCtr="0" anchor="t" bIns="91425" lIns="91425" spcFirstLastPara="1" rIns="91425" wrap="square" tIns="91425">
+          <a:bodyPr spcFirstLastPara="1" wrap="square" lIns="91425" tIns="91425" rIns="91425" bIns="91425" anchor="t" anchorCtr="0">
             <a:noAutofit/>
           </a:bodyPr>
           <a:lstStyle/>
           <a:p>
-            <a:pPr indent="0" lvl="0" marL="0" rtl="0" algn="l">
+            <a:pPr marL="0" lvl="0" indent="0" algn="l" rtl="0">
               <a:spcBef>
                 <a:spcPts val="0"/>
               </a:spcBef>
@@ -6319,7 +6574,7 @@
             <a:endParaRPr sz="900"/>
           </a:p>
           <a:p>
-            <a:pPr indent="0" lvl="0" marL="0" rtl="0" algn="l">
+            <a:pPr marL="0" lvl="0" indent="0" algn="l" rtl="0">
               <a:spcBef>
                 <a:spcPts val="0"/>
               </a:spcBef>
@@ -6335,7 +6590,7 @@
             <a:endParaRPr sz="900"/>
           </a:p>
           <a:p>
-            <a:pPr indent="0" lvl="0" marL="0" rtl="0" algn="l">
+            <a:pPr marL="0" lvl="0" indent="0" algn="l" rtl="0">
               <a:spcBef>
                 <a:spcPts val="0"/>
               </a:spcBef>
@@ -6359,7 +6614,7 @@
             </a:endParaRPr>
           </a:p>
           <a:p>
-            <a:pPr indent="0" lvl="0" marL="0" rtl="0" algn="l">
+            <a:pPr marL="0" lvl="0" indent="0" algn="l" rtl="0">
               <a:spcBef>
                 <a:spcPts val="0"/>
               </a:spcBef>
@@ -6383,7 +6638,7 @@
             </a:endParaRPr>
           </a:p>
           <a:p>
-            <a:pPr indent="0" lvl="0" marL="0" rtl="0" algn="l">
+            <a:pPr marL="0" lvl="0" indent="0" algn="l" rtl="0">
               <a:spcBef>
                 <a:spcPts val="0"/>
               </a:spcBef>
@@ -6407,7 +6662,7 @@
             </a:endParaRPr>
           </a:p>
           <a:p>
-            <a:pPr indent="0" lvl="0" marL="0" rtl="0" algn="l">
+            <a:pPr marL="0" lvl="0" indent="0" algn="l" rtl="0">
               <a:spcBef>
                 <a:spcPts val="0"/>
               </a:spcBef>
@@ -6431,18 +6686,15 @@
             </a:endParaRPr>
           </a:p>
           <a:p>
-            <a:pPr indent="0" lvl="0" marL="0" rtl="0" algn="l">
-              <a:spcBef>
-                <a:spcPts val="0"/>
-              </a:spcBef>
-              <a:spcAft>
-                <a:spcPts val="0"/>
-              </a:spcAft>
-              <a:buNone/>
-            </a:pPr>
-            <a:r>
-              <a:t/>
-            </a:r>
+            <a:pPr marL="0" lvl="0" indent="0" algn="l" rtl="0">
+              <a:spcBef>
+                <a:spcPts val="0"/>
+              </a:spcBef>
+              <a:spcAft>
+                <a:spcPts val="0"/>
+              </a:spcAft>
+              <a:buNone/>
+            </a:pPr>
             <a:endParaRPr sz="900">
               <a:solidFill>
                 <a:schemeClr val="dk1"/>
@@ -6450,7 +6702,7 @@
             </a:endParaRPr>
           </a:p>
           <a:p>
-            <a:pPr indent="0" lvl="0" marL="0" rtl="0" algn="l">
+            <a:pPr marL="0" lvl="0" indent="0" algn="l" rtl="0">
               <a:spcBef>
                 <a:spcPts val="0"/>
               </a:spcBef>
@@ -6474,7 +6726,7 @@
             </a:endParaRPr>
           </a:p>
           <a:p>
-            <a:pPr indent="0" lvl="0" marL="0" rtl="0" algn="l">
+            <a:pPr marL="0" lvl="0" indent="0" algn="l" rtl="0">
               <a:spcBef>
                 <a:spcPts val="0"/>
               </a:spcBef>
@@ -6516,23 +6768,23 @@
           <a:solidFill>
             <a:schemeClr val="lt2"/>
           </a:solidFill>
-          <a:ln cap="flat" cmpd="sng" w="9525">
+          <a:ln w="9525" cap="flat" cmpd="sng">
             <a:solidFill>
               <a:schemeClr val="dk2"/>
             </a:solidFill>
             <a:prstDash val="solid"/>
             <a:round/>
-            <a:headEnd len="sm" w="sm" type="none"/>
-            <a:tailEnd len="sm" w="sm" type="none"/>
+            <a:headEnd type="none" w="sm" len="sm"/>
+            <a:tailEnd type="none" w="sm" len="sm"/>
           </a:ln>
         </p:spPr>
         <p:txBody>
-          <a:bodyPr anchorCtr="0" anchor="ctr" bIns="91425" lIns="91425" spcFirstLastPara="1" rIns="91425" wrap="square" tIns="91425">
+          <a:bodyPr spcFirstLastPara="1" wrap="square" lIns="91425" tIns="91425" rIns="91425" bIns="91425" anchor="ctr" anchorCtr="0">
             <a:noAutofit/>
           </a:bodyPr>
           <a:lstStyle/>
           <a:p>
-            <a:pPr indent="0" lvl="0" marL="0" rtl="0" algn="ctr">
+            <a:pPr marL="0" lvl="0" indent="0" algn="ctr" rtl="0">
               <a:spcBef>
                 <a:spcPts val="0"/>
               </a:spcBef>
@@ -6562,29 +6814,29 @@
           </a:xfrm>
           <a:prstGeom prst="snip1Rect">
             <a:avLst>
-              <a:gd fmla="val 16667" name="adj"/>
+              <a:gd name="adj" fmla="val 16667"/>
             </a:avLst>
           </a:prstGeom>
           <a:solidFill>
             <a:schemeClr val="lt2"/>
           </a:solidFill>
-          <a:ln cap="flat" cmpd="sng" w="9525">
+          <a:ln w="9525" cap="flat" cmpd="sng">
             <a:solidFill>
               <a:schemeClr val="dk2"/>
             </a:solidFill>
             <a:prstDash val="solid"/>
             <a:round/>
-            <a:headEnd len="sm" w="sm" type="none"/>
-            <a:tailEnd len="sm" w="sm" type="none"/>
+            <a:headEnd type="none" w="sm" len="sm"/>
+            <a:tailEnd type="none" w="sm" len="sm"/>
           </a:ln>
         </p:spPr>
         <p:txBody>
-          <a:bodyPr anchorCtr="0" anchor="t" bIns="91425" lIns="91425" spcFirstLastPara="1" rIns="91425" wrap="square" tIns="91425">
+          <a:bodyPr spcFirstLastPara="1" wrap="square" lIns="91425" tIns="91425" rIns="91425" bIns="91425" anchor="t" anchorCtr="0">
             <a:noAutofit/>
           </a:bodyPr>
           <a:lstStyle/>
           <a:p>
-            <a:pPr indent="0" lvl="0" marL="0" rtl="0" algn="l">
+            <a:pPr marL="0" lvl="0" indent="0" algn="l" rtl="0">
               <a:spcBef>
                 <a:spcPts val="0"/>
               </a:spcBef>
@@ -6600,7 +6852,7 @@
             <a:endParaRPr sz="900"/>
           </a:p>
           <a:p>
-            <a:pPr indent="0" lvl="0" marL="0" rtl="0" algn="l">
+            <a:pPr marL="0" lvl="0" indent="0" algn="l" rtl="0">
               <a:spcBef>
                 <a:spcPts val="0"/>
               </a:spcBef>
@@ -6616,7 +6868,7 @@
             <a:endParaRPr sz="900"/>
           </a:p>
           <a:p>
-            <a:pPr indent="0" lvl="0" marL="0" rtl="0" algn="l">
+            <a:pPr marL="0" lvl="0" indent="0" algn="l" rtl="0">
               <a:spcBef>
                 <a:spcPts val="0"/>
               </a:spcBef>
@@ -6640,7 +6892,7 @@
             </a:endParaRPr>
           </a:p>
           <a:p>
-            <a:pPr indent="0" lvl="0" marL="0" rtl="0" algn="l">
+            <a:pPr marL="0" lvl="0" indent="0" algn="l" rtl="0">
               <a:spcBef>
                 <a:spcPts val="0"/>
               </a:spcBef>
@@ -6664,7 +6916,7 @@
             </a:endParaRPr>
           </a:p>
           <a:p>
-            <a:pPr indent="0" lvl="0" marL="0" rtl="0" algn="l">
+            <a:pPr marL="0" lvl="0" indent="0" algn="l" rtl="0">
               <a:spcBef>
                 <a:spcPts val="0"/>
               </a:spcBef>
@@ -6711,23 +6963,23 @@
           <a:solidFill>
             <a:schemeClr val="lt2"/>
           </a:solidFill>
-          <a:ln cap="flat" cmpd="sng" w="9525">
+          <a:ln w="9525" cap="flat" cmpd="sng">
             <a:solidFill>
               <a:schemeClr val="dk2"/>
             </a:solidFill>
             <a:prstDash val="solid"/>
             <a:round/>
-            <a:headEnd len="sm" w="sm" type="none"/>
-            <a:tailEnd len="sm" w="sm" type="none"/>
+            <a:headEnd type="none" w="sm" len="sm"/>
+            <a:tailEnd type="none" w="sm" len="sm"/>
           </a:ln>
         </p:spPr>
         <p:txBody>
-          <a:bodyPr anchorCtr="0" anchor="ctr" bIns="91425" lIns="91425" spcFirstLastPara="1" rIns="91425" wrap="square" tIns="91425">
+          <a:bodyPr spcFirstLastPara="1" wrap="square" lIns="91425" tIns="91425" rIns="91425" bIns="91425" anchor="ctr" anchorCtr="0">
             <a:noAutofit/>
           </a:bodyPr>
           <a:lstStyle/>
           <a:p>
-            <a:pPr indent="0" lvl="0" marL="0" rtl="0" algn="ctr">
+            <a:pPr marL="0" lvl="0" indent="0" algn="ctr" rtl="0">
               <a:spcBef>
                 <a:spcPts val="0"/>
               </a:spcBef>
@@ -6764,12 +7016,12 @@
           </a:ln>
         </p:spPr>
         <p:txBody>
-          <a:bodyPr anchorCtr="0" anchor="t" bIns="91425" lIns="91425" spcFirstLastPara="1" rIns="91425" wrap="square" tIns="91425">
+          <a:bodyPr spcFirstLastPara="1" wrap="square" lIns="91425" tIns="91425" rIns="91425" bIns="91425" anchor="t" anchorCtr="0">
             <a:noAutofit/>
           </a:bodyPr>
           <a:lstStyle/>
           <a:p>
-            <a:pPr indent="0" lvl="0" marL="0" rtl="0" algn="l">
+            <a:pPr marL="0" lvl="0" indent="0" algn="l" rtl="0">
               <a:spcBef>
                 <a:spcPts val="0"/>
               </a:spcBef>
@@ -6795,11 +7047,11 @@
 </file>
 
 <file path=ppt/slides/slide2.xml><?xml version="1.0" encoding="utf-8"?>
-<p:sld xmlns:a="http://schemas.openxmlformats.org/drawingml/2006/main" xmlns:r="http://schemas.openxmlformats.org/officeDocument/2006/relationships" xmlns:mc="http://schemas.openxmlformats.org/markup-compatibility/2006" xmlns:mv="urn:schemas-microsoft-com:mac:vml" xmlns:p="http://schemas.openxmlformats.org/presentationml/2006/main" xmlns:c="http://schemas.openxmlformats.org/drawingml/2006/chart" xmlns:dgm="http://schemas.openxmlformats.org/drawingml/2006/diagram" xmlns:o="urn:schemas-microsoft-com:office:office" xmlns:v="urn:schemas-microsoft-com:vml" xmlns:pvml="urn:schemas-microsoft-com:office:powerpoint" xmlns:com="http://schemas.openxmlformats.org/drawingml/2006/compatibility" xmlns:p14="http://schemas.microsoft.com/office/powerpoint/2010/main" xmlns:p15="http://schemas.microsoft.com/office/powerpoint/2012/main" xmlns:ahyp="http://schemas.microsoft.com/office/drawing/2018/hyperlinkcolor">
+<p:sld xmlns:a="http://schemas.openxmlformats.org/drawingml/2006/main" xmlns:r="http://schemas.openxmlformats.org/officeDocument/2006/relationships" xmlns:p="http://schemas.openxmlformats.org/presentationml/2006/main">
   <p:cSld>
     <p:spTree>
       <p:nvGrpSpPr>
-        <p:cNvPr id="66" name="Shape 66"/>
+        <p:cNvPr id="1" name="Shape 66"/>
         <p:cNvGrpSpPr/>
         <p:nvPr/>
       </p:nvGrpSpPr>
@@ -6819,111 +7071,107 @@
         </p:nvSpPr>
         <p:spPr>
           <a:xfrm>
-            <a:off x="3884325" y="320525"/>
-            <a:ext cx="2136900" cy="938700"/>
+            <a:off x="376174" y="986584"/>
+            <a:ext cx="3570537" cy="882557"/>
           </a:xfrm>
           <a:prstGeom prst="round1Rect">
             <a:avLst>
-              <a:gd fmla="val 16667" name="adj"/>
+              <a:gd name="adj" fmla="val 16667"/>
             </a:avLst>
           </a:prstGeom>
           <a:solidFill>
             <a:schemeClr val="lt2"/>
           </a:solidFill>
-          <a:ln cap="flat" cmpd="sng" w="9525">
+          <a:ln w="9525" cap="flat" cmpd="sng">
             <a:solidFill>
               <a:schemeClr val="dk2"/>
             </a:solidFill>
             <a:prstDash val="solid"/>
             <a:round/>
-            <a:headEnd len="sm" w="sm" type="none"/>
-            <a:tailEnd len="sm" w="sm" type="none"/>
+            <a:headEnd type="none" w="sm" len="sm"/>
+            <a:tailEnd type="none" w="sm" len="sm"/>
           </a:ln>
         </p:spPr>
         <p:txBody>
-          <a:bodyPr anchorCtr="0" anchor="t" bIns="91425" lIns="91425" spcFirstLastPara="1" rIns="91425" wrap="square" tIns="91425">
+          <a:bodyPr spcFirstLastPara="1" wrap="square" lIns="91425" tIns="91425" rIns="91425" bIns="91425" anchor="t" anchorCtr="0">
             <a:noAutofit/>
           </a:bodyPr>
           <a:lstStyle/>
           <a:p>
-            <a:pPr indent="0" lvl="0" marL="0" rtl="0" algn="l">
-              <a:spcBef>
-                <a:spcPts val="0"/>
-              </a:spcBef>
-              <a:spcAft>
-                <a:spcPts val="0"/>
-              </a:spcAft>
-              <a:buNone/>
-            </a:pPr>
-            <a:r>
-              <a:rPr lang="ko" sz="1000"/>
-              <a:t>struct sc_create_object_packet {</a:t>
-            </a:r>
-            <a:endParaRPr sz="1000"/>
-          </a:p>
-          <a:p>
-            <a:pPr indent="0" lvl="0" marL="0" rtl="0" algn="l">
-              <a:spcBef>
-                <a:spcPts val="0"/>
-              </a:spcBef>
-              <a:spcAft>
-                <a:spcPts val="0"/>
-              </a:spcAft>
-              <a:buNone/>
-            </a:pPr>
-            <a:r>
-              <a:rPr lang="ko" sz="1000"/>
-              <a:t>	int packet_type;</a:t>
-            </a:r>
-            <a:endParaRPr sz="1000"/>
-          </a:p>
-          <a:p>
-            <a:pPr indent="0" lvl="0" marL="0" rtl="0" algn="l">
-              <a:spcBef>
-                <a:spcPts val="0"/>
-              </a:spcBef>
-              <a:spcAft>
-                <a:spcPts val="0"/>
-              </a:spcAft>
-              <a:buNone/>
-            </a:pPr>
-            <a:r>
-              <a:rPr lang="ko" sz="1000"/>
+            <a:pPr marL="0" lvl="0" indent="0" algn="l" rtl="0">
+              <a:spcBef>
+                <a:spcPts val="0"/>
+              </a:spcBef>
+              <a:spcAft>
+                <a:spcPts val="0"/>
+              </a:spcAft>
+              <a:buNone/>
+            </a:pPr>
+            <a:r>
+              <a:rPr lang="ko" sz="1000" dirty="0"/>
+              <a:t>struct sc_create_object_packet</a:t>
+            </a:r>
+            <a:r>
+              <a:rPr lang="en-US" altLang="ko" sz="1000" dirty="0"/>
+              <a:t> : public </a:t>
+            </a:r>
+            <a:r>
+              <a:rPr lang="en-US" altLang="ko" sz="1000" dirty="0" err="1"/>
+              <a:t>sc_parent_packet</a:t>
+            </a:r>
+            <a:r>
+              <a:rPr lang="ko" sz="1000" dirty="0"/>
+              <a:t> {</a:t>
+            </a:r>
+            <a:endParaRPr sz="1000" dirty="0"/>
+          </a:p>
+          <a:p>
+            <a:pPr marL="0" lvl="0" indent="0" algn="l" rtl="0">
+              <a:spcBef>
+                <a:spcPts val="0"/>
+              </a:spcBef>
+              <a:spcAft>
+                <a:spcPts val="0"/>
+              </a:spcAft>
+              <a:buNone/>
+            </a:pPr>
+            <a:r>
+              <a:rPr lang="ko" sz="1000" dirty="0"/>
               <a:t>	int object_type;</a:t>
             </a:r>
-            <a:endParaRPr sz="1000"/>
-          </a:p>
-          <a:p>
-            <a:pPr indent="0" lvl="0" marL="0" rtl="0" algn="l">
-              <a:spcBef>
-                <a:spcPts val="0"/>
-              </a:spcBef>
-              <a:spcAft>
-                <a:spcPts val="0"/>
-              </a:spcAft>
-              <a:buNone/>
-            </a:pPr>
-            <a:r>
-              <a:rPr lang="ko" sz="1000"/>
+            <a:endParaRPr sz="1000" dirty="0"/>
+          </a:p>
+          <a:p>
+            <a:pPr marL="0" lvl="0" indent="0" algn="l" rtl="0">
+              <a:spcBef>
+                <a:spcPts val="0"/>
+              </a:spcBef>
+              <a:spcAft>
+                <a:spcPts val="0"/>
+              </a:spcAft>
+              <a:buNone/>
+            </a:pPr>
+            <a:r>
+              <a:rPr lang="ko" sz="1000" dirty="0"/>
               <a:t>	XMVECTOR pos;</a:t>
             </a:r>
-            <a:endParaRPr sz="1000"/>
-          </a:p>
-          <a:p>
-            <a:pPr indent="0" lvl="0" marL="0" rtl="0" algn="l">
-              <a:spcBef>
-                <a:spcPts val="0"/>
-              </a:spcBef>
-              <a:spcAft>
-                <a:spcPts val="0"/>
-              </a:spcAft>
-              <a:buNone/>
-            </a:pPr>
-            <a:r>
-              <a:rPr lang="ko" sz="1000"/>
+            <a:endParaRPr sz="1000" dirty="0"/>
+          </a:p>
+          <a:p>
+            <a:pPr marL="0" lvl="0" indent="0" algn="l" rtl="0">
+              <a:spcBef>
+                <a:spcPts val="0"/>
+              </a:spcBef>
+              <a:spcAft>
+                <a:spcPts val="0"/>
+              </a:spcAft>
+              <a:buNone/>
+            </a:pPr>
+            <a:r>
+              <a:rPr lang="ko" sz="1000" dirty="0"/>
               <a:t>}</a:t>
             </a:r>
-            <a:endParaRPr sz="1000"/>
+            <a:endParaRPr sz="1000" dirty="0"/>
           </a:p>
         </p:txBody>
       </p:sp>
@@ -6935,111 +7183,111 @@
         </p:nvSpPr>
         <p:spPr>
           <a:xfrm>
-            <a:off x="3884325" y="1556550"/>
-            <a:ext cx="2136900" cy="938700"/>
+            <a:off x="376174" y="2025900"/>
+            <a:ext cx="3570537" cy="882557"/>
           </a:xfrm>
           <a:prstGeom prst="round1Rect">
             <a:avLst>
-              <a:gd fmla="val 16667" name="adj"/>
+              <a:gd name="adj" fmla="val 16667"/>
             </a:avLst>
           </a:prstGeom>
           <a:solidFill>
             <a:schemeClr val="lt2"/>
           </a:solidFill>
-          <a:ln cap="flat" cmpd="sng" w="9525">
+          <a:ln w="9525" cap="flat" cmpd="sng">
             <a:solidFill>
               <a:schemeClr val="dk2"/>
             </a:solidFill>
             <a:prstDash val="solid"/>
             <a:round/>
-            <a:headEnd len="sm" w="sm" type="none"/>
-            <a:tailEnd len="sm" w="sm" type="none"/>
+            <a:headEnd type="none" w="sm" len="sm"/>
+            <a:tailEnd type="none" w="sm" len="sm"/>
           </a:ln>
         </p:spPr>
         <p:txBody>
-          <a:bodyPr anchorCtr="0" anchor="t" bIns="91425" lIns="91425" spcFirstLastPara="1" rIns="91425" wrap="square" tIns="91425">
+          <a:bodyPr spcFirstLastPara="1" wrap="square" lIns="91425" tIns="91425" rIns="91425" bIns="91425" anchor="t" anchorCtr="0">
             <a:noAutofit/>
           </a:bodyPr>
           <a:lstStyle/>
           <a:p>
-            <a:pPr indent="0" lvl="0" marL="0" rtl="0" algn="l">
-              <a:spcBef>
-                <a:spcPts val="0"/>
-              </a:spcBef>
-              <a:spcAft>
-                <a:spcPts val="0"/>
-              </a:spcAft>
-              <a:buNone/>
-            </a:pPr>
-            <a:r>
-              <a:rPr lang="ko" sz="1000"/>
-              <a:t>struct sc_move_object_packet {</a:t>
-            </a:r>
-            <a:endParaRPr sz="1000"/>
-          </a:p>
-          <a:p>
-            <a:pPr indent="0" lvl="0" marL="0" rtl="0" algn="l">
-              <a:spcBef>
-                <a:spcPts val="0"/>
-              </a:spcBef>
-              <a:spcAft>
-                <a:spcPts val="0"/>
-              </a:spcAft>
-              <a:buNone/>
-            </a:pPr>
-            <a:r>
-              <a:rPr lang="ko" sz="1000"/>
-              <a:t>	int packet_type;</a:t>
-            </a:r>
-            <a:endParaRPr sz="1000"/>
-          </a:p>
-          <a:p>
-            <a:pPr indent="0" lvl="0" marL="0" rtl="0" algn="l">
-              <a:spcBef>
-                <a:spcPts val="0"/>
-              </a:spcBef>
-              <a:spcAft>
-                <a:spcPts val="0"/>
-              </a:spcAft>
-              <a:buNone/>
-            </a:pPr>
-            <a:r>
-              <a:rPr lang="ko" sz="1000"/>
+            <a:pPr marL="0" lvl="0" indent="0" algn="l" rtl="0">
+              <a:spcBef>
+                <a:spcPts val="0"/>
+              </a:spcBef>
+              <a:spcAft>
+                <a:spcPts val="0"/>
+              </a:spcAft>
+              <a:buNone/>
+            </a:pPr>
+            <a:r>
+              <a:rPr lang="ko" sz="1000" dirty="0"/>
+              <a:t>struct sc_move_object_packet </a:t>
+            </a:r>
+            <a:r>
+              <a:rPr lang="en-US" altLang="ko" sz="1000" dirty="0"/>
+              <a:t>: public </a:t>
+            </a:r>
+            <a:r>
+              <a:rPr lang="en-US" altLang="ko" sz="1000" dirty="0" err="1"/>
+              <a:t>sc_parent_packet</a:t>
+            </a:r>
+            <a:r>
+              <a:rPr lang="ko" altLang="ko-KR" sz="1000" dirty="0"/>
+              <a:t> </a:t>
+            </a:r>
+            <a:r>
+              <a:rPr lang="ko" sz="1000" dirty="0"/>
+              <a:t>{</a:t>
+            </a:r>
+            <a:endParaRPr sz="1000" dirty="0"/>
+          </a:p>
+          <a:p>
+            <a:pPr marL="0" lvl="0" indent="0" algn="l" rtl="0">
+              <a:spcBef>
+                <a:spcPts val="0"/>
+              </a:spcBef>
+              <a:spcAft>
+                <a:spcPts val="0"/>
+              </a:spcAft>
+              <a:buNone/>
+            </a:pPr>
+            <a:r>
+              <a:rPr lang="ko" sz="1000" dirty="0"/>
               <a:t>	int object_id;</a:t>
             </a:r>
-            <a:endParaRPr sz="1000"/>
-          </a:p>
-          <a:p>
-            <a:pPr indent="0" lvl="0" marL="0" rtl="0" algn="l">
-              <a:spcBef>
-                <a:spcPts val="0"/>
-              </a:spcBef>
-              <a:spcAft>
-                <a:spcPts val="0"/>
-              </a:spcAft>
-              <a:buNone/>
-            </a:pPr>
-            <a:r>
-              <a:rPr lang="ko" sz="1000"/>
+            <a:endParaRPr sz="1000" dirty="0"/>
+          </a:p>
+          <a:p>
+            <a:pPr marL="0" lvl="0" indent="0" algn="l" rtl="0">
+              <a:spcBef>
+                <a:spcPts val="0"/>
+              </a:spcBef>
+              <a:spcAft>
+                <a:spcPts val="0"/>
+              </a:spcAft>
+              <a:buNone/>
+            </a:pPr>
+            <a:r>
+              <a:rPr lang="ko" sz="1000" dirty="0"/>
               <a:t>	XMVECTOR pos;</a:t>
             </a:r>
-            <a:endParaRPr sz="1000"/>
-          </a:p>
-          <a:p>
-            <a:pPr indent="0" lvl="0" marL="0" rtl="0" algn="l">
-              <a:spcBef>
-                <a:spcPts val="0"/>
-              </a:spcBef>
-              <a:spcAft>
-                <a:spcPts val="0"/>
-              </a:spcAft>
-              <a:buNone/>
-            </a:pPr>
-            <a:r>
-              <a:rPr lang="ko" sz="1000"/>
+            <a:endParaRPr sz="1000" dirty="0"/>
+          </a:p>
+          <a:p>
+            <a:pPr marL="0" lvl="0" indent="0" algn="l" rtl="0">
+              <a:spcBef>
+                <a:spcPts val="0"/>
+              </a:spcBef>
+              <a:spcAft>
+                <a:spcPts val="0"/>
+              </a:spcAft>
+              <a:buNone/>
+            </a:pPr>
+            <a:r>
+              <a:rPr lang="ko" sz="1000" dirty="0"/>
               <a:t>}</a:t>
             </a:r>
-            <a:endParaRPr sz="1000"/>
+            <a:endParaRPr sz="1000" dirty="0"/>
           </a:p>
         </p:txBody>
       </p:sp>
@@ -7051,95 +7299,95 @@
         </p:nvSpPr>
         <p:spPr>
           <a:xfrm>
-            <a:off x="3884325" y="2792575"/>
-            <a:ext cx="2136900" cy="786600"/>
+            <a:off x="376174" y="3065216"/>
+            <a:ext cx="3570537" cy="938700"/>
           </a:xfrm>
           <a:prstGeom prst="round1Rect">
             <a:avLst>
-              <a:gd fmla="val 16667" name="adj"/>
+              <a:gd name="adj" fmla="val 16667"/>
             </a:avLst>
           </a:prstGeom>
           <a:solidFill>
             <a:schemeClr val="lt2"/>
           </a:solidFill>
-          <a:ln cap="flat" cmpd="sng" w="9525">
+          <a:ln w="9525" cap="flat" cmpd="sng">
             <a:solidFill>
               <a:schemeClr val="dk2"/>
             </a:solidFill>
             <a:prstDash val="solid"/>
             <a:round/>
-            <a:headEnd len="sm" w="sm" type="none"/>
-            <a:tailEnd len="sm" w="sm" type="none"/>
+            <a:headEnd type="none" w="sm" len="sm"/>
+            <a:tailEnd type="none" w="sm" len="sm"/>
           </a:ln>
         </p:spPr>
         <p:txBody>
-          <a:bodyPr anchorCtr="0" anchor="t" bIns="91425" lIns="91425" spcFirstLastPara="1" rIns="91425" wrap="square" tIns="91425">
+          <a:bodyPr spcFirstLastPara="1" wrap="square" lIns="91425" tIns="91425" rIns="91425" bIns="91425" anchor="t" anchorCtr="0">
             <a:noAutofit/>
           </a:bodyPr>
           <a:lstStyle/>
           <a:p>
-            <a:pPr indent="0" lvl="0" marL="0" rtl="0" algn="l">
-              <a:spcBef>
-                <a:spcPts val="0"/>
-              </a:spcBef>
-              <a:spcAft>
-                <a:spcPts val="0"/>
-              </a:spcAft>
-              <a:buNone/>
-            </a:pPr>
-            <a:r>
-              <a:rPr lang="ko" sz="1000"/>
-              <a:t>struct sc_delete_object_packet {</a:t>
-            </a:r>
-            <a:endParaRPr sz="1000"/>
-          </a:p>
-          <a:p>
-            <a:pPr indent="0" lvl="0" marL="0" rtl="0" algn="l">
-              <a:spcBef>
-                <a:spcPts val="0"/>
-              </a:spcBef>
-              <a:spcAft>
-                <a:spcPts val="0"/>
-              </a:spcAft>
-              <a:buNone/>
-            </a:pPr>
-            <a:r>
-              <a:rPr lang="ko" sz="1000"/>
-              <a:t>	int packet_type;</a:t>
-            </a:r>
-            <a:endParaRPr sz="1000"/>
-          </a:p>
-          <a:p>
-            <a:pPr indent="0" lvl="0" marL="0" rtl="0" algn="l">
-              <a:spcBef>
-                <a:spcPts val="0"/>
-              </a:spcBef>
-              <a:spcAft>
-                <a:spcPts val="0"/>
-              </a:spcAft>
-              <a:buNone/>
-            </a:pPr>
-            <a:r>
-              <a:rPr lang="ko" sz="1000"/>
+            <a:pPr marL="0" lvl="0" indent="0" algn="l" rtl="0">
+              <a:spcBef>
+                <a:spcPts val="0"/>
+              </a:spcBef>
+              <a:spcAft>
+                <a:spcPts val="0"/>
+              </a:spcAft>
+              <a:buNone/>
+            </a:pPr>
+            <a:r>
+              <a:rPr lang="ko" sz="1000" dirty="0"/>
+              <a:t>struct sc_delete_object_packet </a:t>
+            </a:r>
+            <a:r>
+              <a:rPr lang="en-US" altLang="ko" sz="1000" dirty="0"/>
+              <a:t>: public </a:t>
+            </a:r>
+            <a:r>
+              <a:rPr lang="en-US" altLang="ko" sz="1000" dirty="0" err="1"/>
+              <a:t>sc_parent_packet</a:t>
+            </a:r>
+            <a:r>
+              <a:rPr lang="ko" altLang="ko-KR" sz="1000" dirty="0"/>
+              <a:t> </a:t>
+            </a:r>
+            <a:r>
+              <a:rPr lang="ko" sz="1000" dirty="0"/>
+              <a:t>{</a:t>
+            </a:r>
+            <a:endParaRPr sz="1000" dirty="0"/>
+          </a:p>
+          <a:p>
+            <a:pPr marL="0" lvl="0" indent="0" algn="l" rtl="0">
+              <a:spcBef>
+                <a:spcPts val="0"/>
+              </a:spcBef>
+              <a:spcAft>
+                <a:spcPts val="0"/>
+              </a:spcAft>
+              <a:buNone/>
+            </a:pPr>
+            <a:r>
+              <a:rPr lang="ko" sz="1000" dirty="0"/>
               <a:t>	int object_id;</a:t>
             </a:r>
-            <a:endParaRPr sz="1000"/>
-          </a:p>
-          <a:p>
-            <a:pPr indent="0" lvl="0" marL="0" rtl="0" algn="l">
-              <a:spcBef>
-                <a:spcPts val="0"/>
-              </a:spcBef>
-              <a:spcAft>
-                <a:spcPts val="0"/>
-              </a:spcAft>
-              <a:buNone/>
-            </a:pPr>
-            <a:r>
-              <a:rPr lang="ko" sz="1000"/>
+            <a:endParaRPr sz="1000" dirty="0"/>
+          </a:p>
+          <a:p>
+            <a:pPr marL="0" lvl="0" indent="0" algn="l" rtl="0">
+              <a:spcBef>
+                <a:spcPts val="0"/>
+              </a:spcBef>
+              <a:spcAft>
+                <a:spcPts val="0"/>
+              </a:spcAft>
+              <a:buNone/>
+            </a:pPr>
+            <a:r>
+              <a:rPr lang="ko" sz="1000" dirty="0"/>
               <a:t>}</a:t>
             </a:r>
-            <a:endParaRPr sz="1000"/>
+            <a:endParaRPr sz="1000" dirty="0"/>
           </a:p>
         </p:txBody>
       </p:sp>
@@ -7151,111 +7399,107 @@
         </p:nvSpPr>
         <p:spPr>
           <a:xfrm>
-            <a:off x="3884325" y="3876500"/>
-            <a:ext cx="2213100" cy="938700"/>
+            <a:off x="4309782" y="3065216"/>
+            <a:ext cx="3630705" cy="882556"/>
           </a:xfrm>
           <a:prstGeom prst="round1Rect">
             <a:avLst>
-              <a:gd fmla="val 16667" name="adj"/>
+              <a:gd name="adj" fmla="val 16667"/>
             </a:avLst>
           </a:prstGeom>
           <a:solidFill>
             <a:schemeClr val="lt2"/>
           </a:solidFill>
-          <a:ln cap="flat" cmpd="sng" w="9525">
+          <a:ln w="9525" cap="flat" cmpd="sng">
             <a:solidFill>
               <a:schemeClr val="dk2"/>
             </a:solidFill>
             <a:prstDash val="solid"/>
             <a:round/>
-            <a:headEnd len="sm" w="sm" type="none"/>
-            <a:tailEnd len="sm" w="sm" type="none"/>
+            <a:headEnd type="none" w="sm" len="sm"/>
+            <a:tailEnd type="none" w="sm" len="sm"/>
           </a:ln>
         </p:spPr>
         <p:txBody>
-          <a:bodyPr anchorCtr="0" anchor="t" bIns="91425" lIns="91425" spcFirstLastPara="1" rIns="91425" wrap="square" tIns="91425">
+          <a:bodyPr spcFirstLastPara="1" wrap="square" lIns="91425" tIns="91425" rIns="91425" bIns="91425" anchor="t" anchorCtr="0">
             <a:noAutofit/>
           </a:bodyPr>
           <a:lstStyle/>
           <a:p>
-            <a:pPr indent="0" lvl="0" marL="0" rtl="0" algn="l">
-              <a:spcBef>
-                <a:spcPts val="0"/>
-              </a:spcBef>
-              <a:spcAft>
-                <a:spcPts val="0"/>
-              </a:spcAft>
-              <a:buNone/>
-            </a:pPr>
-            <a:r>
-              <a:rPr lang="ko" sz="1000"/>
-              <a:t>struct sc_collision_object_packet {</a:t>
-            </a:r>
-            <a:endParaRPr sz="1000"/>
-          </a:p>
-          <a:p>
-            <a:pPr indent="0" lvl="0" marL="0" rtl="0" algn="l">
-              <a:spcBef>
-                <a:spcPts val="0"/>
-              </a:spcBef>
-              <a:spcAft>
-                <a:spcPts val="0"/>
-              </a:spcAft>
-              <a:buNone/>
-            </a:pPr>
-            <a:r>
-              <a:rPr lang="ko" sz="1000"/>
-              <a:t>	int packet_type;</a:t>
-            </a:r>
-            <a:endParaRPr sz="1000"/>
-          </a:p>
-          <a:p>
-            <a:pPr indent="0" lvl="0" marL="0" rtl="0" algn="l">
-              <a:spcBef>
-                <a:spcPts val="0"/>
-              </a:spcBef>
-              <a:spcAft>
-                <a:spcPts val="0"/>
-              </a:spcAft>
-              <a:buNone/>
-            </a:pPr>
-            <a:r>
-              <a:rPr lang="ko" sz="1000"/>
-              <a:t>	int object_id1;</a:t>
-            </a:r>
-            <a:endParaRPr sz="1000"/>
-          </a:p>
-          <a:p>
-            <a:pPr indent="0" lvl="0" marL="0" rtl="0" algn="l">
-              <a:spcBef>
-                <a:spcPts val="0"/>
-              </a:spcBef>
-              <a:spcAft>
-                <a:spcPts val="0"/>
-              </a:spcAft>
-              <a:buNone/>
-            </a:pPr>
-            <a:r>
-              <a:rPr lang="ko" sz="1000"/>
+            <a:pPr marL="0" lvl="0" indent="0" algn="l" rtl="0">
+              <a:spcBef>
+                <a:spcPts val="0"/>
+              </a:spcBef>
+              <a:spcAft>
+                <a:spcPts val="0"/>
+              </a:spcAft>
+              <a:buNone/>
+            </a:pPr>
+            <a:r>
+              <a:rPr lang="ko" sz="1000" dirty="0"/>
+              <a:t>struct sc_collision_object_packet</a:t>
+            </a:r>
+            <a:r>
+              <a:rPr lang="en-US" altLang="ko" sz="1000" dirty="0"/>
+              <a:t> : public </a:t>
+            </a:r>
+            <a:r>
+              <a:rPr lang="en-US" altLang="ko" sz="1000" dirty="0" err="1"/>
+              <a:t>sc_parent_packet</a:t>
+            </a:r>
+            <a:r>
+              <a:rPr lang="ko" sz="1000" dirty="0"/>
+              <a:t> {</a:t>
+            </a:r>
+            <a:endParaRPr sz="1000" dirty="0"/>
+          </a:p>
+          <a:p>
+            <a:pPr marL="0" lvl="0" indent="0" algn="l" rtl="0">
+              <a:spcBef>
+                <a:spcPts val="0"/>
+              </a:spcBef>
+              <a:spcAft>
+                <a:spcPts val="0"/>
+              </a:spcAft>
+              <a:buNone/>
+            </a:pPr>
+            <a:r>
+              <a:rPr lang="ko" sz="1000" dirty="0"/>
+              <a:t>		int object_id1;</a:t>
+            </a:r>
+            <a:endParaRPr sz="1000" dirty="0"/>
+          </a:p>
+          <a:p>
+            <a:pPr marL="0" lvl="0" indent="0" algn="l" rtl="0">
+              <a:spcBef>
+                <a:spcPts val="0"/>
+              </a:spcBef>
+              <a:spcAft>
+                <a:spcPts val="0"/>
+              </a:spcAft>
+              <a:buNone/>
+            </a:pPr>
+            <a:r>
+              <a:rPr lang="ko" sz="1000" dirty="0"/>
               <a:t>	int object_id2;</a:t>
             </a:r>
-            <a:endParaRPr sz="1000"/>
-          </a:p>
-          <a:p>
-            <a:pPr indent="0" lvl="0" marL="0" rtl="0" algn="l">
-              <a:spcBef>
-                <a:spcPts val="0"/>
-              </a:spcBef>
-              <a:spcAft>
-                <a:spcPts val="0"/>
-              </a:spcAft>
-              <a:buNone/>
-            </a:pPr>
-            <a:r>
-              <a:rPr lang="ko" sz="1000"/>
+            <a:endParaRPr sz="1000" dirty="0"/>
+          </a:p>
+          <a:p>
+            <a:pPr marL="0" lvl="0" indent="0" algn="l" rtl="0">
+              <a:spcBef>
+                <a:spcPts val="0"/>
+              </a:spcBef>
+              <a:spcAft>
+                <a:spcPts val="0"/>
+              </a:spcAft>
+              <a:buNone/>
+            </a:pPr>
+            <a:r>
+              <a:rPr lang="ko" sz="1000" dirty="0"/>
               <a:t>}</a:t>
             </a:r>
-            <a:endParaRPr sz="1000"/>
+            <a:endParaRPr sz="1000" dirty="0"/>
           </a:p>
         </p:txBody>
       </p:sp>
@@ -7267,95 +7511,95 @@
         </p:nvSpPr>
         <p:spPr>
           <a:xfrm>
-            <a:off x="6630925" y="320525"/>
-            <a:ext cx="2136900" cy="755400"/>
+            <a:off x="4309783" y="986583"/>
+            <a:ext cx="3630706" cy="882557"/>
           </a:xfrm>
           <a:prstGeom prst="round1Rect">
             <a:avLst>
-              <a:gd fmla="val 16667" name="adj"/>
+              <a:gd name="adj" fmla="val 16667"/>
             </a:avLst>
           </a:prstGeom>
           <a:solidFill>
             <a:schemeClr val="lt2"/>
           </a:solidFill>
-          <a:ln cap="flat" cmpd="sng" w="9525">
+          <a:ln w="9525" cap="flat" cmpd="sng">
             <a:solidFill>
               <a:schemeClr val="dk2"/>
             </a:solidFill>
             <a:prstDash val="solid"/>
             <a:round/>
-            <a:headEnd len="sm" w="sm" type="none"/>
-            <a:tailEnd len="sm" w="sm" type="none"/>
+            <a:headEnd type="none" w="sm" len="sm"/>
+            <a:tailEnd type="none" w="sm" len="sm"/>
           </a:ln>
         </p:spPr>
         <p:txBody>
-          <a:bodyPr anchorCtr="0" anchor="t" bIns="91425" lIns="91425" spcFirstLastPara="1" rIns="91425" wrap="square" tIns="91425">
+          <a:bodyPr spcFirstLastPara="1" wrap="square" lIns="91425" tIns="91425" rIns="91425" bIns="91425" anchor="t" anchorCtr="0">
             <a:noAutofit/>
           </a:bodyPr>
           <a:lstStyle/>
           <a:p>
-            <a:pPr indent="0" lvl="0" marL="0" rtl="0" algn="l">
-              <a:spcBef>
-                <a:spcPts val="0"/>
-              </a:spcBef>
-              <a:spcAft>
-                <a:spcPts val="0"/>
-              </a:spcAft>
-              <a:buNone/>
-            </a:pPr>
-            <a:r>
-              <a:rPr lang="ko" sz="1000"/>
-              <a:t>struct sc_player_role_packet {</a:t>
-            </a:r>
-            <a:endParaRPr sz="1000"/>
-          </a:p>
-          <a:p>
-            <a:pPr indent="0" lvl="0" marL="0" rtl="0" algn="l">
-              <a:spcBef>
-                <a:spcPts val="0"/>
-              </a:spcBef>
-              <a:spcAft>
-                <a:spcPts val="0"/>
-              </a:spcAft>
-              <a:buNone/>
-            </a:pPr>
-            <a:r>
-              <a:rPr lang="ko" sz="1000"/>
-              <a:t>	int packet_type;</a:t>
-            </a:r>
-            <a:endParaRPr sz="1000"/>
-          </a:p>
-          <a:p>
-            <a:pPr indent="0" lvl="0" marL="0" rtl="0" algn="l">
-              <a:spcBef>
-                <a:spcPts val="0"/>
-              </a:spcBef>
-              <a:spcAft>
-                <a:spcPts val="0"/>
-              </a:spcAft>
-              <a:buNone/>
-            </a:pPr>
-            <a:r>
-              <a:rPr lang="ko" sz="1000"/>
+            <a:pPr marL="0" lvl="0" indent="0" algn="l" rtl="0">
+              <a:spcBef>
+                <a:spcPts val="0"/>
+              </a:spcBef>
+              <a:spcAft>
+                <a:spcPts val="0"/>
+              </a:spcAft>
+              <a:buNone/>
+            </a:pPr>
+            <a:r>
+              <a:rPr lang="ko" sz="1000" dirty="0"/>
+              <a:t>struct sc_player_role_packet </a:t>
+            </a:r>
+            <a:r>
+              <a:rPr lang="en-US" altLang="ko" sz="1000" dirty="0"/>
+              <a:t>: public </a:t>
+            </a:r>
+            <a:r>
+              <a:rPr lang="en-US" altLang="ko" sz="1000" dirty="0" err="1"/>
+              <a:t>sc_parent_packet</a:t>
+            </a:r>
+            <a:r>
+              <a:rPr lang="ko" altLang="ko-KR" sz="1000" dirty="0"/>
+              <a:t> </a:t>
+            </a:r>
+            <a:r>
+              <a:rPr lang="ko" sz="1000" dirty="0"/>
+              <a:t>{</a:t>
+            </a:r>
+            <a:endParaRPr sz="1000" dirty="0"/>
+          </a:p>
+          <a:p>
+            <a:pPr marL="0" lvl="0" indent="0" algn="l" rtl="0">
+              <a:spcBef>
+                <a:spcPts val="0"/>
+              </a:spcBef>
+              <a:spcAft>
+                <a:spcPts val="0"/>
+              </a:spcAft>
+              <a:buNone/>
+            </a:pPr>
+            <a:r>
+              <a:rPr lang="ko" sz="1000" dirty="0"/>
               <a:t>	int role;</a:t>
             </a:r>
-            <a:endParaRPr sz="1000"/>
-          </a:p>
-          <a:p>
-            <a:pPr indent="0" lvl="0" marL="0" rtl="0" algn="l">
-              <a:spcBef>
-                <a:spcPts val="0"/>
-              </a:spcBef>
-              <a:spcAft>
-                <a:spcPts val="0"/>
-              </a:spcAft>
-              <a:buNone/>
-            </a:pPr>
-            <a:r>
-              <a:rPr lang="ko" sz="1000"/>
+            <a:endParaRPr sz="1000" dirty="0"/>
+          </a:p>
+          <a:p>
+            <a:pPr marL="0" lvl="0" indent="0" algn="l" rtl="0">
+              <a:spcBef>
+                <a:spcPts val="0"/>
+              </a:spcBef>
+              <a:spcAft>
+                <a:spcPts val="0"/>
+              </a:spcAft>
+              <a:buNone/>
+            </a:pPr>
+            <a:r>
+              <a:rPr lang="ko" sz="1000" dirty="0"/>
               <a:t>}</a:t>
             </a:r>
-            <a:endParaRPr sz="1000"/>
+            <a:endParaRPr sz="1000" dirty="0"/>
           </a:p>
         </p:txBody>
       </p:sp>
@@ -7367,95 +7611,191 @@
         </p:nvSpPr>
         <p:spPr>
           <a:xfrm>
-            <a:off x="6630925" y="1590975"/>
-            <a:ext cx="2136900" cy="755400"/>
+            <a:off x="4309783" y="2025900"/>
+            <a:ext cx="3630706" cy="882556"/>
           </a:xfrm>
           <a:prstGeom prst="round1Rect">
             <a:avLst>
-              <a:gd fmla="val 16667" name="adj"/>
+              <a:gd name="adj" fmla="val 16667"/>
             </a:avLst>
           </a:prstGeom>
           <a:solidFill>
             <a:schemeClr val="lt2"/>
           </a:solidFill>
-          <a:ln cap="flat" cmpd="sng" w="9525">
+          <a:ln w="9525" cap="flat" cmpd="sng">
             <a:solidFill>
               <a:schemeClr val="dk2"/>
             </a:solidFill>
             <a:prstDash val="solid"/>
             <a:round/>
-            <a:headEnd len="sm" w="sm" type="none"/>
-            <a:tailEnd len="sm" w="sm" type="none"/>
+            <a:headEnd type="none" w="sm" len="sm"/>
+            <a:tailEnd type="none" w="sm" len="sm"/>
           </a:ln>
         </p:spPr>
         <p:txBody>
-          <a:bodyPr anchorCtr="0" anchor="t" bIns="91425" lIns="91425" spcFirstLastPara="1" rIns="91425" wrap="square" tIns="91425">
+          <a:bodyPr spcFirstLastPara="1" wrap="square" lIns="91425" tIns="91425" rIns="91425" bIns="91425" anchor="t" anchorCtr="0">
             <a:noAutofit/>
           </a:bodyPr>
           <a:lstStyle/>
           <a:p>
-            <a:pPr indent="0" lvl="0" marL="0" rtl="0" algn="l">
-              <a:spcBef>
-                <a:spcPts val="0"/>
-              </a:spcBef>
-              <a:spcAft>
-                <a:spcPts val="0"/>
-              </a:spcAft>
-              <a:buNone/>
-            </a:pPr>
-            <a:r>
-              <a:rPr lang="ko" sz="1000"/>
-              <a:t>struct cs_player_move_packet {</a:t>
-            </a:r>
-            <a:endParaRPr sz="1000"/>
-          </a:p>
-          <a:p>
-            <a:pPr indent="0" lvl="0" marL="0" rtl="0" algn="l">
-              <a:spcBef>
-                <a:spcPts val="0"/>
-              </a:spcBef>
-              <a:spcAft>
-                <a:spcPts val="0"/>
-              </a:spcAft>
-              <a:buNone/>
-            </a:pPr>
-            <a:r>
-              <a:rPr lang="ko" sz="1000"/>
-              <a:t>	int packet_type;</a:t>
-            </a:r>
-            <a:endParaRPr sz="1000"/>
-          </a:p>
-          <a:p>
-            <a:pPr indent="0" lvl="0" marL="0" rtl="0" algn="l">
-              <a:spcBef>
-                <a:spcPts val="0"/>
-              </a:spcBef>
-              <a:spcAft>
-                <a:spcPts val="0"/>
-              </a:spcAft>
-              <a:buNone/>
-            </a:pPr>
-            <a:r>
-              <a:rPr lang="ko" sz="1000"/>
+            <a:pPr marL="0" lvl="0" indent="0" algn="l" rtl="0">
+              <a:spcBef>
+                <a:spcPts val="0"/>
+              </a:spcBef>
+              <a:spcAft>
+                <a:spcPts val="0"/>
+              </a:spcAft>
+              <a:buNone/>
+            </a:pPr>
+            <a:r>
+              <a:rPr lang="ko" sz="1000" dirty="0"/>
+              <a:t>struct cs_player_move_packet </a:t>
+            </a:r>
+            <a:r>
+              <a:rPr lang="en-US" altLang="ko" sz="1000" dirty="0"/>
+              <a:t>: public </a:t>
+            </a:r>
+            <a:r>
+              <a:rPr lang="en-US" altLang="ko" sz="1000" dirty="0" err="1"/>
+              <a:t>sc_parent_packet</a:t>
+            </a:r>
+            <a:r>
+              <a:rPr lang="ko" altLang="ko-KR" sz="1000" dirty="0"/>
+              <a:t> </a:t>
+            </a:r>
+            <a:r>
+              <a:rPr lang="ko" sz="1000" dirty="0"/>
+              <a:t>{</a:t>
+            </a:r>
+            <a:endParaRPr sz="1000" dirty="0"/>
+          </a:p>
+          <a:p>
+            <a:pPr marL="0" lvl="0" indent="0" algn="l" rtl="0">
+              <a:spcBef>
+                <a:spcPts val="0"/>
+              </a:spcBef>
+              <a:spcAft>
+                <a:spcPts val="0"/>
+              </a:spcAft>
+              <a:buNone/>
+            </a:pPr>
+            <a:r>
+              <a:rPr lang="ko" sz="1000" dirty="0"/>
               <a:t>	int input_event;</a:t>
             </a:r>
-            <a:endParaRPr sz="1000"/>
-          </a:p>
-          <a:p>
-            <a:pPr indent="0" lvl="0" marL="0" rtl="0" algn="l">
-              <a:spcBef>
-                <a:spcPts val="0"/>
-              </a:spcBef>
-              <a:spcAft>
-                <a:spcPts val="0"/>
-              </a:spcAft>
-              <a:buNone/>
-            </a:pPr>
-            <a:r>
-              <a:rPr lang="ko" sz="1000"/>
+            <a:endParaRPr sz="1000" dirty="0"/>
+          </a:p>
+          <a:p>
+            <a:pPr marL="0" lvl="0" indent="0" algn="l" rtl="0">
+              <a:spcBef>
+                <a:spcPts val="0"/>
+              </a:spcBef>
+              <a:spcAft>
+                <a:spcPts val="0"/>
+              </a:spcAft>
+              <a:buNone/>
+            </a:pPr>
+            <a:r>
+              <a:rPr lang="ko" sz="1000" dirty="0"/>
               <a:t>}</a:t>
             </a:r>
-            <a:endParaRPr sz="1000"/>
+            <a:endParaRPr sz="1000" dirty="0"/>
+          </a:p>
+        </p:txBody>
+      </p:sp>
+      <p:sp>
+        <p:nvSpPr>
+          <p:cNvPr id="2" name="Google Shape;67;p14">
+            <a:extLst>
+              <a:ext uri="{FF2B5EF4-FFF2-40B4-BE49-F238E27FC236}">
+                <a16:creationId xmlns:a16="http://schemas.microsoft.com/office/drawing/2014/main" id="{D22D56F7-EB5E-7521-C74B-E391040FB741}"/>
+              </a:ext>
+            </a:extLst>
+          </p:cNvPr>
+          <p:cNvSpPr/>
+          <p:nvPr/>
+        </p:nvSpPr>
+        <p:spPr>
+          <a:xfrm>
+            <a:off x="426190" y="229225"/>
+            <a:ext cx="2451480" cy="600600"/>
+          </a:xfrm>
+          <a:prstGeom prst="round1Rect">
+            <a:avLst>
+              <a:gd name="adj" fmla="val 16667"/>
+            </a:avLst>
+          </a:prstGeom>
+          <a:solidFill>
+            <a:schemeClr val="lt2"/>
+          </a:solidFill>
+          <a:ln w="9525" cap="flat" cmpd="sng">
+            <a:solidFill>
+              <a:schemeClr val="dk2"/>
+            </a:solidFill>
+            <a:prstDash val="solid"/>
+            <a:round/>
+            <a:headEnd type="none" w="sm" len="sm"/>
+            <a:tailEnd type="none" w="sm" len="sm"/>
+          </a:ln>
+        </p:spPr>
+        <p:txBody>
+          <a:bodyPr spcFirstLastPara="1" wrap="square" lIns="91425" tIns="91425" rIns="91425" bIns="91425" anchor="t" anchorCtr="0">
+            <a:noAutofit/>
+          </a:bodyPr>
+          <a:lstStyle/>
+          <a:p>
+            <a:pPr marL="0" lvl="0" indent="0" algn="l" rtl="0">
+              <a:spcBef>
+                <a:spcPts val="0"/>
+              </a:spcBef>
+              <a:spcAft>
+                <a:spcPts val="0"/>
+              </a:spcAft>
+              <a:buNone/>
+            </a:pPr>
+            <a:r>
+              <a:rPr lang="ko" sz="1000" dirty="0"/>
+              <a:t>struct </a:t>
+            </a:r>
+            <a:r>
+              <a:rPr lang="en-US" altLang="ko" sz="1000" dirty="0" err="1"/>
+              <a:t>sc_parent_packet</a:t>
+            </a:r>
+            <a:r>
+              <a:rPr lang="ko" sz="1000" dirty="0"/>
+              <a:t>{</a:t>
+            </a:r>
+            <a:endParaRPr lang="en-US" altLang="ko" sz="1000" dirty="0"/>
+          </a:p>
+          <a:p>
+            <a:r>
+              <a:rPr lang="en-US" altLang="ko" sz="1000" dirty="0"/>
+              <a:t>	int </a:t>
+            </a:r>
+            <a:r>
+              <a:rPr lang="en-US" altLang="ko" sz="1000" dirty="0" err="1"/>
+              <a:t>packet_type</a:t>
+            </a:r>
+            <a:r>
+              <a:rPr lang="en-US" altLang="ko" sz="1000" dirty="0"/>
+              <a:t>;</a:t>
+            </a:r>
+          </a:p>
+          <a:p>
+            <a:pPr marL="0" lvl="0" indent="0" algn="l" rtl="0">
+              <a:spcBef>
+                <a:spcPts val="0"/>
+              </a:spcBef>
+              <a:spcAft>
+                <a:spcPts val="0"/>
+              </a:spcAft>
+              <a:buNone/>
+            </a:pPr>
+            <a:r>
+              <a:rPr lang="ko" sz="1000" dirty="0"/>
+              <a:t>}</a:t>
+            </a:r>
+            <a:endParaRPr sz="1000" dirty="0"/>
           </a:p>
         </p:txBody>
       </p:sp>
@@ -7468,11 +7808,11 @@
 </file>
 
 <file path=ppt/slides/slide3.xml><?xml version="1.0" encoding="utf-8"?>
-<p:sld xmlns:a="http://schemas.openxmlformats.org/drawingml/2006/main" xmlns:r="http://schemas.openxmlformats.org/officeDocument/2006/relationships" xmlns:mc="http://schemas.openxmlformats.org/markup-compatibility/2006" xmlns:mv="urn:schemas-microsoft-com:mac:vml" xmlns:p="http://schemas.openxmlformats.org/presentationml/2006/main" xmlns:c="http://schemas.openxmlformats.org/drawingml/2006/chart" xmlns:dgm="http://schemas.openxmlformats.org/drawingml/2006/diagram" xmlns:o="urn:schemas-microsoft-com:office:office" xmlns:v="urn:schemas-microsoft-com:vml" xmlns:pvml="urn:schemas-microsoft-com:office:powerpoint" xmlns:com="http://schemas.openxmlformats.org/drawingml/2006/compatibility" xmlns:p14="http://schemas.microsoft.com/office/powerpoint/2010/main" xmlns:p15="http://schemas.microsoft.com/office/powerpoint/2012/main" xmlns:ahyp="http://schemas.microsoft.com/office/drawing/2018/hyperlinkcolor">
+<p:sld xmlns:a="http://schemas.openxmlformats.org/drawingml/2006/main" xmlns:r="http://schemas.openxmlformats.org/officeDocument/2006/relationships" xmlns:p="http://schemas.openxmlformats.org/presentationml/2006/main">
   <p:cSld>
     <p:spTree>
       <p:nvGrpSpPr>
-        <p:cNvPr id="76" name="Shape 76"/>
+        <p:cNvPr id="1" name="Shape 76"/>
         <p:cNvGrpSpPr/>
         <p:nvPr/>
       </p:nvGrpSpPr>
@@ -7497,29 +7837,29 @@
           </a:xfrm>
           <a:prstGeom prst="snip1Rect">
             <a:avLst>
-              <a:gd fmla="val 16667" name="adj"/>
+              <a:gd name="adj" fmla="val 16667"/>
             </a:avLst>
           </a:prstGeom>
           <a:solidFill>
             <a:schemeClr val="lt2"/>
           </a:solidFill>
-          <a:ln cap="flat" cmpd="sng" w="9525">
+          <a:ln w="9525" cap="flat" cmpd="sng">
             <a:solidFill>
               <a:schemeClr val="dk2"/>
             </a:solidFill>
             <a:prstDash val="solid"/>
             <a:round/>
-            <a:headEnd len="sm" w="sm" type="none"/>
-            <a:tailEnd len="sm" w="sm" type="none"/>
+            <a:headEnd type="none" w="sm" len="sm"/>
+            <a:tailEnd type="none" w="sm" len="sm"/>
           </a:ln>
         </p:spPr>
         <p:txBody>
-          <a:bodyPr anchorCtr="0" anchor="t" bIns="91425" lIns="91425" spcFirstLastPara="1" rIns="91425" wrap="square" tIns="91425">
+          <a:bodyPr spcFirstLastPara="1" wrap="square" lIns="91425" tIns="91425" rIns="91425" bIns="91425" anchor="t" anchorCtr="0">
             <a:noAutofit/>
           </a:bodyPr>
           <a:lstStyle/>
           <a:p>
-            <a:pPr indent="0" lvl="0" marL="0" rtl="0" algn="l">
+            <a:pPr marL="0" lvl="0" indent="0" algn="l" rtl="0">
               <a:spcBef>
                 <a:spcPts val="0"/>
               </a:spcBef>
@@ -7548,7 +7888,7 @@
             </a:endParaRPr>
           </a:p>
           <a:p>
-            <a:pPr indent="0" lvl="0" marL="0" rtl="0" algn="l">
+            <a:pPr marL="0" lvl="0" indent="0" algn="l" rtl="0">
               <a:spcBef>
                 <a:spcPts val="0"/>
               </a:spcBef>
@@ -7577,7 +7917,7 @@
             </a:endParaRPr>
           </a:p>
           <a:p>
-            <a:pPr indent="0" lvl="0" marL="0" rtl="0" algn="l">
+            <a:pPr marL="0" lvl="0" indent="0" algn="l" rtl="0">
               <a:spcBef>
                 <a:spcPts val="0"/>
               </a:spcBef>
@@ -7606,7 +7946,7 @@
             </a:endParaRPr>
           </a:p>
           <a:p>
-            <a:pPr indent="0" lvl="0" marL="0" rtl="0" algn="l">
+            <a:pPr marL="0" lvl="0" indent="0" algn="l" rtl="0">
               <a:spcBef>
                 <a:spcPts val="0"/>
               </a:spcBef>
@@ -7635,7 +7975,7 @@
             </a:endParaRPr>
           </a:p>
           <a:p>
-            <a:pPr indent="457200" lvl="0" marL="0" rtl="0" algn="l">
+            <a:pPr marL="0" lvl="0" indent="457200" algn="l" rtl="0">
               <a:spcBef>
                 <a:spcPts val="0"/>
               </a:spcBef>
@@ -7664,7 +8004,7 @@
             </a:endParaRPr>
           </a:p>
           <a:p>
-            <a:pPr indent="457200" lvl="0" marL="0" rtl="0" algn="l">
+            <a:pPr marL="0" lvl="0" indent="457200" algn="l" rtl="0">
               <a:spcBef>
                 <a:spcPts val="0"/>
               </a:spcBef>
@@ -7693,7 +8033,7 @@
             </a:endParaRPr>
           </a:p>
           <a:p>
-            <a:pPr indent="457200" lvl="0" marL="0" rtl="0" algn="l">
+            <a:pPr marL="0" lvl="0" indent="457200" algn="l" rtl="0">
               <a:spcBef>
                 <a:spcPts val="0"/>
               </a:spcBef>
@@ -7722,7 +8062,7 @@
             </a:endParaRPr>
           </a:p>
           <a:p>
-            <a:pPr indent="457200" lvl="0" marL="0" rtl="0" algn="l">
+            <a:pPr marL="0" lvl="0" indent="457200" algn="l" rtl="0">
               <a:spcBef>
                 <a:spcPts val="0"/>
               </a:spcBef>
@@ -7751,7 +8091,7 @@
             </a:endParaRPr>
           </a:p>
           <a:p>
-            <a:pPr indent="457200" lvl="0" marL="0" rtl="0" algn="l">
+            <a:pPr marL="0" lvl="0" indent="457200" algn="l" rtl="0">
               <a:spcBef>
                 <a:spcPts val="0"/>
               </a:spcBef>
@@ -7780,7 +8120,7 @@
             </a:endParaRPr>
           </a:p>
           <a:p>
-            <a:pPr indent="457200" lvl="0" marL="0" rtl="0" algn="l">
+            <a:pPr marL="0" lvl="0" indent="457200" algn="l" rtl="0">
               <a:spcBef>
                 <a:spcPts val="0"/>
               </a:spcBef>
@@ -7809,7 +8149,7 @@
             </a:endParaRPr>
           </a:p>
           <a:p>
-            <a:pPr indent="457200" lvl="0" marL="0" rtl="0" algn="l">
+            <a:pPr marL="0" lvl="0" indent="457200" algn="l" rtl="0">
               <a:spcBef>
                 <a:spcPts val="0"/>
               </a:spcBef>
@@ -7838,7 +8178,7 @@
             </a:endParaRPr>
           </a:p>
           <a:p>
-            <a:pPr indent="457200" lvl="0" marL="0" rtl="0" algn="l">
+            <a:pPr marL="0" lvl="0" indent="457200" algn="l" rtl="0">
               <a:spcBef>
                 <a:spcPts val="0"/>
               </a:spcBef>
@@ -7867,7 +8207,7 @@
             </a:endParaRPr>
           </a:p>
           <a:p>
-            <a:pPr indent="0" lvl="0" marL="0" rtl="0" algn="l">
+            <a:pPr marL="0" lvl="0" indent="0" algn="l" rtl="0">
               <a:spcBef>
                 <a:spcPts val="0"/>
               </a:spcBef>
@@ -7896,7 +8236,7 @@
             </a:endParaRPr>
           </a:p>
           <a:p>
-            <a:pPr indent="0" lvl="0" marL="0" rtl="0" algn="l">
+            <a:pPr marL="0" lvl="0" indent="0" algn="l" rtl="0">
               <a:spcBef>
                 <a:spcPts val="0"/>
               </a:spcBef>
@@ -7939,29 +8279,29 @@
           </a:xfrm>
           <a:prstGeom prst="roundRect">
             <a:avLst>
-              <a:gd fmla="val 16667" name="adj"/>
+              <a:gd name="adj" fmla="val 16667"/>
             </a:avLst>
           </a:prstGeom>
           <a:solidFill>
             <a:schemeClr val="lt2"/>
           </a:solidFill>
-          <a:ln cap="flat" cmpd="sng" w="9525">
+          <a:ln w="9525" cap="flat" cmpd="sng">
             <a:solidFill>
               <a:schemeClr val="dk2"/>
             </a:solidFill>
             <a:prstDash val="solid"/>
             <a:round/>
-            <a:headEnd len="sm" w="sm" type="none"/>
-            <a:tailEnd len="sm" w="sm" type="none"/>
+            <a:headEnd type="none" w="sm" len="sm"/>
+            <a:tailEnd type="none" w="sm" len="sm"/>
           </a:ln>
         </p:spPr>
         <p:txBody>
-          <a:bodyPr anchorCtr="0" anchor="ctr" bIns="91425" lIns="91425" spcFirstLastPara="1" rIns="91425" wrap="square" tIns="91425">
+          <a:bodyPr spcFirstLastPara="1" wrap="square" lIns="91425" tIns="91425" rIns="91425" bIns="91425" anchor="ctr" anchorCtr="0">
             <a:noAutofit/>
           </a:bodyPr>
           <a:lstStyle/>
           <a:p>
-            <a:pPr indent="0" lvl="0" marL="0" rtl="0" algn="l">
+            <a:pPr marL="0" lvl="0" indent="0" algn="l" rtl="0">
               <a:spcBef>
                 <a:spcPts val="0"/>
               </a:spcBef>
@@ -7998,12 +8338,12 @@
           </a:ln>
         </p:spPr>
         <p:txBody>
-          <a:bodyPr anchorCtr="0" anchor="t" bIns="91425" lIns="91425" spcFirstLastPara="1" rIns="91425" wrap="square" tIns="91425">
+          <a:bodyPr spcFirstLastPara="1" wrap="square" lIns="91425" tIns="91425" rIns="91425" bIns="91425" anchor="t" anchorCtr="0">
             <a:noAutofit/>
           </a:bodyPr>
           <a:lstStyle/>
           <a:p>
-            <a:pPr indent="0" lvl="0" marL="0" rtl="0" algn="l">
+            <a:pPr marL="0" lvl="0" indent="0" algn="l" rtl="0">
               <a:spcBef>
                 <a:spcPts val="0"/>
               </a:spcBef>
@@ -8019,7 +8359,7 @@
             <a:endParaRPr sz="1000"/>
           </a:p>
           <a:p>
-            <a:pPr indent="0" lvl="0" marL="0" rtl="0" algn="l">
+            <a:pPr marL="0" lvl="0" indent="0" algn="l" rtl="0">
               <a:spcBef>
                 <a:spcPts val="0"/>
               </a:spcBef>
@@ -8049,29 +8389,29 @@
           </a:xfrm>
           <a:prstGeom prst="round1Rect">
             <a:avLst>
-              <a:gd fmla="val 16667" name="adj"/>
+              <a:gd name="adj" fmla="val 16667"/>
             </a:avLst>
           </a:prstGeom>
           <a:solidFill>
             <a:schemeClr val="lt2"/>
           </a:solidFill>
-          <a:ln cap="flat" cmpd="sng" w="9525">
+          <a:ln w="9525" cap="flat" cmpd="sng">
             <a:solidFill>
               <a:schemeClr val="dk2"/>
             </a:solidFill>
             <a:prstDash val="solid"/>
             <a:round/>
-            <a:headEnd len="sm" w="sm" type="none"/>
-            <a:tailEnd len="sm" w="sm" type="none"/>
+            <a:headEnd type="none" w="sm" len="sm"/>
+            <a:tailEnd type="none" w="sm" len="sm"/>
           </a:ln>
         </p:spPr>
         <p:txBody>
-          <a:bodyPr anchorCtr="0" anchor="t" bIns="91425" lIns="91425" spcFirstLastPara="1" rIns="91425" wrap="square" tIns="91425">
+          <a:bodyPr spcFirstLastPara="1" wrap="square" lIns="91425" tIns="91425" rIns="91425" bIns="91425" anchor="t" anchorCtr="0">
             <a:noAutofit/>
           </a:bodyPr>
           <a:lstStyle/>
           <a:p>
-            <a:pPr indent="0" lvl="0" marL="0" rtl="0" algn="l">
+            <a:pPr marL="0" lvl="0" indent="0" algn="l" rtl="0">
               <a:spcBef>
                 <a:spcPts val="0"/>
               </a:spcBef>
@@ -8087,7 +8427,7 @@
             <a:endParaRPr sz="900"/>
           </a:p>
           <a:p>
-            <a:pPr indent="0" lvl="0" marL="0" rtl="0" algn="l">
+            <a:pPr marL="0" lvl="0" indent="0" algn="l" rtl="0">
               <a:spcBef>
                 <a:spcPts val="0"/>
               </a:spcBef>
@@ -8103,7 +8443,7 @@
             <a:endParaRPr sz="900"/>
           </a:p>
           <a:p>
-            <a:pPr indent="0" lvl="0" marL="0" rtl="0" algn="l">
+            <a:pPr marL="0" lvl="0" indent="0" algn="l" rtl="0">
               <a:spcBef>
                 <a:spcPts val="0"/>
               </a:spcBef>
@@ -8119,7 +8459,7 @@
             <a:endParaRPr sz="900"/>
           </a:p>
           <a:p>
-            <a:pPr indent="0" lvl="0" marL="0" rtl="0" algn="l">
+            <a:pPr marL="0" lvl="0" indent="0" algn="l" rtl="0">
               <a:spcBef>
                 <a:spcPts val="0"/>
               </a:spcBef>
@@ -8156,12 +8496,12 @@
           </a:ln>
         </p:spPr>
         <p:txBody>
-          <a:bodyPr anchorCtr="0" anchor="t" bIns="91425" lIns="91425" spcFirstLastPara="1" rIns="91425" wrap="square" tIns="91425">
+          <a:bodyPr spcFirstLastPara="1" wrap="square" lIns="91425" tIns="91425" rIns="91425" bIns="91425" anchor="t" anchorCtr="0">
             <a:noAutofit/>
           </a:bodyPr>
           <a:lstStyle/>
           <a:p>
-            <a:pPr indent="0" lvl="0" marL="0" rtl="0" algn="l">
+            <a:pPr marL="0" lvl="0" indent="0" algn="l" rtl="0">
               <a:spcBef>
                 <a:spcPts val="0"/>
               </a:spcBef>
@@ -8191,29 +8531,29 @@
           </a:xfrm>
           <a:prstGeom prst="roundRect">
             <a:avLst>
-              <a:gd fmla="val 16667" name="adj"/>
+              <a:gd name="adj" fmla="val 16667"/>
             </a:avLst>
           </a:prstGeom>
           <a:solidFill>
             <a:schemeClr val="lt2"/>
           </a:solidFill>
-          <a:ln cap="flat" cmpd="sng" w="9525">
+          <a:ln w="9525" cap="flat" cmpd="sng">
             <a:solidFill>
               <a:schemeClr val="dk2"/>
             </a:solidFill>
             <a:prstDash val="solid"/>
             <a:round/>
-            <a:headEnd len="sm" w="sm" type="none"/>
-            <a:tailEnd len="sm" w="sm" type="none"/>
+            <a:headEnd type="none" w="sm" len="sm"/>
+            <a:tailEnd type="none" w="sm" len="sm"/>
           </a:ln>
         </p:spPr>
         <p:txBody>
-          <a:bodyPr anchorCtr="0" anchor="ctr" bIns="91425" lIns="91425" spcFirstLastPara="1" rIns="91425" wrap="square" tIns="91425">
+          <a:bodyPr spcFirstLastPara="1" wrap="square" lIns="91425" tIns="91425" rIns="91425" bIns="91425" anchor="ctr" anchorCtr="0">
             <a:noAutofit/>
           </a:bodyPr>
           <a:lstStyle/>
           <a:p>
-            <a:pPr indent="0" lvl="0" marL="0" rtl="0" algn="l">
+            <a:pPr marL="0" lvl="0" indent="0" algn="l" rtl="0">
               <a:spcBef>
                 <a:spcPts val="0"/>
               </a:spcBef>
@@ -8229,7 +8569,7 @@
             <a:endParaRPr sz="900"/>
           </a:p>
           <a:p>
-            <a:pPr indent="0" lvl="0" marL="0" rtl="0" algn="l">
+            <a:pPr marL="0" lvl="0" indent="0" algn="l" rtl="0">
               <a:spcBef>
                 <a:spcPts val="0"/>
               </a:spcBef>
@@ -8266,12 +8606,12 @@
           </a:ln>
         </p:spPr>
         <p:txBody>
-          <a:bodyPr anchorCtr="0" anchor="t" bIns="91425" lIns="91425" spcFirstLastPara="1" rIns="91425" wrap="square" tIns="91425">
+          <a:bodyPr spcFirstLastPara="1" wrap="square" lIns="91425" tIns="91425" rIns="91425" bIns="91425" anchor="t" anchorCtr="0">
             <a:noAutofit/>
           </a:bodyPr>
           <a:lstStyle/>
           <a:p>
-            <a:pPr indent="0" lvl="0" marL="0" rtl="0" algn="l">
+            <a:pPr marL="0" lvl="0" indent="0" algn="l" rtl="0">
               <a:spcBef>
                 <a:spcPts val="0"/>
               </a:spcBef>
@@ -8301,29 +8641,29 @@
           </a:xfrm>
           <a:prstGeom prst="roundRect">
             <a:avLst>
-              <a:gd fmla="val 16667" name="adj"/>
+              <a:gd name="adj" fmla="val 16667"/>
             </a:avLst>
           </a:prstGeom>
           <a:solidFill>
             <a:schemeClr val="lt2"/>
           </a:solidFill>
-          <a:ln cap="flat" cmpd="sng" w="9525">
+          <a:ln w="9525" cap="flat" cmpd="sng">
             <a:solidFill>
               <a:schemeClr val="dk2"/>
             </a:solidFill>
             <a:prstDash val="solid"/>
             <a:round/>
-            <a:headEnd len="sm" w="sm" type="none"/>
-            <a:tailEnd len="sm" w="sm" type="none"/>
+            <a:headEnd type="none" w="sm" len="sm"/>
+            <a:tailEnd type="none" w="sm" len="sm"/>
           </a:ln>
         </p:spPr>
         <p:txBody>
-          <a:bodyPr anchorCtr="0" anchor="ctr" bIns="91425" lIns="91425" spcFirstLastPara="1" rIns="91425" wrap="square" tIns="91425">
+          <a:bodyPr spcFirstLastPara="1" wrap="square" lIns="91425" tIns="91425" rIns="91425" bIns="91425" anchor="ctr" anchorCtr="0">
             <a:noAutofit/>
           </a:bodyPr>
           <a:lstStyle/>
           <a:p>
-            <a:pPr indent="0" lvl="0" marL="0" rtl="0" algn="l">
+            <a:pPr marL="0" lvl="0" indent="0" algn="l" rtl="0">
               <a:spcBef>
                 <a:spcPts val="0"/>
               </a:spcBef>
@@ -8360,12 +8700,12 @@
           </a:ln>
         </p:spPr>
         <p:txBody>
-          <a:bodyPr anchorCtr="0" anchor="t" bIns="91425" lIns="91425" spcFirstLastPara="1" rIns="91425" wrap="square" tIns="91425">
+          <a:bodyPr spcFirstLastPara="1" wrap="square" lIns="91425" tIns="91425" rIns="91425" bIns="91425" anchor="t" anchorCtr="0">
             <a:noAutofit/>
           </a:bodyPr>
           <a:lstStyle/>
           <a:p>
-            <a:pPr indent="0" lvl="0" marL="0" rtl="0" algn="l">
+            <a:pPr marL="0" lvl="0" indent="0" algn="l" rtl="0">
               <a:spcBef>
                 <a:spcPts val="0"/>
               </a:spcBef>
@@ -8391,11 +8731,11 @@
 </file>
 
 <file path=ppt/slides/slide4.xml><?xml version="1.0" encoding="utf-8"?>
-<p:sld xmlns:a="http://schemas.openxmlformats.org/drawingml/2006/main" xmlns:r="http://schemas.openxmlformats.org/officeDocument/2006/relationships" xmlns:mc="http://schemas.openxmlformats.org/markup-compatibility/2006" xmlns:mv="urn:schemas-microsoft-com:mac:vml" xmlns:p="http://schemas.openxmlformats.org/presentationml/2006/main" xmlns:c="http://schemas.openxmlformats.org/drawingml/2006/chart" xmlns:dgm="http://schemas.openxmlformats.org/drawingml/2006/diagram" xmlns:o="urn:schemas-microsoft-com:office:office" xmlns:v="urn:schemas-microsoft-com:vml" xmlns:pvml="urn:schemas-microsoft-com:office:powerpoint" xmlns:com="http://schemas.openxmlformats.org/drawingml/2006/compatibility" xmlns:p14="http://schemas.microsoft.com/office/powerpoint/2010/main" xmlns:p15="http://schemas.microsoft.com/office/powerpoint/2012/main" xmlns:ahyp="http://schemas.microsoft.com/office/drawing/2018/hyperlinkcolor">
+<p:sld xmlns:a="http://schemas.openxmlformats.org/drawingml/2006/main" xmlns:r="http://schemas.openxmlformats.org/officeDocument/2006/relationships" xmlns:p="http://schemas.openxmlformats.org/presentationml/2006/main">
   <p:cSld>
     <p:spTree>
       <p:nvGrpSpPr>
-        <p:cNvPr id="89" name="Shape 89"/>
+        <p:cNvPr id="1" name="Shape 89"/>
         <p:cNvGrpSpPr/>
         <p:nvPr/>
       </p:nvGrpSpPr>
@@ -8415,34 +8755,34 @@
         </p:nvSpPr>
         <p:spPr>
           <a:xfrm>
-            <a:off x="511300" y="259475"/>
-            <a:ext cx="3663000" cy="3594300"/>
+            <a:off x="511300" y="259474"/>
+            <a:ext cx="3663000" cy="3767919"/>
           </a:xfrm>
           <a:prstGeom prst="snip1Rect">
             <a:avLst>
-              <a:gd fmla="val 16667" name="adj"/>
+              <a:gd name="adj" fmla="val 16667"/>
             </a:avLst>
           </a:prstGeom>
           <a:solidFill>
             <a:schemeClr val="lt2"/>
           </a:solidFill>
-          <a:ln cap="flat" cmpd="sng" w="9525">
+          <a:ln w="9525" cap="flat" cmpd="sng">
             <a:solidFill>
               <a:schemeClr val="dk2"/>
             </a:solidFill>
             <a:prstDash val="solid"/>
             <a:round/>
-            <a:headEnd len="sm" w="sm" type="none"/>
-            <a:tailEnd len="sm" w="sm" type="none"/>
+            <a:headEnd type="none" w="sm" len="sm"/>
+            <a:tailEnd type="none" w="sm" len="sm"/>
           </a:ln>
         </p:spPr>
         <p:txBody>
-          <a:bodyPr anchorCtr="0" anchor="t" bIns="91425" lIns="91425" spcFirstLastPara="1" rIns="91425" wrap="square" tIns="91425">
+          <a:bodyPr spcFirstLastPara="1" wrap="square" lIns="91425" tIns="91425" rIns="91425" bIns="91425" anchor="t" anchorCtr="0">
             <a:noAutofit/>
           </a:bodyPr>
           <a:lstStyle/>
           <a:p>
-            <a:pPr indent="0" lvl="0" marL="0" rtl="0" algn="l">
+            <a:pPr marL="0" lvl="0" indent="0" algn="l" rtl="0">
               <a:spcBef>
                 <a:spcPts val="0"/>
               </a:spcBef>
@@ -8457,21 +8797,21 @@
               <a:buNone/>
             </a:pPr>
             <a:r>
-              <a:rPr lang="ko" sz="900">
+              <a:rPr lang="ko" sz="900" dirty="0">
                 <a:solidFill>
                   <a:schemeClr val="dk1"/>
                 </a:solidFill>
               </a:rPr>
               <a:t>DWORD WINAPI WorkerThread() </a:t>
             </a:r>
-            <a:endParaRPr sz="900">
+            <a:endParaRPr sz="900" dirty="0">
               <a:solidFill>
                 <a:schemeClr val="dk1"/>
               </a:solidFill>
             </a:endParaRPr>
           </a:p>
           <a:p>
-            <a:pPr indent="0" lvl="0" marL="0" rtl="0" algn="l">
+            <a:pPr marL="0" lvl="0" indent="0" algn="l" rtl="0">
               <a:spcBef>
                 <a:spcPts val="0"/>
               </a:spcBef>
@@ -8486,21 +8826,21 @@
               <a:buNone/>
             </a:pPr>
             <a:r>
-              <a:rPr lang="ko" sz="900">
+              <a:rPr lang="ko" sz="900" dirty="0">
                 <a:solidFill>
                   <a:schemeClr val="dk1"/>
                 </a:solidFill>
               </a:rPr>
               <a:t>{</a:t>
             </a:r>
-            <a:endParaRPr sz="900">
+            <a:endParaRPr sz="900" dirty="0">
               <a:solidFill>
                 <a:schemeClr val="dk1"/>
               </a:solidFill>
             </a:endParaRPr>
           </a:p>
           <a:p>
-            <a:pPr indent="0" lvl="0" marL="0" rtl="0" algn="l">
+            <a:pPr marL="0" lvl="0" indent="0" algn="l" rtl="0">
               <a:spcBef>
                 <a:spcPts val="0"/>
               </a:spcBef>
@@ -8515,21 +8855,21 @@
               <a:buNone/>
             </a:pPr>
             <a:r>
-              <a:rPr lang="ko" sz="900">
+              <a:rPr lang="ko" sz="900" dirty="0">
                 <a:solidFill>
                   <a:schemeClr val="dk1"/>
                 </a:solidFill>
               </a:rPr>
               <a:t>       WaitForSingleObject(stop);</a:t>
             </a:r>
-            <a:endParaRPr sz="900">
+            <a:endParaRPr sz="900" dirty="0">
               <a:solidFill>
                 <a:schemeClr val="dk1"/>
               </a:solidFill>
             </a:endParaRPr>
           </a:p>
           <a:p>
-            <a:pPr indent="0" lvl="0" marL="0" rtl="0" algn="l">
+            <a:pPr marL="0" lvl="0" indent="0" algn="l" rtl="0">
               <a:spcBef>
                 <a:spcPts val="0"/>
               </a:spcBef>
@@ -8544,21 +8884,21 @@
               <a:buNone/>
             </a:pPr>
             <a:r>
-              <a:rPr lang="ko" sz="900">
+              <a:rPr lang="ko" sz="900" dirty="0">
                 <a:solidFill>
                   <a:schemeClr val="dk1"/>
                 </a:solidFill>
               </a:rPr>
               <a:t>       </a:t>
             </a:r>
-            <a:endParaRPr sz="900">
+            <a:endParaRPr sz="900" dirty="0">
               <a:solidFill>
                 <a:schemeClr val="dk1"/>
               </a:solidFill>
             </a:endParaRPr>
           </a:p>
           <a:p>
-            <a:pPr indent="0" lvl="0" marL="0" rtl="0" algn="l">
+            <a:pPr marL="0" lvl="0" indent="0" algn="l" rtl="0">
               <a:spcBef>
                 <a:spcPts val="0"/>
               </a:spcBef>
@@ -8573,21 +8913,21 @@
               <a:buNone/>
             </a:pPr>
             <a:r>
-              <a:rPr lang="ko" sz="900">
+              <a:rPr lang="ko" sz="900" dirty="0">
                 <a:solidFill>
                   <a:schemeClr val="dk1"/>
                 </a:solidFill>
               </a:rPr>
               <a:t>       while(true) {</a:t>
             </a:r>
-            <a:endParaRPr sz="900">
+            <a:endParaRPr lang="en-US" altLang="ko" sz="900" dirty="0">
               <a:solidFill>
                 <a:schemeClr val="dk1"/>
               </a:solidFill>
             </a:endParaRPr>
           </a:p>
           <a:p>
-            <a:pPr indent="0" lvl="0" marL="0" rtl="0" algn="l">
+            <a:pPr marL="0" lvl="0" indent="0" algn="l" rtl="0">
               <a:spcBef>
                 <a:spcPts val="0"/>
               </a:spcBef>
@@ -8602,21 +8942,58 @@
               <a:buNone/>
             </a:pPr>
             <a:r>
-              <a:rPr lang="ko" sz="900">
+              <a:rPr lang="en-US" sz="900" dirty="0">
+                <a:solidFill>
+                  <a:schemeClr val="dk1"/>
+                </a:solidFill>
+              </a:rPr>
+              <a:t>// </a:t>
+            </a:r>
+            <a:r>
+              <a:rPr lang="ko-KR" altLang="en-US" sz="900" dirty="0">
+                <a:solidFill>
+                  <a:schemeClr val="dk1"/>
+                </a:solidFill>
+              </a:rPr>
+              <a:t>임계 영역 진입</a:t>
+            </a:r>
+            <a:endParaRPr sz="900" dirty="0">
+              <a:solidFill>
+                <a:schemeClr val="dk1"/>
+              </a:solidFill>
+            </a:endParaRPr>
+          </a:p>
+          <a:p>
+            <a:pPr marL="0" lvl="0" indent="0" algn="l" rtl="0">
+              <a:spcBef>
+                <a:spcPts val="0"/>
+              </a:spcBef>
+              <a:spcAft>
+                <a:spcPts val="0"/>
+              </a:spcAft>
+              <a:buClr>
+                <a:schemeClr val="dk1"/>
+              </a:buClr>
+              <a:buSzPts val="1100"/>
+              <a:buFont typeface="Arial"/>
+              <a:buNone/>
+            </a:pPr>
+            <a:r>
+              <a:rPr lang="ko" sz="900" dirty="0">
                 <a:solidFill>
                   <a:schemeClr val="dk1"/>
                 </a:solidFill>
               </a:rPr>
               <a:t>       HandleInputEvent(InputEventQueue);</a:t>
             </a:r>
-            <a:endParaRPr sz="900">
+            <a:endParaRPr lang="en-US" altLang="ko" sz="900" dirty="0">
               <a:solidFill>
                 <a:schemeClr val="dk1"/>
               </a:solidFill>
             </a:endParaRPr>
           </a:p>
           <a:p>
-            <a:pPr indent="0" lvl="0" marL="0" rtl="0" algn="l">
+            <a:pPr marL="0" lvl="0" indent="0" algn="l" rtl="0">
               <a:spcBef>
                 <a:spcPts val="0"/>
               </a:spcBef>
@@ -8631,66 +9008,58 @@
               <a:buNone/>
             </a:pPr>
             <a:r>
-              <a:rPr lang="ko" sz="900">
+              <a:rPr lang="en-US" sz="900" dirty="0">
                 <a:solidFill>
                   <a:schemeClr val="dk1"/>
                 </a:solidFill>
               </a:rPr>
-              <a:t>       </a:t>
-            </a:r>
-            <a:endParaRPr sz="900">
-              <a:solidFill>
-                <a:schemeClr val="dk1"/>
-              </a:solidFill>
-            </a:endParaRPr>
-          </a:p>
-          <a:p>
-            <a:pPr indent="0" lvl="0" marL="0" rtl="0" algn="l">
-              <a:spcBef>
-                <a:spcPts val="0"/>
-              </a:spcBef>
-              <a:spcAft>
-                <a:spcPts val="0"/>
-              </a:spcAft>
-              <a:buClr>
-                <a:schemeClr val="dk1"/>
-              </a:buClr>
-              <a:buSzPts val="1100"/>
-              <a:buFont typeface="Arial"/>
-              <a:buNone/>
-            </a:pPr>
-            <a:r>
-              <a:rPr lang="ko" sz="900">
+              <a:t>// </a:t>
+            </a:r>
+            <a:r>
+              <a:rPr lang="ko-KR" altLang="en-US" sz="900" dirty="0">
                 <a:solidFill>
                   <a:schemeClr val="dk1"/>
                 </a:solidFill>
               </a:rPr>
-              <a:t>       st</a:t>
-            </a:r>
-            <a:r>
-              <a:rPr lang="ko" sz="900">
+              <a:t>임계 영역 탈출</a:t>
+            </a:r>
+            <a:endParaRPr sz="900" dirty="0">
+              <a:solidFill>
+                <a:schemeClr val="dk1"/>
+              </a:solidFill>
+            </a:endParaRPr>
+          </a:p>
+          <a:p>
+            <a:pPr marL="0" lvl="0" indent="0" algn="l" rtl="0">
+              <a:spcBef>
+                <a:spcPts val="0"/>
+              </a:spcBef>
+              <a:spcAft>
+                <a:spcPts val="0"/>
+              </a:spcAft>
+              <a:buClr>
+                <a:schemeClr val="dk1"/>
+              </a:buClr>
+              <a:buSzPts val="1100"/>
+              <a:buFont typeface="Arial"/>
+              <a:buNone/>
+            </a:pPr>
+            <a:r>
+              <a:rPr lang="ko" sz="900" dirty="0">
                 <a:solidFill>
                   <a:schemeClr val="dk1"/>
                 </a:solidFill>
               </a:rPr>
-              <a:t>ep1. Transform Matrix</a:t>
-            </a:r>
-            <a:r>
-              <a:rPr lang="ko" sz="900">
-                <a:solidFill>
-                  <a:schemeClr val="dk1"/>
-                </a:solidFill>
-              </a:rPr>
-              <a:t> Update</a:t>
-            </a:r>
-            <a:endParaRPr sz="900">
+              <a:t>       step1. Transform Matrix Update</a:t>
+            </a:r>
+            <a:endParaRPr sz="900" dirty="0">
               <a:solidFill>
                 <a:schemeClr val="dk1"/>
               </a:solidFill>
             </a:endParaRPr>
           </a:p>
           <a:p>
-            <a:pPr indent="0" lvl="0" marL="0" rtl="0" algn="l">
+            <a:pPr marL="0" lvl="0" indent="0" algn="l" rtl="0">
               <a:spcBef>
                 <a:spcPts val="0"/>
               </a:spcBef>
@@ -8704,17 +9073,14 @@
               <a:buFont typeface="Arial"/>
               <a:buNone/>
             </a:pPr>
-            <a:r>
-              <a:t/>
-            </a:r>
-            <a:endParaRPr sz="900">
+            <a:endParaRPr sz="900" dirty="0">
               <a:solidFill>
                 <a:schemeClr val="dk1"/>
               </a:solidFill>
             </a:endParaRPr>
           </a:p>
           <a:p>
-            <a:pPr indent="0" lvl="0" marL="0" rtl="0" algn="l">
+            <a:pPr marL="0" lvl="0" indent="0" algn="l" rtl="0">
               <a:spcBef>
                 <a:spcPts val="0"/>
               </a:spcBef>
@@ -8729,21 +9095,21 @@
               <a:buNone/>
             </a:pPr>
             <a:r>
-              <a:rPr lang="ko" sz="900">
+              <a:rPr lang="ko" sz="900" dirty="0">
                 <a:solidFill>
                   <a:schemeClr val="dk1"/>
                 </a:solidFill>
               </a:rPr>
               <a:t>       step2. Collider Transform Update</a:t>
             </a:r>
-            <a:endParaRPr sz="900">
+            <a:endParaRPr sz="900" dirty="0">
               <a:solidFill>
                 <a:schemeClr val="dk1"/>
               </a:solidFill>
             </a:endParaRPr>
           </a:p>
           <a:p>
-            <a:pPr indent="0" lvl="0" marL="0" rtl="0" algn="l">
+            <a:pPr marL="0" lvl="0" indent="0" algn="l" rtl="0">
               <a:spcBef>
                 <a:spcPts val="0"/>
               </a:spcBef>
@@ -8757,17 +9123,14 @@
               <a:buFont typeface="Arial"/>
               <a:buNone/>
             </a:pPr>
-            <a:r>
-              <a:t/>
-            </a:r>
-            <a:endParaRPr sz="900">
+            <a:endParaRPr sz="900" dirty="0">
               <a:solidFill>
                 <a:schemeClr val="dk1"/>
               </a:solidFill>
             </a:endParaRPr>
           </a:p>
           <a:p>
-            <a:pPr indent="0" lvl="0" marL="0" rtl="0" algn="l">
+            <a:pPr marL="0" lvl="0" indent="0" algn="l" rtl="0">
               <a:spcBef>
                 <a:spcPts val="0"/>
               </a:spcBef>
@@ -8782,21 +9145,21 @@
               <a:buNone/>
             </a:pPr>
             <a:r>
-              <a:rPr lang="ko" sz="900">
+              <a:rPr lang="ko" sz="900" dirty="0">
                 <a:solidFill>
                   <a:schemeClr val="dk1"/>
                 </a:solidFill>
               </a:rPr>
               <a:t>       step3. Collision check</a:t>
             </a:r>
-            <a:endParaRPr sz="900">
+            <a:endParaRPr sz="900" dirty="0">
               <a:solidFill>
                 <a:schemeClr val="dk1"/>
               </a:solidFill>
             </a:endParaRPr>
           </a:p>
           <a:p>
-            <a:pPr indent="0" lvl="0" marL="0" rtl="0" algn="l">
+            <a:pPr marL="0" lvl="0" indent="0" algn="l" rtl="0">
               <a:spcBef>
                 <a:spcPts val="0"/>
               </a:spcBef>
@@ -8810,17 +9173,14 @@
               <a:buFont typeface="Arial"/>
               <a:buNone/>
             </a:pPr>
-            <a:r>
-              <a:t/>
-            </a:r>
-            <a:endParaRPr sz="900">
+            <a:endParaRPr sz="900" dirty="0">
               <a:solidFill>
                 <a:schemeClr val="dk1"/>
               </a:solidFill>
             </a:endParaRPr>
           </a:p>
           <a:p>
-            <a:pPr indent="0" lvl="0" marL="0" rtl="0" algn="l">
+            <a:pPr marL="0" lvl="0" indent="0" algn="l" rtl="0">
               <a:spcBef>
                 <a:spcPts val="0"/>
               </a:spcBef>
@@ -8835,21 +9195,21 @@
               <a:buNone/>
             </a:pPr>
             <a:r>
-              <a:rPr lang="ko" sz="900">
+              <a:rPr lang="ko" sz="900" dirty="0">
                 <a:solidFill>
                   <a:schemeClr val="dk1"/>
                 </a:solidFill>
               </a:rPr>
               <a:t>       step4. Collision handling</a:t>
             </a:r>
-            <a:endParaRPr sz="900">
+            <a:endParaRPr sz="900" dirty="0">
               <a:solidFill>
                 <a:schemeClr val="dk1"/>
               </a:solidFill>
             </a:endParaRPr>
           </a:p>
           <a:p>
-            <a:pPr indent="0" lvl="0" marL="0" rtl="0" algn="l">
+            <a:pPr marL="0" lvl="0" indent="0" algn="l" rtl="0">
               <a:spcBef>
                 <a:spcPts val="0"/>
               </a:spcBef>
@@ -8863,17 +9223,14 @@
               <a:buFont typeface="Arial"/>
               <a:buNone/>
             </a:pPr>
-            <a:r>
-              <a:t/>
-            </a:r>
-            <a:endParaRPr sz="900">
+            <a:endParaRPr sz="900" dirty="0">
               <a:solidFill>
                 <a:schemeClr val="dk1"/>
               </a:solidFill>
             </a:endParaRPr>
           </a:p>
           <a:p>
-            <a:pPr indent="0" lvl="0" marL="0" rtl="0" algn="l">
+            <a:pPr marL="0" lvl="0" indent="0" algn="l" rtl="0">
               <a:spcBef>
                 <a:spcPts val="0"/>
               </a:spcBef>
@@ -8888,21 +9245,21 @@
               <a:buNone/>
             </a:pPr>
             <a:r>
-              <a:rPr lang="ko" sz="900">
+              <a:rPr lang="ko" sz="900" dirty="0">
                 <a:solidFill>
                   <a:schemeClr val="dk1"/>
                 </a:solidFill>
               </a:rPr>
               <a:t>       send(client_socket[0], (char*)packet_num,sizeof(int), 0);</a:t>
             </a:r>
-            <a:endParaRPr sz="900">
+            <a:endParaRPr sz="900" dirty="0">
               <a:solidFill>
                 <a:schemeClr val="dk1"/>
               </a:solidFill>
             </a:endParaRPr>
           </a:p>
           <a:p>
-            <a:pPr indent="0" lvl="0" marL="0" rtl="0" algn="l">
+            <a:pPr marL="0" lvl="0" indent="0" algn="l" rtl="0">
               <a:spcBef>
                 <a:spcPts val="0"/>
               </a:spcBef>
@@ -8917,29 +9274,21 @@
               <a:buNone/>
             </a:pPr>
             <a:r>
-              <a:rPr lang="ko" sz="900">
+              <a:rPr lang="ko" sz="900" dirty="0">
                 <a:solidFill>
                   <a:schemeClr val="dk1"/>
                 </a:solidFill>
               </a:rPr>
-              <a:t>       </a:t>
-            </a:r>
-            <a:r>
-              <a:rPr lang="ko" sz="900">
-                <a:solidFill>
-                  <a:schemeClr val="dk1"/>
-                </a:solidFill>
-              </a:rPr>
-              <a:t>send(client_socket[1], (char*)packet_num,sizeof(int), 0);</a:t>
-            </a:r>
-            <a:endParaRPr sz="900">
+              <a:t>       send(client_socket[1], (char*)packet_num,sizeof(int), 0);</a:t>
+            </a:r>
+            <a:endParaRPr sz="900" dirty="0">
               <a:solidFill>
                 <a:schemeClr val="dk1"/>
               </a:solidFill>
             </a:endParaRPr>
           </a:p>
           <a:p>
-            <a:pPr indent="0" lvl="0" marL="0" rtl="0" algn="l">
+            <a:pPr marL="0" lvl="0" indent="0" algn="l" rtl="0">
               <a:spcBef>
                 <a:spcPts val="0"/>
               </a:spcBef>
@@ -8953,17 +9302,14 @@
               <a:buFont typeface="Arial"/>
               <a:buNone/>
             </a:pPr>
-            <a:r>
-              <a:t/>
-            </a:r>
-            <a:endParaRPr sz="900">
+            <a:endParaRPr sz="900" dirty="0">
               <a:solidFill>
                 <a:schemeClr val="dk1"/>
               </a:solidFill>
             </a:endParaRPr>
           </a:p>
           <a:p>
-            <a:pPr indent="0" lvl="0" marL="0" rtl="0" algn="l">
+            <a:pPr marL="0" lvl="0" indent="0" algn="l" rtl="0">
               <a:spcBef>
                 <a:spcPts val="0"/>
               </a:spcBef>
@@ -8978,21 +9324,21 @@
               <a:buNone/>
             </a:pPr>
             <a:r>
-              <a:rPr lang="ko" sz="900">
+              <a:rPr lang="ko" sz="900" dirty="0">
                 <a:solidFill>
                   <a:schemeClr val="dk1"/>
                 </a:solidFill>
               </a:rPr>
               <a:t>       for(int i = 0 ; i &lt; packet_num ; i++)</a:t>
             </a:r>
-            <a:endParaRPr sz="900">
+            <a:endParaRPr sz="900" dirty="0">
               <a:solidFill>
                 <a:schemeClr val="dk1"/>
               </a:solidFill>
             </a:endParaRPr>
           </a:p>
           <a:p>
-            <a:pPr indent="457200" lvl="0" marL="0" rtl="0" algn="l">
+            <a:pPr marL="0" lvl="0" indent="457200" algn="l" rtl="0">
               <a:spcBef>
                 <a:spcPts val="0"/>
               </a:spcBef>
@@ -9007,21 +9353,21 @@
               <a:buNone/>
             </a:pPr>
             <a:r>
-              <a:rPr lang="ko" sz="900">
+              <a:rPr lang="ko" sz="900" dirty="0">
                 <a:solidFill>
                   <a:schemeClr val="dk1"/>
                 </a:solidFill>
               </a:rPr>
               <a:t>send(client_socket[0],(char*)BUF,sizeof(),0);</a:t>
             </a:r>
-            <a:endParaRPr sz="900">
+            <a:endParaRPr sz="900" dirty="0">
               <a:solidFill>
                 <a:schemeClr val="dk1"/>
               </a:solidFill>
             </a:endParaRPr>
           </a:p>
           <a:p>
-            <a:pPr indent="457200" lvl="0" marL="0" rtl="0" algn="l">
+            <a:pPr marL="0" lvl="0" indent="457200" algn="l" rtl="0">
               <a:spcBef>
                 <a:spcPts val="0"/>
               </a:spcBef>
@@ -9036,29 +9382,21 @@
               <a:buNone/>
             </a:pPr>
             <a:r>
-              <a:rPr lang="ko" sz="900">
+              <a:rPr lang="ko" sz="900" dirty="0">
                 <a:solidFill>
                   <a:schemeClr val="dk1"/>
                 </a:solidFill>
               </a:rPr>
-              <a:t>send(client_socket[1],(char*)BUF,sizeof(),0);</a:t>
-            </a:r>
-            <a:r>
-              <a:rPr lang="ko" sz="900">
-                <a:solidFill>
-                  <a:schemeClr val="dk1"/>
-                </a:solidFill>
-              </a:rPr>
-              <a:t> </a:t>
-            </a:r>
-            <a:endParaRPr sz="900">
+              <a:t>send(client_socket[1],(char*)BUF,sizeof(),0); </a:t>
+            </a:r>
+            <a:endParaRPr sz="900" dirty="0">
               <a:solidFill>
                 <a:schemeClr val="dk1"/>
               </a:solidFill>
             </a:endParaRPr>
           </a:p>
           <a:p>
-            <a:pPr indent="0" lvl="0" marL="0" rtl="0" algn="l">
+            <a:pPr marL="0" lvl="0" indent="0" algn="l" rtl="0">
               <a:spcBef>
                 <a:spcPts val="0"/>
               </a:spcBef>
@@ -9073,21 +9411,21 @@
               <a:buNone/>
             </a:pPr>
             <a:r>
-              <a:rPr lang="ko" sz="900">
+              <a:rPr lang="ko" sz="900" dirty="0">
                 <a:solidFill>
                   <a:schemeClr val="dk1"/>
                 </a:solidFill>
               </a:rPr>
               <a:t>       }</a:t>
             </a:r>
-            <a:endParaRPr sz="900">
+            <a:endParaRPr sz="900" dirty="0">
               <a:solidFill>
                 <a:schemeClr val="dk1"/>
               </a:solidFill>
             </a:endParaRPr>
           </a:p>
           <a:p>
-            <a:pPr indent="0" lvl="0" marL="0" rtl="0" algn="l">
+            <a:pPr marL="0" lvl="0" indent="0" algn="l" rtl="0">
               <a:spcBef>
                 <a:spcPts val="0"/>
               </a:spcBef>
@@ -9102,14 +9440,14 @@
               <a:buNone/>
             </a:pPr>
             <a:r>
-              <a:rPr lang="ko" sz="900">
+              <a:rPr lang="ko" sz="900" dirty="0">
                 <a:solidFill>
                   <a:schemeClr val="dk1"/>
                 </a:solidFill>
               </a:rPr>
               <a:t>}</a:t>
             </a:r>
-            <a:endParaRPr sz="900">
+            <a:endParaRPr sz="900" dirty="0">
               <a:solidFill>
                 <a:schemeClr val="dk1"/>
               </a:solidFill>
@@ -9134,23 +9472,23 @@
           <a:solidFill>
             <a:schemeClr val="lt2"/>
           </a:solidFill>
-          <a:ln cap="flat" cmpd="sng" w="9525">
+          <a:ln w="9525" cap="flat" cmpd="sng">
             <a:solidFill>
               <a:schemeClr val="dk2"/>
             </a:solidFill>
             <a:prstDash val="solid"/>
             <a:round/>
-            <a:headEnd len="sm" w="sm" type="none"/>
-            <a:tailEnd len="sm" w="sm" type="none"/>
+            <a:headEnd type="none" w="sm" len="sm"/>
+            <a:tailEnd type="none" w="sm" len="sm"/>
           </a:ln>
         </p:spPr>
         <p:txBody>
-          <a:bodyPr anchorCtr="0" anchor="ctr" bIns="91425" lIns="91425" spcFirstLastPara="1" rIns="91425" wrap="square" tIns="91425">
+          <a:bodyPr spcFirstLastPara="1" wrap="square" lIns="91425" tIns="91425" rIns="91425" bIns="91425" anchor="ctr" anchorCtr="0">
             <a:noAutofit/>
           </a:bodyPr>
           <a:lstStyle/>
           <a:p>
-            <a:pPr indent="0" lvl="0" marL="0" rtl="0" algn="l">
+            <a:pPr marL="0" lvl="0" indent="0" algn="l" rtl="0">
               <a:spcBef>
                 <a:spcPts val="0"/>
               </a:spcBef>
@@ -9187,71 +9525,65 @@
           </a:ln>
         </p:spPr>
         <p:txBody>
-          <a:bodyPr anchorCtr="0" anchor="t" bIns="91425" lIns="91425" spcFirstLastPara="1" rIns="91425" wrap="square" tIns="91425">
+          <a:bodyPr spcFirstLastPara="1" wrap="square" lIns="91425" tIns="91425" rIns="91425" bIns="91425" anchor="t" anchorCtr="0">
             <a:noAutofit/>
           </a:bodyPr>
           <a:lstStyle/>
           <a:p>
-            <a:pPr indent="0" lvl="0" marL="0" rtl="0" algn="l">
-              <a:spcBef>
-                <a:spcPts val="0"/>
-              </a:spcBef>
-              <a:spcAft>
-                <a:spcPts val="0"/>
-              </a:spcAft>
-              <a:buNone/>
-            </a:pPr>
-            <a:r>
-              <a:rPr lang="ko"/>
+            <a:pPr marL="0" lvl="0" indent="0" algn="l" rtl="0">
+              <a:spcBef>
+                <a:spcPts val="0"/>
+              </a:spcBef>
+              <a:spcAft>
+                <a:spcPts val="0"/>
+              </a:spcAft>
+              <a:buNone/>
+            </a:pPr>
+            <a:r>
+              <a:rPr lang="ko" dirty="0"/>
               <a:t>클라이언트 소켓은  array로 관리</a:t>
             </a:r>
-            <a:endParaRPr/>
-          </a:p>
-          <a:p>
-            <a:pPr indent="0" lvl="0" marL="0" rtl="0" algn="l">
-              <a:spcBef>
-                <a:spcPts val="0"/>
-              </a:spcBef>
-              <a:spcAft>
-                <a:spcPts val="0"/>
-              </a:spcAft>
-              <a:buNone/>
-            </a:pPr>
-            <a:r>
-              <a:t/>
-            </a:r>
-            <a:endParaRPr/>
-          </a:p>
-          <a:p>
-            <a:pPr indent="0" lvl="0" marL="0" rtl="0" algn="l">
-              <a:spcBef>
-                <a:spcPts val="0"/>
-              </a:spcBef>
-              <a:spcAft>
-                <a:spcPts val="0"/>
-              </a:spcAft>
-              <a:buNone/>
-            </a:pPr>
-            <a:r>
-              <a:rPr lang="ko"/>
+            <a:endParaRPr dirty="0"/>
+          </a:p>
+          <a:p>
+            <a:pPr marL="0" lvl="0" indent="0" algn="l" rtl="0">
+              <a:spcBef>
+                <a:spcPts val="0"/>
+              </a:spcBef>
+              <a:spcAft>
+                <a:spcPts val="0"/>
+              </a:spcAft>
+              <a:buNone/>
+            </a:pPr>
+            <a:endParaRPr dirty="0"/>
+          </a:p>
+          <a:p>
+            <a:pPr marL="0" lvl="0" indent="0" algn="l" rtl="0">
+              <a:spcBef>
+                <a:spcPts val="0"/>
+              </a:spcBef>
+              <a:spcAft>
+                <a:spcPts val="0"/>
+              </a:spcAft>
+              <a:buNone/>
+            </a:pPr>
+            <a:r>
+              <a:rPr lang="ko" dirty="0"/>
               <a:t>worker thread에서 전송될 패킷들은 list를 통해서 관리한다. 각기 다른 패킷을 한 list에 담기 위해서 상속을 통해 구현한다.</a:t>
             </a:r>
-            <a:endParaRPr/>
-          </a:p>
-          <a:p>
-            <a:pPr indent="0" lvl="0" marL="0" rtl="0" algn="l">
-              <a:spcBef>
-                <a:spcPts val="0"/>
-              </a:spcBef>
-              <a:spcAft>
-                <a:spcPts val="0"/>
-              </a:spcAft>
-              <a:buNone/>
-            </a:pPr>
-            <a:r>
-              <a:t/>
-            </a:r>
-            <a:endParaRPr/>
+            <a:endParaRPr dirty="0"/>
+          </a:p>
+          <a:p>
+            <a:pPr marL="0" lvl="0" indent="0" algn="l" rtl="0">
+              <a:spcBef>
+                <a:spcPts val="0"/>
+              </a:spcBef>
+              <a:spcAft>
+                <a:spcPts val="0"/>
+              </a:spcAft>
+              <a:buNone/>
+            </a:pPr>
+            <a:endParaRPr dirty="0"/>
           </a:p>
         </p:txBody>
       </p:sp>
@@ -9275,12 +9607,12 @@
           </a:ln>
         </p:spPr>
         <p:txBody>
-          <a:bodyPr anchorCtr="0" anchor="t" bIns="91425" lIns="91425" spcFirstLastPara="1" rIns="91425" wrap="square" tIns="91425">
+          <a:bodyPr spcFirstLastPara="1" wrap="square" lIns="91425" tIns="91425" rIns="91425" bIns="91425" anchor="t" anchorCtr="0">
             <a:noAutofit/>
           </a:bodyPr>
           <a:lstStyle/>
           <a:p>
-            <a:pPr indent="0" lvl="0" marL="0" rtl="0" algn="l">
+            <a:pPr marL="0" lvl="0" indent="0" algn="l" rtl="0">
               <a:spcBef>
                 <a:spcPts val="0"/>
               </a:spcBef>
@@ -9296,22 +9628,19 @@
             <a:endParaRPr/>
           </a:p>
           <a:p>
-            <a:pPr indent="0" lvl="0" marL="0" rtl="0" algn="l">
-              <a:spcBef>
-                <a:spcPts val="0"/>
-              </a:spcBef>
-              <a:spcAft>
-                <a:spcPts val="0"/>
-              </a:spcAft>
-              <a:buNone/>
-            </a:pPr>
-            <a:r>
-              <a:t/>
-            </a:r>
+            <a:pPr marL="0" lvl="0" indent="0" algn="l" rtl="0">
+              <a:spcBef>
+                <a:spcPts val="0"/>
+              </a:spcBef>
+              <a:spcAft>
+                <a:spcPts val="0"/>
+              </a:spcAft>
+              <a:buNone/>
+            </a:pPr>
             <a:endParaRPr/>
           </a:p>
           <a:p>
-            <a:pPr indent="0" lvl="0" marL="0" rtl="0" algn="l">
+            <a:pPr marL="0" lvl="0" indent="0" algn="l" rtl="0">
               <a:spcBef>
                 <a:spcPts val="0"/>
               </a:spcBef>
@@ -9337,11 +9666,11 @@
 </file>
 
 <file path=ppt/slides/slide5.xml><?xml version="1.0" encoding="utf-8"?>
-<p:sld xmlns:a="http://schemas.openxmlformats.org/drawingml/2006/main" xmlns:r="http://schemas.openxmlformats.org/officeDocument/2006/relationships" xmlns:mc="http://schemas.openxmlformats.org/markup-compatibility/2006" xmlns:mv="urn:schemas-microsoft-com:mac:vml" xmlns:p="http://schemas.openxmlformats.org/presentationml/2006/main" xmlns:c="http://schemas.openxmlformats.org/drawingml/2006/chart" xmlns:dgm="http://schemas.openxmlformats.org/drawingml/2006/diagram" xmlns:o="urn:schemas-microsoft-com:office:office" xmlns:v="urn:schemas-microsoft-com:vml" xmlns:pvml="urn:schemas-microsoft-com:office:powerpoint" xmlns:com="http://schemas.openxmlformats.org/drawingml/2006/compatibility" xmlns:p14="http://schemas.microsoft.com/office/powerpoint/2010/main" xmlns:p15="http://schemas.microsoft.com/office/powerpoint/2012/main" xmlns:ahyp="http://schemas.microsoft.com/office/drawing/2018/hyperlinkcolor">
+<p:sld xmlns:a="http://schemas.openxmlformats.org/drawingml/2006/main" xmlns:r="http://schemas.openxmlformats.org/officeDocument/2006/relationships" xmlns:p="http://schemas.openxmlformats.org/presentationml/2006/main">
   <p:cSld>
     <p:spTree>
       <p:nvGrpSpPr>
-        <p:cNvPr id="97" name="Shape 97"/>
+        <p:cNvPr id="1" name="Shape 97"/>
         <p:cNvGrpSpPr/>
         <p:nvPr/>
       </p:nvGrpSpPr>
@@ -9366,29 +9695,29 @@
           </a:xfrm>
           <a:prstGeom prst="snip1Rect">
             <a:avLst>
-              <a:gd fmla="val 16667" name="adj"/>
+              <a:gd name="adj" fmla="val 16667"/>
             </a:avLst>
           </a:prstGeom>
           <a:solidFill>
             <a:schemeClr val="lt2"/>
           </a:solidFill>
-          <a:ln cap="flat" cmpd="sng" w="9525">
+          <a:ln w="9525" cap="flat" cmpd="sng">
             <a:solidFill>
               <a:schemeClr val="dk2"/>
             </a:solidFill>
             <a:prstDash val="solid"/>
             <a:round/>
-            <a:headEnd len="sm" w="sm" type="none"/>
-            <a:tailEnd len="sm" w="sm" type="none"/>
+            <a:headEnd type="none" w="sm" len="sm"/>
+            <a:tailEnd type="none" w="sm" len="sm"/>
           </a:ln>
         </p:spPr>
         <p:txBody>
-          <a:bodyPr anchorCtr="0" anchor="t" bIns="91425" lIns="91425" spcFirstLastPara="1" rIns="91425" wrap="square" tIns="91425">
+          <a:bodyPr spcFirstLastPara="1" wrap="square" lIns="91425" tIns="91425" rIns="91425" bIns="91425" anchor="t" anchorCtr="0">
             <a:noAutofit/>
           </a:bodyPr>
           <a:lstStyle/>
           <a:p>
-            <a:pPr indent="0" lvl="0" marL="0" rtl="0" algn="l">
+            <a:pPr marL="0" lvl="0" indent="0" algn="l" rtl="0">
               <a:spcBef>
                 <a:spcPts val="0"/>
               </a:spcBef>
@@ -9403,21 +9732,21 @@
               <a:buNone/>
             </a:pPr>
             <a:r>
-              <a:rPr lang="ko" sz="900">
+              <a:rPr lang="ko" sz="900" dirty="0">
                 <a:solidFill>
                   <a:schemeClr val="dk1"/>
                 </a:solidFill>
               </a:rPr>
               <a:t>DWORD WINAPI RecvThread(int client_id) </a:t>
             </a:r>
-            <a:endParaRPr sz="900">
+            <a:endParaRPr sz="900" dirty="0">
               <a:solidFill>
                 <a:schemeClr val="dk1"/>
               </a:solidFill>
             </a:endParaRPr>
           </a:p>
           <a:p>
-            <a:pPr indent="0" lvl="0" marL="0" rtl="0" algn="l">
+            <a:pPr marL="0" lvl="0" indent="0" algn="l" rtl="0">
               <a:spcBef>
                 <a:spcPts val="0"/>
               </a:spcBef>
@@ -9432,21 +9761,21 @@
               <a:buNone/>
             </a:pPr>
             <a:r>
-              <a:rPr lang="ko" sz="900">
+              <a:rPr lang="ko" sz="900" dirty="0">
                 <a:solidFill>
                   <a:schemeClr val="dk1"/>
                 </a:solidFill>
               </a:rPr>
               <a:t>{</a:t>
             </a:r>
-            <a:endParaRPr sz="900">
+            <a:endParaRPr sz="900" dirty="0">
               <a:solidFill>
                 <a:schemeClr val="dk1"/>
               </a:solidFill>
             </a:endParaRPr>
           </a:p>
           <a:p>
-            <a:pPr indent="0" lvl="0" marL="0" rtl="0" algn="l">
+            <a:pPr marL="0" lvl="0" indent="0" algn="l" rtl="0">
               <a:spcBef>
                 <a:spcPts val="0"/>
               </a:spcBef>
@@ -9461,21 +9790,21 @@
               <a:buNone/>
             </a:pPr>
             <a:r>
-              <a:rPr lang="ko" sz="900">
+              <a:rPr lang="ko" sz="900" dirty="0">
                 <a:solidFill>
                   <a:schemeClr val="dk1"/>
                 </a:solidFill>
               </a:rPr>
               <a:t>       WaitForSingleObject(stop);</a:t>
             </a:r>
-            <a:endParaRPr sz="900">
+            <a:endParaRPr sz="900" dirty="0">
               <a:solidFill>
                 <a:schemeClr val="dk1"/>
               </a:solidFill>
             </a:endParaRPr>
           </a:p>
           <a:p>
-            <a:pPr indent="0" lvl="0" marL="0" rtl="0" algn="l">
+            <a:pPr marL="0" lvl="0" indent="0" algn="l" rtl="0">
               <a:spcBef>
                 <a:spcPts val="0"/>
               </a:spcBef>
@@ -9490,21 +9819,21 @@
               <a:buNone/>
             </a:pPr>
             <a:r>
-              <a:rPr lang="ko" sz="900">
+              <a:rPr lang="ko" sz="900" dirty="0">
                 <a:solidFill>
                   <a:schemeClr val="dk1"/>
                 </a:solidFill>
               </a:rPr>
               <a:t>       </a:t>
             </a:r>
-            <a:endParaRPr sz="900">
+            <a:endParaRPr sz="900" dirty="0">
               <a:solidFill>
                 <a:schemeClr val="dk1"/>
               </a:solidFill>
             </a:endParaRPr>
           </a:p>
           <a:p>
-            <a:pPr indent="0" lvl="0" marL="0" rtl="0" algn="l">
+            <a:pPr marL="0" lvl="0" indent="0" algn="l" rtl="0">
               <a:spcBef>
                 <a:spcPts val="0"/>
               </a:spcBef>
@@ -9519,21 +9848,21 @@
               <a:buNone/>
             </a:pPr>
             <a:r>
-              <a:rPr lang="ko" sz="900">
+              <a:rPr lang="ko" sz="900" dirty="0">
                 <a:solidFill>
                   <a:schemeClr val="dk1"/>
                 </a:solidFill>
               </a:rPr>
               <a:t>       while(true) {</a:t>
             </a:r>
-            <a:endParaRPr sz="900">
+            <a:endParaRPr sz="900" dirty="0">
               <a:solidFill>
                 <a:schemeClr val="dk1"/>
               </a:solidFill>
             </a:endParaRPr>
           </a:p>
           <a:p>
-            <a:pPr indent="0" lvl="0" marL="0" rtl="0" algn="l">
+            <a:pPr marL="0" lvl="0" indent="0" algn="l" rtl="0">
               <a:spcBef>
                 <a:spcPts val="0"/>
               </a:spcBef>
@@ -9548,21 +9877,21 @@
               <a:buNone/>
             </a:pPr>
             <a:r>
-              <a:rPr lang="ko" sz="900">
+              <a:rPr lang="ko" sz="900" dirty="0">
                 <a:solidFill>
                   <a:schemeClr val="dk1"/>
                 </a:solidFill>
               </a:rPr>
               <a:t>	char buf;</a:t>
             </a:r>
-            <a:endParaRPr sz="900">
+            <a:endParaRPr sz="900" dirty="0">
               <a:solidFill>
                 <a:schemeClr val="dk1"/>
               </a:solidFill>
             </a:endParaRPr>
           </a:p>
           <a:p>
-            <a:pPr indent="0" lvl="0" marL="0" rtl="0" algn="l">
+            <a:pPr marL="0" lvl="0" indent="0" algn="l" rtl="0">
               <a:spcBef>
                 <a:spcPts val="0"/>
               </a:spcBef>
@@ -9577,21 +9906,21 @@
               <a:buNone/>
             </a:pPr>
             <a:r>
-              <a:rPr lang="ko" sz="900">
+              <a:rPr lang="ko" sz="900" dirty="0">
                 <a:solidFill>
                   <a:schemeClr val="dk1"/>
                 </a:solidFill>
               </a:rPr>
               <a:t>       	int retval = recv(client_socket[client_id],buf,BUFSIZE,MSG_WAITALL);</a:t>
             </a:r>
-            <a:endParaRPr sz="900">
+            <a:endParaRPr sz="900" dirty="0">
               <a:solidFill>
                 <a:schemeClr val="dk1"/>
               </a:solidFill>
             </a:endParaRPr>
           </a:p>
           <a:p>
-            <a:pPr indent="0" lvl="0" marL="0" rtl="0" algn="l">
+            <a:pPr marL="0" lvl="0" indent="0" algn="l" rtl="0">
               <a:spcBef>
                 <a:spcPts val="0"/>
               </a:spcBef>
@@ -9606,21 +9935,21 @@
               <a:buNone/>
             </a:pPr>
             <a:r>
-              <a:rPr lang="ko" sz="900">
+              <a:rPr lang="ko" sz="900" dirty="0">
                 <a:solidFill>
                   <a:schemeClr val="dk1"/>
                 </a:solidFill>
               </a:rPr>
               <a:t>	if (retval == 0) return 0;</a:t>
             </a:r>
-            <a:endParaRPr sz="900">
+            <a:endParaRPr sz="900" dirty="0">
               <a:solidFill>
                 <a:schemeClr val="dk1"/>
               </a:solidFill>
             </a:endParaRPr>
           </a:p>
           <a:p>
-            <a:pPr indent="0" lvl="0" marL="0" rtl="0" algn="l">
+            <a:pPr marL="0" lvl="0" indent="0" algn="l" rtl="0">
               <a:spcBef>
                 <a:spcPts val="0"/>
               </a:spcBef>
@@ -9635,21 +9964,21 @@
               <a:buNone/>
             </a:pPr>
             <a:r>
-              <a:rPr lang="ko" sz="900">
+              <a:rPr lang="ko" sz="900" dirty="0">
                 <a:solidFill>
                   <a:schemeClr val="dk1"/>
                 </a:solidFill>
               </a:rPr>
               <a:t>	</a:t>
             </a:r>
-            <a:endParaRPr sz="900">
+            <a:endParaRPr lang="en-US" altLang="ko" sz="900" dirty="0">
               <a:solidFill>
                 <a:schemeClr val="dk1"/>
               </a:solidFill>
             </a:endParaRPr>
           </a:p>
           <a:p>
-            <a:pPr indent="0" lvl="0" marL="0" rtl="0" algn="l">
+            <a:pPr marL="0" lvl="0" indent="0" algn="l" rtl="0">
               <a:spcBef>
                 <a:spcPts val="0"/>
               </a:spcBef>
@@ -9664,21 +9993,58 @@
               <a:buNone/>
             </a:pPr>
             <a:r>
-              <a:rPr lang="ko" sz="900">
+              <a:rPr lang="en-US" sz="900" dirty="0">
+                <a:solidFill>
+                  <a:schemeClr val="dk1"/>
+                </a:solidFill>
+              </a:rPr>
+              <a:t>// </a:t>
+            </a:r>
+            <a:r>
+              <a:rPr lang="ko-KR" altLang="en-US" sz="900" dirty="0">
+                <a:solidFill>
+                  <a:schemeClr val="dk1"/>
+                </a:solidFill>
+              </a:rPr>
+              <a:t>임계 영역 진입</a:t>
+            </a:r>
+            <a:endParaRPr sz="900" dirty="0">
+              <a:solidFill>
+                <a:schemeClr val="dk1"/>
+              </a:solidFill>
+            </a:endParaRPr>
+          </a:p>
+          <a:p>
+            <a:pPr marL="0" lvl="0" indent="0" algn="l" rtl="0">
+              <a:spcBef>
+                <a:spcPts val="0"/>
+              </a:spcBef>
+              <a:spcAft>
+                <a:spcPts val="0"/>
+              </a:spcAft>
+              <a:buClr>
+                <a:schemeClr val="dk1"/>
+              </a:buClr>
+              <a:buSzPts val="1100"/>
+              <a:buFont typeface="Arial"/>
+              <a:buNone/>
+            </a:pPr>
+            <a:r>
+              <a:rPr lang="ko" sz="900" dirty="0">
                 <a:solidFill>
                   <a:schemeClr val="dk1"/>
                 </a:solidFill>
               </a:rPr>
               <a:t>	cs_player_move_packet packet = reinterpret_cast&lt;cs_player_move_packet&gt;(buf);</a:t>
             </a:r>
-            <a:endParaRPr sz="900">
+            <a:endParaRPr sz="900" dirty="0">
               <a:solidFill>
                 <a:schemeClr val="dk1"/>
               </a:solidFill>
             </a:endParaRPr>
           </a:p>
           <a:p>
-            <a:pPr indent="457200" lvl="0" marL="0" rtl="0" algn="l">
+            <a:pPr marL="0" lvl="0" indent="457200" algn="l" rtl="0">
               <a:spcBef>
                 <a:spcPts val="0"/>
               </a:spcBef>
@@ -9693,21 +10059,21 @@
               <a:buNone/>
             </a:pPr>
             <a:r>
-              <a:rPr lang="ko" sz="900">
+              <a:rPr lang="ko" sz="900" dirty="0">
                 <a:solidFill>
                   <a:schemeClr val="dk1"/>
                 </a:solidFill>
               </a:rPr>
               <a:t>EVENT ev;</a:t>
             </a:r>
-            <a:endParaRPr sz="900">
+            <a:endParaRPr sz="900" dirty="0">
               <a:solidFill>
                 <a:schemeClr val="dk1"/>
               </a:solidFill>
             </a:endParaRPr>
           </a:p>
           <a:p>
-            <a:pPr indent="0" lvl="0" marL="0" rtl="0" algn="l">
+            <a:pPr marL="0" lvl="0" indent="0" algn="l" rtl="0">
               <a:spcBef>
                 <a:spcPts val="0"/>
               </a:spcBef>
@@ -9722,21 +10088,21 @@
               <a:buNone/>
             </a:pPr>
             <a:r>
-              <a:rPr lang="ko" sz="900">
+              <a:rPr lang="ko" sz="900" dirty="0">
                 <a:solidFill>
                   <a:schemeClr val="dk1"/>
                 </a:solidFill>
               </a:rPr>
               <a:t>	ev.event_id =  ev.event_id = packet.input_evnet;</a:t>
             </a:r>
-            <a:endParaRPr sz="900">
+            <a:endParaRPr sz="900" dirty="0">
               <a:solidFill>
                 <a:schemeClr val="dk1"/>
               </a:solidFill>
             </a:endParaRPr>
           </a:p>
           <a:p>
-            <a:pPr indent="0" lvl="0" marL="0" rtl="0" algn="l">
+            <a:pPr marL="0" lvl="0" indent="0" algn="l" rtl="0">
               <a:spcBef>
                 <a:spcPts val="0"/>
               </a:spcBef>
@@ -9751,21 +10117,21 @@
               <a:buNone/>
             </a:pPr>
             <a:r>
-              <a:rPr lang="ko" sz="900">
+              <a:rPr lang="ko" sz="900" dirty="0">
                 <a:solidFill>
                   <a:schemeClr val="dk1"/>
                 </a:solidFill>
               </a:rPr>
               <a:t>	ev.client_id = client_id;</a:t>
             </a:r>
-            <a:endParaRPr sz="900">
+            <a:endParaRPr sz="900" dirty="0">
               <a:solidFill>
                 <a:schemeClr val="dk1"/>
               </a:solidFill>
             </a:endParaRPr>
           </a:p>
           <a:p>
-            <a:pPr indent="0" lvl="0" marL="0" rtl="0" algn="l">
+            <a:pPr marL="0" lvl="0" indent="0" algn="l" rtl="0">
               <a:spcBef>
                 <a:spcPts val="0"/>
               </a:spcBef>
@@ -9779,17 +10145,14 @@
               <a:buFont typeface="Arial"/>
               <a:buNone/>
             </a:pPr>
-            <a:r>
-              <a:t/>
-            </a:r>
-            <a:endParaRPr sz="900">
+            <a:endParaRPr sz="900" dirty="0">
               <a:solidFill>
                 <a:schemeClr val="dk1"/>
               </a:solidFill>
             </a:endParaRPr>
           </a:p>
           <a:p>
-            <a:pPr indent="0" lvl="0" marL="0" rtl="0" algn="l">
+            <a:pPr marL="0" lvl="0" indent="0" algn="l" rtl="0">
               <a:spcBef>
                 <a:spcPts val="0"/>
               </a:spcBef>
@@ -9804,21 +10167,21 @@
               <a:buNone/>
             </a:pPr>
             <a:r>
-              <a:rPr lang="ko" sz="900">
+              <a:rPr lang="ko" sz="900" dirty="0">
                 <a:solidFill>
                   <a:schemeClr val="dk1"/>
                 </a:solidFill>
               </a:rPr>
               <a:t>	InputEventQueue.insert(&amp;ev);</a:t>
             </a:r>
-            <a:endParaRPr sz="900">
+            <a:endParaRPr lang="en-US" altLang="ko" sz="900" dirty="0">
               <a:solidFill>
                 <a:schemeClr val="dk1"/>
               </a:solidFill>
             </a:endParaRPr>
           </a:p>
           <a:p>
-            <a:pPr indent="0" lvl="0" marL="0" rtl="0" algn="l">
+            <a:pPr marL="0" lvl="0" indent="0" algn="l" rtl="0">
               <a:spcBef>
                 <a:spcPts val="0"/>
               </a:spcBef>
@@ -9833,21 +10196,58 @@
               <a:buNone/>
             </a:pPr>
             <a:r>
-              <a:rPr lang="ko" sz="900">
+              <a:rPr lang="en-US" sz="900" dirty="0">
+                <a:solidFill>
+                  <a:schemeClr val="dk1"/>
+                </a:solidFill>
+              </a:rPr>
+              <a:t>// </a:t>
+            </a:r>
+            <a:r>
+              <a:rPr lang="ko-KR" altLang="en-US" sz="900" dirty="0">
+                <a:solidFill>
+                  <a:schemeClr val="dk1"/>
+                </a:solidFill>
+              </a:rPr>
+              <a:t>임계 영역 탈출</a:t>
+            </a:r>
+            <a:endParaRPr sz="900" dirty="0">
+              <a:solidFill>
+                <a:schemeClr val="dk1"/>
+              </a:solidFill>
+            </a:endParaRPr>
+          </a:p>
+          <a:p>
+            <a:pPr marL="0" lvl="0" indent="0" algn="l" rtl="0">
+              <a:spcBef>
+                <a:spcPts val="0"/>
+              </a:spcBef>
+              <a:spcAft>
+                <a:spcPts val="0"/>
+              </a:spcAft>
+              <a:buClr>
+                <a:schemeClr val="dk1"/>
+              </a:buClr>
+              <a:buSzPts val="1100"/>
+              <a:buFont typeface="Arial"/>
+              <a:buNone/>
+            </a:pPr>
+            <a:r>
+              <a:rPr lang="ko" sz="900" dirty="0">
                 <a:solidFill>
                   <a:schemeClr val="dk1"/>
                 </a:solidFill>
               </a:rPr>
               <a:t>       }</a:t>
             </a:r>
-            <a:endParaRPr sz="900">
+            <a:endParaRPr sz="900" dirty="0">
               <a:solidFill>
                 <a:schemeClr val="dk1"/>
               </a:solidFill>
             </a:endParaRPr>
           </a:p>
           <a:p>
-            <a:pPr indent="0" lvl="0" marL="0" rtl="0" algn="l">
+            <a:pPr marL="0" lvl="0" indent="0" algn="l" rtl="0">
               <a:spcBef>
                 <a:spcPts val="0"/>
               </a:spcBef>
@@ -9862,14 +10262,14 @@
               <a:buNone/>
             </a:pPr>
             <a:r>
-              <a:rPr lang="ko" sz="900">
+              <a:rPr lang="ko" sz="900" dirty="0">
                 <a:solidFill>
                   <a:schemeClr val="dk1"/>
                 </a:solidFill>
               </a:rPr>
               <a:t>}</a:t>
             </a:r>
-            <a:endParaRPr sz="900">
+            <a:endParaRPr sz="900" dirty="0">
               <a:solidFill>
                 <a:schemeClr val="dk1"/>
               </a:solidFill>
@@ -9894,23 +10294,23 @@
           <a:solidFill>
             <a:schemeClr val="lt2"/>
           </a:solidFill>
-          <a:ln cap="flat" cmpd="sng" w="9525">
+          <a:ln w="9525" cap="flat" cmpd="sng">
             <a:solidFill>
               <a:schemeClr val="dk2"/>
             </a:solidFill>
             <a:prstDash val="solid"/>
             <a:round/>
-            <a:headEnd len="sm" w="sm" type="none"/>
-            <a:tailEnd len="sm" w="sm" type="none"/>
+            <a:headEnd type="none" w="sm" len="sm"/>
+            <a:tailEnd type="none" w="sm" len="sm"/>
           </a:ln>
         </p:spPr>
         <p:txBody>
-          <a:bodyPr anchorCtr="0" anchor="ctr" bIns="91425" lIns="91425" spcFirstLastPara="1" rIns="91425" wrap="square" tIns="91425">
+          <a:bodyPr spcFirstLastPara="1" wrap="square" lIns="91425" tIns="91425" rIns="91425" bIns="91425" anchor="ctr" anchorCtr="0">
             <a:noAutofit/>
           </a:bodyPr>
           <a:lstStyle/>
           <a:p>
-            <a:pPr indent="0" lvl="0" marL="0" rtl="0" algn="l">
+            <a:pPr marL="0" lvl="0" indent="0" algn="l" rtl="0">
               <a:spcBef>
                 <a:spcPts val="0"/>
               </a:spcBef>
@@ -9921,11 +10321,7 @@
             </a:pPr>
             <a:r>
               <a:rPr lang="ko" sz="900"/>
-              <a:t>Recv </a:t>
-            </a:r>
-            <a:r>
-              <a:rPr lang="ko" sz="900"/>
-              <a:t>Thread</a:t>
+              <a:t>Recv Thread</a:t>
             </a:r>
             <a:endParaRPr sz="900"/>
           </a:p>
@@ -9951,12 +10347,12 @@
           </a:ln>
         </p:spPr>
         <p:txBody>
-          <a:bodyPr anchorCtr="0" anchor="t" bIns="91425" lIns="91425" spcFirstLastPara="1" rIns="91425" wrap="square" tIns="91425">
+          <a:bodyPr spcFirstLastPara="1" wrap="square" lIns="91425" tIns="91425" rIns="91425" bIns="91425" anchor="t" anchorCtr="0">
             <a:noAutofit/>
           </a:bodyPr>
           <a:lstStyle/>
           <a:p>
-            <a:pPr indent="0" lvl="0" marL="0" rtl="0" algn="l">
+            <a:pPr marL="0" lvl="0" indent="0" algn="l" rtl="0">
               <a:spcBef>
                 <a:spcPts val="0"/>
               </a:spcBef>
@@ -9972,37 +10368,31 @@
             <a:endParaRPr/>
           </a:p>
           <a:p>
-            <a:pPr indent="0" lvl="0" marL="0" rtl="0" algn="l">
-              <a:spcBef>
-                <a:spcPts val="0"/>
-              </a:spcBef>
-              <a:spcAft>
-                <a:spcPts val="0"/>
-              </a:spcAft>
-              <a:buNone/>
-            </a:pPr>
-            <a:r>
-              <a:t/>
-            </a:r>
+            <a:pPr marL="0" lvl="0" indent="0" algn="l" rtl="0">
+              <a:spcBef>
+                <a:spcPts val="0"/>
+              </a:spcBef>
+              <a:spcAft>
+                <a:spcPts val="0"/>
+              </a:spcAft>
+              <a:buNone/>
+            </a:pPr>
             <a:endParaRPr/>
           </a:p>
           <a:p>
-            <a:pPr indent="0" lvl="0" marL="0" rtl="0" algn="l">
-              <a:spcBef>
-                <a:spcPts val="0"/>
-              </a:spcBef>
-              <a:spcAft>
-                <a:spcPts val="0"/>
-              </a:spcAft>
-              <a:buNone/>
-            </a:pPr>
-            <a:r>
-              <a:t/>
-            </a:r>
+            <a:pPr marL="0" lvl="0" indent="0" algn="l" rtl="0">
+              <a:spcBef>
+                <a:spcPts val="0"/>
+              </a:spcBef>
+              <a:spcAft>
+                <a:spcPts val="0"/>
+              </a:spcAft>
+              <a:buNone/>
+            </a:pPr>
             <a:endParaRPr/>
           </a:p>
           <a:p>
-            <a:pPr indent="0" lvl="0" marL="0" rtl="0" algn="l">
+            <a:pPr marL="0" lvl="0" indent="0" algn="l" rtl="0">
               <a:spcBef>
                 <a:spcPts val="0"/>
               </a:spcBef>
@@ -10018,7 +10408,7 @@
             <a:endParaRPr/>
           </a:p>
           <a:p>
-            <a:pPr indent="0" lvl="0" marL="0" rtl="0" algn="l">
+            <a:pPr marL="0" lvl="0" indent="0" algn="l" rtl="0">
               <a:spcBef>
                 <a:spcPts val="0"/>
               </a:spcBef>
@@ -10044,11 +10434,938 @@
 </file>
 
 <file path=ppt/slides/slide6.xml><?xml version="1.0" encoding="utf-8"?>
-<p:sld xmlns:a="http://schemas.openxmlformats.org/drawingml/2006/main" xmlns:r="http://schemas.openxmlformats.org/officeDocument/2006/relationships" xmlns:mc="http://schemas.openxmlformats.org/markup-compatibility/2006" xmlns:mv="urn:schemas-microsoft-com:mac:vml" xmlns:p="http://schemas.openxmlformats.org/presentationml/2006/main" xmlns:c="http://schemas.openxmlformats.org/drawingml/2006/chart" xmlns:dgm="http://schemas.openxmlformats.org/drawingml/2006/diagram" xmlns:o="urn:schemas-microsoft-com:office:office" xmlns:v="urn:schemas-microsoft-com:vml" xmlns:pvml="urn:schemas-microsoft-com:office:powerpoint" xmlns:com="http://schemas.openxmlformats.org/drawingml/2006/compatibility" xmlns:p14="http://schemas.microsoft.com/office/powerpoint/2010/main" xmlns:p15="http://schemas.microsoft.com/office/powerpoint/2012/main" xmlns:ahyp="http://schemas.microsoft.com/office/drawing/2018/hyperlinkcolor">
+<p:sld xmlns:a="http://schemas.openxmlformats.org/drawingml/2006/main" xmlns:r="http://schemas.openxmlformats.org/officeDocument/2006/relationships" xmlns:p="http://schemas.openxmlformats.org/presentationml/2006/main">
   <p:cSld>
     <p:spTree>
       <p:nvGrpSpPr>
-        <p:cNvPr id="104" name="Shape 104"/>
+        <p:cNvPr id="1" name="Shape 104"/>
+        <p:cNvGrpSpPr/>
+        <p:nvPr/>
+      </p:nvGrpSpPr>
+      <p:grpSpPr>
+        <a:xfrm>
+          <a:off x="0" y="0"/>
+          <a:ext cx="0" cy="0"/>
+          <a:chOff x="0" y="0"/>
+          <a:chExt cx="0" cy="0"/>
+        </a:xfrm>
+      </p:grpSpPr>
+      <p:sp>
+        <p:nvSpPr>
+          <p:cNvPr id="4" name="Google Shape;67;p14">
+            <a:extLst>
+              <a:ext uri="{FF2B5EF4-FFF2-40B4-BE49-F238E27FC236}">
+                <a16:creationId xmlns:a16="http://schemas.microsoft.com/office/drawing/2014/main" id="{CF3D4296-0CA8-A362-9DA7-0F638E1C7E6D}"/>
+              </a:ext>
+            </a:extLst>
+          </p:cNvPr>
+          <p:cNvSpPr/>
+          <p:nvPr/>
+        </p:nvSpPr>
+        <p:spPr>
+          <a:xfrm>
+            <a:off x="127403" y="716051"/>
+            <a:ext cx="4774050" cy="748087"/>
+          </a:xfrm>
+          <a:prstGeom prst="round1Rect">
+            <a:avLst>
+              <a:gd name="adj" fmla="val 16667"/>
+            </a:avLst>
+          </a:prstGeom>
+          <a:solidFill>
+            <a:schemeClr val="lt2"/>
+          </a:solidFill>
+          <a:ln w="9525" cap="flat" cmpd="sng">
+            <a:solidFill>
+              <a:schemeClr val="dk2"/>
+            </a:solidFill>
+            <a:prstDash val="solid"/>
+            <a:round/>
+            <a:headEnd type="none" w="sm" len="sm"/>
+            <a:tailEnd type="none" w="sm" len="sm"/>
+          </a:ln>
+        </p:spPr>
+        <p:txBody>
+          <a:bodyPr spcFirstLastPara="1" wrap="square" lIns="91425" tIns="91425" rIns="91425" bIns="91425" anchor="t" anchorCtr="0">
+            <a:noAutofit/>
+          </a:bodyPr>
+          <a:lstStyle/>
+          <a:p>
+            <a:pPr marL="0" lvl="0" indent="0" algn="l" rtl="0">
+              <a:spcBef>
+                <a:spcPts val="0"/>
+              </a:spcBef>
+              <a:spcAft>
+                <a:spcPts val="0"/>
+              </a:spcAft>
+              <a:buNone/>
+            </a:pPr>
+            <a:r>
+              <a:rPr lang="en-US" altLang="ko" sz="1000" dirty="0"/>
+              <a:t> </a:t>
+            </a:r>
+            <a:r>
+              <a:rPr lang="en-US" altLang="ko" sz="1000" dirty="0" err="1"/>
+              <a:t>SendHandleInptuEvent</a:t>
+            </a:r>
+            <a:r>
+              <a:rPr lang="en-US" altLang="ko" sz="1000" dirty="0"/>
+              <a:t>( Input ) {</a:t>
+            </a:r>
+          </a:p>
+          <a:p>
+            <a:pPr marL="0" lvl="0" indent="0" algn="l" rtl="0">
+              <a:spcBef>
+                <a:spcPts val="0"/>
+              </a:spcBef>
+              <a:spcAft>
+                <a:spcPts val="0"/>
+              </a:spcAft>
+              <a:buNone/>
+            </a:pPr>
+            <a:r>
+              <a:rPr lang="en-US" altLang="ko" sz="1000" dirty="0"/>
+              <a:t>If(</a:t>
+            </a:r>
+            <a:r>
+              <a:rPr lang="ko-KR" altLang="en-US" sz="1000" dirty="0"/>
+              <a:t> 무슨 키가 눌렸는지 </a:t>
+            </a:r>
+            <a:r>
+              <a:rPr lang="en-US" altLang="ko-KR" sz="1000" dirty="0"/>
+              <a:t>|| </a:t>
+            </a:r>
+            <a:r>
+              <a:rPr lang="ko-KR" altLang="en-US" sz="1000" dirty="0"/>
+              <a:t>마우스 관련 이벤트가 있는지 </a:t>
+            </a:r>
+            <a:r>
+              <a:rPr lang="en-US" altLang="ko-KR" sz="1000" dirty="0"/>
+              <a:t>) </a:t>
+            </a:r>
+          </a:p>
+          <a:p>
+            <a:pPr marL="0" lvl="0" indent="0" algn="l" rtl="0">
+              <a:spcBef>
+                <a:spcPts val="0"/>
+              </a:spcBef>
+              <a:spcAft>
+                <a:spcPts val="0"/>
+              </a:spcAft>
+              <a:buNone/>
+            </a:pPr>
+            <a:r>
+              <a:rPr lang="en-US" altLang="ko" sz="1000" dirty="0">
+                <a:solidFill>
+                  <a:schemeClr val="dk1"/>
+                </a:solidFill>
+              </a:rPr>
+              <a:t>	</a:t>
+            </a:r>
+            <a:r>
+              <a:rPr lang="ko" altLang="ko-KR" sz="1000" dirty="0">
+                <a:solidFill>
+                  <a:schemeClr val="dk1"/>
+                </a:solidFill>
+              </a:rPr>
+              <a:t>send(</a:t>
+            </a:r>
+            <a:r>
+              <a:rPr lang="ko-KR" altLang="en-US" sz="1000" dirty="0">
+                <a:solidFill>
+                  <a:schemeClr val="dk1"/>
+                </a:solidFill>
+              </a:rPr>
+              <a:t>소켓</a:t>
+            </a:r>
+            <a:r>
+              <a:rPr lang="en-US" altLang="ko" sz="1000" dirty="0">
+                <a:solidFill>
+                  <a:schemeClr val="dk1"/>
+                </a:solidFill>
+              </a:rPr>
+              <a:t>, </a:t>
+            </a:r>
+            <a:r>
+              <a:rPr lang="ko" altLang="ko-KR" sz="1000" dirty="0">
+                <a:solidFill>
+                  <a:schemeClr val="dk1"/>
+                </a:solidFill>
+              </a:rPr>
+              <a:t>(char*)</a:t>
+            </a:r>
+            <a:r>
+              <a:rPr lang="ko" altLang="ko-KR" sz="1000" dirty="0"/>
+              <a:t> cs_player_move_packet </a:t>
+            </a:r>
+            <a:r>
+              <a:rPr lang="ko" altLang="ko-KR" sz="1000" dirty="0">
+                <a:solidFill>
+                  <a:schemeClr val="dk1"/>
+                </a:solidFill>
+              </a:rPr>
+              <a:t>,</a:t>
+            </a:r>
+            <a:r>
+              <a:rPr lang="en-US" altLang="ko" sz="1000" dirty="0">
+                <a:solidFill>
+                  <a:schemeClr val="dk1"/>
+                </a:solidFill>
+              </a:rPr>
+              <a:t> </a:t>
+            </a:r>
+            <a:r>
+              <a:rPr lang="ko" altLang="ko-KR" sz="1000" dirty="0">
+                <a:solidFill>
+                  <a:schemeClr val="dk1"/>
+                </a:solidFill>
+              </a:rPr>
+              <a:t>sizeof(int), 0);</a:t>
+            </a:r>
+            <a:endParaRPr lang="en-US" altLang="ko" sz="1000" dirty="0"/>
+          </a:p>
+          <a:p>
+            <a:pPr marL="0" lvl="0" indent="0" algn="l" rtl="0">
+              <a:spcBef>
+                <a:spcPts val="0"/>
+              </a:spcBef>
+              <a:spcAft>
+                <a:spcPts val="0"/>
+              </a:spcAft>
+              <a:buNone/>
+            </a:pPr>
+            <a:r>
+              <a:rPr lang="en-US" sz="1000" dirty="0"/>
+              <a:t>}</a:t>
+            </a:r>
+          </a:p>
+        </p:txBody>
+      </p:sp>
+      <p:sp>
+        <p:nvSpPr>
+          <p:cNvPr id="5" name="Google Shape;67;p14">
+            <a:extLst>
+              <a:ext uri="{FF2B5EF4-FFF2-40B4-BE49-F238E27FC236}">
+                <a16:creationId xmlns:a16="http://schemas.microsoft.com/office/drawing/2014/main" id="{5BF68820-99D2-4E16-31C9-766B046E8BD3}"/>
+              </a:ext>
+            </a:extLst>
+          </p:cNvPr>
+          <p:cNvSpPr/>
+          <p:nvPr/>
+        </p:nvSpPr>
+        <p:spPr>
+          <a:xfrm>
+            <a:off x="127403" y="1643901"/>
+            <a:ext cx="4774050" cy="748086"/>
+          </a:xfrm>
+          <a:prstGeom prst="round1Rect">
+            <a:avLst>
+              <a:gd name="adj" fmla="val 16667"/>
+            </a:avLst>
+          </a:prstGeom>
+          <a:solidFill>
+            <a:schemeClr val="lt2"/>
+          </a:solidFill>
+          <a:ln w="9525" cap="flat" cmpd="sng">
+            <a:solidFill>
+              <a:schemeClr val="dk2"/>
+            </a:solidFill>
+            <a:prstDash val="solid"/>
+            <a:round/>
+            <a:headEnd type="none" w="sm" len="sm"/>
+            <a:tailEnd type="none" w="sm" len="sm"/>
+          </a:ln>
+        </p:spPr>
+        <p:txBody>
+          <a:bodyPr spcFirstLastPara="1" wrap="square" lIns="91425" tIns="91425" rIns="91425" bIns="91425" anchor="t" anchorCtr="0">
+            <a:noAutofit/>
+          </a:bodyPr>
+          <a:lstStyle/>
+          <a:p>
+            <a:pPr marL="0" lvl="0" indent="0" algn="l" rtl="0">
+              <a:spcBef>
+                <a:spcPts val="0"/>
+              </a:spcBef>
+              <a:spcAft>
+                <a:spcPts val="0"/>
+              </a:spcAft>
+              <a:buNone/>
+            </a:pPr>
+            <a:r>
+              <a:rPr lang="en-US" altLang="ko" sz="1000" dirty="0"/>
+              <a:t>  </a:t>
+            </a:r>
+            <a:r>
+              <a:rPr lang="en-US" altLang="ko" sz="1000" dirty="0" err="1"/>
+              <a:t>RecvCreateObject</a:t>
+            </a:r>
+            <a:r>
+              <a:rPr lang="en-US" altLang="ko" sz="1000" dirty="0"/>
+              <a:t>(</a:t>
+            </a:r>
+            <a:r>
+              <a:rPr lang="ko" altLang="ko-KR" sz="1000" dirty="0"/>
+              <a:t>sc_create_object_packet</a:t>
+            </a:r>
+            <a:r>
+              <a:rPr lang="en-US" altLang="ko" sz="1000" dirty="0"/>
+              <a:t> ) {</a:t>
+            </a:r>
+          </a:p>
+          <a:p>
+            <a:pPr marL="0" lvl="0" indent="0" algn="l" rtl="0">
+              <a:spcBef>
+                <a:spcPts val="0"/>
+              </a:spcBef>
+              <a:spcAft>
+                <a:spcPts val="0"/>
+              </a:spcAft>
+              <a:buNone/>
+            </a:pPr>
+            <a:r>
+              <a:rPr lang="en-US" altLang="ko" sz="1000" dirty="0"/>
+              <a:t>	if(id</a:t>
+            </a:r>
+            <a:r>
+              <a:rPr lang="ko-KR" altLang="en-US" sz="1000" dirty="0"/>
+              <a:t>에 해당하는 오브젝트가 없다면</a:t>
+            </a:r>
+            <a:r>
+              <a:rPr lang="en-US" altLang="ko-KR" sz="1000" dirty="0"/>
+              <a:t>)</a:t>
+            </a:r>
+            <a:endParaRPr lang="en-US" altLang="ko" sz="1000" dirty="0"/>
+          </a:p>
+          <a:p>
+            <a:pPr marL="0" lvl="0" indent="0" algn="l" rtl="0">
+              <a:spcBef>
+                <a:spcPts val="0"/>
+              </a:spcBef>
+              <a:spcAft>
+                <a:spcPts val="0"/>
+              </a:spcAft>
+              <a:buNone/>
+            </a:pPr>
+            <a:r>
+              <a:rPr lang="en-US" altLang="ko" sz="1000" dirty="0"/>
+              <a:t>		</a:t>
+            </a:r>
+            <a:r>
+              <a:rPr lang="en-US" altLang="ko" sz="1000" dirty="0" err="1"/>
+              <a:t>objMgr.CreateObject</a:t>
+            </a:r>
+            <a:r>
+              <a:rPr lang="en-US" altLang="ko" sz="1000" dirty="0"/>
+              <a:t>(</a:t>
+            </a:r>
+            <a:r>
+              <a:rPr lang="ko" altLang="ko-KR" sz="1000" dirty="0"/>
+              <a:t>sc_create_object_packet</a:t>
+            </a:r>
+            <a:r>
+              <a:rPr lang="en-US" altLang="ko" sz="1000" dirty="0"/>
+              <a:t> );</a:t>
+            </a:r>
+          </a:p>
+          <a:p>
+            <a:pPr marL="0" lvl="0" indent="0" algn="l" rtl="0">
+              <a:spcBef>
+                <a:spcPts val="0"/>
+              </a:spcBef>
+              <a:spcAft>
+                <a:spcPts val="0"/>
+              </a:spcAft>
+              <a:buNone/>
+            </a:pPr>
+            <a:r>
+              <a:rPr lang="en-US" sz="1000" dirty="0"/>
+              <a:t>}</a:t>
+            </a:r>
+          </a:p>
+        </p:txBody>
+      </p:sp>
+      <p:sp>
+        <p:nvSpPr>
+          <p:cNvPr id="6" name="Google Shape;67;p14">
+            <a:extLst>
+              <a:ext uri="{FF2B5EF4-FFF2-40B4-BE49-F238E27FC236}">
+                <a16:creationId xmlns:a16="http://schemas.microsoft.com/office/drawing/2014/main" id="{41266155-A91F-FD5F-76C1-991E1DC8E7EC}"/>
+              </a:ext>
+            </a:extLst>
+          </p:cNvPr>
+          <p:cNvSpPr/>
+          <p:nvPr/>
+        </p:nvSpPr>
+        <p:spPr>
+          <a:xfrm>
+            <a:off x="127402" y="2571750"/>
+            <a:ext cx="5029545" cy="748086"/>
+          </a:xfrm>
+          <a:prstGeom prst="round1Rect">
+            <a:avLst>
+              <a:gd name="adj" fmla="val 16667"/>
+            </a:avLst>
+          </a:prstGeom>
+          <a:solidFill>
+            <a:schemeClr val="lt2"/>
+          </a:solidFill>
+          <a:ln w="9525" cap="flat" cmpd="sng">
+            <a:solidFill>
+              <a:schemeClr val="dk2"/>
+            </a:solidFill>
+            <a:prstDash val="solid"/>
+            <a:round/>
+            <a:headEnd type="none" w="sm" len="sm"/>
+            <a:tailEnd type="none" w="sm" len="sm"/>
+          </a:ln>
+        </p:spPr>
+        <p:txBody>
+          <a:bodyPr spcFirstLastPara="1" wrap="square" lIns="91425" tIns="91425" rIns="91425" bIns="91425" anchor="t" anchorCtr="0">
+            <a:noAutofit/>
+          </a:bodyPr>
+          <a:lstStyle/>
+          <a:p>
+            <a:pPr marL="0" lvl="0" indent="0" algn="l" rtl="0">
+              <a:spcBef>
+                <a:spcPts val="0"/>
+              </a:spcBef>
+              <a:spcAft>
+                <a:spcPts val="0"/>
+              </a:spcAft>
+              <a:buNone/>
+            </a:pPr>
+            <a:r>
+              <a:rPr lang="en-US" altLang="ko" sz="1000" dirty="0"/>
+              <a:t>  </a:t>
+            </a:r>
+            <a:r>
+              <a:rPr lang="en-US" altLang="ko" sz="1000" dirty="0" err="1"/>
+              <a:t>RecvDeleteObject</a:t>
+            </a:r>
+            <a:r>
+              <a:rPr lang="en-US" altLang="ko" sz="1000" dirty="0"/>
+              <a:t>(</a:t>
+            </a:r>
+            <a:r>
+              <a:rPr lang="ko" altLang="ko-KR" sz="1000" dirty="0"/>
+              <a:t>sc_delete_object_packet </a:t>
+            </a:r>
+            <a:r>
+              <a:rPr lang="en-US" altLang="ko" sz="1000" dirty="0"/>
+              <a:t>) {</a:t>
+            </a:r>
+          </a:p>
+          <a:p>
+            <a:pPr marL="0" lvl="0" indent="0" algn="l" rtl="0">
+              <a:spcBef>
+                <a:spcPts val="0"/>
+              </a:spcBef>
+              <a:spcAft>
+                <a:spcPts val="0"/>
+              </a:spcAft>
+              <a:buNone/>
+            </a:pPr>
+            <a:r>
+              <a:rPr lang="en-US" altLang="ko" sz="1000" dirty="0"/>
+              <a:t>	if(id</a:t>
+            </a:r>
+            <a:r>
+              <a:rPr lang="ko-KR" altLang="en-US" sz="1000" dirty="0"/>
+              <a:t>에 해당하는 오브젝트가 있다면</a:t>
+            </a:r>
+            <a:r>
+              <a:rPr lang="en-US" altLang="ko-KR" sz="1000" dirty="0"/>
+              <a:t>)</a:t>
+            </a:r>
+            <a:endParaRPr lang="en-US" altLang="ko" sz="1000" dirty="0"/>
+          </a:p>
+          <a:p>
+            <a:pPr marL="0" lvl="0" indent="0" algn="l" rtl="0">
+              <a:spcBef>
+                <a:spcPts val="0"/>
+              </a:spcBef>
+              <a:spcAft>
+                <a:spcPts val="0"/>
+              </a:spcAft>
+              <a:buNone/>
+            </a:pPr>
+            <a:r>
+              <a:rPr lang="en-US" altLang="ko" sz="1000" dirty="0"/>
+              <a:t>		</a:t>
+            </a:r>
+            <a:r>
+              <a:rPr lang="en-US" altLang="ko" sz="1000" dirty="0" err="1"/>
+              <a:t>objMgr.Delete</a:t>
+            </a:r>
+            <a:r>
+              <a:rPr lang="en-US" altLang="ko" sz="1000" dirty="0"/>
+              <a:t>(</a:t>
+            </a:r>
+            <a:r>
+              <a:rPr lang="ko" altLang="ko-KR" sz="1000" dirty="0"/>
+              <a:t>sc_delete_object_packet </a:t>
+            </a:r>
+            <a:r>
+              <a:rPr lang="en-US" altLang="ko" sz="1000" dirty="0"/>
+              <a:t>);	</a:t>
+            </a:r>
+          </a:p>
+          <a:p>
+            <a:pPr marL="0" lvl="0" indent="0" algn="l" rtl="0">
+              <a:spcBef>
+                <a:spcPts val="0"/>
+              </a:spcBef>
+              <a:spcAft>
+                <a:spcPts val="0"/>
+              </a:spcAft>
+              <a:buNone/>
+            </a:pPr>
+            <a:r>
+              <a:rPr lang="en-US" sz="1000" dirty="0"/>
+              <a:t>}</a:t>
+            </a:r>
+          </a:p>
+        </p:txBody>
+      </p:sp>
+      <p:sp>
+        <p:nvSpPr>
+          <p:cNvPr id="7" name="Google Shape;67;p14">
+            <a:extLst>
+              <a:ext uri="{FF2B5EF4-FFF2-40B4-BE49-F238E27FC236}">
+                <a16:creationId xmlns:a16="http://schemas.microsoft.com/office/drawing/2014/main" id="{3558B561-35F5-3D08-1604-50A0552BA3AC}"/>
+              </a:ext>
+            </a:extLst>
+          </p:cNvPr>
+          <p:cNvSpPr/>
+          <p:nvPr/>
+        </p:nvSpPr>
+        <p:spPr>
+          <a:xfrm>
+            <a:off x="127402" y="3420686"/>
+            <a:ext cx="5029545" cy="896471"/>
+          </a:xfrm>
+          <a:prstGeom prst="round1Rect">
+            <a:avLst>
+              <a:gd name="adj" fmla="val 16667"/>
+            </a:avLst>
+          </a:prstGeom>
+          <a:solidFill>
+            <a:schemeClr val="lt2"/>
+          </a:solidFill>
+          <a:ln w="9525" cap="flat" cmpd="sng">
+            <a:solidFill>
+              <a:schemeClr val="dk2"/>
+            </a:solidFill>
+            <a:prstDash val="solid"/>
+            <a:round/>
+            <a:headEnd type="none" w="sm" len="sm"/>
+            <a:tailEnd type="none" w="sm" len="sm"/>
+          </a:ln>
+        </p:spPr>
+        <p:txBody>
+          <a:bodyPr spcFirstLastPara="1" wrap="square" lIns="91425" tIns="91425" rIns="91425" bIns="91425" anchor="t" anchorCtr="0">
+            <a:noAutofit/>
+          </a:bodyPr>
+          <a:lstStyle/>
+          <a:p>
+            <a:pPr marL="0" lvl="0" indent="0" algn="l" rtl="0">
+              <a:spcBef>
+                <a:spcPts val="0"/>
+              </a:spcBef>
+              <a:spcAft>
+                <a:spcPts val="0"/>
+              </a:spcAft>
+              <a:buNone/>
+            </a:pPr>
+            <a:r>
+              <a:rPr lang="en-US" altLang="ko" sz="1000" dirty="0"/>
+              <a:t>  </a:t>
+            </a:r>
+            <a:r>
+              <a:rPr lang="en-US" altLang="ko" sz="1000" dirty="0" err="1"/>
+              <a:t>RecvUpdateTransform</a:t>
+            </a:r>
+            <a:r>
+              <a:rPr lang="en-US" altLang="ko" sz="1000" dirty="0"/>
+              <a:t>(</a:t>
+            </a:r>
+            <a:r>
+              <a:rPr lang="ko" altLang="ko-KR" sz="1000" dirty="0"/>
+              <a:t>sc_move_object_packet </a:t>
+            </a:r>
+            <a:r>
+              <a:rPr lang="en-US" altLang="ko" sz="1000" dirty="0"/>
+              <a:t>) {</a:t>
+            </a:r>
+          </a:p>
+          <a:p>
+            <a:pPr marL="0" lvl="0" indent="0" algn="l" rtl="0">
+              <a:spcBef>
+                <a:spcPts val="0"/>
+              </a:spcBef>
+              <a:spcAft>
+                <a:spcPts val="0"/>
+              </a:spcAft>
+              <a:buNone/>
+            </a:pPr>
+            <a:r>
+              <a:rPr lang="en-US" altLang="ko" sz="1000" dirty="0"/>
+              <a:t>	if(</a:t>
+            </a:r>
+            <a:r>
+              <a:rPr lang="ko-KR" altLang="en-US" sz="1000" dirty="0"/>
+              <a:t> </a:t>
+            </a:r>
+            <a:r>
+              <a:rPr lang="en-US" altLang="ko-KR" sz="1000" dirty="0"/>
+              <a:t>id</a:t>
+            </a:r>
+            <a:r>
+              <a:rPr lang="ko-KR" altLang="en-US" sz="1000" dirty="0"/>
+              <a:t>에 해당하는 오브젝트가 있다면</a:t>
+            </a:r>
+            <a:r>
+              <a:rPr lang="en-US" altLang="ko-KR" sz="1000" dirty="0"/>
+              <a:t>) {</a:t>
+            </a:r>
+          </a:p>
+          <a:p>
+            <a:pPr marL="0" lvl="0" indent="0" algn="l" rtl="0">
+              <a:spcBef>
+                <a:spcPts val="0"/>
+              </a:spcBef>
+              <a:spcAft>
+                <a:spcPts val="0"/>
+              </a:spcAft>
+              <a:buNone/>
+            </a:pPr>
+            <a:r>
+              <a:rPr lang="en-US" altLang="ko-KR" sz="1000" dirty="0"/>
+              <a:t>		</a:t>
+            </a:r>
+            <a:r>
+              <a:rPr lang="en-US" altLang="ko-KR" sz="1000" dirty="0" err="1"/>
+              <a:t>objMgr.UpdateTransform</a:t>
+            </a:r>
+            <a:r>
+              <a:rPr lang="en-US" altLang="ko-KR" sz="1000" dirty="0"/>
+              <a:t>(</a:t>
+            </a:r>
+            <a:r>
+              <a:rPr lang="ko" altLang="ko-KR" sz="1000" dirty="0"/>
+              <a:t>sc_move_object_packet </a:t>
+            </a:r>
+            <a:r>
+              <a:rPr lang="en-US" altLang="ko-KR" sz="1000" dirty="0"/>
+              <a:t>);</a:t>
+            </a:r>
+          </a:p>
+          <a:p>
+            <a:pPr marL="0" lvl="0" indent="0" algn="l" rtl="0">
+              <a:spcBef>
+                <a:spcPts val="0"/>
+              </a:spcBef>
+              <a:spcAft>
+                <a:spcPts val="0"/>
+              </a:spcAft>
+              <a:buNone/>
+            </a:pPr>
+            <a:r>
+              <a:rPr lang="en-US" altLang="ko-KR" sz="1000" dirty="0"/>
+              <a:t>	}</a:t>
+            </a:r>
+          </a:p>
+          <a:p>
+            <a:pPr marL="0" lvl="0" indent="0" algn="l" rtl="0">
+              <a:spcBef>
+                <a:spcPts val="0"/>
+              </a:spcBef>
+              <a:spcAft>
+                <a:spcPts val="0"/>
+              </a:spcAft>
+              <a:buNone/>
+            </a:pPr>
+            <a:r>
+              <a:rPr lang="en-US" altLang="ko-KR" sz="1000" dirty="0"/>
+              <a:t>}</a:t>
+            </a:r>
+          </a:p>
+        </p:txBody>
+      </p:sp>
+      <p:sp>
+        <p:nvSpPr>
+          <p:cNvPr id="8" name="Google Shape;67;p14">
+            <a:extLst>
+              <a:ext uri="{FF2B5EF4-FFF2-40B4-BE49-F238E27FC236}">
+                <a16:creationId xmlns:a16="http://schemas.microsoft.com/office/drawing/2014/main" id="{D33F34DD-C746-97E2-B36A-10FE5281595F}"/>
+              </a:ext>
+            </a:extLst>
+          </p:cNvPr>
+          <p:cNvSpPr/>
+          <p:nvPr/>
+        </p:nvSpPr>
+        <p:spPr>
+          <a:xfrm>
+            <a:off x="5244352" y="1258880"/>
+            <a:ext cx="3772245" cy="1907902"/>
+          </a:xfrm>
+          <a:prstGeom prst="round1Rect">
+            <a:avLst>
+              <a:gd name="adj" fmla="val 16667"/>
+            </a:avLst>
+          </a:prstGeom>
+          <a:solidFill>
+            <a:schemeClr val="lt2"/>
+          </a:solidFill>
+          <a:ln w="9525" cap="flat" cmpd="sng">
+            <a:solidFill>
+              <a:schemeClr val="dk2"/>
+            </a:solidFill>
+            <a:prstDash val="solid"/>
+            <a:round/>
+            <a:headEnd type="none" w="sm" len="sm"/>
+            <a:tailEnd type="none" w="sm" len="sm"/>
+          </a:ln>
+        </p:spPr>
+        <p:txBody>
+          <a:bodyPr spcFirstLastPara="1" wrap="square" lIns="91425" tIns="91425" rIns="91425" bIns="91425" anchor="t" anchorCtr="0">
+            <a:noAutofit/>
+          </a:bodyPr>
+          <a:lstStyle/>
+          <a:p>
+            <a:pPr marL="0" lvl="0" indent="0" algn="l" rtl="0">
+              <a:spcBef>
+                <a:spcPts val="0"/>
+              </a:spcBef>
+              <a:spcAft>
+                <a:spcPts val="0"/>
+              </a:spcAft>
+              <a:buNone/>
+            </a:pPr>
+            <a:r>
+              <a:rPr lang="en-US" sz="1000" dirty="0" err="1"/>
+              <a:t>RecvP</a:t>
+            </a:r>
+            <a:r>
+              <a:rPr lang="ko" altLang="ko-KR" sz="1000" dirty="0"/>
+              <a:t>acket</a:t>
+            </a:r>
+            <a:r>
+              <a:rPr lang="en-US" altLang="ko" sz="1000" dirty="0"/>
+              <a:t>Type(</a:t>
+            </a:r>
+            <a:r>
+              <a:rPr lang="ko" altLang="ko-KR" sz="1000" dirty="0"/>
+              <a:t>packet</a:t>
+            </a:r>
+            <a:r>
+              <a:rPr lang="en-US" altLang="ko" sz="1000" dirty="0"/>
+              <a:t>Type) {</a:t>
+            </a:r>
+          </a:p>
+          <a:p>
+            <a:pPr marL="0" lvl="0" indent="0" algn="l" rtl="0">
+              <a:spcBef>
+                <a:spcPts val="0"/>
+              </a:spcBef>
+              <a:spcAft>
+                <a:spcPts val="0"/>
+              </a:spcAft>
+              <a:buNone/>
+            </a:pPr>
+            <a:r>
+              <a:rPr lang="en-US" altLang="ko" sz="1000" dirty="0"/>
+              <a:t>	switch(</a:t>
+            </a:r>
+            <a:r>
+              <a:rPr lang="en-US" altLang="ko" sz="1000" dirty="0" err="1"/>
+              <a:t>packetType</a:t>
+            </a:r>
+            <a:r>
+              <a:rPr lang="en-US" altLang="ko" sz="1000" dirty="0"/>
+              <a:t>){</a:t>
+            </a:r>
+          </a:p>
+          <a:p>
+            <a:pPr marL="0" lvl="0" indent="0" algn="l" rtl="0">
+              <a:spcBef>
+                <a:spcPts val="0"/>
+              </a:spcBef>
+              <a:spcAft>
+                <a:spcPts val="0"/>
+              </a:spcAft>
+              <a:buNone/>
+            </a:pPr>
+            <a:r>
+              <a:rPr lang="en-US" altLang="ko" sz="1000" dirty="0"/>
+              <a:t>	case Create:	 			</a:t>
+            </a:r>
+            <a:r>
+              <a:rPr lang="en-US" altLang="ko" sz="1000" dirty="0" err="1"/>
+              <a:t>RecvCreateObject</a:t>
+            </a:r>
+            <a:r>
+              <a:rPr lang="en-US" altLang="ko" sz="1000" dirty="0"/>
+              <a:t>()</a:t>
+            </a:r>
+          </a:p>
+          <a:p>
+            <a:pPr marL="0" lvl="0" indent="0" algn="l" rtl="0">
+              <a:spcBef>
+                <a:spcPts val="0"/>
+              </a:spcBef>
+              <a:spcAft>
+                <a:spcPts val="0"/>
+              </a:spcAft>
+              <a:buNone/>
+            </a:pPr>
+            <a:r>
+              <a:rPr lang="en-US" altLang="ko" sz="1000" dirty="0"/>
+              <a:t>	case Delete:</a:t>
+            </a:r>
+          </a:p>
+          <a:p>
+            <a:pPr marL="0" lvl="0" indent="0" algn="l" rtl="0">
+              <a:spcBef>
+                <a:spcPts val="0"/>
+              </a:spcBef>
+              <a:spcAft>
+                <a:spcPts val="0"/>
+              </a:spcAft>
+              <a:buNone/>
+            </a:pPr>
+            <a:r>
+              <a:rPr lang="en-US" altLang="ko" sz="1000" dirty="0"/>
+              <a:t>		</a:t>
+            </a:r>
+            <a:r>
+              <a:rPr lang="en-US" altLang="ko" sz="1000" dirty="0" err="1"/>
+              <a:t>RecvDeleteObject</a:t>
+            </a:r>
+            <a:r>
+              <a:rPr lang="en-US" altLang="ko" sz="1000" dirty="0"/>
+              <a:t>()</a:t>
+            </a:r>
+          </a:p>
+          <a:p>
+            <a:pPr marL="0" lvl="0" indent="0" algn="l" rtl="0">
+              <a:spcBef>
+                <a:spcPts val="0"/>
+              </a:spcBef>
+              <a:spcAft>
+                <a:spcPts val="0"/>
+              </a:spcAft>
+              <a:buNone/>
+            </a:pPr>
+            <a:r>
+              <a:rPr lang="en-US" altLang="ko" sz="1000" dirty="0"/>
+              <a:t>	case Update:</a:t>
+            </a:r>
+          </a:p>
+          <a:p>
+            <a:pPr marL="0" lvl="0" indent="0" algn="l" rtl="0">
+              <a:spcBef>
+                <a:spcPts val="0"/>
+              </a:spcBef>
+              <a:spcAft>
+                <a:spcPts val="0"/>
+              </a:spcAft>
+              <a:buNone/>
+            </a:pPr>
+            <a:r>
+              <a:rPr lang="en-US" altLang="ko" sz="1000" dirty="0"/>
+              <a:t>		</a:t>
+            </a:r>
+            <a:r>
+              <a:rPr lang="en-US" altLang="ko" sz="1000" dirty="0" err="1"/>
+              <a:t>RecvUpdateTransform</a:t>
+            </a:r>
+            <a:r>
+              <a:rPr lang="en-US" altLang="ko" sz="1000" dirty="0"/>
+              <a:t>()</a:t>
+            </a:r>
+          </a:p>
+          <a:p>
+            <a:pPr marL="0" lvl="0" indent="0" algn="l" rtl="0">
+              <a:spcBef>
+                <a:spcPts val="0"/>
+              </a:spcBef>
+              <a:spcAft>
+                <a:spcPts val="0"/>
+              </a:spcAft>
+              <a:buNone/>
+            </a:pPr>
+            <a:r>
+              <a:rPr lang="en-US" altLang="ko" sz="1000" dirty="0"/>
+              <a:t>	}</a:t>
+            </a:r>
+          </a:p>
+          <a:p>
+            <a:pPr marL="0" lvl="0" indent="0" algn="l" rtl="0">
+              <a:spcBef>
+                <a:spcPts val="0"/>
+              </a:spcBef>
+              <a:spcAft>
+                <a:spcPts val="0"/>
+              </a:spcAft>
+              <a:buNone/>
+            </a:pPr>
+            <a:r>
+              <a:rPr lang="en-US" altLang="ko" sz="1000" dirty="0"/>
+              <a:t>}</a:t>
+            </a:r>
+          </a:p>
+        </p:txBody>
+      </p:sp>
+      <p:sp>
+        <p:nvSpPr>
+          <p:cNvPr id="9" name="TextBox 8">
+            <a:extLst>
+              <a:ext uri="{FF2B5EF4-FFF2-40B4-BE49-F238E27FC236}">
+                <a16:creationId xmlns:a16="http://schemas.microsoft.com/office/drawing/2014/main" id="{B59F5F77-E400-280F-E860-CE060FE16B03}"/>
+              </a:ext>
+            </a:extLst>
+          </p:cNvPr>
+          <p:cNvSpPr txBox="1"/>
+          <p:nvPr/>
+        </p:nvSpPr>
+        <p:spPr>
+          <a:xfrm>
+            <a:off x="127402" y="174811"/>
+            <a:ext cx="1082348" cy="307777"/>
+          </a:xfrm>
+          <a:prstGeom prst="rect">
+            <a:avLst/>
+          </a:prstGeom>
+          <a:noFill/>
+        </p:spPr>
+        <p:txBody>
+          <a:bodyPr wrap="none" rtlCol="0">
+            <a:spAutoFit/>
+          </a:bodyPr>
+          <a:lstStyle/>
+          <a:p>
+            <a:r>
+              <a:rPr lang="ko-KR" altLang="en-US" dirty="0"/>
+              <a:t>클라이언트</a:t>
+            </a:r>
+          </a:p>
+        </p:txBody>
+      </p:sp>
+    </p:spTree>
+  </p:cSld>
+  <p:clrMapOvr>
+    <a:masterClrMapping/>
+  </p:clrMapOvr>
+</p:sld>
+</file>
+
+<file path=ppt/slides/slide7.xml><?xml version="1.0" encoding="utf-8"?>
+<p:sld xmlns:a="http://schemas.openxmlformats.org/drawingml/2006/main" xmlns:r="http://schemas.openxmlformats.org/officeDocument/2006/relationships" xmlns:p="http://schemas.openxmlformats.org/presentationml/2006/main">
+  <p:cSld>
+    <p:spTree>
+      <p:nvGrpSpPr>
+        <p:cNvPr id="1" name="Shape 104"/>
         <p:cNvGrpSpPr/>
         <p:nvPr/>
       </p:nvGrpSpPr>
@@ -10063,7 +11380,9 @@
       <p:sp>
         <p:nvSpPr>
           <p:cNvPr id="105" name="Google Shape;105;p18"/>
-          <p:cNvSpPr txBox="1"/>
+          <p:cNvSpPr txBox="1">
+            <a:spLocks noGrp="1"/>
+          </p:cNvSpPr>
           <p:nvPr>
             <p:ph type="title"/>
           </p:nvPr>
@@ -10078,23 +11397,20 @@
           </a:prstGeom>
         </p:spPr>
         <p:txBody>
-          <a:bodyPr anchorCtr="0" anchor="t" bIns="91425" lIns="91425" spcFirstLastPara="1" rIns="91425" wrap="square" tIns="91425">
+          <a:bodyPr spcFirstLastPara="1" wrap="square" lIns="91425" tIns="91425" rIns="91425" bIns="91425" anchor="t" anchorCtr="0">
             <a:normAutofit fontScale="90000"/>
           </a:bodyPr>
           <a:lstStyle/>
           <a:p>
-            <a:pPr indent="0" lvl="0" marL="0" rtl="0" algn="l">
-              <a:spcBef>
-                <a:spcPts val="0"/>
-              </a:spcBef>
-              <a:spcAft>
-                <a:spcPts val="0"/>
-              </a:spcAft>
-              <a:buNone/>
-            </a:pPr>
-            <a:r>
-              <a:t/>
-            </a:r>
+            <a:pPr marL="0" lvl="0" indent="0" algn="l" rtl="0">
+              <a:spcBef>
+                <a:spcPts val="0"/>
+              </a:spcBef>
+              <a:spcAft>
+                <a:spcPts val="0"/>
+              </a:spcAft>
+              <a:buNone/>
+            </a:pPr>
             <a:endParaRPr/>
           </a:p>
         </p:txBody>
@@ -10102,9 +11418,11 @@
       <p:sp>
         <p:nvSpPr>
           <p:cNvPr id="106" name="Google Shape;106;p18"/>
-          <p:cNvSpPr txBox="1"/>
+          <p:cNvSpPr txBox="1">
+            <a:spLocks noGrp="1"/>
+          </p:cNvSpPr>
           <p:nvPr>
-            <p:ph idx="1" type="body"/>
+            <p:ph type="body" idx="1"/>
           </p:nvPr>
         </p:nvSpPr>
         <p:spPr>
@@ -10117,28 +11435,28 @@
           </a:prstGeom>
         </p:spPr>
         <p:txBody>
-          <a:bodyPr anchorCtr="0" anchor="t" bIns="91425" lIns="91425" spcFirstLastPara="1" rIns="91425" wrap="square" tIns="91425">
+          <a:bodyPr spcFirstLastPara="1" wrap="square" lIns="91425" tIns="91425" rIns="91425" bIns="91425" anchor="t" anchorCtr="0">
             <a:normAutofit/>
           </a:bodyPr>
           <a:lstStyle/>
           <a:p>
-            <a:pPr indent="0" lvl="0" marL="0" rtl="0" algn="l">
-              <a:spcBef>
-                <a:spcPts val="0"/>
-              </a:spcBef>
-              <a:spcAft>
-                <a:spcPts val="0"/>
-              </a:spcAft>
-              <a:buNone/>
-            </a:pPr>
-            <a:r>
-              <a:rPr lang="ko"/>
+            <a:pPr marL="0" lvl="0" indent="0" algn="l" rtl="0">
+              <a:spcBef>
+                <a:spcPts val="0"/>
+              </a:spcBef>
+              <a:spcAft>
+                <a:spcPts val="0"/>
+              </a:spcAft>
+              <a:buNone/>
+            </a:pPr>
+            <a:r>
+              <a:rPr lang="ko" dirty="0"/>
               <a:t>workerthread BUF 대신 list로 변경 - workerthread와 1페이지에 패킷 구조체 수정 필요 (패킷 구조체 상속형식으로 변경, workerthread에 list 생성 및 전송 부분 수정)</a:t>
             </a:r>
-            <a:endParaRPr/>
-          </a:p>
-          <a:p>
-            <a:pPr indent="0" lvl="0" marL="0" rtl="0" algn="l">
+            <a:endParaRPr dirty="0"/>
+          </a:p>
+          <a:p>
+            <a:pPr marL="0" lvl="0" indent="0" algn="l" rtl="0">
               <a:spcBef>
                 <a:spcPts val="1200"/>
               </a:spcBef>
@@ -10147,13 +11465,10 @@
               </a:spcAft>
               <a:buNone/>
             </a:pPr>
-            <a:r>
-              <a:t/>
-            </a:r>
-            <a:endParaRPr/>
-          </a:p>
-          <a:p>
-            <a:pPr indent="0" lvl="0" marL="0" rtl="0" algn="l">
+            <a:endParaRPr dirty="0"/>
+          </a:p>
+          <a:p>
+            <a:pPr marL="0" lvl="0" indent="0" algn="l" rtl="0">
               <a:spcBef>
                 <a:spcPts val="1200"/>
               </a:spcBef>
@@ -10163,13 +11478,13 @@
               <a:buNone/>
             </a:pPr>
             <a:r>
-              <a:rPr lang="ko"/>
+              <a:rPr lang="ko" dirty="0"/>
               <a:t>InputEventQueue와 관련해서 동기화 하는 부분 수정 : RecvThread와 HandleInputEvent 함수 내부 수정 필요. 만일 임계영역을 사용하기 위해서 전역변수가 필요하다면 그것도 2페이지에 추가</a:t>
             </a:r>
-            <a:endParaRPr/>
-          </a:p>
-          <a:p>
-            <a:pPr indent="0" lvl="0" marL="0" rtl="0" algn="l">
+            <a:endParaRPr dirty="0"/>
+          </a:p>
+          <a:p>
+            <a:pPr marL="0" lvl="0" indent="0" algn="l" rtl="0">
               <a:spcBef>
                 <a:spcPts val="1200"/>
               </a:spcBef>
@@ -10178,13 +11493,10 @@
               </a:spcAft>
               <a:buNone/>
             </a:pPr>
-            <a:r>
-              <a:t/>
-            </a:r>
-            <a:endParaRPr/>
-          </a:p>
-          <a:p>
-            <a:pPr indent="0" lvl="0" marL="0" rtl="0" algn="l">
+            <a:endParaRPr dirty="0"/>
+          </a:p>
+          <a:p>
+            <a:pPr marL="0" lvl="0" indent="0" algn="l" rtl="0">
               <a:spcBef>
                 <a:spcPts val="1200"/>
               </a:spcBef>
@@ -10193,14 +11505,16 @@
               </a:spcAft>
               <a:buNone/>
             </a:pPr>
-            <a:r>
-              <a:t/>
-            </a:r>
-            <a:endParaRPr/>
+            <a:endParaRPr dirty="0"/>
           </a:p>
         </p:txBody>
       </p:sp>
     </p:spTree>
+    <p:extLst>
+      <p:ext uri="{BB962C8B-B14F-4D97-AF65-F5344CB8AC3E}">
+        <p14:creationId xmlns:p14="http://schemas.microsoft.com/office/powerpoint/2010/main" val="1723864663"/>
+      </p:ext>
+    </p:extLst>
   </p:cSld>
   <p:clrMapOvr>
     <a:masterClrMapping/>
@@ -10209,7 +11523,7 @@
 </file>
 
 <file path=ppt/theme/theme1.xml><?xml version="1.0" encoding="utf-8"?>
-<a:theme xmlns:a="http://schemas.openxmlformats.org/drawingml/2006/main" xmlns:r="http://schemas.openxmlformats.org/officeDocument/2006/relationships" name="Simple Light">
+<a:theme xmlns:a="http://schemas.openxmlformats.org/drawingml/2006/main" name="Simple Light">
   <a:themeElements>
     <a:clrScheme name="Simple Light">
       <a:dk1>
@@ -10484,11 +11798,13 @@
       </a:bgFillStyleLst>
     </a:fmtScheme>
   </a:themeElements>
+  <a:objectDefaults/>
+  <a:extraClrSchemeLst/>
 </a:theme>
 </file>
 
 <file path=ppt/theme/theme2.xml><?xml version="1.0" encoding="utf-8"?>
-<a:theme xmlns:a="http://schemas.openxmlformats.org/drawingml/2006/main" xmlns:r="http://schemas.openxmlformats.org/officeDocument/2006/relationships">
+<a:theme xmlns:a="http://schemas.openxmlformats.org/drawingml/2006/main">
   <a:themeElements>
     <a:clrScheme name="Default">
       <a:dk1>
@@ -10763,5 +12079,7 @@
       </a:bgFillStyleLst>
     </a:fmtScheme>
   </a:themeElements>
+  <a:objectDefaults/>
+  <a:extraClrSchemeLst/>
 </a:theme>
 </file>